--- a/UML/presentationfilrouge.pptx
+++ b/UML/presentationfilrouge.pptx
@@ -2,57 +2,45 @@
 <file path=ppt/presentation.xml><?xml version="1.0" encoding="utf-8"?>
 <p:presentation xmlns:a="http://schemas.openxmlformats.org/drawingml/2006/main" xmlns:r="http://schemas.openxmlformats.org/officeDocument/2006/relationships" xmlns:p="http://schemas.openxmlformats.org/presentationml/2006/main" strictFirstAndLastChars="0" embedTrueTypeFonts="1" saveSubsetFonts="1" autoCompressPictures="0">
   <p:sldMasterIdLst>
-    <p:sldMasterId id="2147484102" r:id="rId1"/>
+    <p:sldMasterId id="2147484124" r:id="rId1"/>
   </p:sldMasterIdLst>
   <p:notesMasterIdLst>
-    <p:notesMasterId r:id="rId19"/>
+    <p:notesMasterId r:id="rId18"/>
   </p:notesMasterIdLst>
   <p:sldIdLst>
     <p:sldId id="256" r:id="rId2"/>
     <p:sldId id="257" r:id="rId3"/>
-    <p:sldId id="258" r:id="rId4"/>
-    <p:sldId id="259" r:id="rId5"/>
-    <p:sldId id="261" r:id="rId6"/>
-    <p:sldId id="260" r:id="rId7"/>
-    <p:sldId id="262" r:id="rId8"/>
-    <p:sldId id="263" r:id="rId9"/>
-    <p:sldId id="265" r:id="rId10"/>
-    <p:sldId id="266" r:id="rId11"/>
-    <p:sldId id="269" r:id="rId12"/>
-    <p:sldId id="270" r:id="rId13"/>
-    <p:sldId id="271" r:id="rId14"/>
-    <p:sldId id="272" r:id="rId15"/>
-    <p:sldId id="273" r:id="rId16"/>
-    <p:sldId id="275" r:id="rId17"/>
-    <p:sldId id="274" r:id="rId18"/>
+    <p:sldId id="259" r:id="rId4"/>
+    <p:sldId id="261" r:id="rId5"/>
+    <p:sldId id="260" r:id="rId6"/>
+    <p:sldId id="262" r:id="rId7"/>
+    <p:sldId id="263" r:id="rId8"/>
+    <p:sldId id="265" r:id="rId9"/>
+    <p:sldId id="266" r:id="rId10"/>
+    <p:sldId id="269" r:id="rId11"/>
+    <p:sldId id="270" r:id="rId12"/>
+    <p:sldId id="271" r:id="rId13"/>
+    <p:sldId id="272" r:id="rId14"/>
+    <p:sldId id="273" r:id="rId15"/>
+    <p:sldId id="275" r:id="rId16"/>
+    <p:sldId id="274" r:id="rId17"/>
   </p:sldIdLst>
   <p:sldSz cx="9144000" cy="5143500" type="screen16x9"/>
   <p:notesSz cx="6858000" cy="9144000"/>
   <p:embeddedFontLst>
     <p:embeddedFont>
-      <p:font typeface="Century Gothic" panose="020B0502020202020204" pitchFamily="34" charset="0"/>
-      <p:regular r:id="rId20"/>
-      <p:bold r:id="rId21"/>
-      <p:italic r:id="rId22"/>
-      <p:boldItalic r:id="rId23"/>
+      <p:font typeface="Gill Sans MT" panose="020B0502020104020203" pitchFamily="34" charset="0"/>
+      <p:regular r:id="rId19"/>
+      <p:bold r:id="rId20"/>
+      <p:italic r:id="rId21"/>
+      <p:boldItalic r:id="rId22"/>
     </p:embeddedFont>
     <p:embeddedFont>
       <p:font typeface="Lato" panose="020F0502020204030203" pitchFamily="34" charset="0"/>
-      <p:regular r:id="rId24"/>
-      <p:bold r:id="rId25"/>
-      <p:italic r:id="rId26"/>
-      <p:boldItalic r:id="rId27"/>
-    </p:embeddedFont>
-    <p:embeddedFont>
-      <p:font typeface="Raleway" pitchFamily="2" charset="0"/>
-      <p:regular r:id="rId28"/>
-      <p:bold r:id="rId29"/>
-      <p:italic r:id="rId30"/>
-      <p:boldItalic r:id="rId31"/>
-    </p:embeddedFont>
-    <p:embeddedFont>
-      <p:font typeface="Wingdings 3" panose="05040102010807070707" pitchFamily="18" charset="2"/>
-      <p:regular r:id="rId32"/>
+      <p:regular r:id="rId23"/>
+      <p:bold r:id="rId24"/>
+      <p:italic r:id="rId25"/>
+      <p:boldItalic r:id="rId26"/>
     </p:embeddedFont>
   </p:embeddedFontLst>
   <p:defaultTextStyle>
@@ -708,7 +696,7 @@
   <p:cSld>
     <p:spTree>
       <p:nvGrpSpPr>
-        <p:cNvPr id="1" name="Shape 1575"/>
+        <p:cNvPr id="1" name="Shape 1593"/>
         <p:cNvGrpSpPr/>
         <p:nvPr/>
       </p:nvGrpSpPr>
@@ -722,7 +710,7 @@
       </p:grpSpPr>
       <p:sp>
         <p:nvSpPr>
-          <p:cNvPr id="1576" name="Google Shape;1576;g7a4c7d2d54_0_58:notes"/>
+          <p:cNvPr id="1594" name="Google Shape;1594;g7a4c7d2d54_0_73:notes"/>
           <p:cNvSpPr>
             <a:spLocks noGrp="1" noRot="1" noChangeAspect="1"/>
           </p:cNvSpPr>
@@ -763,7 +751,7 @@
       </p:sp>
       <p:sp>
         <p:nvSpPr>
-          <p:cNvPr id="1577" name="Google Shape;1577;g7a4c7d2d54_0_58:notes"/>
+          <p:cNvPr id="1595" name="Google Shape;1595;g7a4c7d2d54_0_73:notes"/>
           <p:cNvSpPr txBox="1">
             <a:spLocks noGrp="1"/>
           </p:cNvSpPr>
@@ -812,7 +800,7 @@
   <p:cSld>
     <p:spTree>
       <p:nvGrpSpPr>
-        <p:cNvPr id="1" name="Shape 1593"/>
+        <p:cNvPr id="1" name="Shape 1598"/>
         <p:cNvGrpSpPr/>
         <p:nvPr/>
       </p:nvGrpSpPr>
@@ -826,7 +814,7 @@
       </p:grpSpPr>
       <p:sp>
         <p:nvSpPr>
-          <p:cNvPr id="1594" name="Google Shape;1594;g7a4c7d2d54_0_73:notes"/>
+          <p:cNvPr id="1599" name="Google Shape;1599;g7a4c7d2d54_0_77:notes"/>
           <p:cNvSpPr>
             <a:spLocks noGrp="1" noRot="1" noChangeAspect="1"/>
           </p:cNvSpPr>
@@ -867,7 +855,7 @@
       </p:sp>
       <p:sp>
         <p:nvSpPr>
-          <p:cNvPr id="1595" name="Google Shape;1595;g7a4c7d2d54_0_73:notes"/>
+          <p:cNvPr id="1600" name="Google Shape;1600;g7a4c7d2d54_0_77:notes"/>
           <p:cNvSpPr txBox="1">
             <a:spLocks noGrp="1"/>
           </p:cNvSpPr>
@@ -916,7 +904,7 @@
   <p:cSld>
     <p:spTree>
       <p:nvGrpSpPr>
-        <p:cNvPr id="1" name="Shape 1598"/>
+        <p:cNvPr id="1" name="Shape 1604"/>
         <p:cNvGrpSpPr/>
         <p:nvPr/>
       </p:nvGrpSpPr>
@@ -930,7 +918,7 @@
       </p:grpSpPr>
       <p:sp>
         <p:nvSpPr>
-          <p:cNvPr id="1599" name="Google Shape;1599;g7a4c7d2d54_0_77:notes"/>
+          <p:cNvPr id="1605" name="Google Shape;1605;g7a4c7d2d54_0_82:notes"/>
           <p:cNvSpPr>
             <a:spLocks noGrp="1" noRot="1" noChangeAspect="1"/>
           </p:cNvSpPr>
@@ -971,7 +959,7 @@
       </p:sp>
       <p:sp>
         <p:nvSpPr>
-          <p:cNvPr id="1600" name="Google Shape;1600;g7a4c7d2d54_0_77:notes"/>
+          <p:cNvPr id="1606" name="Google Shape;1606;g7a4c7d2d54_0_82:notes"/>
           <p:cNvSpPr txBox="1">
             <a:spLocks noGrp="1"/>
           </p:cNvSpPr>
@@ -1020,7 +1008,7 @@
   <p:cSld>
     <p:spTree>
       <p:nvGrpSpPr>
-        <p:cNvPr id="1" name="Shape 1604"/>
+        <p:cNvPr id="1" name="Shape 1610"/>
         <p:cNvGrpSpPr/>
         <p:nvPr/>
       </p:nvGrpSpPr>
@@ -1034,7 +1022,7 @@
       </p:grpSpPr>
       <p:sp>
         <p:nvSpPr>
-          <p:cNvPr id="1605" name="Google Shape;1605;g7a4c7d2d54_0_82:notes"/>
+          <p:cNvPr id="1611" name="Google Shape;1611;gd6a48d76a9_0_0:notes"/>
           <p:cNvSpPr>
             <a:spLocks noGrp="1" noRot="1" noChangeAspect="1"/>
           </p:cNvSpPr>
@@ -1075,7 +1063,7 @@
       </p:sp>
       <p:sp>
         <p:nvSpPr>
-          <p:cNvPr id="1606" name="Google Shape;1606;g7a4c7d2d54_0_82:notes"/>
+          <p:cNvPr id="1612" name="Google Shape;1612;gd6a48d76a9_0_0:notes"/>
           <p:cNvSpPr txBox="1">
             <a:spLocks noGrp="1"/>
           </p:cNvSpPr>
@@ -1124,7 +1112,7 @@
   <p:cSld>
     <p:spTree>
       <p:nvGrpSpPr>
-        <p:cNvPr id="1" name="Shape 1610"/>
+        <p:cNvPr id="1" name="Shape 1615"/>
         <p:cNvGrpSpPr/>
         <p:nvPr/>
       </p:nvGrpSpPr>
@@ -1138,7 +1126,7 @@
       </p:grpSpPr>
       <p:sp>
         <p:nvSpPr>
-          <p:cNvPr id="1611" name="Google Shape;1611;gd6a48d76a9_0_0:notes"/>
+          <p:cNvPr id="1616" name="Google Shape;1616;gd6a48d76a9_0_4:notes"/>
           <p:cNvSpPr>
             <a:spLocks noGrp="1" noRot="1" noChangeAspect="1"/>
           </p:cNvSpPr>
@@ -1179,7 +1167,7 @@
       </p:sp>
       <p:sp>
         <p:nvSpPr>
-          <p:cNvPr id="1612" name="Google Shape;1612;gd6a48d76a9_0_0:notes"/>
+          <p:cNvPr id="1617" name="Google Shape;1617;gd6a48d76a9_0_4:notes"/>
           <p:cNvSpPr txBox="1">
             <a:spLocks noGrp="1"/>
           </p:cNvSpPr>
@@ -1320,110 +1308,6 @@
         </p:txBody>
       </p:sp>
     </p:spTree>
-  </p:cSld>
-  <p:clrMapOvr>
-    <a:masterClrMapping/>
-  </p:clrMapOvr>
-</p:notes>
-</file>
-
-<file path=ppt/notesSlides/notesSlide16.xml><?xml version="1.0" encoding="utf-8"?>
-<p:notes xmlns:a="http://schemas.openxmlformats.org/drawingml/2006/main" xmlns:r="http://schemas.openxmlformats.org/officeDocument/2006/relationships" xmlns:p="http://schemas.openxmlformats.org/presentationml/2006/main" showMasterSp="0" showMasterPhAnim="0">
-  <p:cSld>
-    <p:spTree>
-      <p:nvGrpSpPr>
-        <p:cNvPr id="1" name="Shape 1615"/>
-        <p:cNvGrpSpPr/>
-        <p:nvPr/>
-      </p:nvGrpSpPr>
-      <p:grpSpPr>
-        <a:xfrm>
-          <a:off x="0" y="0"/>
-          <a:ext cx="0" cy="0"/>
-          <a:chOff x="0" y="0"/>
-          <a:chExt cx="0" cy="0"/>
-        </a:xfrm>
-      </p:grpSpPr>
-      <p:sp>
-        <p:nvSpPr>
-          <p:cNvPr id="1616" name="Google Shape;1616;gd6a48d76a9_0_4:notes"/>
-          <p:cNvSpPr>
-            <a:spLocks noGrp="1" noRot="1" noChangeAspect="1"/>
-          </p:cNvSpPr>
-          <p:nvPr>
-            <p:ph type="sldImg" idx="2"/>
-          </p:nvPr>
-        </p:nvSpPr>
-        <p:spPr>
-          <a:xfrm>
-            <a:off x="381000" y="685800"/>
-            <a:ext cx="6096000" cy="3429000"/>
-          </a:xfrm>
-          <a:custGeom>
-            <a:avLst/>
-            <a:gdLst/>
-            <a:ahLst/>
-            <a:cxnLst/>
-            <a:rect l="l" t="t" r="r" b="b"/>
-            <a:pathLst>
-              <a:path w="120000" h="120000" extrusionOk="0">
-                <a:moveTo>
-                  <a:pt x="0" y="0"/>
-                </a:moveTo>
-                <a:lnTo>
-                  <a:pt x="120000" y="0"/>
-                </a:lnTo>
-                <a:lnTo>
-                  <a:pt x="120000" y="120000"/>
-                </a:lnTo>
-                <a:lnTo>
-                  <a:pt x="0" y="120000"/>
-                </a:lnTo>
-                <a:close/>
-              </a:path>
-            </a:pathLst>
-          </a:custGeom>
-        </p:spPr>
-      </p:sp>
-      <p:sp>
-        <p:nvSpPr>
-          <p:cNvPr id="1617" name="Google Shape;1617;gd6a48d76a9_0_4:notes"/>
-          <p:cNvSpPr txBox="1">
-            <a:spLocks noGrp="1"/>
-          </p:cNvSpPr>
-          <p:nvPr>
-            <p:ph type="body" idx="1"/>
-          </p:nvPr>
-        </p:nvSpPr>
-        <p:spPr>
-          <a:xfrm>
-            <a:off x="685800" y="4343400"/>
-            <a:ext cx="5486400" cy="4114800"/>
-          </a:xfrm>
-          <a:prstGeom prst="rect">
-            <a:avLst/>
-          </a:prstGeom>
-        </p:spPr>
-        <p:txBody>
-          <a:bodyPr spcFirstLastPara="1" wrap="square" lIns="91425" tIns="91425" rIns="91425" bIns="91425" anchor="t" anchorCtr="0">
-            <a:noAutofit/>
-          </a:bodyPr>
-          <a:lstStyle/>
-          <a:p>
-            <a:pPr marL="0" lvl="0" indent="0" algn="l" rtl="0">
-              <a:spcBef>
-                <a:spcPts val="0"/>
-              </a:spcBef>
-              <a:spcAft>
-                <a:spcPts val="0"/>
-              </a:spcAft>
-              <a:buNone/>
-            </a:pPr>
-            <a:endParaRPr/>
-          </a:p>
-        </p:txBody>
-      </p:sp>
-    </p:spTree>
     <p:extLst>
       <p:ext uri="{BB962C8B-B14F-4D97-AF65-F5344CB8AC3E}">
         <p14:creationId xmlns:p14="http://schemas.microsoft.com/office/powerpoint/2010/main" val="757629972"/>
@@ -1436,7 +1320,7 @@
 </p:notes>
 </file>
 
-<file path=ppt/notesSlides/notesSlide17.xml><?xml version="1.0" encoding="utf-8"?>
+<file path=ppt/notesSlides/notesSlide16.xml><?xml version="1.0" encoding="utf-8"?>
 <p:notes xmlns:a="http://schemas.openxmlformats.org/drawingml/2006/main" xmlns:r="http://schemas.openxmlformats.org/officeDocument/2006/relationships" xmlns:p="http://schemas.openxmlformats.org/presentationml/2006/main" showMasterSp="0" showMasterPhAnim="0">
   <p:cSld>
     <p:spTree>
@@ -1649,7 +1533,7 @@
   <p:cSld>
     <p:spTree>
       <p:nvGrpSpPr>
-        <p:cNvPr id="1" name="Shape 1530"/>
+        <p:cNvPr id="1" name="Shape 1536"/>
         <p:cNvGrpSpPr/>
         <p:nvPr/>
       </p:nvGrpSpPr>
@@ -1663,7 +1547,7 @@
       </p:grpSpPr>
       <p:sp>
         <p:nvSpPr>
-          <p:cNvPr id="1531" name="Google Shape;1531;g7a4c7d2d54_0_45:notes"/>
+          <p:cNvPr id="1537" name="Google Shape;1537;g7a4c7d2d54_0_15:notes"/>
           <p:cNvSpPr>
             <a:spLocks noGrp="1" noRot="1" noChangeAspect="1"/>
           </p:cNvSpPr>
@@ -1704,7 +1588,7 @@
       </p:sp>
       <p:sp>
         <p:nvSpPr>
-          <p:cNvPr id="1532" name="Google Shape;1532;g7a4c7d2d54_0_45:notes"/>
+          <p:cNvPr id="1538" name="Google Shape;1538;g7a4c7d2d54_0_15:notes"/>
           <p:cNvSpPr txBox="1">
             <a:spLocks noGrp="1"/>
           </p:cNvSpPr>
@@ -1753,7 +1637,7 @@
   <p:cSld>
     <p:spTree>
       <p:nvGrpSpPr>
-        <p:cNvPr id="1" name="Shape 1536"/>
+        <p:cNvPr id="1" name="Shape 1547"/>
         <p:cNvGrpSpPr/>
         <p:nvPr/>
       </p:nvGrpSpPr>
@@ -1767,7 +1651,7 @@
       </p:grpSpPr>
       <p:sp>
         <p:nvSpPr>
-          <p:cNvPr id="1537" name="Google Shape;1537;g7a4c7d2d54_0_15:notes"/>
+          <p:cNvPr id="1548" name="Google Shape;1548;g7a4c7d2d54_0_25:notes"/>
           <p:cNvSpPr>
             <a:spLocks noGrp="1" noRot="1" noChangeAspect="1"/>
           </p:cNvSpPr>
@@ -1808,7 +1692,7 @@
       </p:sp>
       <p:sp>
         <p:nvSpPr>
-          <p:cNvPr id="1538" name="Google Shape;1538;g7a4c7d2d54_0_15:notes"/>
+          <p:cNvPr id="1549" name="Google Shape;1549;g7a4c7d2d54_0_25:notes"/>
           <p:cNvSpPr txBox="1">
             <a:spLocks noGrp="1"/>
           </p:cNvSpPr>
@@ -1857,7 +1741,7 @@
   <p:cSld>
     <p:spTree>
       <p:nvGrpSpPr>
-        <p:cNvPr id="1" name="Shape 1547"/>
+        <p:cNvPr id="1" name="Shape 1541"/>
         <p:cNvGrpSpPr/>
         <p:nvPr/>
       </p:nvGrpSpPr>
@@ -1871,7 +1755,7 @@
       </p:grpSpPr>
       <p:sp>
         <p:nvSpPr>
-          <p:cNvPr id="1548" name="Google Shape;1548;g7a4c7d2d54_0_25:notes"/>
+          <p:cNvPr id="1542" name="Google Shape;1542;g7a4c7d2d54_0_20:notes"/>
           <p:cNvSpPr>
             <a:spLocks noGrp="1" noRot="1" noChangeAspect="1"/>
           </p:cNvSpPr>
@@ -1912,7 +1796,7 @@
       </p:sp>
       <p:sp>
         <p:nvSpPr>
-          <p:cNvPr id="1549" name="Google Shape;1549;g7a4c7d2d54_0_25:notes"/>
+          <p:cNvPr id="1543" name="Google Shape;1543;g7a4c7d2d54_0_20:notes"/>
           <p:cNvSpPr txBox="1">
             <a:spLocks noGrp="1"/>
           </p:cNvSpPr>
@@ -1961,7 +1845,7 @@
   <p:cSld>
     <p:spTree>
       <p:nvGrpSpPr>
-        <p:cNvPr id="1" name="Shape 1541"/>
+        <p:cNvPr id="1" name="Shape 1553"/>
         <p:cNvGrpSpPr/>
         <p:nvPr/>
       </p:nvGrpSpPr>
@@ -1975,7 +1859,7 @@
       </p:grpSpPr>
       <p:sp>
         <p:nvSpPr>
-          <p:cNvPr id="1542" name="Google Shape;1542;g7a4c7d2d54_0_20:notes"/>
+          <p:cNvPr id="1554" name="Google Shape;1554;g7a4c7d2d54_0_50:notes"/>
           <p:cNvSpPr>
             <a:spLocks noGrp="1" noRot="1" noChangeAspect="1"/>
           </p:cNvSpPr>
@@ -2016,7 +1900,7 @@
       </p:sp>
       <p:sp>
         <p:nvSpPr>
-          <p:cNvPr id="1543" name="Google Shape;1543;g7a4c7d2d54_0_20:notes"/>
+          <p:cNvPr id="1555" name="Google Shape;1555;g7a4c7d2d54_0_50:notes"/>
           <p:cNvSpPr txBox="1">
             <a:spLocks noGrp="1"/>
           </p:cNvSpPr>
@@ -2065,7 +1949,7 @@
   <p:cSld>
     <p:spTree>
       <p:nvGrpSpPr>
-        <p:cNvPr id="1" name="Shape 1553"/>
+        <p:cNvPr id="1" name="Shape 1558"/>
         <p:cNvGrpSpPr/>
         <p:nvPr/>
       </p:nvGrpSpPr>
@@ -2079,7 +1963,7 @@
       </p:grpSpPr>
       <p:sp>
         <p:nvSpPr>
-          <p:cNvPr id="1554" name="Google Shape;1554;g7a4c7d2d54_0_50:notes"/>
+          <p:cNvPr id="1559" name="Google Shape;1559;g7a4c7d2d54_0_30:notes"/>
           <p:cNvSpPr>
             <a:spLocks noGrp="1" noRot="1" noChangeAspect="1"/>
           </p:cNvSpPr>
@@ -2120,7 +2004,7 @@
       </p:sp>
       <p:sp>
         <p:nvSpPr>
-          <p:cNvPr id="1555" name="Google Shape;1555;g7a4c7d2d54_0_50:notes"/>
+          <p:cNvPr id="1560" name="Google Shape;1560;g7a4c7d2d54_0_30:notes"/>
           <p:cNvSpPr txBox="1">
             <a:spLocks noGrp="1"/>
           </p:cNvSpPr>
@@ -2169,7 +2053,7 @@
   <p:cSld>
     <p:spTree>
       <p:nvGrpSpPr>
-        <p:cNvPr id="1" name="Shape 1558"/>
+        <p:cNvPr id="1" name="Shape 1570"/>
         <p:cNvGrpSpPr/>
         <p:nvPr/>
       </p:nvGrpSpPr>
@@ -2183,7 +2067,7 @@
       </p:grpSpPr>
       <p:sp>
         <p:nvSpPr>
-          <p:cNvPr id="1559" name="Google Shape;1559;g7a4c7d2d54_0_30:notes"/>
+          <p:cNvPr id="1571" name="Google Shape;1571;g7a4c7d2d54_0_54:notes"/>
           <p:cNvSpPr>
             <a:spLocks noGrp="1" noRot="1" noChangeAspect="1"/>
           </p:cNvSpPr>
@@ -2224,7 +2108,7 @@
       </p:sp>
       <p:sp>
         <p:nvSpPr>
-          <p:cNvPr id="1560" name="Google Shape;1560;g7a4c7d2d54_0_30:notes"/>
+          <p:cNvPr id="1572" name="Google Shape;1572;g7a4c7d2d54_0_54:notes"/>
           <p:cNvSpPr txBox="1">
             <a:spLocks noGrp="1"/>
           </p:cNvSpPr>
@@ -2273,7 +2157,7 @@
   <p:cSld>
     <p:spTree>
       <p:nvGrpSpPr>
-        <p:cNvPr id="1" name="Shape 1570"/>
+        <p:cNvPr id="1" name="Shape 1575"/>
         <p:cNvGrpSpPr/>
         <p:nvPr/>
       </p:nvGrpSpPr>
@@ -2287,7 +2171,7 @@
       </p:grpSpPr>
       <p:sp>
         <p:nvSpPr>
-          <p:cNvPr id="1571" name="Google Shape;1571;g7a4c7d2d54_0_54:notes"/>
+          <p:cNvPr id="1576" name="Google Shape;1576;g7a4c7d2d54_0_58:notes"/>
           <p:cNvSpPr>
             <a:spLocks noGrp="1" noRot="1" noChangeAspect="1"/>
           </p:cNvSpPr>
@@ -2328,7 +2212,7 @@
       </p:sp>
       <p:sp>
         <p:nvSpPr>
-          <p:cNvPr id="1572" name="Google Shape;1572;g7a4c7d2d54_0_54:notes"/>
+          <p:cNvPr id="1577" name="Google Shape;1577;g7a4c7d2d54_0_58:notes"/>
           <p:cNvSpPr txBox="1">
             <a:spLocks noGrp="1"/>
           </p:cNvSpPr>
@@ -2401,15 +2285,17 @@
         </p:nvSpPr>
         <p:spPr>
           <a:xfrm>
-            <a:off x="866216" y="1085850"/>
-            <a:ext cx="6619244" cy="2497186"/>
-          </a:xfrm>
-        </p:spPr>
-        <p:txBody>
-          <a:bodyPr anchor="b"/>
+            <a:off x="1813335" y="601724"/>
+            <a:ext cx="6477805" cy="1906073"/>
+          </a:xfrm>
+        </p:spPr>
+        <p:txBody>
+          <a:bodyPr bIns="0" anchor="b">
+            <a:normAutofit/>
+          </a:bodyPr>
           <a:lstStyle>
-            <a:lvl1pPr>
-              <a:defRPr sz="5400"/>
+            <a:lvl1pPr algn="l">
+              <a:defRPr sz="4950"/>
             </a:lvl1pPr>
           </a:lstStyle>
           <a:p>
@@ -2433,103 +2319,54 @@
         </p:nvSpPr>
         <p:spPr>
           <a:xfrm>
-            <a:off x="866216" y="3583035"/>
-            <a:ext cx="6619244" cy="646065"/>
-          </a:xfrm>
-        </p:spPr>
-        <p:txBody>
-          <a:bodyPr anchor="t"/>
+            <a:off x="1813335" y="2648403"/>
+            <a:ext cx="6477804" cy="733216"/>
+          </a:xfrm>
+        </p:spPr>
+        <p:txBody>
+          <a:bodyPr tIns="91440" bIns="91440">
+            <a:normAutofit/>
+          </a:bodyPr>
           <a:lstStyle>
             <a:lvl1pPr marL="0" indent="0" algn="l">
               <a:buNone/>
-              <a:defRPr cap="all">
+              <a:defRPr sz="1350" b="0" cap="all" baseline="0">
                 <a:solidFill>
-                  <a:schemeClr val="bg2">
-                    <a:lumMod val="40000"/>
-                    <a:lumOff val="60000"/>
-                  </a:schemeClr>
+                  <a:schemeClr val="tx1"/>
                 </a:solidFill>
               </a:defRPr>
             </a:lvl1pPr>
             <a:lvl2pPr marL="342900" indent="0" algn="ctr">
               <a:buNone/>
-              <a:defRPr>
-                <a:solidFill>
-                  <a:schemeClr val="tx1">
-                    <a:tint val="75000"/>
-                  </a:schemeClr>
-                </a:solidFill>
-              </a:defRPr>
+              <a:defRPr sz="1350"/>
             </a:lvl2pPr>
             <a:lvl3pPr marL="685800" indent="0" algn="ctr">
               <a:buNone/>
-              <a:defRPr>
-                <a:solidFill>
-                  <a:schemeClr val="tx1">
-                    <a:tint val="75000"/>
-                  </a:schemeClr>
-                </a:solidFill>
-              </a:defRPr>
+              <a:defRPr sz="1350"/>
             </a:lvl3pPr>
             <a:lvl4pPr marL="1028700" indent="0" algn="ctr">
               <a:buNone/>
-              <a:defRPr>
-                <a:solidFill>
-                  <a:schemeClr val="tx1">
-                    <a:tint val="75000"/>
-                  </a:schemeClr>
-                </a:solidFill>
-              </a:defRPr>
+              <a:defRPr sz="1200"/>
             </a:lvl4pPr>
             <a:lvl5pPr marL="1371600" indent="0" algn="ctr">
               <a:buNone/>
-              <a:defRPr>
-                <a:solidFill>
-                  <a:schemeClr val="tx1">
-                    <a:tint val="75000"/>
-                  </a:schemeClr>
-                </a:solidFill>
-              </a:defRPr>
+              <a:defRPr sz="1200"/>
             </a:lvl5pPr>
             <a:lvl6pPr marL="1714500" indent="0" algn="ctr">
               <a:buNone/>
-              <a:defRPr>
-                <a:solidFill>
-                  <a:schemeClr val="tx1">
-                    <a:tint val="75000"/>
-                  </a:schemeClr>
-                </a:solidFill>
-              </a:defRPr>
+              <a:defRPr sz="1200"/>
             </a:lvl6pPr>
             <a:lvl7pPr marL="2057400" indent="0" algn="ctr">
               <a:buNone/>
-              <a:defRPr>
-                <a:solidFill>
-                  <a:schemeClr val="tx1">
-                    <a:tint val="75000"/>
-                  </a:schemeClr>
-                </a:solidFill>
-              </a:defRPr>
+              <a:defRPr sz="1200"/>
             </a:lvl7pPr>
             <a:lvl8pPr marL="2400300" indent="0" algn="ctr">
               <a:buNone/>
-              <a:defRPr>
-                <a:solidFill>
-                  <a:schemeClr val="tx1">
-                    <a:tint val="75000"/>
-                  </a:schemeClr>
-                </a:solidFill>
-              </a:defRPr>
+              <a:defRPr sz="1200"/>
             </a:lvl8pPr>
             <a:lvl9pPr marL="2743200" indent="0" algn="ctr">
               <a:buNone/>
-              <a:defRPr>
-                <a:solidFill>
-                  <a:schemeClr val="tx1">
-                    <a:tint val="75000"/>
-                  </a:schemeClr>
-                </a:solidFill>
-              </a:defRPr>
+              <a:defRPr sz="1200"/>
             </a:lvl9pPr>
           </a:lstStyle>
           <a:p>
@@ -2558,7 +2395,7 @@
           <a:p>
             <a:fld id="{4AAD347D-5ACD-4C99-B74B-A9C85AD731AF}" type="datetimeFigureOut">
               <a:rPr lang="en-US" smtClean="0"/>
-              <a:t>6/13/2022</a:t>
+              <a:t>6/17/2022</a:t>
             </a:fld>
             <a:endParaRPr lang="en-US" dirty="0"/>
           </a:p>
@@ -2574,7 +2411,12 @@
             <p:ph type="ftr" sz="quarter" idx="11"/>
           </p:nvPr>
         </p:nvSpPr>
-        <p:spPr/>
+        <p:spPr>
+          <a:xfrm>
+            <a:off x="1812376" y="246981"/>
+            <a:ext cx="3730436" cy="231901"/>
+          </a:xfrm>
+        </p:spPr>
         <p:txBody>
           <a:bodyPr/>
           <a:lstStyle/>
@@ -2593,7 +2435,12 @@
             <p:ph type="sldNum" sz="quarter" idx="12"/>
           </p:nvPr>
         </p:nvSpPr>
-        <p:spPr/>
+        <p:spPr>
+          <a:xfrm>
+            <a:off x="1078249" y="599230"/>
+            <a:ext cx="608264" cy="377684"/>
+          </a:xfrm>
+        </p:spPr>
         <p:txBody>
           <a:bodyPr/>
           <a:lstStyle/>
@@ -2606,10 +2453,41 @@
           </a:p>
         </p:txBody>
       </p:sp>
+      <p:cxnSp>
+        <p:nvCxnSpPr>
+          <p:cNvPr id="15" name="Straight Connector 14"/>
+          <p:cNvCxnSpPr/>
+          <p:nvPr/>
+        </p:nvCxnSpPr>
+        <p:spPr>
+          <a:xfrm>
+            <a:off x="1813335" y="2646407"/>
+            <a:ext cx="6477804" cy="0"/>
+          </a:xfrm>
+          <a:prstGeom prst="line">
+            <a:avLst/>
+          </a:prstGeom>
+          <a:ln w="31750"/>
+        </p:spPr>
+        <p:style>
+          <a:lnRef idx="3">
+            <a:schemeClr val="accent1"/>
+          </a:lnRef>
+          <a:fillRef idx="0">
+            <a:schemeClr val="accent1"/>
+          </a:fillRef>
+          <a:effectRef idx="2">
+            <a:schemeClr val="accent1"/>
+          </a:effectRef>
+          <a:fontRef idx="minor">
+            <a:schemeClr val="tx1"/>
+          </a:fontRef>
+        </p:style>
+      </p:cxnSp>
     </p:spTree>
     <p:extLst>
       <p:ext uri="{BB962C8B-B14F-4D97-AF65-F5344CB8AC3E}">
-        <p14:creationId xmlns:p14="http://schemas.microsoft.com/office/powerpoint/2010/main" val="3162671982"/>
+        <p14:creationId xmlns:p14="http://schemas.microsoft.com/office/powerpoint/2010/main" val="853130698"/>
       </p:ext>
     </p:extLst>
   </p:cSld>
@@ -2621,2578 +2499,6 @@
 </file>
 
 <file path=ppt/slideLayouts/slideLayout10.xml><?xml version="1.0" encoding="utf-8"?>
-<p:sldLayout xmlns:a="http://schemas.openxmlformats.org/drawingml/2006/main" xmlns:r="http://schemas.openxmlformats.org/officeDocument/2006/relationships" xmlns:p="http://schemas.openxmlformats.org/presentationml/2006/main" preserve="1">
-  <p:cSld name="Panoramic Picture with Caption">
-    <p:spTree>
-      <p:nvGrpSpPr>
-        <p:cNvPr id="1" name=""/>
-        <p:cNvGrpSpPr/>
-        <p:nvPr/>
-      </p:nvGrpSpPr>
-      <p:grpSpPr>
-        <a:xfrm>
-          <a:off x="0" y="0"/>
-          <a:ext cx="0" cy="0"/>
-          <a:chOff x="0" y="0"/>
-          <a:chExt cx="0" cy="0"/>
-        </a:xfrm>
-      </p:grpSpPr>
-      <p:sp>
-        <p:nvSpPr>
-          <p:cNvPr id="2" name="Title 1"/>
-          <p:cNvSpPr>
-            <a:spLocks noGrp="1"/>
-          </p:cNvSpPr>
-          <p:nvPr>
-            <p:ph type="title"/>
-          </p:nvPr>
-        </p:nvSpPr>
-        <p:spPr>
-          <a:xfrm>
-            <a:off x="866217" y="3600440"/>
-            <a:ext cx="6619243" cy="425054"/>
-          </a:xfrm>
-        </p:spPr>
-        <p:txBody>
-          <a:bodyPr anchor="b">
-            <a:normAutofit/>
-          </a:bodyPr>
-          <a:lstStyle>
-            <a:lvl1pPr algn="l">
-              <a:defRPr sz="1800" b="0"/>
-            </a:lvl1pPr>
-          </a:lstStyle>
-          <a:p>
-            <a:r>
-              <a:rPr lang="en-US"/>
-              <a:t>Click to edit Master title style</a:t>
-            </a:r>
-            <a:endParaRPr lang="en-US" dirty="0"/>
-          </a:p>
-        </p:txBody>
-      </p:sp>
-      <p:sp>
-        <p:nvSpPr>
-          <p:cNvPr id="3" name="Picture Placeholder 2"/>
-          <p:cNvSpPr>
-            <a:spLocks noGrp="1" noChangeAspect="1"/>
-          </p:cNvSpPr>
-          <p:nvPr>
-            <p:ph type="pic" idx="1"/>
-          </p:nvPr>
-        </p:nvSpPr>
-        <p:spPr>
-          <a:xfrm>
-            <a:off x="866216" y="514350"/>
-            <a:ext cx="6619244" cy="2730500"/>
-          </a:xfrm>
-          <a:prstGeom prst="roundRect">
-            <a:avLst>
-              <a:gd name="adj" fmla="val 1858"/>
-            </a:avLst>
-          </a:prstGeom>
-          <a:effectLst>
-            <a:outerShdw blurRad="50800" dist="50800" dir="5400000" algn="tl" rotWithShape="0">
-              <a:srgbClr val="000000">
-                <a:alpha val="43000"/>
-              </a:srgbClr>
-            </a:outerShdw>
-          </a:effectLst>
-        </p:spPr>
-        <p:txBody>
-          <a:bodyPr anchor="t">
-            <a:normAutofit/>
-          </a:bodyPr>
-          <a:lstStyle>
-            <a:lvl1pPr marL="0" indent="0" algn="ctr">
-              <a:buNone/>
-              <a:defRPr sz="1200"/>
-            </a:lvl1pPr>
-            <a:lvl2pPr marL="342900" indent="0">
-              <a:buNone/>
-              <a:defRPr sz="1200"/>
-            </a:lvl2pPr>
-            <a:lvl3pPr marL="685800" indent="0">
-              <a:buNone/>
-              <a:defRPr sz="1200"/>
-            </a:lvl3pPr>
-            <a:lvl4pPr marL="1028700" indent="0">
-              <a:buNone/>
-              <a:defRPr sz="1200"/>
-            </a:lvl4pPr>
-            <a:lvl5pPr marL="1371600" indent="0">
-              <a:buNone/>
-              <a:defRPr sz="1200"/>
-            </a:lvl5pPr>
-            <a:lvl6pPr marL="1714500" indent="0">
-              <a:buNone/>
-              <a:defRPr sz="1200"/>
-            </a:lvl6pPr>
-            <a:lvl7pPr marL="2057400" indent="0">
-              <a:buNone/>
-              <a:defRPr sz="1200"/>
-            </a:lvl7pPr>
-            <a:lvl8pPr marL="2400300" indent="0">
-              <a:buNone/>
-              <a:defRPr sz="1200"/>
-            </a:lvl8pPr>
-            <a:lvl9pPr marL="2743200" indent="0">
-              <a:buNone/>
-              <a:defRPr sz="1200"/>
-            </a:lvl9pPr>
-          </a:lstStyle>
-          <a:p>
-            <a:r>
-              <a:rPr lang="en-US"/>
-              <a:t>Click icon to add picture</a:t>
-            </a:r>
-            <a:endParaRPr lang="en-US" dirty="0"/>
-          </a:p>
-        </p:txBody>
-      </p:sp>
-      <p:sp>
-        <p:nvSpPr>
-          <p:cNvPr id="4" name="Text Placeholder 3"/>
-          <p:cNvSpPr>
-            <a:spLocks noGrp="1"/>
-          </p:cNvSpPr>
-          <p:nvPr>
-            <p:ph type="body" sz="half" idx="2"/>
-          </p:nvPr>
-        </p:nvSpPr>
-        <p:spPr>
-          <a:xfrm>
-            <a:off x="866217" y="4025494"/>
-            <a:ext cx="6619242" cy="370284"/>
-          </a:xfrm>
-        </p:spPr>
-        <p:txBody>
-          <a:bodyPr>
-            <a:normAutofit/>
-          </a:bodyPr>
-          <a:lstStyle>
-            <a:lvl1pPr marL="0" indent="0">
-              <a:buNone/>
-              <a:defRPr sz="900"/>
-            </a:lvl1pPr>
-            <a:lvl2pPr marL="342900" indent="0">
-              <a:buNone/>
-              <a:defRPr sz="900"/>
-            </a:lvl2pPr>
-            <a:lvl3pPr marL="685800" indent="0">
-              <a:buNone/>
-              <a:defRPr sz="750"/>
-            </a:lvl3pPr>
-            <a:lvl4pPr marL="1028700" indent="0">
-              <a:buNone/>
-              <a:defRPr sz="675"/>
-            </a:lvl4pPr>
-            <a:lvl5pPr marL="1371600" indent="0">
-              <a:buNone/>
-              <a:defRPr sz="675"/>
-            </a:lvl5pPr>
-            <a:lvl6pPr marL="1714500" indent="0">
-              <a:buNone/>
-              <a:defRPr sz="675"/>
-            </a:lvl6pPr>
-            <a:lvl7pPr marL="2057400" indent="0">
-              <a:buNone/>
-              <a:defRPr sz="675"/>
-            </a:lvl7pPr>
-            <a:lvl8pPr marL="2400300" indent="0">
-              <a:buNone/>
-              <a:defRPr sz="675"/>
-            </a:lvl8pPr>
-            <a:lvl9pPr marL="2743200" indent="0">
-              <a:buNone/>
-              <a:defRPr sz="675"/>
-            </a:lvl9pPr>
-          </a:lstStyle>
-          <a:p>
-            <a:pPr lvl="0"/>
-            <a:r>
-              <a:rPr lang="en-US"/>
-              <a:t>Click to edit Master text styles</a:t>
-            </a:r>
-          </a:p>
-        </p:txBody>
-      </p:sp>
-      <p:sp>
-        <p:nvSpPr>
-          <p:cNvPr id="5" name="Date Placeholder 4"/>
-          <p:cNvSpPr>
-            <a:spLocks noGrp="1"/>
-          </p:cNvSpPr>
-          <p:nvPr>
-            <p:ph type="dt" sz="half" idx="10"/>
-          </p:nvPr>
-        </p:nvSpPr>
-        <p:spPr/>
-        <p:txBody>
-          <a:bodyPr/>
-          <a:lstStyle/>
-          <a:p>
-            <a:fld id="{4AAD347D-5ACD-4C99-B74B-A9C85AD731AF}" type="datetimeFigureOut">
-              <a:rPr lang="en-US" smtClean="0"/>
-              <a:t>6/13/2022</a:t>
-            </a:fld>
-            <a:endParaRPr lang="en-US" dirty="0"/>
-          </a:p>
-        </p:txBody>
-      </p:sp>
-      <p:sp>
-        <p:nvSpPr>
-          <p:cNvPr id="6" name="Footer Placeholder 5"/>
-          <p:cNvSpPr>
-            <a:spLocks noGrp="1"/>
-          </p:cNvSpPr>
-          <p:nvPr>
-            <p:ph type="ftr" sz="quarter" idx="11"/>
-          </p:nvPr>
-        </p:nvSpPr>
-        <p:spPr/>
-        <p:txBody>
-          <a:bodyPr/>
-          <a:lstStyle/>
-          <a:p>
-            <a:endParaRPr lang="en-US" dirty="0"/>
-          </a:p>
-        </p:txBody>
-      </p:sp>
-      <p:sp>
-        <p:nvSpPr>
-          <p:cNvPr id="7" name="Slide Number Placeholder 6"/>
-          <p:cNvSpPr>
-            <a:spLocks noGrp="1"/>
-          </p:cNvSpPr>
-          <p:nvPr>
-            <p:ph type="sldNum" sz="quarter" idx="12"/>
-          </p:nvPr>
-        </p:nvSpPr>
-        <p:spPr/>
-        <p:txBody>
-          <a:bodyPr/>
-          <a:lstStyle/>
-          <a:p>
-            <a:fld id="{D57F1E4F-1CFF-5643-939E-02111984F565}" type="slidenum">
-              <a:rPr lang="en-US" smtClean="0"/>
-              <a:t>‹#›</a:t>
-            </a:fld>
-            <a:endParaRPr lang="en-US" dirty="0"/>
-          </a:p>
-        </p:txBody>
-      </p:sp>
-    </p:spTree>
-    <p:extLst>
-      <p:ext uri="{BB962C8B-B14F-4D97-AF65-F5344CB8AC3E}">
-        <p14:creationId xmlns:p14="http://schemas.microsoft.com/office/powerpoint/2010/main" val="848628135"/>
-      </p:ext>
-    </p:extLst>
-  </p:cSld>
-  <p:clrMapOvr>
-    <a:masterClrMapping/>
-  </p:clrMapOvr>
-  <p:hf sldNum="0" hdr="0" ftr="0" dt="0"/>
-</p:sldLayout>
-</file>
-
-<file path=ppt/slideLayouts/slideLayout11.xml><?xml version="1.0" encoding="utf-8"?>
-<p:sldLayout xmlns:a="http://schemas.openxmlformats.org/drawingml/2006/main" xmlns:r="http://schemas.openxmlformats.org/officeDocument/2006/relationships" xmlns:p="http://schemas.openxmlformats.org/presentationml/2006/main" preserve="1">
-  <p:cSld name="Title and Caption">
-    <p:spTree>
-      <p:nvGrpSpPr>
-        <p:cNvPr id="1" name=""/>
-        <p:cNvGrpSpPr/>
-        <p:nvPr/>
-      </p:nvGrpSpPr>
-      <p:grpSpPr>
-        <a:xfrm>
-          <a:off x="0" y="0"/>
-          <a:ext cx="0" cy="0"/>
-          <a:chOff x="0" y="0"/>
-          <a:chExt cx="0" cy="0"/>
-        </a:xfrm>
-      </p:grpSpPr>
-      <p:sp>
-        <p:nvSpPr>
-          <p:cNvPr id="2" name="Title 1"/>
-          <p:cNvSpPr>
-            <a:spLocks noGrp="1"/>
-          </p:cNvSpPr>
-          <p:nvPr>
-            <p:ph type="title"/>
-          </p:nvPr>
-        </p:nvSpPr>
-        <p:spPr>
-          <a:xfrm>
-            <a:off x="866216" y="1085850"/>
-            <a:ext cx="6619244" cy="1485900"/>
-          </a:xfrm>
-        </p:spPr>
-        <p:txBody>
-          <a:bodyPr/>
-          <a:lstStyle>
-            <a:lvl1pPr>
-              <a:defRPr sz="3600"/>
-            </a:lvl1pPr>
-          </a:lstStyle>
-          <a:p>
-            <a:r>
-              <a:rPr lang="en-US"/>
-              <a:t>Click to edit Master title style</a:t>
-            </a:r>
-            <a:endParaRPr lang="en-US" dirty="0"/>
-          </a:p>
-        </p:txBody>
-      </p:sp>
-      <p:sp>
-        <p:nvSpPr>
-          <p:cNvPr id="8" name="Text Placeholder 3"/>
-          <p:cNvSpPr>
-            <a:spLocks noGrp="1"/>
-          </p:cNvSpPr>
-          <p:nvPr>
-            <p:ph type="body" sz="half" idx="2"/>
-          </p:nvPr>
-        </p:nvSpPr>
-        <p:spPr>
-          <a:xfrm>
-            <a:off x="866216" y="2743200"/>
-            <a:ext cx="6619244" cy="1771650"/>
-          </a:xfrm>
-        </p:spPr>
-        <p:txBody>
-          <a:bodyPr anchor="ctr">
-            <a:normAutofit/>
-          </a:bodyPr>
-          <a:lstStyle>
-            <a:lvl1pPr marL="0" indent="0">
-              <a:buNone/>
-              <a:defRPr sz="1350"/>
-            </a:lvl1pPr>
-            <a:lvl2pPr marL="342900" indent="0">
-              <a:buNone/>
-              <a:defRPr sz="900"/>
-            </a:lvl2pPr>
-            <a:lvl3pPr marL="685800" indent="0">
-              <a:buNone/>
-              <a:defRPr sz="750"/>
-            </a:lvl3pPr>
-            <a:lvl4pPr marL="1028700" indent="0">
-              <a:buNone/>
-              <a:defRPr sz="675"/>
-            </a:lvl4pPr>
-            <a:lvl5pPr marL="1371600" indent="0">
-              <a:buNone/>
-              <a:defRPr sz="675"/>
-            </a:lvl5pPr>
-            <a:lvl6pPr marL="1714500" indent="0">
-              <a:buNone/>
-              <a:defRPr sz="675"/>
-            </a:lvl6pPr>
-            <a:lvl7pPr marL="2057400" indent="0">
-              <a:buNone/>
-              <a:defRPr sz="675"/>
-            </a:lvl7pPr>
-            <a:lvl8pPr marL="2400300" indent="0">
-              <a:buNone/>
-              <a:defRPr sz="675"/>
-            </a:lvl8pPr>
-            <a:lvl9pPr marL="2743200" indent="0">
-              <a:buNone/>
-              <a:defRPr sz="675"/>
-            </a:lvl9pPr>
-          </a:lstStyle>
-          <a:p>
-            <a:pPr lvl="0"/>
-            <a:r>
-              <a:rPr lang="en-US"/>
-              <a:t>Click to edit Master text styles</a:t>
-            </a:r>
-          </a:p>
-        </p:txBody>
-      </p:sp>
-      <p:sp>
-        <p:nvSpPr>
-          <p:cNvPr id="4" name="Date Placeholder 3"/>
-          <p:cNvSpPr>
-            <a:spLocks noGrp="1"/>
-          </p:cNvSpPr>
-          <p:nvPr>
-            <p:ph type="dt" sz="half" idx="10"/>
-          </p:nvPr>
-        </p:nvSpPr>
-        <p:spPr/>
-        <p:txBody>
-          <a:bodyPr/>
-          <a:lstStyle/>
-          <a:p>
-            <a:fld id="{4AAD347D-5ACD-4C99-B74B-A9C85AD731AF}" type="datetimeFigureOut">
-              <a:rPr lang="en-US" smtClean="0"/>
-              <a:t>6/13/2022</a:t>
-            </a:fld>
-            <a:endParaRPr lang="en-US" dirty="0"/>
-          </a:p>
-        </p:txBody>
-      </p:sp>
-      <p:sp>
-        <p:nvSpPr>
-          <p:cNvPr id="5" name="Footer Placeholder 4"/>
-          <p:cNvSpPr>
-            <a:spLocks noGrp="1"/>
-          </p:cNvSpPr>
-          <p:nvPr>
-            <p:ph type="ftr" sz="quarter" idx="11"/>
-          </p:nvPr>
-        </p:nvSpPr>
-        <p:spPr/>
-        <p:txBody>
-          <a:bodyPr/>
-          <a:lstStyle/>
-          <a:p>
-            <a:endParaRPr lang="en-US" dirty="0"/>
-          </a:p>
-        </p:txBody>
-      </p:sp>
-      <p:sp>
-        <p:nvSpPr>
-          <p:cNvPr id="6" name="Slide Number Placeholder 5"/>
-          <p:cNvSpPr>
-            <a:spLocks noGrp="1"/>
-          </p:cNvSpPr>
-          <p:nvPr>
-            <p:ph type="sldNum" sz="quarter" idx="12"/>
-          </p:nvPr>
-        </p:nvSpPr>
-        <p:spPr/>
-        <p:txBody>
-          <a:bodyPr/>
-          <a:lstStyle/>
-          <a:p>
-            <a:fld id="{D57F1E4F-1CFF-5643-939E-02111984F565}" type="slidenum">
-              <a:rPr lang="en-US" smtClean="0"/>
-              <a:t>‹#›</a:t>
-            </a:fld>
-            <a:endParaRPr lang="en-US" dirty="0"/>
-          </a:p>
-        </p:txBody>
-      </p:sp>
-    </p:spTree>
-    <p:extLst>
-      <p:ext uri="{BB962C8B-B14F-4D97-AF65-F5344CB8AC3E}">
-        <p14:creationId xmlns:p14="http://schemas.microsoft.com/office/powerpoint/2010/main" val="2911068994"/>
-      </p:ext>
-    </p:extLst>
-  </p:cSld>
-  <p:clrMapOvr>
-    <a:masterClrMapping/>
-  </p:clrMapOvr>
-  <p:hf sldNum="0" hdr="0" ftr="0" dt="0"/>
-</p:sldLayout>
-</file>
-
-<file path=ppt/slideLayouts/slideLayout12.xml><?xml version="1.0" encoding="utf-8"?>
-<p:sldLayout xmlns:a="http://schemas.openxmlformats.org/drawingml/2006/main" xmlns:r="http://schemas.openxmlformats.org/officeDocument/2006/relationships" xmlns:p="http://schemas.openxmlformats.org/presentationml/2006/main" preserve="1">
-  <p:cSld name="Quote with Caption">
-    <p:spTree>
-      <p:nvGrpSpPr>
-        <p:cNvPr id="1" name=""/>
-        <p:cNvGrpSpPr/>
-        <p:nvPr/>
-      </p:nvGrpSpPr>
-      <p:grpSpPr>
-        <a:xfrm>
-          <a:off x="0" y="0"/>
-          <a:ext cx="0" cy="0"/>
-          <a:chOff x="0" y="0"/>
-          <a:chExt cx="0" cy="0"/>
-        </a:xfrm>
-      </p:grpSpPr>
-      <p:sp>
-        <p:nvSpPr>
-          <p:cNvPr id="2" name="Title 1"/>
-          <p:cNvSpPr>
-            <a:spLocks noGrp="1"/>
-          </p:cNvSpPr>
-          <p:nvPr>
-            <p:ph type="title"/>
-          </p:nvPr>
-        </p:nvSpPr>
-        <p:spPr>
-          <a:xfrm>
-            <a:off x="1181101" y="1085850"/>
-            <a:ext cx="5999486" cy="1742531"/>
-          </a:xfrm>
-        </p:spPr>
-        <p:txBody>
-          <a:bodyPr/>
-          <a:lstStyle>
-            <a:lvl1pPr>
-              <a:defRPr sz="3600"/>
-            </a:lvl1pPr>
-          </a:lstStyle>
-          <a:p>
-            <a:r>
-              <a:rPr lang="en-US"/>
-              <a:t>Click to edit Master title style</a:t>
-            </a:r>
-            <a:endParaRPr lang="en-US" dirty="0"/>
-          </a:p>
-        </p:txBody>
-      </p:sp>
-      <p:sp>
-        <p:nvSpPr>
-          <p:cNvPr id="11" name="Text Placeholder 3"/>
-          <p:cNvSpPr>
-            <a:spLocks noGrp="1"/>
-          </p:cNvSpPr>
-          <p:nvPr>
-            <p:ph type="body" sz="half" idx="14"/>
-          </p:nvPr>
-        </p:nvSpPr>
-        <p:spPr>
-          <a:xfrm>
-            <a:off x="1447800" y="2828380"/>
-            <a:ext cx="5459737" cy="256631"/>
-          </a:xfrm>
-        </p:spPr>
-        <p:txBody>
-          <a:bodyPr vert="horz" lIns="91440" tIns="45720" rIns="91440" bIns="45720" rtlCol="0" anchor="t">
-            <a:normAutofit/>
-          </a:bodyPr>
-          <a:lstStyle>
-            <a:lvl1pPr marL="0" indent="0">
-              <a:buNone/>
-              <a:defRPr lang="en-US" sz="1050" b="0" i="0" kern="1200" cap="small" dirty="0">
-                <a:solidFill>
-                  <a:schemeClr val="bg2">
-                    <a:lumMod val="40000"/>
-                    <a:lumOff val="60000"/>
-                  </a:schemeClr>
-                </a:solidFill>
-                <a:latin typeface="+mj-lt"/>
-                <a:ea typeface="+mj-ea"/>
-                <a:cs typeface="+mj-cs"/>
-              </a:defRPr>
-            </a:lvl1pPr>
-            <a:lvl2pPr marL="342900" indent="0">
-              <a:buNone/>
-              <a:defRPr sz="900"/>
-            </a:lvl2pPr>
-            <a:lvl3pPr marL="685800" indent="0">
-              <a:buNone/>
-              <a:defRPr sz="750"/>
-            </a:lvl3pPr>
-            <a:lvl4pPr marL="1028700" indent="0">
-              <a:buNone/>
-              <a:defRPr sz="675"/>
-            </a:lvl4pPr>
-            <a:lvl5pPr marL="1371600" indent="0">
-              <a:buNone/>
-              <a:defRPr sz="675"/>
-            </a:lvl5pPr>
-            <a:lvl6pPr marL="1714500" indent="0">
-              <a:buNone/>
-              <a:defRPr sz="675"/>
-            </a:lvl6pPr>
-            <a:lvl7pPr marL="2057400" indent="0">
-              <a:buNone/>
-              <a:defRPr sz="675"/>
-            </a:lvl7pPr>
-            <a:lvl8pPr marL="2400300" indent="0">
-              <a:buNone/>
-              <a:defRPr sz="675"/>
-            </a:lvl8pPr>
-            <a:lvl9pPr marL="2743200" indent="0">
-              <a:buNone/>
-              <a:defRPr sz="675"/>
-            </a:lvl9pPr>
-          </a:lstStyle>
-          <a:p>
-            <a:pPr marL="0" lvl="0" indent="0">
-              <a:buNone/>
-            </a:pPr>
-            <a:r>
-              <a:rPr lang="en-US"/>
-              <a:t>Click to edit Master text styles</a:t>
-            </a:r>
-          </a:p>
-        </p:txBody>
-      </p:sp>
-      <p:sp>
-        <p:nvSpPr>
-          <p:cNvPr id="10" name="Text Placeholder 3"/>
-          <p:cNvSpPr>
-            <a:spLocks noGrp="1"/>
-          </p:cNvSpPr>
-          <p:nvPr>
-            <p:ph type="body" sz="half" idx="2"/>
-          </p:nvPr>
-        </p:nvSpPr>
-        <p:spPr>
-          <a:xfrm>
-            <a:off x="866216" y="3262993"/>
-            <a:ext cx="6619244" cy="1257300"/>
-          </a:xfrm>
-        </p:spPr>
-        <p:txBody>
-          <a:bodyPr anchor="ctr">
-            <a:normAutofit/>
-          </a:bodyPr>
-          <a:lstStyle>
-            <a:lvl1pPr marL="0" indent="0">
-              <a:buNone/>
-              <a:defRPr sz="1350"/>
-            </a:lvl1pPr>
-            <a:lvl2pPr marL="342900" indent="0">
-              <a:buNone/>
-              <a:defRPr sz="900"/>
-            </a:lvl2pPr>
-            <a:lvl3pPr marL="685800" indent="0">
-              <a:buNone/>
-              <a:defRPr sz="750"/>
-            </a:lvl3pPr>
-            <a:lvl4pPr marL="1028700" indent="0">
-              <a:buNone/>
-              <a:defRPr sz="675"/>
-            </a:lvl4pPr>
-            <a:lvl5pPr marL="1371600" indent="0">
-              <a:buNone/>
-              <a:defRPr sz="675"/>
-            </a:lvl5pPr>
-            <a:lvl6pPr marL="1714500" indent="0">
-              <a:buNone/>
-              <a:defRPr sz="675"/>
-            </a:lvl6pPr>
-            <a:lvl7pPr marL="2057400" indent="0">
-              <a:buNone/>
-              <a:defRPr sz="675"/>
-            </a:lvl7pPr>
-            <a:lvl8pPr marL="2400300" indent="0">
-              <a:buNone/>
-              <a:defRPr sz="675"/>
-            </a:lvl8pPr>
-            <a:lvl9pPr marL="2743200" indent="0">
-              <a:buNone/>
-              <a:defRPr sz="675"/>
-            </a:lvl9pPr>
-          </a:lstStyle>
-          <a:p>
-            <a:pPr lvl="0"/>
-            <a:r>
-              <a:rPr lang="en-US"/>
-              <a:t>Click to edit Master text styles</a:t>
-            </a:r>
-          </a:p>
-        </p:txBody>
-      </p:sp>
-      <p:sp>
-        <p:nvSpPr>
-          <p:cNvPr id="4" name="Date Placeholder 3"/>
-          <p:cNvSpPr>
-            <a:spLocks noGrp="1"/>
-          </p:cNvSpPr>
-          <p:nvPr>
-            <p:ph type="dt" sz="half" idx="10"/>
-          </p:nvPr>
-        </p:nvSpPr>
-        <p:spPr/>
-        <p:txBody>
-          <a:bodyPr/>
-          <a:lstStyle/>
-          <a:p>
-            <a:fld id="{4AAD347D-5ACD-4C99-B74B-A9C85AD731AF}" type="datetimeFigureOut">
-              <a:rPr lang="en-US" smtClean="0"/>
-              <a:t>6/13/2022</a:t>
-            </a:fld>
-            <a:endParaRPr lang="en-US" dirty="0"/>
-          </a:p>
-        </p:txBody>
-      </p:sp>
-      <p:sp>
-        <p:nvSpPr>
-          <p:cNvPr id="5" name="Footer Placeholder 4"/>
-          <p:cNvSpPr>
-            <a:spLocks noGrp="1"/>
-          </p:cNvSpPr>
-          <p:nvPr>
-            <p:ph type="ftr" sz="quarter" idx="11"/>
-          </p:nvPr>
-        </p:nvSpPr>
-        <p:spPr/>
-        <p:txBody>
-          <a:bodyPr/>
-          <a:lstStyle/>
-          <a:p>
-            <a:endParaRPr lang="en-US" dirty="0"/>
-          </a:p>
-        </p:txBody>
-      </p:sp>
-      <p:sp>
-        <p:nvSpPr>
-          <p:cNvPr id="6" name="Slide Number Placeholder 5"/>
-          <p:cNvSpPr>
-            <a:spLocks noGrp="1"/>
-          </p:cNvSpPr>
-          <p:nvPr>
-            <p:ph type="sldNum" sz="quarter" idx="12"/>
-          </p:nvPr>
-        </p:nvSpPr>
-        <p:spPr/>
-        <p:txBody>
-          <a:bodyPr/>
-          <a:lstStyle/>
-          <a:p>
-            <a:fld id="{D57F1E4F-1CFF-5643-939E-02111984F565}" type="slidenum">
-              <a:rPr lang="en-US" smtClean="0"/>
-              <a:t>‹#›</a:t>
-            </a:fld>
-            <a:endParaRPr lang="en-US" dirty="0"/>
-          </a:p>
-        </p:txBody>
-      </p:sp>
-      <p:sp>
-        <p:nvSpPr>
-          <p:cNvPr id="12" name="TextBox 11"/>
-          <p:cNvSpPr txBox="1"/>
-          <p:nvPr/>
-        </p:nvSpPr>
-        <p:spPr>
-          <a:xfrm>
-            <a:off x="673721" y="728440"/>
-            <a:ext cx="601434" cy="1500411"/>
-          </a:xfrm>
-          <a:prstGeom prst="rect">
-            <a:avLst/>
-          </a:prstGeom>
-          <a:noFill/>
-        </p:spPr>
-        <p:txBody>
-          <a:bodyPr wrap="square" rtlCol="0">
-            <a:spAutoFit/>
-          </a:bodyPr>
-          <a:lstStyle>
-            <a:defPPr>
-              <a:defRPr lang="en-US"/>
-            </a:defPPr>
-            <a:lvl1pPr algn="r">
-              <a:defRPr sz="12200" b="0" i="0">
-                <a:solidFill>
-                  <a:schemeClr val="bg2">
-                    <a:lumMod val="40000"/>
-                    <a:lumOff val="60000"/>
-                  </a:schemeClr>
-                </a:solidFill>
-                <a:latin typeface="Arial"/>
-                <a:ea typeface="+mj-ea"/>
-                <a:cs typeface="+mj-cs"/>
-              </a:defRPr>
-            </a:lvl1pPr>
-          </a:lstStyle>
-          <a:p>
-            <a:pPr lvl="0"/>
-            <a:r>
-              <a:rPr lang="en-US" sz="9150" dirty="0"/>
-              <a:t>“</a:t>
-            </a:r>
-          </a:p>
-        </p:txBody>
-      </p:sp>
-      <p:sp>
-        <p:nvSpPr>
-          <p:cNvPr id="15" name="TextBox 14"/>
-          <p:cNvSpPr txBox="1"/>
-          <p:nvPr/>
-        </p:nvSpPr>
-        <p:spPr>
-          <a:xfrm>
-            <a:off x="6997868" y="1960341"/>
-            <a:ext cx="601434" cy="1500411"/>
-          </a:xfrm>
-          <a:prstGeom prst="rect">
-            <a:avLst/>
-          </a:prstGeom>
-          <a:noFill/>
-        </p:spPr>
-        <p:txBody>
-          <a:bodyPr wrap="square" rtlCol="0">
-            <a:spAutoFit/>
-          </a:bodyPr>
-          <a:lstStyle>
-            <a:defPPr>
-              <a:defRPr lang="en-US"/>
-            </a:defPPr>
-            <a:lvl1pPr algn="r">
-              <a:defRPr sz="12200" b="0" i="0">
-                <a:solidFill>
-                  <a:schemeClr val="bg2">
-                    <a:lumMod val="40000"/>
-                    <a:lumOff val="60000"/>
-                  </a:schemeClr>
-                </a:solidFill>
-                <a:latin typeface="Arial"/>
-                <a:ea typeface="+mj-ea"/>
-                <a:cs typeface="+mj-cs"/>
-              </a:defRPr>
-            </a:lvl1pPr>
-          </a:lstStyle>
-          <a:p>
-            <a:pPr lvl="0"/>
-            <a:r>
-              <a:rPr lang="en-US" sz="9150" dirty="0"/>
-              <a:t>”</a:t>
-            </a:r>
-          </a:p>
-        </p:txBody>
-      </p:sp>
-    </p:spTree>
-    <p:extLst>
-      <p:ext uri="{BB962C8B-B14F-4D97-AF65-F5344CB8AC3E}">
-        <p14:creationId xmlns:p14="http://schemas.microsoft.com/office/powerpoint/2010/main" val="1102658549"/>
-      </p:ext>
-    </p:extLst>
-  </p:cSld>
-  <p:clrMapOvr>
-    <a:masterClrMapping/>
-  </p:clrMapOvr>
-  <p:hf sldNum="0" hdr="0" ftr="0" dt="0"/>
-</p:sldLayout>
-</file>
-
-<file path=ppt/slideLayouts/slideLayout13.xml><?xml version="1.0" encoding="utf-8"?>
-<p:sldLayout xmlns:a="http://schemas.openxmlformats.org/drawingml/2006/main" xmlns:r="http://schemas.openxmlformats.org/officeDocument/2006/relationships" xmlns:p="http://schemas.openxmlformats.org/presentationml/2006/main" preserve="1">
-  <p:cSld name="Name Card">
-    <p:spTree>
-      <p:nvGrpSpPr>
-        <p:cNvPr id="1" name=""/>
-        <p:cNvGrpSpPr/>
-        <p:nvPr/>
-      </p:nvGrpSpPr>
-      <p:grpSpPr>
-        <a:xfrm>
-          <a:off x="0" y="0"/>
-          <a:ext cx="0" cy="0"/>
-          <a:chOff x="0" y="0"/>
-          <a:chExt cx="0" cy="0"/>
-        </a:xfrm>
-      </p:grpSpPr>
-      <p:sp>
-        <p:nvSpPr>
-          <p:cNvPr id="2" name="Title 1"/>
-          <p:cNvSpPr>
-            <a:spLocks noGrp="1"/>
-          </p:cNvSpPr>
-          <p:nvPr>
-            <p:ph type="title"/>
-          </p:nvPr>
-        </p:nvSpPr>
-        <p:spPr>
-          <a:xfrm>
-            <a:off x="866216" y="2343151"/>
-            <a:ext cx="6619245" cy="1239885"/>
-          </a:xfrm>
-        </p:spPr>
-        <p:txBody>
-          <a:bodyPr anchor="b"/>
-          <a:lstStyle>
-            <a:lvl1pPr algn="l">
-              <a:defRPr sz="3000" b="0" cap="none"/>
-            </a:lvl1pPr>
-          </a:lstStyle>
-          <a:p>
-            <a:r>
-              <a:rPr lang="en-US"/>
-              <a:t>Click to edit Master title style</a:t>
-            </a:r>
-            <a:endParaRPr lang="en-US" dirty="0"/>
-          </a:p>
-        </p:txBody>
-      </p:sp>
-      <p:sp>
-        <p:nvSpPr>
-          <p:cNvPr id="3" name="Text Placeholder 2"/>
-          <p:cNvSpPr>
-            <a:spLocks noGrp="1"/>
-          </p:cNvSpPr>
-          <p:nvPr>
-            <p:ph type="body" idx="1"/>
-          </p:nvPr>
-        </p:nvSpPr>
-        <p:spPr>
-          <a:xfrm>
-            <a:off x="866216" y="3583036"/>
-            <a:ext cx="6619244" cy="645300"/>
-          </a:xfrm>
-        </p:spPr>
-        <p:txBody>
-          <a:bodyPr anchor="t"/>
-          <a:lstStyle>
-            <a:lvl1pPr marL="0" indent="0" algn="l">
-              <a:buNone/>
-              <a:defRPr sz="1500" cap="none">
-                <a:solidFill>
-                  <a:schemeClr val="bg2">
-                    <a:lumMod val="40000"/>
-                    <a:lumOff val="60000"/>
-                  </a:schemeClr>
-                </a:solidFill>
-              </a:defRPr>
-            </a:lvl1pPr>
-            <a:lvl2pPr marL="342900" indent="0">
-              <a:buNone/>
-              <a:defRPr sz="1350">
-                <a:solidFill>
-                  <a:schemeClr val="tx1">
-                    <a:tint val="75000"/>
-                  </a:schemeClr>
-                </a:solidFill>
-              </a:defRPr>
-            </a:lvl2pPr>
-            <a:lvl3pPr marL="685800" indent="0">
-              <a:buNone/>
-              <a:defRPr sz="1200">
-                <a:solidFill>
-                  <a:schemeClr val="tx1">
-                    <a:tint val="75000"/>
-                  </a:schemeClr>
-                </a:solidFill>
-              </a:defRPr>
-            </a:lvl3pPr>
-            <a:lvl4pPr marL="1028700" indent="0">
-              <a:buNone/>
-              <a:defRPr sz="1050">
-                <a:solidFill>
-                  <a:schemeClr val="tx1">
-                    <a:tint val="75000"/>
-                  </a:schemeClr>
-                </a:solidFill>
-              </a:defRPr>
-            </a:lvl4pPr>
-            <a:lvl5pPr marL="1371600" indent="0">
-              <a:buNone/>
-              <a:defRPr sz="1050">
-                <a:solidFill>
-                  <a:schemeClr val="tx1">
-                    <a:tint val="75000"/>
-                  </a:schemeClr>
-                </a:solidFill>
-              </a:defRPr>
-            </a:lvl5pPr>
-            <a:lvl6pPr marL="1714500" indent="0">
-              <a:buNone/>
-              <a:defRPr sz="1050">
-                <a:solidFill>
-                  <a:schemeClr val="tx1">
-                    <a:tint val="75000"/>
-                  </a:schemeClr>
-                </a:solidFill>
-              </a:defRPr>
-            </a:lvl6pPr>
-            <a:lvl7pPr marL="2057400" indent="0">
-              <a:buNone/>
-              <a:defRPr sz="1050">
-                <a:solidFill>
-                  <a:schemeClr val="tx1">
-                    <a:tint val="75000"/>
-                  </a:schemeClr>
-                </a:solidFill>
-              </a:defRPr>
-            </a:lvl7pPr>
-            <a:lvl8pPr marL="2400300" indent="0">
-              <a:buNone/>
-              <a:defRPr sz="1050">
-                <a:solidFill>
-                  <a:schemeClr val="tx1">
-                    <a:tint val="75000"/>
-                  </a:schemeClr>
-                </a:solidFill>
-              </a:defRPr>
-            </a:lvl8pPr>
-            <a:lvl9pPr marL="2743200" indent="0">
-              <a:buNone/>
-              <a:defRPr sz="1050">
-                <a:solidFill>
-                  <a:schemeClr val="tx1">
-                    <a:tint val="75000"/>
-                  </a:schemeClr>
-                </a:solidFill>
-              </a:defRPr>
-            </a:lvl9pPr>
-          </a:lstStyle>
-          <a:p>
-            <a:pPr lvl="0"/>
-            <a:r>
-              <a:rPr lang="en-US"/>
-              <a:t>Click to edit Master text styles</a:t>
-            </a:r>
-          </a:p>
-        </p:txBody>
-      </p:sp>
-      <p:sp>
-        <p:nvSpPr>
-          <p:cNvPr id="4" name="Date Placeholder 3"/>
-          <p:cNvSpPr>
-            <a:spLocks noGrp="1"/>
-          </p:cNvSpPr>
-          <p:nvPr>
-            <p:ph type="dt" sz="half" idx="10"/>
-          </p:nvPr>
-        </p:nvSpPr>
-        <p:spPr/>
-        <p:txBody>
-          <a:bodyPr/>
-          <a:lstStyle/>
-          <a:p>
-            <a:fld id="{4AAD347D-5ACD-4C99-B74B-A9C85AD731AF}" type="datetimeFigureOut">
-              <a:rPr lang="en-US" smtClean="0"/>
-              <a:t>6/13/2022</a:t>
-            </a:fld>
-            <a:endParaRPr lang="en-US" dirty="0"/>
-          </a:p>
-        </p:txBody>
-      </p:sp>
-      <p:sp>
-        <p:nvSpPr>
-          <p:cNvPr id="5" name="Footer Placeholder 4"/>
-          <p:cNvSpPr>
-            <a:spLocks noGrp="1"/>
-          </p:cNvSpPr>
-          <p:nvPr>
-            <p:ph type="ftr" sz="quarter" idx="11"/>
-          </p:nvPr>
-        </p:nvSpPr>
-        <p:spPr/>
-        <p:txBody>
-          <a:bodyPr/>
-          <a:lstStyle/>
-          <a:p>
-            <a:endParaRPr lang="en-US" dirty="0"/>
-          </a:p>
-        </p:txBody>
-      </p:sp>
-      <p:sp>
-        <p:nvSpPr>
-          <p:cNvPr id="6" name="Slide Number Placeholder 5"/>
-          <p:cNvSpPr>
-            <a:spLocks noGrp="1"/>
-          </p:cNvSpPr>
-          <p:nvPr>
-            <p:ph type="sldNum" sz="quarter" idx="12"/>
-          </p:nvPr>
-        </p:nvSpPr>
-        <p:spPr/>
-        <p:txBody>
-          <a:bodyPr/>
-          <a:lstStyle/>
-          <a:p>
-            <a:fld id="{D57F1E4F-1CFF-5643-939E-02111984F565}" type="slidenum">
-              <a:rPr lang="en-US" smtClean="0"/>
-              <a:t>‹#›</a:t>
-            </a:fld>
-            <a:endParaRPr lang="en-US" dirty="0"/>
-          </a:p>
-        </p:txBody>
-      </p:sp>
-    </p:spTree>
-    <p:extLst>
-      <p:ext uri="{BB962C8B-B14F-4D97-AF65-F5344CB8AC3E}">
-        <p14:creationId xmlns:p14="http://schemas.microsoft.com/office/powerpoint/2010/main" val="3263946338"/>
-      </p:ext>
-    </p:extLst>
-  </p:cSld>
-  <p:clrMapOvr>
-    <a:masterClrMapping/>
-  </p:clrMapOvr>
-  <p:hf sldNum="0" hdr="0" ftr="0" dt="0"/>
-</p:sldLayout>
-</file>
-
-<file path=ppt/slideLayouts/slideLayout14.xml><?xml version="1.0" encoding="utf-8"?>
-<p:sldLayout xmlns:a="http://schemas.openxmlformats.org/drawingml/2006/main" xmlns:r="http://schemas.openxmlformats.org/officeDocument/2006/relationships" xmlns:p="http://schemas.openxmlformats.org/presentationml/2006/main" preserve="1">
-  <p:cSld name="3 Column">
-    <p:spTree>
-      <p:nvGrpSpPr>
-        <p:cNvPr id="1" name=""/>
-        <p:cNvGrpSpPr/>
-        <p:nvPr/>
-      </p:nvGrpSpPr>
-      <p:grpSpPr>
-        <a:xfrm>
-          <a:off x="0" y="0"/>
-          <a:ext cx="0" cy="0"/>
-          <a:chOff x="0" y="0"/>
-          <a:chExt cx="0" cy="0"/>
-        </a:xfrm>
-      </p:grpSpPr>
-      <p:sp>
-        <p:nvSpPr>
-          <p:cNvPr id="2" name="Title 1"/>
-          <p:cNvSpPr>
-            <a:spLocks noGrp="1"/>
-          </p:cNvSpPr>
-          <p:nvPr>
-            <p:ph type="title"/>
-          </p:nvPr>
-        </p:nvSpPr>
-        <p:spPr/>
-        <p:txBody>
-          <a:bodyPr/>
-          <a:lstStyle>
-            <a:lvl1pPr>
-              <a:defRPr sz="3150"/>
-            </a:lvl1pPr>
-          </a:lstStyle>
-          <a:p>
-            <a:r>
-              <a:rPr lang="en-US"/>
-              <a:t>Click to edit Master title style</a:t>
-            </a:r>
-            <a:endParaRPr lang="en-US" dirty="0"/>
-          </a:p>
-        </p:txBody>
-      </p:sp>
-      <p:sp>
-        <p:nvSpPr>
-          <p:cNvPr id="3" name="Text Placeholder 2"/>
-          <p:cNvSpPr>
-            <a:spLocks noGrp="1"/>
-          </p:cNvSpPr>
-          <p:nvPr>
-            <p:ph type="body" idx="1"/>
-          </p:nvPr>
-        </p:nvSpPr>
-        <p:spPr>
-          <a:xfrm>
-            <a:off x="474710" y="1485900"/>
-            <a:ext cx="2210150" cy="432197"/>
-          </a:xfrm>
-        </p:spPr>
-        <p:txBody>
-          <a:bodyPr anchor="b">
-            <a:noAutofit/>
-          </a:bodyPr>
-          <a:lstStyle>
-            <a:lvl1pPr marL="0" indent="0">
-              <a:buNone/>
-              <a:defRPr sz="1800" b="0">
-                <a:solidFill>
-                  <a:schemeClr val="bg2">
-                    <a:lumMod val="40000"/>
-                    <a:lumOff val="60000"/>
-                  </a:schemeClr>
-                </a:solidFill>
-              </a:defRPr>
-            </a:lvl1pPr>
-            <a:lvl2pPr marL="342900" indent="0">
-              <a:buNone/>
-              <a:defRPr sz="1500" b="1"/>
-            </a:lvl2pPr>
-            <a:lvl3pPr marL="685800" indent="0">
-              <a:buNone/>
-              <a:defRPr sz="1350" b="1"/>
-            </a:lvl3pPr>
-            <a:lvl4pPr marL="1028700" indent="0">
-              <a:buNone/>
-              <a:defRPr sz="1200" b="1"/>
-            </a:lvl4pPr>
-            <a:lvl5pPr marL="1371600" indent="0">
-              <a:buNone/>
-              <a:defRPr sz="1200" b="1"/>
-            </a:lvl5pPr>
-            <a:lvl6pPr marL="1714500" indent="0">
-              <a:buNone/>
-              <a:defRPr sz="1200" b="1"/>
-            </a:lvl6pPr>
-            <a:lvl7pPr marL="2057400" indent="0">
-              <a:buNone/>
-              <a:defRPr sz="1200" b="1"/>
-            </a:lvl7pPr>
-            <a:lvl8pPr marL="2400300" indent="0">
-              <a:buNone/>
-              <a:defRPr sz="1200" b="1"/>
-            </a:lvl8pPr>
-            <a:lvl9pPr marL="2743200" indent="0">
-              <a:buNone/>
-              <a:defRPr sz="1200" b="1"/>
-            </a:lvl9pPr>
-          </a:lstStyle>
-          <a:p>
-            <a:pPr lvl="0"/>
-            <a:r>
-              <a:rPr lang="en-US"/>
-              <a:t>Click to edit Master text styles</a:t>
-            </a:r>
-          </a:p>
-        </p:txBody>
-      </p:sp>
-      <p:sp>
-        <p:nvSpPr>
-          <p:cNvPr id="16" name="Text Placeholder 3"/>
-          <p:cNvSpPr>
-            <a:spLocks noGrp="1"/>
-          </p:cNvSpPr>
-          <p:nvPr>
-            <p:ph type="body" sz="half" idx="15"/>
-          </p:nvPr>
-        </p:nvSpPr>
-        <p:spPr>
-          <a:xfrm>
-            <a:off x="489347" y="2000250"/>
-            <a:ext cx="2195513" cy="2692004"/>
-          </a:xfrm>
-        </p:spPr>
-        <p:txBody>
-          <a:bodyPr anchor="t">
-            <a:normAutofit/>
-          </a:bodyPr>
-          <a:lstStyle>
-            <a:lvl1pPr marL="0" indent="0">
-              <a:buNone/>
-              <a:defRPr sz="1050"/>
-            </a:lvl1pPr>
-            <a:lvl2pPr marL="342900" indent="0">
-              <a:buNone/>
-              <a:defRPr sz="900"/>
-            </a:lvl2pPr>
-            <a:lvl3pPr marL="685800" indent="0">
-              <a:buNone/>
-              <a:defRPr sz="750"/>
-            </a:lvl3pPr>
-            <a:lvl4pPr marL="1028700" indent="0">
-              <a:buNone/>
-              <a:defRPr sz="675"/>
-            </a:lvl4pPr>
-            <a:lvl5pPr marL="1371600" indent="0">
-              <a:buNone/>
-              <a:defRPr sz="675"/>
-            </a:lvl5pPr>
-            <a:lvl6pPr marL="1714500" indent="0">
-              <a:buNone/>
-              <a:defRPr sz="675"/>
-            </a:lvl6pPr>
-            <a:lvl7pPr marL="2057400" indent="0">
-              <a:buNone/>
-              <a:defRPr sz="675"/>
-            </a:lvl7pPr>
-            <a:lvl8pPr marL="2400300" indent="0">
-              <a:buNone/>
-              <a:defRPr sz="675"/>
-            </a:lvl8pPr>
-            <a:lvl9pPr marL="2743200" indent="0">
-              <a:buNone/>
-              <a:defRPr sz="675"/>
-            </a:lvl9pPr>
-          </a:lstStyle>
-          <a:p>
-            <a:pPr lvl="0"/>
-            <a:r>
-              <a:rPr lang="en-US"/>
-              <a:t>Click to edit Master text styles</a:t>
-            </a:r>
-          </a:p>
-        </p:txBody>
-      </p:sp>
-      <p:sp>
-        <p:nvSpPr>
-          <p:cNvPr id="5" name="Text Placeholder 4"/>
-          <p:cNvSpPr>
-            <a:spLocks noGrp="1"/>
-          </p:cNvSpPr>
-          <p:nvPr>
-            <p:ph type="body" sz="quarter" idx="3"/>
-          </p:nvPr>
-        </p:nvSpPr>
-        <p:spPr>
-          <a:xfrm>
-            <a:off x="2912745" y="1485900"/>
-            <a:ext cx="2202181" cy="432197"/>
-          </a:xfrm>
-        </p:spPr>
-        <p:txBody>
-          <a:bodyPr anchor="b">
-            <a:noAutofit/>
-          </a:bodyPr>
-          <a:lstStyle>
-            <a:lvl1pPr marL="0" indent="0">
-              <a:buNone/>
-              <a:defRPr sz="1800" b="0">
-                <a:solidFill>
-                  <a:schemeClr val="bg2">
-                    <a:lumMod val="40000"/>
-                    <a:lumOff val="60000"/>
-                  </a:schemeClr>
-                </a:solidFill>
-              </a:defRPr>
-            </a:lvl1pPr>
-            <a:lvl2pPr marL="342900" indent="0">
-              <a:buNone/>
-              <a:defRPr sz="1500" b="1"/>
-            </a:lvl2pPr>
-            <a:lvl3pPr marL="685800" indent="0">
-              <a:buNone/>
-              <a:defRPr sz="1350" b="1"/>
-            </a:lvl3pPr>
-            <a:lvl4pPr marL="1028700" indent="0">
-              <a:buNone/>
-              <a:defRPr sz="1200" b="1"/>
-            </a:lvl4pPr>
-            <a:lvl5pPr marL="1371600" indent="0">
-              <a:buNone/>
-              <a:defRPr sz="1200" b="1"/>
-            </a:lvl5pPr>
-            <a:lvl6pPr marL="1714500" indent="0">
-              <a:buNone/>
-              <a:defRPr sz="1200" b="1"/>
-            </a:lvl6pPr>
-            <a:lvl7pPr marL="2057400" indent="0">
-              <a:buNone/>
-              <a:defRPr sz="1200" b="1"/>
-            </a:lvl7pPr>
-            <a:lvl8pPr marL="2400300" indent="0">
-              <a:buNone/>
-              <a:defRPr sz="1200" b="1"/>
-            </a:lvl8pPr>
-            <a:lvl9pPr marL="2743200" indent="0">
-              <a:buNone/>
-              <a:defRPr sz="1200" b="1"/>
-            </a:lvl9pPr>
-          </a:lstStyle>
-          <a:p>
-            <a:pPr lvl="0"/>
-            <a:r>
-              <a:rPr lang="en-US"/>
-              <a:t>Click to edit Master text styles</a:t>
-            </a:r>
-          </a:p>
-        </p:txBody>
-      </p:sp>
-      <p:sp>
-        <p:nvSpPr>
-          <p:cNvPr id="19" name="Text Placeholder 3"/>
-          <p:cNvSpPr>
-            <a:spLocks noGrp="1"/>
-          </p:cNvSpPr>
-          <p:nvPr>
-            <p:ph type="body" sz="half" idx="16"/>
-          </p:nvPr>
-        </p:nvSpPr>
-        <p:spPr>
-          <a:xfrm>
-            <a:off x="2904829" y="2000250"/>
-            <a:ext cx="2210096" cy="2692004"/>
-          </a:xfrm>
-        </p:spPr>
-        <p:txBody>
-          <a:bodyPr anchor="t">
-            <a:normAutofit/>
-          </a:bodyPr>
-          <a:lstStyle>
-            <a:lvl1pPr marL="0" indent="0">
-              <a:buNone/>
-              <a:defRPr sz="1050"/>
-            </a:lvl1pPr>
-            <a:lvl2pPr marL="342900" indent="0">
-              <a:buNone/>
-              <a:defRPr sz="900"/>
-            </a:lvl2pPr>
-            <a:lvl3pPr marL="685800" indent="0">
-              <a:buNone/>
-              <a:defRPr sz="750"/>
-            </a:lvl3pPr>
-            <a:lvl4pPr marL="1028700" indent="0">
-              <a:buNone/>
-              <a:defRPr sz="675"/>
-            </a:lvl4pPr>
-            <a:lvl5pPr marL="1371600" indent="0">
-              <a:buNone/>
-              <a:defRPr sz="675"/>
-            </a:lvl5pPr>
-            <a:lvl6pPr marL="1714500" indent="0">
-              <a:buNone/>
-              <a:defRPr sz="675"/>
-            </a:lvl6pPr>
-            <a:lvl7pPr marL="2057400" indent="0">
-              <a:buNone/>
-              <a:defRPr sz="675"/>
-            </a:lvl7pPr>
-            <a:lvl8pPr marL="2400300" indent="0">
-              <a:buNone/>
-              <a:defRPr sz="675"/>
-            </a:lvl8pPr>
-            <a:lvl9pPr marL="2743200" indent="0">
-              <a:buNone/>
-              <a:defRPr sz="675"/>
-            </a:lvl9pPr>
-          </a:lstStyle>
-          <a:p>
-            <a:pPr lvl="0"/>
-            <a:r>
-              <a:rPr lang="en-US"/>
-              <a:t>Click to edit Master text styles</a:t>
-            </a:r>
-          </a:p>
-        </p:txBody>
-      </p:sp>
-      <p:sp>
-        <p:nvSpPr>
-          <p:cNvPr id="14" name="Text Placeholder 4"/>
-          <p:cNvSpPr>
-            <a:spLocks noGrp="1"/>
-          </p:cNvSpPr>
-          <p:nvPr>
-            <p:ph type="body" sz="quarter" idx="13"/>
-          </p:nvPr>
-        </p:nvSpPr>
-        <p:spPr>
-          <a:xfrm>
-            <a:off x="5343525" y="1485900"/>
-            <a:ext cx="2199085" cy="432197"/>
-          </a:xfrm>
-        </p:spPr>
-        <p:txBody>
-          <a:bodyPr anchor="b">
-            <a:noAutofit/>
-          </a:bodyPr>
-          <a:lstStyle>
-            <a:lvl1pPr marL="0" indent="0">
-              <a:buNone/>
-              <a:defRPr sz="1800" b="0">
-                <a:solidFill>
-                  <a:schemeClr val="bg2">
-                    <a:lumMod val="40000"/>
-                    <a:lumOff val="60000"/>
-                  </a:schemeClr>
-                </a:solidFill>
-              </a:defRPr>
-            </a:lvl1pPr>
-            <a:lvl2pPr marL="342900" indent="0">
-              <a:buNone/>
-              <a:defRPr sz="1500" b="1"/>
-            </a:lvl2pPr>
-            <a:lvl3pPr marL="685800" indent="0">
-              <a:buNone/>
-              <a:defRPr sz="1350" b="1"/>
-            </a:lvl3pPr>
-            <a:lvl4pPr marL="1028700" indent="0">
-              <a:buNone/>
-              <a:defRPr sz="1200" b="1"/>
-            </a:lvl4pPr>
-            <a:lvl5pPr marL="1371600" indent="0">
-              <a:buNone/>
-              <a:defRPr sz="1200" b="1"/>
-            </a:lvl5pPr>
-            <a:lvl6pPr marL="1714500" indent="0">
-              <a:buNone/>
-              <a:defRPr sz="1200" b="1"/>
-            </a:lvl6pPr>
-            <a:lvl7pPr marL="2057400" indent="0">
-              <a:buNone/>
-              <a:defRPr sz="1200" b="1"/>
-            </a:lvl7pPr>
-            <a:lvl8pPr marL="2400300" indent="0">
-              <a:buNone/>
-              <a:defRPr sz="1200" b="1"/>
-            </a:lvl8pPr>
-            <a:lvl9pPr marL="2743200" indent="0">
-              <a:buNone/>
-              <a:defRPr sz="1200" b="1"/>
-            </a:lvl9pPr>
-          </a:lstStyle>
-          <a:p>
-            <a:pPr lvl="0"/>
-            <a:r>
-              <a:rPr lang="en-US"/>
-              <a:t>Click to edit Master text styles</a:t>
-            </a:r>
-          </a:p>
-        </p:txBody>
-      </p:sp>
-      <p:sp>
-        <p:nvSpPr>
-          <p:cNvPr id="20" name="Text Placeholder 3"/>
-          <p:cNvSpPr>
-            <a:spLocks noGrp="1"/>
-          </p:cNvSpPr>
-          <p:nvPr>
-            <p:ph type="body" sz="half" idx="17"/>
-          </p:nvPr>
-        </p:nvSpPr>
-        <p:spPr>
-          <a:xfrm>
-            <a:off x="5343525" y="2000250"/>
-            <a:ext cx="2199085" cy="2692004"/>
-          </a:xfrm>
-        </p:spPr>
-        <p:txBody>
-          <a:bodyPr anchor="t">
-            <a:normAutofit/>
-          </a:bodyPr>
-          <a:lstStyle>
-            <a:lvl1pPr marL="0" indent="0">
-              <a:buNone/>
-              <a:defRPr sz="1050"/>
-            </a:lvl1pPr>
-            <a:lvl2pPr marL="342900" indent="0">
-              <a:buNone/>
-              <a:defRPr sz="900"/>
-            </a:lvl2pPr>
-            <a:lvl3pPr marL="685800" indent="0">
-              <a:buNone/>
-              <a:defRPr sz="750"/>
-            </a:lvl3pPr>
-            <a:lvl4pPr marL="1028700" indent="0">
-              <a:buNone/>
-              <a:defRPr sz="675"/>
-            </a:lvl4pPr>
-            <a:lvl5pPr marL="1371600" indent="0">
-              <a:buNone/>
-              <a:defRPr sz="675"/>
-            </a:lvl5pPr>
-            <a:lvl6pPr marL="1714500" indent="0">
-              <a:buNone/>
-              <a:defRPr sz="675"/>
-            </a:lvl6pPr>
-            <a:lvl7pPr marL="2057400" indent="0">
-              <a:buNone/>
-              <a:defRPr sz="675"/>
-            </a:lvl7pPr>
-            <a:lvl8pPr marL="2400300" indent="0">
-              <a:buNone/>
-              <a:defRPr sz="675"/>
-            </a:lvl8pPr>
-            <a:lvl9pPr marL="2743200" indent="0">
-              <a:buNone/>
-              <a:defRPr sz="675"/>
-            </a:lvl9pPr>
-          </a:lstStyle>
-          <a:p>
-            <a:pPr lvl="0"/>
-            <a:r>
-              <a:rPr lang="en-US"/>
-              <a:t>Click to edit Master text styles</a:t>
-            </a:r>
-          </a:p>
-        </p:txBody>
-      </p:sp>
-      <p:cxnSp>
-        <p:nvCxnSpPr>
-          <p:cNvPr id="17" name="Straight Connector 16"/>
-          <p:cNvCxnSpPr/>
-          <p:nvPr/>
-        </p:nvCxnSpPr>
-        <p:spPr>
-          <a:xfrm>
-            <a:off x="2794607" y="1600200"/>
-            <a:ext cx="0" cy="2971800"/>
-          </a:xfrm>
-          <a:prstGeom prst="line">
-            <a:avLst/>
-          </a:prstGeom>
-          <a:ln w="12700" cmpd="sng">
-            <a:solidFill>
-              <a:schemeClr val="bg2">
-                <a:lumMod val="40000"/>
-                <a:lumOff val="60000"/>
-                <a:alpha val="40000"/>
-              </a:schemeClr>
-            </a:solidFill>
-          </a:ln>
-        </p:spPr>
-        <p:style>
-          <a:lnRef idx="2">
-            <a:schemeClr val="accent1"/>
-          </a:lnRef>
-          <a:fillRef idx="0">
-            <a:schemeClr val="accent1"/>
-          </a:fillRef>
-          <a:effectRef idx="1">
-            <a:schemeClr val="accent1"/>
-          </a:effectRef>
-          <a:fontRef idx="minor">
-            <a:schemeClr val="tx1"/>
-          </a:fontRef>
-        </p:style>
-      </p:cxnSp>
-      <p:cxnSp>
-        <p:nvCxnSpPr>
-          <p:cNvPr id="18" name="Straight Connector 17"/>
-          <p:cNvCxnSpPr/>
-          <p:nvPr/>
-        </p:nvCxnSpPr>
-        <p:spPr>
-          <a:xfrm>
-            <a:off x="5221670" y="1600200"/>
-            <a:ext cx="0" cy="2975162"/>
-          </a:xfrm>
-          <a:prstGeom prst="line">
-            <a:avLst/>
-          </a:prstGeom>
-          <a:ln w="12700" cmpd="sng">
-            <a:solidFill>
-              <a:schemeClr val="bg2">
-                <a:lumMod val="40000"/>
-                <a:lumOff val="60000"/>
-                <a:alpha val="40000"/>
-              </a:schemeClr>
-            </a:solidFill>
-          </a:ln>
-        </p:spPr>
-        <p:style>
-          <a:lnRef idx="2">
-            <a:schemeClr val="accent1"/>
-          </a:lnRef>
-          <a:fillRef idx="0">
-            <a:schemeClr val="accent1"/>
-          </a:fillRef>
-          <a:effectRef idx="1">
-            <a:schemeClr val="accent1"/>
-          </a:effectRef>
-          <a:fontRef idx="minor">
-            <a:schemeClr val="tx1"/>
-          </a:fontRef>
-        </p:style>
-      </p:cxnSp>
-      <p:sp>
-        <p:nvSpPr>
-          <p:cNvPr id="7" name="Date Placeholder 3"/>
-          <p:cNvSpPr>
-            <a:spLocks noGrp="1"/>
-          </p:cNvSpPr>
-          <p:nvPr>
-            <p:ph type="dt" sz="half" idx="10"/>
-          </p:nvPr>
-        </p:nvSpPr>
-        <p:spPr/>
-        <p:txBody>
-          <a:bodyPr/>
-          <a:lstStyle/>
-          <a:p>
-            <a:fld id="{4AAD347D-5ACD-4C99-B74B-A9C85AD731AF}" type="datetimeFigureOut">
-              <a:rPr lang="en-US" smtClean="0"/>
-              <a:t>6/13/2022</a:t>
-            </a:fld>
-            <a:endParaRPr lang="en-US" dirty="0"/>
-          </a:p>
-        </p:txBody>
-      </p:sp>
-      <p:sp>
-        <p:nvSpPr>
-          <p:cNvPr id="4" name="Footer Placeholder 4"/>
-          <p:cNvSpPr>
-            <a:spLocks noGrp="1"/>
-          </p:cNvSpPr>
-          <p:nvPr>
-            <p:ph type="ftr" sz="quarter" idx="11"/>
-          </p:nvPr>
-        </p:nvSpPr>
-        <p:spPr/>
-        <p:txBody>
-          <a:bodyPr/>
-          <a:lstStyle/>
-          <a:p>
-            <a:endParaRPr lang="en-US" dirty="0"/>
-          </a:p>
-        </p:txBody>
-      </p:sp>
-      <p:sp>
-        <p:nvSpPr>
-          <p:cNvPr id="6" name="Slide Number Placeholder 5"/>
-          <p:cNvSpPr>
-            <a:spLocks noGrp="1"/>
-          </p:cNvSpPr>
-          <p:nvPr>
-            <p:ph type="sldNum" sz="quarter" idx="12"/>
-          </p:nvPr>
-        </p:nvSpPr>
-        <p:spPr/>
-        <p:txBody>
-          <a:bodyPr/>
-          <a:lstStyle/>
-          <a:p>
-            <a:fld id="{D57F1E4F-1CFF-5643-939E-02111984F565}" type="slidenum">
-              <a:rPr lang="en-US" smtClean="0"/>
-              <a:t>‹#›</a:t>
-            </a:fld>
-            <a:endParaRPr lang="en-US" dirty="0"/>
-          </a:p>
-        </p:txBody>
-      </p:sp>
-    </p:spTree>
-    <p:extLst>
-      <p:ext uri="{BB962C8B-B14F-4D97-AF65-F5344CB8AC3E}">
-        <p14:creationId xmlns:p14="http://schemas.microsoft.com/office/powerpoint/2010/main" val="903354316"/>
-      </p:ext>
-    </p:extLst>
-  </p:cSld>
-  <p:clrMapOvr>
-    <a:masterClrMapping/>
-  </p:clrMapOvr>
-  <p:hf sldNum="0" hdr="0" ftr="0" dt="0"/>
-</p:sldLayout>
-</file>
-
-<file path=ppt/slideLayouts/slideLayout15.xml><?xml version="1.0" encoding="utf-8"?>
-<p:sldLayout xmlns:a="http://schemas.openxmlformats.org/drawingml/2006/main" xmlns:r="http://schemas.openxmlformats.org/officeDocument/2006/relationships" xmlns:p="http://schemas.openxmlformats.org/presentationml/2006/main" preserve="1">
-  <p:cSld name="3 Picture Column">
-    <p:spTree>
-      <p:nvGrpSpPr>
-        <p:cNvPr id="1" name=""/>
-        <p:cNvGrpSpPr/>
-        <p:nvPr/>
-      </p:nvGrpSpPr>
-      <p:grpSpPr>
-        <a:xfrm>
-          <a:off x="0" y="0"/>
-          <a:ext cx="0" cy="0"/>
-          <a:chOff x="0" y="0"/>
-          <a:chExt cx="0" cy="0"/>
-        </a:xfrm>
-      </p:grpSpPr>
-      <p:sp>
-        <p:nvSpPr>
-          <p:cNvPr id="2" name="Title 1"/>
-          <p:cNvSpPr>
-            <a:spLocks noGrp="1"/>
-          </p:cNvSpPr>
-          <p:nvPr>
-            <p:ph type="title"/>
-          </p:nvPr>
-        </p:nvSpPr>
-        <p:spPr/>
-        <p:txBody>
-          <a:bodyPr/>
-          <a:lstStyle>
-            <a:lvl1pPr>
-              <a:defRPr sz="3150"/>
-            </a:lvl1pPr>
-          </a:lstStyle>
-          <a:p>
-            <a:r>
-              <a:rPr lang="en-US"/>
-              <a:t>Click to edit Master title style</a:t>
-            </a:r>
-            <a:endParaRPr lang="en-US" dirty="0"/>
-          </a:p>
-        </p:txBody>
-      </p:sp>
-      <p:sp>
-        <p:nvSpPr>
-          <p:cNvPr id="3" name="Text Placeholder 2"/>
-          <p:cNvSpPr>
-            <a:spLocks noGrp="1"/>
-          </p:cNvSpPr>
-          <p:nvPr>
-            <p:ph type="body" idx="1"/>
-          </p:nvPr>
-        </p:nvSpPr>
-        <p:spPr>
-          <a:xfrm>
-            <a:off x="489347" y="3188212"/>
-            <a:ext cx="2205038" cy="432197"/>
-          </a:xfrm>
-        </p:spPr>
-        <p:txBody>
-          <a:bodyPr anchor="b">
-            <a:noAutofit/>
-          </a:bodyPr>
-          <a:lstStyle>
-            <a:lvl1pPr marL="0" indent="0">
-              <a:buNone/>
-              <a:defRPr sz="1800" b="0">
-                <a:solidFill>
-                  <a:schemeClr val="bg2">
-                    <a:lumMod val="40000"/>
-                    <a:lumOff val="60000"/>
-                  </a:schemeClr>
-                </a:solidFill>
-              </a:defRPr>
-            </a:lvl1pPr>
-            <a:lvl2pPr marL="342900" indent="0">
-              <a:buNone/>
-              <a:defRPr sz="1500" b="1"/>
-            </a:lvl2pPr>
-            <a:lvl3pPr marL="685800" indent="0">
-              <a:buNone/>
-              <a:defRPr sz="1350" b="1"/>
-            </a:lvl3pPr>
-            <a:lvl4pPr marL="1028700" indent="0">
-              <a:buNone/>
-              <a:defRPr sz="1200" b="1"/>
-            </a:lvl4pPr>
-            <a:lvl5pPr marL="1371600" indent="0">
-              <a:buNone/>
-              <a:defRPr sz="1200" b="1"/>
-            </a:lvl5pPr>
-            <a:lvl6pPr marL="1714500" indent="0">
-              <a:buNone/>
-              <a:defRPr sz="1200" b="1"/>
-            </a:lvl6pPr>
-            <a:lvl7pPr marL="2057400" indent="0">
-              <a:buNone/>
-              <a:defRPr sz="1200" b="1"/>
-            </a:lvl7pPr>
-            <a:lvl8pPr marL="2400300" indent="0">
-              <a:buNone/>
-              <a:defRPr sz="1200" b="1"/>
-            </a:lvl8pPr>
-            <a:lvl9pPr marL="2743200" indent="0">
-              <a:buNone/>
-              <a:defRPr sz="1200" b="1"/>
-            </a:lvl9pPr>
-          </a:lstStyle>
-          <a:p>
-            <a:pPr lvl="0"/>
-            <a:r>
-              <a:rPr lang="en-US"/>
-              <a:t>Click to edit Master text styles</a:t>
-            </a:r>
-          </a:p>
-        </p:txBody>
-      </p:sp>
-      <p:sp>
-        <p:nvSpPr>
-          <p:cNvPr id="29" name="Picture Placeholder 2"/>
-          <p:cNvSpPr>
-            <a:spLocks noGrp="1" noChangeAspect="1"/>
-          </p:cNvSpPr>
-          <p:nvPr>
-            <p:ph type="pic" idx="15"/>
-          </p:nvPr>
-        </p:nvSpPr>
-        <p:spPr>
-          <a:xfrm>
-            <a:off x="489347" y="1657350"/>
-            <a:ext cx="2205038" cy="1143000"/>
-          </a:xfrm>
-          <a:prstGeom prst="roundRect">
-            <a:avLst>
-              <a:gd name="adj" fmla="val 1858"/>
-            </a:avLst>
-          </a:prstGeom>
-          <a:effectLst>
-            <a:outerShdw blurRad="50800" dist="50800" dir="5400000" algn="tl" rotWithShape="0">
-              <a:srgbClr val="000000">
-                <a:alpha val="43000"/>
-              </a:srgbClr>
-            </a:outerShdw>
-          </a:effectLst>
-        </p:spPr>
-        <p:txBody>
-          <a:bodyPr anchor="t">
-            <a:normAutofit/>
-          </a:bodyPr>
-          <a:lstStyle>
-            <a:lvl1pPr marL="0" indent="0" algn="ctr">
-              <a:buNone/>
-              <a:defRPr sz="1200"/>
-            </a:lvl1pPr>
-            <a:lvl2pPr marL="342900" indent="0">
-              <a:buNone/>
-              <a:defRPr sz="1200"/>
-            </a:lvl2pPr>
-            <a:lvl3pPr marL="685800" indent="0">
-              <a:buNone/>
-              <a:defRPr sz="1200"/>
-            </a:lvl3pPr>
-            <a:lvl4pPr marL="1028700" indent="0">
-              <a:buNone/>
-              <a:defRPr sz="1200"/>
-            </a:lvl4pPr>
-            <a:lvl5pPr marL="1371600" indent="0">
-              <a:buNone/>
-              <a:defRPr sz="1200"/>
-            </a:lvl5pPr>
-            <a:lvl6pPr marL="1714500" indent="0">
-              <a:buNone/>
-              <a:defRPr sz="1200"/>
-            </a:lvl6pPr>
-            <a:lvl7pPr marL="2057400" indent="0">
-              <a:buNone/>
-              <a:defRPr sz="1200"/>
-            </a:lvl7pPr>
-            <a:lvl8pPr marL="2400300" indent="0">
-              <a:buNone/>
-              <a:defRPr sz="1200"/>
-            </a:lvl8pPr>
-            <a:lvl9pPr marL="2743200" indent="0">
-              <a:buNone/>
-              <a:defRPr sz="1200"/>
-            </a:lvl9pPr>
-          </a:lstStyle>
-          <a:p>
-            <a:r>
-              <a:rPr lang="en-US"/>
-              <a:t>Click icon to add picture</a:t>
-            </a:r>
-            <a:endParaRPr lang="en-US" dirty="0"/>
-          </a:p>
-        </p:txBody>
-      </p:sp>
-      <p:sp>
-        <p:nvSpPr>
-          <p:cNvPr id="22" name="Text Placeholder 3"/>
-          <p:cNvSpPr>
-            <a:spLocks noGrp="1"/>
-          </p:cNvSpPr>
-          <p:nvPr>
-            <p:ph type="body" sz="half" idx="18"/>
-          </p:nvPr>
-        </p:nvSpPr>
-        <p:spPr>
-          <a:xfrm>
-            <a:off x="489347" y="3620409"/>
-            <a:ext cx="2205038" cy="494392"/>
-          </a:xfrm>
-        </p:spPr>
-        <p:txBody>
-          <a:bodyPr anchor="t">
-            <a:normAutofit/>
-          </a:bodyPr>
-          <a:lstStyle>
-            <a:lvl1pPr marL="0" indent="0">
-              <a:buNone/>
-              <a:defRPr sz="1050"/>
-            </a:lvl1pPr>
-            <a:lvl2pPr marL="342900" indent="0">
-              <a:buNone/>
-              <a:defRPr sz="900"/>
-            </a:lvl2pPr>
-            <a:lvl3pPr marL="685800" indent="0">
-              <a:buNone/>
-              <a:defRPr sz="750"/>
-            </a:lvl3pPr>
-            <a:lvl4pPr marL="1028700" indent="0">
-              <a:buNone/>
-              <a:defRPr sz="675"/>
-            </a:lvl4pPr>
-            <a:lvl5pPr marL="1371600" indent="0">
-              <a:buNone/>
-              <a:defRPr sz="675"/>
-            </a:lvl5pPr>
-            <a:lvl6pPr marL="1714500" indent="0">
-              <a:buNone/>
-              <a:defRPr sz="675"/>
-            </a:lvl6pPr>
-            <a:lvl7pPr marL="2057400" indent="0">
-              <a:buNone/>
-              <a:defRPr sz="675"/>
-            </a:lvl7pPr>
-            <a:lvl8pPr marL="2400300" indent="0">
-              <a:buNone/>
-              <a:defRPr sz="675"/>
-            </a:lvl8pPr>
-            <a:lvl9pPr marL="2743200" indent="0">
-              <a:buNone/>
-              <a:defRPr sz="675"/>
-            </a:lvl9pPr>
-          </a:lstStyle>
-          <a:p>
-            <a:pPr lvl="0"/>
-            <a:r>
-              <a:rPr lang="en-US"/>
-              <a:t>Click to edit Master text styles</a:t>
-            </a:r>
-          </a:p>
-        </p:txBody>
-      </p:sp>
-      <p:sp>
-        <p:nvSpPr>
-          <p:cNvPr id="5" name="Text Placeholder 4"/>
-          <p:cNvSpPr>
-            <a:spLocks noGrp="1"/>
-          </p:cNvSpPr>
-          <p:nvPr>
-            <p:ph type="body" sz="quarter" idx="3"/>
-          </p:nvPr>
-        </p:nvSpPr>
-        <p:spPr>
-          <a:xfrm>
-            <a:off x="2917032" y="3188212"/>
-            <a:ext cx="2197894" cy="432197"/>
-          </a:xfrm>
-        </p:spPr>
-        <p:txBody>
-          <a:bodyPr anchor="b">
-            <a:noAutofit/>
-          </a:bodyPr>
-          <a:lstStyle>
-            <a:lvl1pPr marL="0" indent="0">
-              <a:buNone/>
-              <a:defRPr sz="1800" b="0">
-                <a:solidFill>
-                  <a:schemeClr val="bg2">
-                    <a:lumMod val="40000"/>
-                    <a:lumOff val="60000"/>
-                  </a:schemeClr>
-                </a:solidFill>
-              </a:defRPr>
-            </a:lvl1pPr>
-            <a:lvl2pPr marL="342900" indent="0">
-              <a:buNone/>
-              <a:defRPr sz="1500" b="1"/>
-            </a:lvl2pPr>
-            <a:lvl3pPr marL="685800" indent="0">
-              <a:buNone/>
-              <a:defRPr sz="1350" b="1"/>
-            </a:lvl3pPr>
-            <a:lvl4pPr marL="1028700" indent="0">
-              <a:buNone/>
-              <a:defRPr sz="1200" b="1"/>
-            </a:lvl4pPr>
-            <a:lvl5pPr marL="1371600" indent="0">
-              <a:buNone/>
-              <a:defRPr sz="1200" b="1"/>
-            </a:lvl5pPr>
-            <a:lvl6pPr marL="1714500" indent="0">
-              <a:buNone/>
-              <a:defRPr sz="1200" b="1"/>
-            </a:lvl6pPr>
-            <a:lvl7pPr marL="2057400" indent="0">
-              <a:buNone/>
-              <a:defRPr sz="1200" b="1"/>
-            </a:lvl7pPr>
-            <a:lvl8pPr marL="2400300" indent="0">
-              <a:buNone/>
-              <a:defRPr sz="1200" b="1"/>
-            </a:lvl8pPr>
-            <a:lvl9pPr marL="2743200" indent="0">
-              <a:buNone/>
-              <a:defRPr sz="1200" b="1"/>
-            </a:lvl9pPr>
-          </a:lstStyle>
-          <a:p>
-            <a:pPr lvl="0"/>
-            <a:r>
-              <a:rPr lang="en-US"/>
-              <a:t>Click to edit Master text styles</a:t>
-            </a:r>
-          </a:p>
-        </p:txBody>
-      </p:sp>
-      <p:sp>
-        <p:nvSpPr>
-          <p:cNvPr id="30" name="Picture Placeholder 2"/>
-          <p:cNvSpPr>
-            <a:spLocks noGrp="1" noChangeAspect="1"/>
-          </p:cNvSpPr>
-          <p:nvPr>
-            <p:ph type="pic" idx="21"/>
-          </p:nvPr>
-        </p:nvSpPr>
-        <p:spPr>
-          <a:xfrm>
-            <a:off x="2917031" y="1657350"/>
-            <a:ext cx="2197894" cy="1143000"/>
-          </a:xfrm>
-          <a:prstGeom prst="roundRect">
-            <a:avLst>
-              <a:gd name="adj" fmla="val 1858"/>
-            </a:avLst>
-          </a:prstGeom>
-          <a:effectLst>
-            <a:outerShdw blurRad="50800" dist="50800" dir="5400000" algn="tl" rotWithShape="0">
-              <a:srgbClr val="000000">
-                <a:alpha val="43000"/>
-              </a:srgbClr>
-            </a:outerShdw>
-          </a:effectLst>
-        </p:spPr>
-        <p:txBody>
-          <a:bodyPr anchor="t">
-            <a:normAutofit/>
-          </a:bodyPr>
-          <a:lstStyle>
-            <a:lvl1pPr marL="0" indent="0" algn="ctr">
-              <a:buNone/>
-              <a:defRPr sz="1200"/>
-            </a:lvl1pPr>
-            <a:lvl2pPr marL="342900" indent="0">
-              <a:buNone/>
-              <a:defRPr sz="1200"/>
-            </a:lvl2pPr>
-            <a:lvl3pPr marL="685800" indent="0">
-              <a:buNone/>
-              <a:defRPr sz="1200"/>
-            </a:lvl3pPr>
-            <a:lvl4pPr marL="1028700" indent="0">
-              <a:buNone/>
-              <a:defRPr sz="1200"/>
-            </a:lvl4pPr>
-            <a:lvl5pPr marL="1371600" indent="0">
-              <a:buNone/>
-              <a:defRPr sz="1200"/>
-            </a:lvl5pPr>
-            <a:lvl6pPr marL="1714500" indent="0">
-              <a:buNone/>
-              <a:defRPr sz="1200"/>
-            </a:lvl6pPr>
-            <a:lvl7pPr marL="2057400" indent="0">
-              <a:buNone/>
-              <a:defRPr sz="1200"/>
-            </a:lvl7pPr>
-            <a:lvl8pPr marL="2400300" indent="0">
-              <a:buNone/>
-              <a:defRPr sz="1200"/>
-            </a:lvl8pPr>
-            <a:lvl9pPr marL="2743200" indent="0">
-              <a:buNone/>
-              <a:defRPr sz="1200"/>
-            </a:lvl9pPr>
-          </a:lstStyle>
-          <a:p>
-            <a:r>
-              <a:rPr lang="en-US"/>
-              <a:t>Click icon to add picture</a:t>
-            </a:r>
-            <a:endParaRPr lang="en-US" dirty="0"/>
-          </a:p>
-        </p:txBody>
-      </p:sp>
-      <p:sp>
-        <p:nvSpPr>
-          <p:cNvPr id="23" name="Text Placeholder 3"/>
-          <p:cNvSpPr>
-            <a:spLocks noGrp="1"/>
-          </p:cNvSpPr>
-          <p:nvPr>
-            <p:ph type="body" sz="half" idx="19"/>
-          </p:nvPr>
-        </p:nvSpPr>
-        <p:spPr>
-          <a:xfrm>
-            <a:off x="2916016" y="3620408"/>
-            <a:ext cx="2200805" cy="494392"/>
-          </a:xfrm>
-        </p:spPr>
-        <p:txBody>
-          <a:bodyPr anchor="t">
-            <a:normAutofit/>
-          </a:bodyPr>
-          <a:lstStyle>
-            <a:lvl1pPr marL="0" indent="0">
-              <a:buNone/>
-              <a:defRPr sz="1050"/>
-            </a:lvl1pPr>
-            <a:lvl2pPr marL="342900" indent="0">
-              <a:buNone/>
-              <a:defRPr sz="900"/>
-            </a:lvl2pPr>
-            <a:lvl3pPr marL="685800" indent="0">
-              <a:buNone/>
-              <a:defRPr sz="750"/>
-            </a:lvl3pPr>
-            <a:lvl4pPr marL="1028700" indent="0">
-              <a:buNone/>
-              <a:defRPr sz="675"/>
-            </a:lvl4pPr>
-            <a:lvl5pPr marL="1371600" indent="0">
-              <a:buNone/>
-              <a:defRPr sz="675"/>
-            </a:lvl5pPr>
-            <a:lvl6pPr marL="1714500" indent="0">
-              <a:buNone/>
-              <a:defRPr sz="675"/>
-            </a:lvl6pPr>
-            <a:lvl7pPr marL="2057400" indent="0">
-              <a:buNone/>
-              <a:defRPr sz="675"/>
-            </a:lvl7pPr>
-            <a:lvl8pPr marL="2400300" indent="0">
-              <a:buNone/>
-              <a:defRPr sz="675"/>
-            </a:lvl8pPr>
-            <a:lvl9pPr marL="2743200" indent="0">
-              <a:buNone/>
-              <a:defRPr sz="675"/>
-            </a:lvl9pPr>
-          </a:lstStyle>
-          <a:p>
-            <a:pPr lvl="0"/>
-            <a:r>
-              <a:rPr lang="en-US"/>
-              <a:t>Click to edit Master text styles</a:t>
-            </a:r>
-          </a:p>
-        </p:txBody>
-      </p:sp>
-      <p:sp>
-        <p:nvSpPr>
-          <p:cNvPr id="14" name="Text Placeholder 4"/>
-          <p:cNvSpPr>
-            <a:spLocks noGrp="1"/>
-          </p:cNvSpPr>
-          <p:nvPr>
-            <p:ph type="body" sz="quarter" idx="13"/>
-          </p:nvPr>
-        </p:nvSpPr>
-        <p:spPr>
-          <a:xfrm>
-            <a:off x="5343525" y="3188212"/>
-            <a:ext cx="2199085" cy="432197"/>
-          </a:xfrm>
-        </p:spPr>
-        <p:txBody>
-          <a:bodyPr anchor="b">
-            <a:noAutofit/>
-          </a:bodyPr>
-          <a:lstStyle>
-            <a:lvl1pPr marL="0" indent="0">
-              <a:buNone/>
-              <a:defRPr sz="1800" b="0">
-                <a:solidFill>
-                  <a:schemeClr val="bg2">
-                    <a:lumMod val="40000"/>
-                    <a:lumOff val="60000"/>
-                  </a:schemeClr>
-                </a:solidFill>
-              </a:defRPr>
-            </a:lvl1pPr>
-            <a:lvl2pPr marL="342900" indent="0">
-              <a:buNone/>
-              <a:defRPr sz="1500" b="1"/>
-            </a:lvl2pPr>
-            <a:lvl3pPr marL="685800" indent="0">
-              <a:buNone/>
-              <a:defRPr sz="1350" b="1"/>
-            </a:lvl3pPr>
-            <a:lvl4pPr marL="1028700" indent="0">
-              <a:buNone/>
-              <a:defRPr sz="1200" b="1"/>
-            </a:lvl4pPr>
-            <a:lvl5pPr marL="1371600" indent="0">
-              <a:buNone/>
-              <a:defRPr sz="1200" b="1"/>
-            </a:lvl5pPr>
-            <a:lvl6pPr marL="1714500" indent="0">
-              <a:buNone/>
-              <a:defRPr sz="1200" b="1"/>
-            </a:lvl6pPr>
-            <a:lvl7pPr marL="2057400" indent="0">
-              <a:buNone/>
-              <a:defRPr sz="1200" b="1"/>
-            </a:lvl7pPr>
-            <a:lvl8pPr marL="2400300" indent="0">
-              <a:buNone/>
-              <a:defRPr sz="1200" b="1"/>
-            </a:lvl8pPr>
-            <a:lvl9pPr marL="2743200" indent="0">
-              <a:buNone/>
-              <a:defRPr sz="1200" b="1"/>
-            </a:lvl9pPr>
-          </a:lstStyle>
-          <a:p>
-            <a:pPr lvl="0"/>
-            <a:r>
-              <a:rPr lang="en-US"/>
-              <a:t>Click to edit Master text styles</a:t>
-            </a:r>
-          </a:p>
-        </p:txBody>
-      </p:sp>
-      <p:sp>
-        <p:nvSpPr>
-          <p:cNvPr id="31" name="Picture Placeholder 2"/>
-          <p:cNvSpPr>
-            <a:spLocks noGrp="1" noChangeAspect="1"/>
-          </p:cNvSpPr>
-          <p:nvPr>
-            <p:ph type="pic" idx="22"/>
-          </p:nvPr>
-        </p:nvSpPr>
-        <p:spPr>
-          <a:xfrm>
-            <a:off x="5343525" y="1657350"/>
-            <a:ext cx="2199085" cy="1143000"/>
-          </a:xfrm>
-          <a:prstGeom prst="roundRect">
-            <a:avLst>
-              <a:gd name="adj" fmla="val 1858"/>
-            </a:avLst>
-          </a:prstGeom>
-          <a:effectLst>
-            <a:outerShdw blurRad="50800" dist="50800" dir="5400000" algn="tl" rotWithShape="0">
-              <a:srgbClr val="000000">
-                <a:alpha val="43000"/>
-              </a:srgbClr>
-            </a:outerShdw>
-          </a:effectLst>
-        </p:spPr>
-        <p:txBody>
-          <a:bodyPr anchor="t">
-            <a:normAutofit/>
-          </a:bodyPr>
-          <a:lstStyle>
-            <a:lvl1pPr marL="0" indent="0" algn="ctr">
-              <a:buNone/>
-              <a:defRPr sz="1200"/>
-            </a:lvl1pPr>
-            <a:lvl2pPr marL="342900" indent="0">
-              <a:buNone/>
-              <a:defRPr sz="1200"/>
-            </a:lvl2pPr>
-            <a:lvl3pPr marL="685800" indent="0">
-              <a:buNone/>
-              <a:defRPr sz="1200"/>
-            </a:lvl3pPr>
-            <a:lvl4pPr marL="1028700" indent="0">
-              <a:buNone/>
-              <a:defRPr sz="1200"/>
-            </a:lvl4pPr>
-            <a:lvl5pPr marL="1371600" indent="0">
-              <a:buNone/>
-              <a:defRPr sz="1200"/>
-            </a:lvl5pPr>
-            <a:lvl6pPr marL="1714500" indent="0">
-              <a:buNone/>
-              <a:defRPr sz="1200"/>
-            </a:lvl6pPr>
-            <a:lvl7pPr marL="2057400" indent="0">
-              <a:buNone/>
-              <a:defRPr sz="1200"/>
-            </a:lvl7pPr>
-            <a:lvl8pPr marL="2400300" indent="0">
-              <a:buNone/>
-              <a:defRPr sz="1200"/>
-            </a:lvl8pPr>
-            <a:lvl9pPr marL="2743200" indent="0">
-              <a:buNone/>
-              <a:defRPr sz="1200"/>
-            </a:lvl9pPr>
-          </a:lstStyle>
-          <a:p>
-            <a:r>
-              <a:rPr lang="en-US"/>
-              <a:t>Click icon to add picture</a:t>
-            </a:r>
-            <a:endParaRPr lang="en-US" dirty="0"/>
-          </a:p>
-        </p:txBody>
-      </p:sp>
-      <p:sp>
-        <p:nvSpPr>
-          <p:cNvPr id="24" name="Text Placeholder 3"/>
-          <p:cNvSpPr>
-            <a:spLocks noGrp="1"/>
-          </p:cNvSpPr>
-          <p:nvPr>
-            <p:ph type="body" sz="half" idx="20"/>
-          </p:nvPr>
-        </p:nvSpPr>
-        <p:spPr>
-          <a:xfrm>
-            <a:off x="5343432" y="3620406"/>
-            <a:ext cx="2201998" cy="494392"/>
-          </a:xfrm>
-        </p:spPr>
-        <p:txBody>
-          <a:bodyPr anchor="t">
-            <a:normAutofit/>
-          </a:bodyPr>
-          <a:lstStyle>
-            <a:lvl1pPr marL="0" indent="0">
-              <a:buNone/>
-              <a:defRPr sz="1050"/>
-            </a:lvl1pPr>
-            <a:lvl2pPr marL="342900" indent="0">
-              <a:buNone/>
-              <a:defRPr sz="900"/>
-            </a:lvl2pPr>
-            <a:lvl3pPr marL="685800" indent="0">
-              <a:buNone/>
-              <a:defRPr sz="750"/>
-            </a:lvl3pPr>
-            <a:lvl4pPr marL="1028700" indent="0">
-              <a:buNone/>
-              <a:defRPr sz="675"/>
-            </a:lvl4pPr>
-            <a:lvl5pPr marL="1371600" indent="0">
-              <a:buNone/>
-              <a:defRPr sz="675"/>
-            </a:lvl5pPr>
-            <a:lvl6pPr marL="1714500" indent="0">
-              <a:buNone/>
-              <a:defRPr sz="675"/>
-            </a:lvl6pPr>
-            <a:lvl7pPr marL="2057400" indent="0">
-              <a:buNone/>
-              <a:defRPr sz="675"/>
-            </a:lvl7pPr>
-            <a:lvl8pPr marL="2400300" indent="0">
-              <a:buNone/>
-              <a:defRPr sz="675"/>
-            </a:lvl8pPr>
-            <a:lvl9pPr marL="2743200" indent="0">
-              <a:buNone/>
-              <a:defRPr sz="675"/>
-            </a:lvl9pPr>
-          </a:lstStyle>
-          <a:p>
-            <a:pPr lvl="0"/>
-            <a:r>
-              <a:rPr lang="en-US"/>
-              <a:t>Click to edit Master text styles</a:t>
-            </a:r>
-          </a:p>
-        </p:txBody>
-      </p:sp>
-      <p:cxnSp>
-        <p:nvCxnSpPr>
-          <p:cNvPr id="19" name="Straight Connector 18"/>
-          <p:cNvCxnSpPr/>
-          <p:nvPr/>
-        </p:nvCxnSpPr>
-        <p:spPr>
-          <a:xfrm>
-            <a:off x="2794607" y="1600200"/>
-            <a:ext cx="0" cy="2971800"/>
-          </a:xfrm>
-          <a:prstGeom prst="line">
-            <a:avLst/>
-          </a:prstGeom>
-          <a:ln w="12700" cmpd="sng">
-            <a:solidFill>
-              <a:schemeClr val="bg2">
-                <a:lumMod val="40000"/>
-                <a:lumOff val="60000"/>
-                <a:alpha val="40000"/>
-              </a:schemeClr>
-            </a:solidFill>
-          </a:ln>
-        </p:spPr>
-        <p:style>
-          <a:lnRef idx="2">
-            <a:schemeClr val="accent1"/>
-          </a:lnRef>
-          <a:fillRef idx="0">
-            <a:schemeClr val="accent1"/>
-          </a:fillRef>
-          <a:effectRef idx="1">
-            <a:schemeClr val="accent1"/>
-          </a:effectRef>
-          <a:fontRef idx="minor">
-            <a:schemeClr val="tx1"/>
-          </a:fontRef>
-        </p:style>
-      </p:cxnSp>
-      <p:cxnSp>
-        <p:nvCxnSpPr>
-          <p:cNvPr id="20" name="Straight Connector 19"/>
-          <p:cNvCxnSpPr/>
-          <p:nvPr/>
-        </p:nvCxnSpPr>
-        <p:spPr>
-          <a:xfrm>
-            <a:off x="5221670" y="1600200"/>
-            <a:ext cx="0" cy="2975162"/>
-          </a:xfrm>
-          <a:prstGeom prst="line">
-            <a:avLst/>
-          </a:prstGeom>
-          <a:ln w="12700" cmpd="sng">
-            <a:solidFill>
-              <a:schemeClr val="bg2">
-                <a:lumMod val="40000"/>
-                <a:lumOff val="60000"/>
-                <a:alpha val="40000"/>
-              </a:schemeClr>
-            </a:solidFill>
-          </a:ln>
-        </p:spPr>
-        <p:style>
-          <a:lnRef idx="2">
-            <a:schemeClr val="accent1"/>
-          </a:lnRef>
-          <a:fillRef idx="0">
-            <a:schemeClr val="accent1"/>
-          </a:fillRef>
-          <a:effectRef idx="1">
-            <a:schemeClr val="accent1"/>
-          </a:effectRef>
-          <a:fontRef idx="minor">
-            <a:schemeClr val="tx1"/>
-          </a:fontRef>
-        </p:style>
-      </p:cxnSp>
-      <p:sp>
-        <p:nvSpPr>
-          <p:cNvPr id="7" name="Date Placeholder 3"/>
-          <p:cNvSpPr>
-            <a:spLocks noGrp="1"/>
-          </p:cNvSpPr>
-          <p:nvPr>
-            <p:ph type="dt" sz="half" idx="10"/>
-          </p:nvPr>
-        </p:nvSpPr>
-        <p:spPr/>
-        <p:txBody>
-          <a:bodyPr/>
-          <a:lstStyle/>
-          <a:p>
-            <a:fld id="{4AAD347D-5ACD-4C99-B74B-A9C85AD731AF}" type="datetimeFigureOut">
-              <a:rPr lang="en-US" smtClean="0"/>
-              <a:t>6/13/2022</a:t>
-            </a:fld>
-            <a:endParaRPr lang="en-US" dirty="0"/>
-          </a:p>
-        </p:txBody>
-      </p:sp>
-      <p:sp>
-        <p:nvSpPr>
-          <p:cNvPr id="4" name="Footer Placeholder 4"/>
-          <p:cNvSpPr>
-            <a:spLocks noGrp="1"/>
-          </p:cNvSpPr>
-          <p:nvPr>
-            <p:ph type="ftr" sz="quarter" idx="11"/>
-          </p:nvPr>
-        </p:nvSpPr>
-        <p:spPr/>
-        <p:txBody>
-          <a:bodyPr/>
-          <a:lstStyle/>
-          <a:p>
-            <a:endParaRPr lang="en-US" dirty="0"/>
-          </a:p>
-        </p:txBody>
-      </p:sp>
-      <p:sp>
-        <p:nvSpPr>
-          <p:cNvPr id="6" name="Slide Number Placeholder 5"/>
-          <p:cNvSpPr>
-            <a:spLocks noGrp="1"/>
-          </p:cNvSpPr>
-          <p:nvPr>
-            <p:ph type="sldNum" sz="quarter" idx="12"/>
-          </p:nvPr>
-        </p:nvSpPr>
-        <p:spPr/>
-        <p:txBody>
-          <a:bodyPr/>
-          <a:lstStyle/>
-          <a:p>
-            <a:fld id="{D57F1E4F-1CFF-5643-939E-02111984F565}" type="slidenum">
-              <a:rPr lang="en-US" smtClean="0"/>
-              <a:t>‹#›</a:t>
-            </a:fld>
-            <a:endParaRPr lang="en-US" dirty="0"/>
-          </a:p>
-        </p:txBody>
-      </p:sp>
-    </p:spTree>
-    <p:extLst>
-      <p:ext uri="{BB962C8B-B14F-4D97-AF65-F5344CB8AC3E}">
-        <p14:creationId xmlns:p14="http://schemas.microsoft.com/office/powerpoint/2010/main" val="2515041374"/>
-      </p:ext>
-    </p:extLst>
-  </p:cSld>
-  <p:clrMapOvr>
-    <a:masterClrMapping/>
-  </p:clrMapOvr>
-  <p:hf sldNum="0" hdr="0" ftr="0" dt="0"/>
-</p:sldLayout>
-</file>
-
-<file path=ppt/slideLayouts/slideLayout16.xml><?xml version="1.0" encoding="utf-8"?>
 <p:sldLayout xmlns:a="http://schemas.openxmlformats.org/drawingml/2006/main" xmlns:r="http://schemas.openxmlformats.org/officeDocument/2006/relationships" xmlns:p="http://schemas.openxmlformats.org/presentationml/2006/main" type="vertTx" preserve="1">
   <p:cSld name="Title and Vertical Text">
     <p:spTree>
@@ -5244,7 +2550,7 @@
         </p:nvSpPr>
         <p:spPr/>
         <p:txBody>
-          <a:bodyPr vert="eaVert" anchor="t" anchorCtr="0"/>
+          <a:bodyPr vert="eaVert"/>
           <a:lstStyle/>
           <a:p>
             <a:pPr lvl="0"/>
@@ -5301,7 +2607,7 @@
           <a:p>
             <a:fld id="{4AAD347D-5ACD-4C99-B74B-A9C85AD731AF}" type="datetimeFigureOut">
               <a:rPr lang="en-US" smtClean="0"/>
-              <a:t>6/13/2022</a:t>
+              <a:t>6/17/2022</a:t>
             </a:fld>
             <a:endParaRPr lang="en-US" dirty="0"/>
           </a:p>
@@ -5349,10 +2655,41 @@
           </a:p>
         </p:txBody>
       </p:sp>
+      <p:cxnSp>
+        <p:nvCxnSpPr>
+          <p:cNvPr id="26" name="Straight Connector 25"/>
+          <p:cNvCxnSpPr/>
+          <p:nvPr/>
+        </p:nvCxnSpPr>
+        <p:spPr>
+          <a:xfrm>
+            <a:off x="1090422" y="1385316"/>
+            <a:ext cx="7205642" cy="0"/>
+          </a:xfrm>
+          <a:prstGeom prst="line">
+            <a:avLst/>
+          </a:prstGeom>
+          <a:ln w="31750"/>
+        </p:spPr>
+        <p:style>
+          <a:lnRef idx="3">
+            <a:schemeClr val="accent1"/>
+          </a:lnRef>
+          <a:fillRef idx="0">
+            <a:schemeClr val="accent1"/>
+          </a:fillRef>
+          <a:effectRef idx="2">
+            <a:schemeClr val="accent1"/>
+          </a:effectRef>
+          <a:fontRef idx="minor">
+            <a:schemeClr val="tx1"/>
+          </a:fontRef>
+        </p:style>
+      </p:cxnSp>
     </p:spTree>
     <p:extLst>
       <p:ext uri="{BB962C8B-B14F-4D97-AF65-F5344CB8AC3E}">
-        <p14:creationId xmlns:p14="http://schemas.microsoft.com/office/powerpoint/2010/main" val="91737229"/>
+        <p14:creationId xmlns:p14="http://schemas.microsoft.com/office/powerpoint/2010/main" val="1236567764"/>
       </p:ext>
     </p:extLst>
   </p:cSld>
@@ -5363,7 +2700,7 @@
 </p:sldLayout>
 </file>
 
-<file path=ppt/slideLayouts/slideLayout17.xml><?xml version="1.0" encoding="utf-8"?>
+<file path=ppt/slideLayouts/slideLayout11.xml><?xml version="1.0" encoding="utf-8"?>
 <p:sldLayout xmlns:a="http://schemas.openxmlformats.org/drawingml/2006/main" xmlns:r="http://schemas.openxmlformats.org/officeDocument/2006/relationships" xmlns:p="http://schemas.openxmlformats.org/presentationml/2006/main" type="vertTitleAndTx" preserve="1">
   <p:cSld name="Vertical Title and Text">
     <p:spTree>
@@ -5392,13 +2729,17 @@
         </p:nvSpPr>
         <p:spPr>
           <a:xfrm>
-            <a:off x="6228159" y="322660"/>
-            <a:ext cx="1314451" cy="4369594"/>
-          </a:xfrm>
-        </p:spPr>
-        <p:txBody>
-          <a:bodyPr vert="eaVert" anchor="b" anchorCtr="0"/>
-          <a:lstStyle/>
+            <a:off x="7079333" y="599230"/>
+            <a:ext cx="1211807" cy="3494917"/>
+          </a:xfrm>
+        </p:spPr>
+        <p:txBody>
+          <a:bodyPr vert="eaVert"/>
+          <a:lstStyle>
+            <a:lvl1pPr algn="l">
+              <a:defRPr/>
+            </a:lvl1pPr>
+          </a:lstStyle>
           <a:p>
             <a:r>
               <a:rPr lang="en-US"/>
@@ -5420,8 +2761,8 @@
         </p:nvSpPr>
         <p:spPr>
           <a:xfrm>
-            <a:off x="489348" y="665561"/>
-            <a:ext cx="5567362" cy="4026693"/>
+            <a:off x="1083504" y="599230"/>
+            <a:ext cx="5871623" cy="3494917"/>
           </a:xfrm>
         </p:spPr>
         <p:txBody>
@@ -5482,7 +2823,7 @@
           <a:p>
             <a:fld id="{4AAD347D-5ACD-4C99-B74B-A9C85AD731AF}" type="datetimeFigureOut">
               <a:rPr lang="en-US" smtClean="0"/>
-              <a:t>6/13/2022</a:t>
+              <a:t>6/17/2022</a:t>
             </a:fld>
             <a:endParaRPr lang="en-US" dirty="0"/>
           </a:p>
@@ -5530,10 +2871,41 @@
           </a:p>
         </p:txBody>
       </p:sp>
+      <p:cxnSp>
+        <p:nvCxnSpPr>
+          <p:cNvPr id="15" name="Straight Connector 14"/>
+          <p:cNvCxnSpPr/>
+          <p:nvPr/>
+        </p:nvCxnSpPr>
+        <p:spPr>
+          <a:xfrm>
+            <a:off x="7079333" y="599230"/>
+            <a:ext cx="0" cy="3494917"/>
+          </a:xfrm>
+          <a:prstGeom prst="line">
+            <a:avLst/>
+          </a:prstGeom>
+          <a:ln w="31750"/>
+        </p:spPr>
+        <p:style>
+          <a:lnRef idx="3">
+            <a:schemeClr val="accent1"/>
+          </a:lnRef>
+          <a:fillRef idx="0">
+            <a:schemeClr val="accent1"/>
+          </a:fillRef>
+          <a:effectRef idx="2">
+            <a:schemeClr val="accent1"/>
+          </a:effectRef>
+          <a:fontRef idx="minor">
+            <a:schemeClr val="tx1"/>
+          </a:fontRef>
+        </p:style>
+      </p:cxnSp>
     </p:spTree>
     <p:extLst>
       <p:ext uri="{BB962C8B-B14F-4D97-AF65-F5344CB8AC3E}">
-        <p14:creationId xmlns:p14="http://schemas.microsoft.com/office/powerpoint/2010/main" val="3859849469"/>
+        <p14:creationId xmlns:p14="http://schemas.microsoft.com/office/powerpoint/2010/main" val="2192639258"/>
       </p:ext>
     </p:extLst>
   </p:cSld>
@@ -5544,7 +2916,7 @@
 </p:sldLayout>
 </file>
 
-<file path=ppt/slideLayouts/slideLayout18.xml><?xml version="1.0" encoding="utf-8"?>
+<file path=ppt/slideLayouts/slideLayout12.xml><?xml version="1.0" encoding="utf-8"?>
 <p:sldLayout xmlns:a="http://schemas.openxmlformats.org/drawingml/2006/main" xmlns:r="http://schemas.openxmlformats.org/officeDocument/2006/relationships" xmlns:p="http://schemas.openxmlformats.org/presentationml/2006/main" matchingName="One column text">
   <p:cSld name="One column text">
     <p:spTree>
@@ -5870,7 +3242,7 @@
     </p:spTree>
     <p:extLst>
       <p:ext uri="{BB962C8B-B14F-4D97-AF65-F5344CB8AC3E}">
-        <p14:creationId xmlns:p14="http://schemas.microsoft.com/office/powerpoint/2010/main" val="3635452593"/>
+        <p14:creationId xmlns:p14="http://schemas.microsoft.com/office/powerpoint/2010/main" val="1988000014"/>
       </p:ext>
     </p:extLst>
   </p:cSld>
@@ -5880,12 +3252,12 @@
 </p:sldLayout>
 </file>
 
-<file path=ppt/slideLayouts/slideLayout19.xml><?xml version="1.0" encoding="utf-8"?>
-<p:sldLayout xmlns:a="http://schemas.openxmlformats.org/drawingml/2006/main" xmlns:r="http://schemas.openxmlformats.org/officeDocument/2006/relationships" xmlns:p="http://schemas.openxmlformats.org/presentationml/2006/main" matchingName="Title only 3">
-  <p:cSld name="Title only 3">
+<file path=ppt/slideLayouts/slideLayout13.xml><?xml version="1.0" encoding="utf-8"?>
+<p:sldLayout xmlns:a="http://schemas.openxmlformats.org/drawingml/2006/main" xmlns:r="http://schemas.openxmlformats.org/officeDocument/2006/relationships" xmlns:p="http://schemas.openxmlformats.org/presentationml/2006/main" matchingName="Section title and description">
+  <p:cSld name="Section title and description">
     <p:spTree>
       <p:nvGrpSpPr>
-        <p:cNvPr id="1" name="Shape 1141"/>
+        <p:cNvPr id="1" name="Shape 278"/>
         <p:cNvGrpSpPr/>
         <p:nvPr/>
       </p:nvGrpSpPr>
@@ -5899,7 +3271,7 @@
       </p:grpSpPr>
       <p:sp>
         <p:nvSpPr>
-          <p:cNvPr id="1148" name="Google Shape;1148;p28"/>
+          <p:cNvPr id="286" name="Google Shape;286;p9"/>
           <p:cNvSpPr txBox="1">
             <a:spLocks noGrp="1"/>
           </p:cNvSpPr>
@@ -5909,8 +3281,8 @@
         </p:nvSpPr>
         <p:spPr>
           <a:xfrm>
-            <a:off x="691050" y="540000"/>
-            <a:ext cx="7761900" cy="572700"/>
+            <a:off x="4506450" y="1313323"/>
+            <a:ext cx="3966000" cy="858900"/>
           </a:xfrm>
           <a:prstGeom prst="rect">
             <a:avLst/>
@@ -5921,144 +3293,348 @@
             <a:normAutofit/>
           </a:bodyPr>
           <a:lstStyle>
-            <a:lvl1pPr lvl="0" algn="ctr" rtl="0">
-              <a:spcBef>
-                <a:spcPts val="0"/>
-              </a:spcBef>
-              <a:spcAft>
-                <a:spcPts val="0"/>
-              </a:spcAft>
-              <a:buSzPts val="3000"/>
+            <a:lvl1pPr lvl="0" algn="r">
+              <a:spcBef>
+                <a:spcPts val="0"/>
+              </a:spcBef>
+              <a:spcAft>
+                <a:spcPts val="0"/>
+              </a:spcAft>
+              <a:buSzPts val="4200"/>
+              <a:buNone/>
+              <a:defRPr sz="4000"/>
+            </a:lvl1pPr>
+            <a:lvl2pPr lvl="1" algn="ctr">
+              <a:spcBef>
+                <a:spcPts val="0"/>
+              </a:spcBef>
+              <a:spcAft>
+                <a:spcPts val="0"/>
+              </a:spcAft>
+              <a:buSzPts val="4200"/>
+              <a:buNone/>
+              <a:defRPr sz="4200"/>
+            </a:lvl2pPr>
+            <a:lvl3pPr lvl="2" algn="ctr">
+              <a:spcBef>
+                <a:spcPts val="0"/>
+              </a:spcBef>
+              <a:spcAft>
+                <a:spcPts val="0"/>
+              </a:spcAft>
+              <a:buSzPts val="4200"/>
+              <a:buNone/>
+              <a:defRPr sz="4200"/>
+            </a:lvl3pPr>
+            <a:lvl4pPr lvl="3" algn="ctr">
+              <a:spcBef>
+                <a:spcPts val="0"/>
+              </a:spcBef>
+              <a:spcAft>
+                <a:spcPts val="0"/>
+              </a:spcAft>
+              <a:buSzPts val="4200"/>
+              <a:buNone/>
+              <a:defRPr sz="4200"/>
+            </a:lvl4pPr>
+            <a:lvl5pPr lvl="4" algn="ctr">
+              <a:spcBef>
+                <a:spcPts val="0"/>
+              </a:spcBef>
+              <a:spcAft>
+                <a:spcPts val="0"/>
+              </a:spcAft>
+              <a:buSzPts val="4200"/>
+              <a:buNone/>
+              <a:defRPr sz="4200"/>
+            </a:lvl5pPr>
+            <a:lvl6pPr lvl="5" algn="ctr">
+              <a:spcBef>
+                <a:spcPts val="0"/>
+              </a:spcBef>
+              <a:spcAft>
+                <a:spcPts val="0"/>
+              </a:spcAft>
+              <a:buSzPts val="4200"/>
+              <a:buNone/>
+              <a:defRPr sz="4200"/>
+            </a:lvl6pPr>
+            <a:lvl7pPr lvl="6" algn="ctr">
+              <a:spcBef>
+                <a:spcPts val="0"/>
+              </a:spcBef>
+              <a:spcAft>
+                <a:spcPts val="0"/>
+              </a:spcAft>
+              <a:buSzPts val="4200"/>
+              <a:buNone/>
+              <a:defRPr sz="4200"/>
+            </a:lvl7pPr>
+            <a:lvl8pPr lvl="7" algn="ctr">
+              <a:spcBef>
+                <a:spcPts val="0"/>
+              </a:spcBef>
+              <a:spcAft>
+                <a:spcPts val="0"/>
+              </a:spcAft>
+              <a:buSzPts val="4200"/>
+              <a:buNone/>
+              <a:defRPr sz="4200"/>
+            </a:lvl8pPr>
+            <a:lvl9pPr lvl="8" algn="ctr">
+              <a:spcBef>
+                <a:spcPts val="0"/>
+              </a:spcBef>
+              <a:spcAft>
+                <a:spcPts val="0"/>
+              </a:spcAft>
+              <a:buSzPts val="4200"/>
+              <a:buNone/>
+              <a:defRPr sz="4200"/>
+            </a:lvl9pPr>
+          </a:lstStyle>
+          <a:p>
+            <a:endParaRPr/>
+          </a:p>
+        </p:txBody>
+      </p:sp>
+      <p:sp>
+        <p:nvSpPr>
+          <p:cNvPr id="287" name="Google Shape;287;p9"/>
+          <p:cNvSpPr txBox="1">
+            <a:spLocks noGrp="1"/>
+          </p:cNvSpPr>
+          <p:nvPr>
+            <p:ph type="sldNum" idx="12"/>
+          </p:nvPr>
+        </p:nvSpPr>
+        <p:spPr>
+          <a:xfrm>
+            <a:off x="8472458" y="4663217"/>
+            <a:ext cx="548700" cy="393600"/>
+          </a:xfrm>
+          <a:prstGeom prst="rect">
+            <a:avLst/>
+          </a:prstGeom>
+          <a:noFill/>
+          <a:ln>
+            <a:noFill/>
+          </a:ln>
+        </p:spPr>
+        <p:txBody>
+          <a:bodyPr spcFirstLastPara="1" wrap="square" lIns="91425" tIns="91425" rIns="91425" bIns="91425" anchor="ctr" anchorCtr="0">
+            <a:noAutofit/>
+          </a:bodyPr>
+          <a:lstStyle>
+            <a:lvl1pPr lvl="0" rtl="0">
               <a:buNone/>
               <a:defRPr/>
             </a:lvl1pPr>
             <a:lvl2pPr lvl="1" rtl="0">
-              <a:spcBef>
-                <a:spcPts val="0"/>
-              </a:spcBef>
-              <a:spcAft>
-                <a:spcPts val="0"/>
-              </a:spcAft>
-              <a:buSzPts val="3000"/>
-              <a:buNone/>
-              <a:defRPr sz="3000" b="1">
-                <a:latin typeface="Raleway"/>
-                <a:ea typeface="Raleway"/>
-                <a:cs typeface="Raleway"/>
-                <a:sym typeface="Raleway"/>
-              </a:defRPr>
+              <a:buNone/>
+              <a:defRPr/>
             </a:lvl2pPr>
             <a:lvl3pPr lvl="2" rtl="0">
-              <a:spcBef>
-                <a:spcPts val="0"/>
-              </a:spcBef>
-              <a:spcAft>
-                <a:spcPts val="0"/>
-              </a:spcAft>
-              <a:buSzPts val="3000"/>
-              <a:buNone/>
-              <a:defRPr sz="3000" b="1">
-                <a:latin typeface="Raleway"/>
-                <a:ea typeface="Raleway"/>
-                <a:cs typeface="Raleway"/>
-                <a:sym typeface="Raleway"/>
-              </a:defRPr>
+              <a:buNone/>
+              <a:defRPr/>
             </a:lvl3pPr>
             <a:lvl4pPr lvl="3" rtl="0">
-              <a:spcBef>
-                <a:spcPts val="0"/>
-              </a:spcBef>
-              <a:spcAft>
-                <a:spcPts val="0"/>
-              </a:spcAft>
-              <a:buSzPts val="3000"/>
-              <a:buNone/>
-              <a:defRPr sz="3000" b="1">
-                <a:latin typeface="Raleway"/>
-                <a:ea typeface="Raleway"/>
-                <a:cs typeface="Raleway"/>
-                <a:sym typeface="Raleway"/>
-              </a:defRPr>
+              <a:buNone/>
+              <a:defRPr/>
             </a:lvl4pPr>
             <a:lvl5pPr lvl="4" rtl="0">
-              <a:spcBef>
-                <a:spcPts val="0"/>
-              </a:spcBef>
-              <a:spcAft>
-                <a:spcPts val="0"/>
-              </a:spcAft>
-              <a:buSzPts val="3000"/>
-              <a:buNone/>
-              <a:defRPr sz="3000" b="1">
-                <a:latin typeface="Raleway"/>
-                <a:ea typeface="Raleway"/>
-                <a:cs typeface="Raleway"/>
-                <a:sym typeface="Raleway"/>
-              </a:defRPr>
+              <a:buNone/>
+              <a:defRPr/>
             </a:lvl5pPr>
             <a:lvl6pPr lvl="5" rtl="0">
-              <a:spcBef>
-                <a:spcPts val="0"/>
-              </a:spcBef>
-              <a:spcAft>
-                <a:spcPts val="0"/>
-              </a:spcAft>
-              <a:buSzPts val="3000"/>
-              <a:buNone/>
-              <a:defRPr sz="3000" b="1">
-                <a:latin typeface="Raleway"/>
-                <a:ea typeface="Raleway"/>
-                <a:cs typeface="Raleway"/>
-                <a:sym typeface="Raleway"/>
-              </a:defRPr>
+              <a:buNone/>
+              <a:defRPr/>
             </a:lvl6pPr>
             <a:lvl7pPr lvl="6" rtl="0">
-              <a:spcBef>
-                <a:spcPts val="0"/>
-              </a:spcBef>
-              <a:spcAft>
-                <a:spcPts val="0"/>
-              </a:spcAft>
-              <a:buSzPts val="3000"/>
-              <a:buNone/>
-              <a:defRPr sz="3000" b="1">
-                <a:latin typeface="Raleway"/>
-                <a:ea typeface="Raleway"/>
-                <a:cs typeface="Raleway"/>
-                <a:sym typeface="Raleway"/>
-              </a:defRPr>
+              <a:buNone/>
+              <a:defRPr/>
             </a:lvl7pPr>
             <a:lvl8pPr lvl="7" rtl="0">
-              <a:spcBef>
-                <a:spcPts val="0"/>
-              </a:spcBef>
-              <a:spcAft>
-                <a:spcPts val="0"/>
-              </a:spcAft>
-              <a:buSzPts val="3000"/>
-              <a:buNone/>
-              <a:defRPr sz="3000" b="1">
-                <a:latin typeface="Raleway"/>
-                <a:ea typeface="Raleway"/>
-                <a:cs typeface="Raleway"/>
-                <a:sym typeface="Raleway"/>
-              </a:defRPr>
+              <a:buNone/>
+              <a:defRPr/>
             </a:lvl8pPr>
             <a:lvl9pPr lvl="8" rtl="0">
-              <a:spcBef>
-                <a:spcPts val="0"/>
-              </a:spcBef>
-              <a:spcAft>
-                <a:spcPts val="0"/>
-              </a:spcAft>
-              <a:buSzPts val="3000"/>
-              <a:buNone/>
-              <a:defRPr sz="3000" b="1">
-                <a:latin typeface="Raleway"/>
-                <a:ea typeface="Raleway"/>
-                <a:cs typeface="Raleway"/>
-                <a:sym typeface="Raleway"/>
+              <a:buNone/>
+              <a:defRPr/>
+            </a:lvl9pPr>
+          </a:lstStyle>
+          <a:p>
+            <a:pPr marL="0" lvl="0" indent="0" algn="l" rtl="0">
+              <a:spcBef>
+                <a:spcPts val="0"/>
+              </a:spcBef>
+              <a:spcAft>
+                <a:spcPts val="0"/>
+              </a:spcAft>
+              <a:buNone/>
+            </a:pPr>
+            <a:fld id="{00000000-1234-1234-1234-123412341234}" type="slidenum">
+              <a:rPr lang="en"/>
+              <a:t>‹#›</a:t>
+            </a:fld>
+            <a:endParaRPr/>
+          </a:p>
+        </p:txBody>
+      </p:sp>
+      <p:sp>
+        <p:nvSpPr>
+          <p:cNvPr id="342" name="Google Shape;342;p9"/>
+          <p:cNvSpPr txBox="1">
+            <a:spLocks noGrp="1"/>
+          </p:cNvSpPr>
+          <p:nvPr>
+            <p:ph type="subTitle" idx="1"/>
+          </p:nvPr>
+        </p:nvSpPr>
+        <p:spPr>
+          <a:xfrm>
+            <a:off x="4789825" y="2107575"/>
+            <a:ext cx="3682500" cy="1516200"/>
+          </a:xfrm>
+          <a:prstGeom prst="rect">
+            <a:avLst/>
+          </a:prstGeom>
+        </p:spPr>
+        <p:txBody>
+          <a:bodyPr spcFirstLastPara="1" wrap="square" lIns="91425" tIns="91425" rIns="91425" bIns="91425" anchor="ctr" anchorCtr="0">
+            <a:normAutofit/>
+          </a:bodyPr>
+          <a:lstStyle>
+            <a:lvl1pPr lvl="0" algn="r">
+              <a:lnSpc>
+                <a:spcPct val="100000"/>
+              </a:lnSpc>
+              <a:spcBef>
+                <a:spcPts val="0"/>
+              </a:spcBef>
+              <a:spcAft>
+                <a:spcPts val="0"/>
+              </a:spcAft>
+              <a:buSzPts val="2100"/>
+              <a:buNone/>
+              <a:defRPr sz="1600">
+                <a:latin typeface="Lato"/>
+                <a:ea typeface="Lato"/>
+                <a:cs typeface="Lato"/>
+                <a:sym typeface="Lato"/>
               </a:defRPr>
+            </a:lvl1pPr>
+            <a:lvl2pPr lvl="1" algn="ctr">
+              <a:lnSpc>
+                <a:spcPct val="100000"/>
+              </a:lnSpc>
+              <a:spcBef>
+                <a:spcPts val="0"/>
+              </a:spcBef>
+              <a:spcAft>
+                <a:spcPts val="0"/>
+              </a:spcAft>
+              <a:buSzPts val="2100"/>
+              <a:buNone/>
+              <a:defRPr sz="2100"/>
+            </a:lvl2pPr>
+            <a:lvl3pPr lvl="2" algn="ctr">
+              <a:lnSpc>
+                <a:spcPct val="100000"/>
+              </a:lnSpc>
+              <a:spcBef>
+                <a:spcPts val="0"/>
+              </a:spcBef>
+              <a:spcAft>
+                <a:spcPts val="0"/>
+              </a:spcAft>
+              <a:buSzPts val="2100"/>
+              <a:buNone/>
+              <a:defRPr sz="2100"/>
+            </a:lvl3pPr>
+            <a:lvl4pPr lvl="3" algn="ctr">
+              <a:lnSpc>
+                <a:spcPct val="100000"/>
+              </a:lnSpc>
+              <a:spcBef>
+                <a:spcPts val="0"/>
+              </a:spcBef>
+              <a:spcAft>
+                <a:spcPts val="0"/>
+              </a:spcAft>
+              <a:buSzPts val="2100"/>
+              <a:buNone/>
+              <a:defRPr sz="2100"/>
+            </a:lvl4pPr>
+            <a:lvl5pPr lvl="4" algn="ctr">
+              <a:lnSpc>
+                <a:spcPct val="100000"/>
+              </a:lnSpc>
+              <a:spcBef>
+                <a:spcPts val="0"/>
+              </a:spcBef>
+              <a:spcAft>
+                <a:spcPts val="0"/>
+              </a:spcAft>
+              <a:buSzPts val="2100"/>
+              <a:buNone/>
+              <a:defRPr sz="2100"/>
+            </a:lvl5pPr>
+            <a:lvl6pPr lvl="5" algn="ctr">
+              <a:lnSpc>
+                <a:spcPct val="100000"/>
+              </a:lnSpc>
+              <a:spcBef>
+                <a:spcPts val="0"/>
+              </a:spcBef>
+              <a:spcAft>
+                <a:spcPts val="0"/>
+              </a:spcAft>
+              <a:buSzPts val="2100"/>
+              <a:buNone/>
+              <a:defRPr sz="2100"/>
+            </a:lvl6pPr>
+            <a:lvl7pPr lvl="6" algn="ctr">
+              <a:lnSpc>
+                <a:spcPct val="100000"/>
+              </a:lnSpc>
+              <a:spcBef>
+                <a:spcPts val="0"/>
+              </a:spcBef>
+              <a:spcAft>
+                <a:spcPts val="0"/>
+              </a:spcAft>
+              <a:buSzPts val="2100"/>
+              <a:buNone/>
+              <a:defRPr sz="2100"/>
+            </a:lvl7pPr>
+            <a:lvl8pPr lvl="7" algn="ctr">
+              <a:lnSpc>
+                <a:spcPct val="100000"/>
+              </a:lnSpc>
+              <a:spcBef>
+                <a:spcPts val="0"/>
+              </a:spcBef>
+              <a:spcAft>
+                <a:spcPts val="0"/>
+              </a:spcAft>
+              <a:buSzPts val="2100"/>
+              <a:buNone/>
+              <a:defRPr sz="2100"/>
+            </a:lvl8pPr>
+            <a:lvl9pPr lvl="8" algn="ctr">
+              <a:lnSpc>
+                <a:spcPct val="100000"/>
+              </a:lnSpc>
+              <a:spcBef>
+                <a:spcPts val="0"/>
+              </a:spcBef>
+              <a:spcAft>
+                <a:spcPts val="0"/>
+              </a:spcAft>
+              <a:buSzPts val="2100"/>
+              <a:buNone/>
+              <a:defRPr sz="2100"/>
             </a:lvl9pPr>
           </a:lstStyle>
           <a:p>
@@ -6069,7 +3645,169 @@
     </p:spTree>
     <p:extLst>
       <p:ext uri="{BB962C8B-B14F-4D97-AF65-F5344CB8AC3E}">
-        <p14:creationId xmlns:p14="http://schemas.microsoft.com/office/powerpoint/2010/main" val="3143095201"/>
+        <p14:creationId xmlns:p14="http://schemas.microsoft.com/office/powerpoint/2010/main" val="1707327561"/>
+      </p:ext>
+    </p:extLst>
+  </p:cSld>
+  <p:clrMapOvr>
+    <a:masterClrMapping/>
+  </p:clrMapOvr>
+</p:sldLayout>
+</file>
+
+<file path=ppt/slideLayouts/slideLayout14.xml><?xml version="1.0" encoding="utf-8"?>
+<p:sldLayout xmlns:a="http://schemas.openxmlformats.org/drawingml/2006/main" xmlns:r="http://schemas.openxmlformats.org/officeDocument/2006/relationships" xmlns:p="http://schemas.openxmlformats.org/presentationml/2006/main" matchingName="Main point">
+  <p:cSld name="Main point">
+    <p:spTree>
+      <p:nvGrpSpPr>
+        <p:cNvPr id="1" name="Shape 263"/>
+        <p:cNvGrpSpPr/>
+        <p:nvPr/>
+      </p:nvGrpSpPr>
+      <p:grpSpPr>
+        <a:xfrm>
+          <a:off x="0" y="0"/>
+          <a:ext cx="0" cy="0"/>
+          <a:chOff x="0" y="0"/>
+          <a:chExt cx="0" cy="0"/>
+        </a:xfrm>
+      </p:grpSpPr>
+      <p:sp>
+        <p:nvSpPr>
+          <p:cNvPr id="275" name="Google Shape;275;p8"/>
+          <p:cNvSpPr txBox="1">
+            <a:spLocks noGrp="1"/>
+          </p:cNvSpPr>
+          <p:nvPr>
+            <p:ph type="title"/>
+          </p:nvPr>
+        </p:nvSpPr>
+        <p:spPr>
+          <a:xfrm>
+            <a:off x="1769250" y="1322550"/>
+            <a:ext cx="5605500" cy="2498400"/>
+          </a:xfrm>
+          <a:prstGeom prst="rect">
+            <a:avLst/>
+          </a:prstGeom>
+        </p:spPr>
+        <p:txBody>
+          <a:bodyPr spcFirstLastPara="1" wrap="square" lIns="91425" tIns="91425" rIns="91425" bIns="91425" anchor="ctr" anchorCtr="0">
+            <a:normAutofit/>
+          </a:bodyPr>
+          <a:lstStyle>
+            <a:lvl1pPr lvl="0" algn="ctr">
+              <a:lnSpc>
+                <a:spcPct val="80000"/>
+              </a:lnSpc>
+              <a:spcBef>
+                <a:spcPts val="0"/>
+              </a:spcBef>
+              <a:spcAft>
+                <a:spcPts val="0"/>
+              </a:spcAft>
+              <a:buSzPts val="6500"/>
+              <a:buNone/>
+              <a:defRPr sz="8200"/>
+            </a:lvl1pPr>
+            <a:lvl2pPr lvl="1" algn="ctr">
+              <a:spcBef>
+                <a:spcPts val="0"/>
+              </a:spcBef>
+              <a:spcAft>
+                <a:spcPts val="0"/>
+              </a:spcAft>
+              <a:buSzPts val="6500"/>
+              <a:buNone/>
+              <a:defRPr sz="6500"/>
+            </a:lvl2pPr>
+            <a:lvl3pPr lvl="2" algn="ctr">
+              <a:spcBef>
+                <a:spcPts val="0"/>
+              </a:spcBef>
+              <a:spcAft>
+                <a:spcPts val="0"/>
+              </a:spcAft>
+              <a:buSzPts val="6500"/>
+              <a:buNone/>
+              <a:defRPr sz="6500"/>
+            </a:lvl3pPr>
+            <a:lvl4pPr lvl="3" algn="ctr">
+              <a:spcBef>
+                <a:spcPts val="0"/>
+              </a:spcBef>
+              <a:spcAft>
+                <a:spcPts val="0"/>
+              </a:spcAft>
+              <a:buSzPts val="6500"/>
+              <a:buNone/>
+              <a:defRPr sz="6500"/>
+            </a:lvl4pPr>
+            <a:lvl5pPr lvl="4" algn="ctr">
+              <a:spcBef>
+                <a:spcPts val="0"/>
+              </a:spcBef>
+              <a:spcAft>
+                <a:spcPts val="0"/>
+              </a:spcAft>
+              <a:buSzPts val="6500"/>
+              <a:buNone/>
+              <a:defRPr sz="6500"/>
+            </a:lvl5pPr>
+            <a:lvl6pPr lvl="5" algn="ctr">
+              <a:spcBef>
+                <a:spcPts val="0"/>
+              </a:spcBef>
+              <a:spcAft>
+                <a:spcPts val="0"/>
+              </a:spcAft>
+              <a:buSzPts val="6500"/>
+              <a:buNone/>
+              <a:defRPr sz="6500"/>
+            </a:lvl6pPr>
+            <a:lvl7pPr lvl="6" algn="ctr">
+              <a:spcBef>
+                <a:spcPts val="0"/>
+              </a:spcBef>
+              <a:spcAft>
+                <a:spcPts val="0"/>
+              </a:spcAft>
+              <a:buSzPts val="6500"/>
+              <a:buNone/>
+              <a:defRPr sz="6500"/>
+            </a:lvl7pPr>
+            <a:lvl8pPr lvl="7" algn="ctr">
+              <a:spcBef>
+                <a:spcPts val="0"/>
+              </a:spcBef>
+              <a:spcAft>
+                <a:spcPts val="0"/>
+              </a:spcAft>
+              <a:buSzPts val="6500"/>
+              <a:buNone/>
+              <a:defRPr sz="6500"/>
+            </a:lvl8pPr>
+            <a:lvl9pPr lvl="8" algn="ctr">
+              <a:spcBef>
+                <a:spcPts val="0"/>
+              </a:spcBef>
+              <a:spcAft>
+                <a:spcPts val="0"/>
+              </a:spcAft>
+              <a:buSzPts val="6500"/>
+              <a:buNone/>
+              <a:defRPr sz="6500"/>
+            </a:lvl9pPr>
+          </a:lstStyle>
+          <a:p>
+            <a:endParaRPr/>
+          </a:p>
+        </p:txBody>
+      </p:sp>
+    </p:spTree>
+    <p:extLst>
+      <p:ext uri="{BB962C8B-B14F-4D97-AF65-F5344CB8AC3E}">
+        <p14:creationId xmlns:p14="http://schemas.microsoft.com/office/powerpoint/2010/main" val="2798446279"/>
       </p:ext>
     </p:extLst>
   </p:cSld>
@@ -6131,64 +3869,64 @@
         </p:nvSpPr>
         <p:spPr/>
         <p:txBody>
+          <a:bodyPr anchor="t"/>
+          <a:lstStyle/>
+          <a:p>
+            <a:pPr lvl="0"/>
+            <a:r>
+              <a:rPr lang="en-US"/>
+              <a:t>Click to edit Master text styles</a:t>
+            </a:r>
+          </a:p>
+          <a:p>
+            <a:pPr lvl="1"/>
+            <a:r>
+              <a:rPr lang="en-US"/>
+              <a:t>Second level</a:t>
+            </a:r>
+          </a:p>
+          <a:p>
+            <a:pPr lvl="2"/>
+            <a:r>
+              <a:rPr lang="en-US"/>
+              <a:t>Third level</a:t>
+            </a:r>
+          </a:p>
+          <a:p>
+            <a:pPr lvl="3"/>
+            <a:r>
+              <a:rPr lang="en-US"/>
+              <a:t>Fourth level</a:t>
+            </a:r>
+          </a:p>
+          <a:p>
+            <a:pPr lvl="4"/>
+            <a:r>
+              <a:rPr lang="en-US"/>
+              <a:t>Fifth level</a:t>
+            </a:r>
+            <a:endParaRPr lang="en-US" dirty="0"/>
+          </a:p>
+        </p:txBody>
+      </p:sp>
+      <p:sp>
+        <p:nvSpPr>
+          <p:cNvPr id="4" name="Date Placeholder 3"/>
+          <p:cNvSpPr>
+            <a:spLocks noGrp="1"/>
+          </p:cNvSpPr>
+          <p:nvPr>
+            <p:ph type="dt" sz="half" idx="10"/>
+          </p:nvPr>
+        </p:nvSpPr>
+        <p:spPr/>
+        <p:txBody>
           <a:bodyPr/>
           <a:lstStyle/>
           <a:p>
-            <a:pPr lvl="0"/>
-            <a:r>
-              <a:rPr lang="en-US"/>
-              <a:t>Click to edit Master text styles</a:t>
-            </a:r>
-          </a:p>
-          <a:p>
-            <a:pPr lvl="1"/>
-            <a:r>
-              <a:rPr lang="en-US"/>
-              <a:t>Second level</a:t>
-            </a:r>
-          </a:p>
-          <a:p>
-            <a:pPr lvl="2"/>
-            <a:r>
-              <a:rPr lang="en-US"/>
-              <a:t>Third level</a:t>
-            </a:r>
-          </a:p>
-          <a:p>
-            <a:pPr lvl="3"/>
-            <a:r>
-              <a:rPr lang="en-US"/>
-              <a:t>Fourth level</a:t>
-            </a:r>
-          </a:p>
-          <a:p>
-            <a:pPr lvl="4"/>
-            <a:r>
-              <a:rPr lang="en-US"/>
-              <a:t>Fifth level</a:t>
-            </a:r>
-            <a:endParaRPr lang="en-US" dirty="0"/>
-          </a:p>
-        </p:txBody>
-      </p:sp>
-      <p:sp>
-        <p:nvSpPr>
-          <p:cNvPr id="7" name="Date Placeholder 3"/>
-          <p:cNvSpPr>
-            <a:spLocks noGrp="1"/>
-          </p:cNvSpPr>
-          <p:nvPr>
-            <p:ph type="dt" sz="half" idx="10"/>
-          </p:nvPr>
-        </p:nvSpPr>
-        <p:spPr/>
-        <p:txBody>
-          <a:bodyPr/>
-          <a:lstStyle/>
-          <a:p>
             <a:fld id="{4AAD347D-5ACD-4C99-B74B-A9C85AD731AF}" type="datetimeFigureOut">
               <a:rPr lang="en-US" smtClean="0"/>
-              <a:t>6/13/2022</a:t>
+              <a:t>6/17/2022</a:t>
             </a:fld>
             <a:endParaRPr lang="en-US" dirty="0"/>
           </a:p>
@@ -6236,10 +3974,41 @@
           </a:p>
         </p:txBody>
       </p:sp>
+      <p:cxnSp>
+        <p:nvCxnSpPr>
+          <p:cNvPr id="33" name="Straight Connector 32"/>
+          <p:cNvCxnSpPr/>
+          <p:nvPr/>
+        </p:nvCxnSpPr>
+        <p:spPr>
+          <a:xfrm>
+            <a:off x="1090422" y="1385316"/>
+            <a:ext cx="7205642" cy="0"/>
+          </a:xfrm>
+          <a:prstGeom prst="line">
+            <a:avLst/>
+          </a:prstGeom>
+          <a:ln w="31750"/>
+        </p:spPr>
+        <p:style>
+          <a:lnRef idx="3">
+            <a:schemeClr val="accent1"/>
+          </a:lnRef>
+          <a:fillRef idx="0">
+            <a:schemeClr val="accent1"/>
+          </a:fillRef>
+          <a:effectRef idx="2">
+            <a:schemeClr val="accent1"/>
+          </a:effectRef>
+          <a:fontRef idx="minor">
+            <a:schemeClr val="tx1"/>
+          </a:fontRef>
+        </p:style>
+      </p:cxnSp>
     </p:spTree>
     <p:extLst>
       <p:ext uri="{BB962C8B-B14F-4D97-AF65-F5344CB8AC3E}">
-        <p14:creationId xmlns:p14="http://schemas.microsoft.com/office/powerpoint/2010/main" val="3179616162"/>
+        <p14:creationId xmlns:p14="http://schemas.microsoft.com/office/powerpoint/2010/main" val="3496893948"/>
       </p:ext>
     </p:extLst>
   </p:cSld>
@@ -6247,571 +4016,6 @@
     <a:masterClrMapping/>
   </p:clrMapOvr>
   <p:hf sldNum="0" hdr="0" ftr="0" dt="0"/>
-</p:sldLayout>
-</file>
-
-<file path=ppt/slideLayouts/slideLayout20.xml><?xml version="1.0" encoding="utf-8"?>
-<p:sldLayout xmlns:a="http://schemas.openxmlformats.org/drawingml/2006/main" xmlns:r="http://schemas.openxmlformats.org/officeDocument/2006/relationships" xmlns:p="http://schemas.openxmlformats.org/presentationml/2006/main" matchingName="Section title and description">
-  <p:cSld name="Section title and description">
-    <p:spTree>
-      <p:nvGrpSpPr>
-        <p:cNvPr id="1" name="Shape 278"/>
-        <p:cNvGrpSpPr/>
-        <p:nvPr/>
-      </p:nvGrpSpPr>
-      <p:grpSpPr>
-        <a:xfrm>
-          <a:off x="0" y="0"/>
-          <a:ext cx="0" cy="0"/>
-          <a:chOff x="0" y="0"/>
-          <a:chExt cx="0" cy="0"/>
-        </a:xfrm>
-      </p:grpSpPr>
-      <p:sp>
-        <p:nvSpPr>
-          <p:cNvPr id="286" name="Google Shape;286;p9"/>
-          <p:cNvSpPr txBox="1">
-            <a:spLocks noGrp="1"/>
-          </p:cNvSpPr>
-          <p:nvPr>
-            <p:ph type="title"/>
-          </p:nvPr>
-        </p:nvSpPr>
-        <p:spPr>
-          <a:xfrm>
-            <a:off x="4506450" y="1313323"/>
-            <a:ext cx="3966000" cy="858900"/>
-          </a:xfrm>
-          <a:prstGeom prst="rect">
-            <a:avLst/>
-          </a:prstGeom>
-        </p:spPr>
-        <p:txBody>
-          <a:bodyPr spcFirstLastPara="1" wrap="square" lIns="91425" tIns="91425" rIns="91425" bIns="91425" anchor="ctr" anchorCtr="0">
-            <a:normAutofit/>
-          </a:bodyPr>
-          <a:lstStyle>
-            <a:lvl1pPr lvl="0" algn="r">
-              <a:spcBef>
-                <a:spcPts val="0"/>
-              </a:spcBef>
-              <a:spcAft>
-                <a:spcPts val="0"/>
-              </a:spcAft>
-              <a:buSzPts val="4200"/>
-              <a:buNone/>
-              <a:defRPr sz="4000"/>
-            </a:lvl1pPr>
-            <a:lvl2pPr lvl="1" algn="ctr">
-              <a:spcBef>
-                <a:spcPts val="0"/>
-              </a:spcBef>
-              <a:spcAft>
-                <a:spcPts val="0"/>
-              </a:spcAft>
-              <a:buSzPts val="4200"/>
-              <a:buNone/>
-              <a:defRPr sz="4200"/>
-            </a:lvl2pPr>
-            <a:lvl3pPr lvl="2" algn="ctr">
-              <a:spcBef>
-                <a:spcPts val="0"/>
-              </a:spcBef>
-              <a:spcAft>
-                <a:spcPts val="0"/>
-              </a:spcAft>
-              <a:buSzPts val="4200"/>
-              <a:buNone/>
-              <a:defRPr sz="4200"/>
-            </a:lvl3pPr>
-            <a:lvl4pPr lvl="3" algn="ctr">
-              <a:spcBef>
-                <a:spcPts val="0"/>
-              </a:spcBef>
-              <a:spcAft>
-                <a:spcPts val="0"/>
-              </a:spcAft>
-              <a:buSzPts val="4200"/>
-              <a:buNone/>
-              <a:defRPr sz="4200"/>
-            </a:lvl4pPr>
-            <a:lvl5pPr lvl="4" algn="ctr">
-              <a:spcBef>
-                <a:spcPts val="0"/>
-              </a:spcBef>
-              <a:spcAft>
-                <a:spcPts val="0"/>
-              </a:spcAft>
-              <a:buSzPts val="4200"/>
-              <a:buNone/>
-              <a:defRPr sz="4200"/>
-            </a:lvl5pPr>
-            <a:lvl6pPr lvl="5" algn="ctr">
-              <a:spcBef>
-                <a:spcPts val="0"/>
-              </a:spcBef>
-              <a:spcAft>
-                <a:spcPts val="0"/>
-              </a:spcAft>
-              <a:buSzPts val="4200"/>
-              <a:buNone/>
-              <a:defRPr sz="4200"/>
-            </a:lvl6pPr>
-            <a:lvl7pPr lvl="6" algn="ctr">
-              <a:spcBef>
-                <a:spcPts val="0"/>
-              </a:spcBef>
-              <a:spcAft>
-                <a:spcPts val="0"/>
-              </a:spcAft>
-              <a:buSzPts val="4200"/>
-              <a:buNone/>
-              <a:defRPr sz="4200"/>
-            </a:lvl7pPr>
-            <a:lvl8pPr lvl="7" algn="ctr">
-              <a:spcBef>
-                <a:spcPts val="0"/>
-              </a:spcBef>
-              <a:spcAft>
-                <a:spcPts val="0"/>
-              </a:spcAft>
-              <a:buSzPts val="4200"/>
-              <a:buNone/>
-              <a:defRPr sz="4200"/>
-            </a:lvl8pPr>
-            <a:lvl9pPr lvl="8" algn="ctr">
-              <a:spcBef>
-                <a:spcPts val="0"/>
-              </a:spcBef>
-              <a:spcAft>
-                <a:spcPts val="0"/>
-              </a:spcAft>
-              <a:buSzPts val="4200"/>
-              <a:buNone/>
-              <a:defRPr sz="4200"/>
-            </a:lvl9pPr>
-          </a:lstStyle>
-          <a:p>
-            <a:endParaRPr/>
-          </a:p>
-        </p:txBody>
-      </p:sp>
-      <p:sp>
-        <p:nvSpPr>
-          <p:cNvPr id="287" name="Google Shape;287;p9"/>
-          <p:cNvSpPr txBox="1">
-            <a:spLocks noGrp="1"/>
-          </p:cNvSpPr>
-          <p:nvPr>
-            <p:ph type="sldNum" idx="12"/>
-          </p:nvPr>
-        </p:nvSpPr>
-        <p:spPr>
-          <a:xfrm>
-            <a:off x="8472458" y="4663217"/>
-            <a:ext cx="548700" cy="393600"/>
-          </a:xfrm>
-          <a:prstGeom prst="rect">
-            <a:avLst/>
-          </a:prstGeom>
-          <a:noFill/>
-          <a:ln>
-            <a:noFill/>
-          </a:ln>
-        </p:spPr>
-        <p:txBody>
-          <a:bodyPr spcFirstLastPara="1" wrap="square" lIns="91425" tIns="91425" rIns="91425" bIns="91425" anchor="ctr" anchorCtr="0">
-            <a:noAutofit/>
-          </a:bodyPr>
-          <a:lstStyle>
-            <a:lvl1pPr lvl="0" rtl="0">
-              <a:buNone/>
-              <a:defRPr/>
-            </a:lvl1pPr>
-            <a:lvl2pPr lvl="1" rtl="0">
-              <a:buNone/>
-              <a:defRPr/>
-            </a:lvl2pPr>
-            <a:lvl3pPr lvl="2" rtl="0">
-              <a:buNone/>
-              <a:defRPr/>
-            </a:lvl3pPr>
-            <a:lvl4pPr lvl="3" rtl="0">
-              <a:buNone/>
-              <a:defRPr/>
-            </a:lvl4pPr>
-            <a:lvl5pPr lvl="4" rtl="0">
-              <a:buNone/>
-              <a:defRPr/>
-            </a:lvl5pPr>
-            <a:lvl6pPr lvl="5" rtl="0">
-              <a:buNone/>
-              <a:defRPr/>
-            </a:lvl6pPr>
-            <a:lvl7pPr lvl="6" rtl="0">
-              <a:buNone/>
-              <a:defRPr/>
-            </a:lvl7pPr>
-            <a:lvl8pPr lvl="7" rtl="0">
-              <a:buNone/>
-              <a:defRPr/>
-            </a:lvl8pPr>
-            <a:lvl9pPr lvl="8" rtl="0">
-              <a:buNone/>
-              <a:defRPr/>
-            </a:lvl9pPr>
-          </a:lstStyle>
-          <a:p>
-            <a:pPr marL="0" lvl="0" indent="0" algn="l" rtl="0">
-              <a:spcBef>
-                <a:spcPts val="0"/>
-              </a:spcBef>
-              <a:spcAft>
-                <a:spcPts val="0"/>
-              </a:spcAft>
-              <a:buNone/>
-            </a:pPr>
-            <a:fld id="{00000000-1234-1234-1234-123412341234}" type="slidenum">
-              <a:rPr lang="en"/>
-              <a:t>‹#›</a:t>
-            </a:fld>
-            <a:endParaRPr/>
-          </a:p>
-        </p:txBody>
-      </p:sp>
-      <p:sp>
-        <p:nvSpPr>
-          <p:cNvPr id="342" name="Google Shape;342;p9"/>
-          <p:cNvSpPr txBox="1">
-            <a:spLocks noGrp="1"/>
-          </p:cNvSpPr>
-          <p:nvPr>
-            <p:ph type="subTitle" idx="1"/>
-          </p:nvPr>
-        </p:nvSpPr>
-        <p:spPr>
-          <a:xfrm>
-            <a:off x="4789825" y="2107575"/>
-            <a:ext cx="3682500" cy="1516200"/>
-          </a:xfrm>
-          <a:prstGeom prst="rect">
-            <a:avLst/>
-          </a:prstGeom>
-        </p:spPr>
-        <p:txBody>
-          <a:bodyPr spcFirstLastPara="1" wrap="square" lIns="91425" tIns="91425" rIns="91425" bIns="91425" anchor="ctr" anchorCtr="0">
-            <a:normAutofit/>
-          </a:bodyPr>
-          <a:lstStyle>
-            <a:lvl1pPr lvl="0" algn="r">
-              <a:lnSpc>
-                <a:spcPct val="100000"/>
-              </a:lnSpc>
-              <a:spcBef>
-                <a:spcPts val="0"/>
-              </a:spcBef>
-              <a:spcAft>
-                <a:spcPts val="0"/>
-              </a:spcAft>
-              <a:buSzPts val="2100"/>
-              <a:buNone/>
-              <a:defRPr sz="1600">
-                <a:latin typeface="Lato"/>
-                <a:ea typeface="Lato"/>
-                <a:cs typeface="Lato"/>
-                <a:sym typeface="Lato"/>
-              </a:defRPr>
-            </a:lvl1pPr>
-            <a:lvl2pPr lvl="1" algn="ctr">
-              <a:lnSpc>
-                <a:spcPct val="100000"/>
-              </a:lnSpc>
-              <a:spcBef>
-                <a:spcPts val="0"/>
-              </a:spcBef>
-              <a:spcAft>
-                <a:spcPts val="0"/>
-              </a:spcAft>
-              <a:buSzPts val="2100"/>
-              <a:buNone/>
-              <a:defRPr sz="2100"/>
-            </a:lvl2pPr>
-            <a:lvl3pPr lvl="2" algn="ctr">
-              <a:lnSpc>
-                <a:spcPct val="100000"/>
-              </a:lnSpc>
-              <a:spcBef>
-                <a:spcPts val="0"/>
-              </a:spcBef>
-              <a:spcAft>
-                <a:spcPts val="0"/>
-              </a:spcAft>
-              <a:buSzPts val="2100"/>
-              <a:buNone/>
-              <a:defRPr sz="2100"/>
-            </a:lvl3pPr>
-            <a:lvl4pPr lvl="3" algn="ctr">
-              <a:lnSpc>
-                <a:spcPct val="100000"/>
-              </a:lnSpc>
-              <a:spcBef>
-                <a:spcPts val="0"/>
-              </a:spcBef>
-              <a:spcAft>
-                <a:spcPts val="0"/>
-              </a:spcAft>
-              <a:buSzPts val="2100"/>
-              <a:buNone/>
-              <a:defRPr sz="2100"/>
-            </a:lvl4pPr>
-            <a:lvl5pPr lvl="4" algn="ctr">
-              <a:lnSpc>
-                <a:spcPct val="100000"/>
-              </a:lnSpc>
-              <a:spcBef>
-                <a:spcPts val="0"/>
-              </a:spcBef>
-              <a:spcAft>
-                <a:spcPts val="0"/>
-              </a:spcAft>
-              <a:buSzPts val="2100"/>
-              <a:buNone/>
-              <a:defRPr sz="2100"/>
-            </a:lvl5pPr>
-            <a:lvl6pPr lvl="5" algn="ctr">
-              <a:lnSpc>
-                <a:spcPct val="100000"/>
-              </a:lnSpc>
-              <a:spcBef>
-                <a:spcPts val="0"/>
-              </a:spcBef>
-              <a:spcAft>
-                <a:spcPts val="0"/>
-              </a:spcAft>
-              <a:buSzPts val="2100"/>
-              <a:buNone/>
-              <a:defRPr sz="2100"/>
-            </a:lvl6pPr>
-            <a:lvl7pPr lvl="6" algn="ctr">
-              <a:lnSpc>
-                <a:spcPct val="100000"/>
-              </a:lnSpc>
-              <a:spcBef>
-                <a:spcPts val="0"/>
-              </a:spcBef>
-              <a:spcAft>
-                <a:spcPts val="0"/>
-              </a:spcAft>
-              <a:buSzPts val="2100"/>
-              <a:buNone/>
-              <a:defRPr sz="2100"/>
-            </a:lvl7pPr>
-            <a:lvl8pPr lvl="7" algn="ctr">
-              <a:lnSpc>
-                <a:spcPct val="100000"/>
-              </a:lnSpc>
-              <a:spcBef>
-                <a:spcPts val="0"/>
-              </a:spcBef>
-              <a:spcAft>
-                <a:spcPts val="0"/>
-              </a:spcAft>
-              <a:buSzPts val="2100"/>
-              <a:buNone/>
-              <a:defRPr sz="2100"/>
-            </a:lvl8pPr>
-            <a:lvl9pPr lvl="8" algn="ctr">
-              <a:lnSpc>
-                <a:spcPct val="100000"/>
-              </a:lnSpc>
-              <a:spcBef>
-                <a:spcPts val="0"/>
-              </a:spcBef>
-              <a:spcAft>
-                <a:spcPts val="0"/>
-              </a:spcAft>
-              <a:buSzPts val="2100"/>
-              <a:buNone/>
-              <a:defRPr sz="2100"/>
-            </a:lvl9pPr>
-          </a:lstStyle>
-          <a:p>
-            <a:endParaRPr/>
-          </a:p>
-        </p:txBody>
-      </p:sp>
-    </p:spTree>
-    <p:extLst>
-      <p:ext uri="{BB962C8B-B14F-4D97-AF65-F5344CB8AC3E}">
-        <p14:creationId xmlns:p14="http://schemas.microsoft.com/office/powerpoint/2010/main" val="1073765560"/>
-      </p:ext>
-    </p:extLst>
-  </p:cSld>
-  <p:clrMapOvr>
-    <a:masterClrMapping/>
-  </p:clrMapOvr>
-</p:sldLayout>
-</file>
-
-<file path=ppt/slideLayouts/slideLayout21.xml><?xml version="1.0" encoding="utf-8"?>
-<p:sldLayout xmlns:a="http://schemas.openxmlformats.org/drawingml/2006/main" xmlns:r="http://schemas.openxmlformats.org/officeDocument/2006/relationships" xmlns:p="http://schemas.openxmlformats.org/presentationml/2006/main" matchingName="Main point">
-  <p:cSld name="Main point">
-    <p:spTree>
-      <p:nvGrpSpPr>
-        <p:cNvPr id="1" name="Shape 263"/>
-        <p:cNvGrpSpPr/>
-        <p:nvPr/>
-      </p:nvGrpSpPr>
-      <p:grpSpPr>
-        <a:xfrm>
-          <a:off x="0" y="0"/>
-          <a:ext cx="0" cy="0"/>
-          <a:chOff x="0" y="0"/>
-          <a:chExt cx="0" cy="0"/>
-        </a:xfrm>
-      </p:grpSpPr>
-      <p:sp>
-        <p:nvSpPr>
-          <p:cNvPr id="275" name="Google Shape;275;p8"/>
-          <p:cNvSpPr txBox="1">
-            <a:spLocks noGrp="1"/>
-          </p:cNvSpPr>
-          <p:nvPr>
-            <p:ph type="title"/>
-          </p:nvPr>
-        </p:nvSpPr>
-        <p:spPr>
-          <a:xfrm>
-            <a:off x="1769250" y="1322550"/>
-            <a:ext cx="5605500" cy="2498400"/>
-          </a:xfrm>
-          <a:prstGeom prst="rect">
-            <a:avLst/>
-          </a:prstGeom>
-        </p:spPr>
-        <p:txBody>
-          <a:bodyPr spcFirstLastPara="1" wrap="square" lIns="91425" tIns="91425" rIns="91425" bIns="91425" anchor="ctr" anchorCtr="0">
-            <a:normAutofit/>
-          </a:bodyPr>
-          <a:lstStyle>
-            <a:lvl1pPr lvl="0" algn="ctr">
-              <a:lnSpc>
-                <a:spcPct val="80000"/>
-              </a:lnSpc>
-              <a:spcBef>
-                <a:spcPts val="0"/>
-              </a:spcBef>
-              <a:spcAft>
-                <a:spcPts val="0"/>
-              </a:spcAft>
-              <a:buSzPts val="6500"/>
-              <a:buNone/>
-              <a:defRPr sz="8200"/>
-            </a:lvl1pPr>
-            <a:lvl2pPr lvl="1" algn="ctr">
-              <a:spcBef>
-                <a:spcPts val="0"/>
-              </a:spcBef>
-              <a:spcAft>
-                <a:spcPts val="0"/>
-              </a:spcAft>
-              <a:buSzPts val="6500"/>
-              <a:buNone/>
-              <a:defRPr sz="6500"/>
-            </a:lvl2pPr>
-            <a:lvl3pPr lvl="2" algn="ctr">
-              <a:spcBef>
-                <a:spcPts val="0"/>
-              </a:spcBef>
-              <a:spcAft>
-                <a:spcPts val="0"/>
-              </a:spcAft>
-              <a:buSzPts val="6500"/>
-              <a:buNone/>
-              <a:defRPr sz="6500"/>
-            </a:lvl3pPr>
-            <a:lvl4pPr lvl="3" algn="ctr">
-              <a:spcBef>
-                <a:spcPts val="0"/>
-              </a:spcBef>
-              <a:spcAft>
-                <a:spcPts val="0"/>
-              </a:spcAft>
-              <a:buSzPts val="6500"/>
-              <a:buNone/>
-              <a:defRPr sz="6500"/>
-            </a:lvl4pPr>
-            <a:lvl5pPr lvl="4" algn="ctr">
-              <a:spcBef>
-                <a:spcPts val="0"/>
-              </a:spcBef>
-              <a:spcAft>
-                <a:spcPts val="0"/>
-              </a:spcAft>
-              <a:buSzPts val="6500"/>
-              <a:buNone/>
-              <a:defRPr sz="6500"/>
-            </a:lvl5pPr>
-            <a:lvl6pPr lvl="5" algn="ctr">
-              <a:spcBef>
-                <a:spcPts val="0"/>
-              </a:spcBef>
-              <a:spcAft>
-                <a:spcPts val="0"/>
-              </a:spcAft>
-              <a:buSzPts val="6500"/>
-              <a:buNone/>
-              <a:defRPr sz="6500"/>
-            </a:lvl6pPr>
-            <a:lvl7pPr lvl="6" algn="ctr">
-              <a:spcBef>
-                <a:spcPts val="0"/>
-              </a:spcBef>
-              <a:spcAft>
-                <a:spcPts val="0"/>
-              </a:spcAft>
-              <a:buSzPts val="6500"/>
-              <a:buNone/>
-              <a:defRPr sz="6500"/>
-            </a:lvl7pPr>
-            <a:lvl8pPr lvl="7" algn="ctr">
-              <a:spcBef>
-                <a:spcPts val="0"/>
-              </a:spcBef>
-              <a:spcAft>
-                <a:spcPts val="0"/>
-              </a:spcAft>
-              <a:buSzPts val="6500"/>
-              <a:buNone/>
-              <a:defRPr sz="6500"/>
-            </a:lvl8pPr>
-            <a:lvl9pPr lvl="8" algn="ctr">
-              <a:spcBef>
-                <a:spcPts val="0"/>
-              </a:spcBef>
-              <a:spcAft>
-                <a:spcPts val="0"/>
-              </a:spcAft>
-              <a:buSzPts val="6500"/>
-              <a:buNone/>
-              <a:defRPr sz="6500"/>
-            </a:lvl9pPr>
-          </a:lstStyle>
-          <a:p>
-            <a:endParaRPr/>
-          </a:p>
-        </p:txBody>
-      </p:sp>
-    </p:spTree>
-    <p:extLst>
-      <p:ext uri="{BB962C8B-B14F-4D97-AF65-F5344CB8AC3E}">
-        <p14:creationId xmlns:p14="http://schemas.microsoft.com/office/powerpoint/2010/main" val="2100861873"/>
-      </p:ext>
-    </p:extLst>
-  </p:cSld>
-  <p:clrMapOvr>
-    <a:masterClrMapping/>
-  </p:clrMapOvr>
 </p:sldLayout>
 </file>
 
@@ -6844,15 +4048,17 @@
         </p:nvSpPr>
         <p:spPr>
           <a:xfrm>
-            <a:off x="866217" y="2146300"/>
-            <a:ext cx="6619243" cy="1436735"/>
-          </a:xfrm>
-        </p:spPr>
-        <p:txBody>
-          <a:bodyPr anchor="b"/>
+            <a:off x="1090679" y="1317097"/>
+            <a:ext cx="6482366" cy="1415963"/>
+          </a:xfrm>
+        </p:spPr>
+        <p:txBody>
+          <a:bodyPr anchor="b">
+            <a:normAutofit/>
+          </a:bodyPr>
           <a:lstStyle>
             <a:lvl1pPr algn="l">
-              <a:defRPr sz="3000" b="0" cap="none"/>
+              <a:defRPr sz="2700"/>
             </a:lvl1pPr>
           </a:lstStyle>
           <a:p>
@@ -6876,21 +4082,20 @@
         </p:nvSpPr>
         <p:spPr>
           <a:xfrm>
-            <a:off x="866216" y="3583036"/>
-            <a:ext cx="6619244" cy="645300"/>
-          </a:xfrm>
-        </p:spPr>
-        <p:txBody>
-          <a:bodyPr anchor="t"/>
+            <a:off x="1090679" y="2854647"/>
+            <a:ext cx="6472835" cy="759697"/>
+          </a:xfrm>
+        </p:spPr>
+        <p:txBody>
+          <a:bodyPr tIns="91440">
+            <a:normAutofit/>
+          </a:bodyPr>
           <a:lstStyle>
             <a:lvl1pPr marL="0" indent="0" algn="l">
               <a:buNone/>
-              <a:defRPr sz="1500" cap="all">
+              <a:defRPr sz="1350">
                 <a:solidFill>
-                  <a:schemeClr val="bg2">
-                    <a:lumMod val="40000"/>
-                    <a:lumOff val="60000"/>
-                  </a:schemeClr>
+                  <a:schemeClr val="tx1"/>
                 </a:solidFill>
               </a:defRPr>
             </a:lvl1pPr>
@@ -6906,7 +4111,7 @@
             </a:lvl2pPr>
             <a:lvl3pPr marL="685800" indent="0">
               <a:buNone/>
-              <a:defRPr sz="1200">
+              <a:defRPr sz="1350">
                 <a:solidFill>
                   <a:schemeClr val="tx1">
                     <a:tint val="75000"/>
@@ -6916,7 +4121,7 @@
             </a:lvl3pPr>
             <a:lvl4pPr marL="1028700" indent="0">
               <a:buNone/>
-              <a:defRPr sz="1050">
+              <a:defRPr sz="1200">
                 <a:solidFill>
                   <a:schemeClr val="tx1">
                     <a:tint val="75000"/>
@@ -6926,7 +4131,7 @@
             </a:lvl4pPr>
             <a:lvl5pPr marL="1371600" indent="0">
               <a:buNone/>
-              <a:defRPr sz="1050">
+              <a:defRPr sz="1200">
                 <a:solidFill>
                   <a:schemeClr val="tx1">
                     <a:tint val="75000"/>
@@ -6936,7 +4141,7 @@
             </a:lvl5pPr>
             <a:lvl6pPr marL="1714500" indent="0">
               <a:buNone/>
-              <a:defRPr sz="1050">
+              <a:defRPr sz="1200">
                 <a:solidFill>
                   <a:schemeClr val="tx1">
                     <a:tint val="75000"/>
@@ -6946,7 +4151,7 @@
             </a:lvl6pPr>
             <a:lvl7pPr marL="2057400" indent="0">
               <a:buNone/>
-              <a:defRPr sz="1050">
+              <a:defRPr sz="1200">
                 <a:solidFill>
                   <a:schemeClr val="tx1">
                     <a:tint val="75000"/>
@@ -6956,7 +4161,7 @@
             </a:lvl7pPr>
             <a:lvl8pPr marL="2400300" indent="0">
               <a:buNone/>
-              <a:defRPr sz="1050">
+              <a:defRPr sz="1200">
                 <a:solidFill>
                   <a:schemeClr val="tx1">
                     <a:tint val="75000"/>
@@ -6966,7 +4171,7 @@
             </a:lvl8pPr>
             <a:lvl9pPr marL="2743200" indent="0">
               <a:buNone/>
-              <a:defRPr sz="1050">
+              <a:defRPr sz="1200">
                 <a:solidFill>
                   <a:schemeClr val="tx1">
                     <a:tint val="75000"/>
@@ -7001,7 +4206,7 @@
           <a:p>
             <a:fld id="{9796027F-7875-4030-9381-8BD8C4F21935}" type="datetimeFigureOut">
               <a:rPr lang="en-US" smtClean="0"/>
-              <a:t>6/13/2022</a:t>
+              <a:t>6/17/2022</a:t>
             </a:fld>
             <a:endParaRPr lang="en-US" dirty="0"/>
           </a:p>
@@ -7049,10 +4254,41 @@
           </a:p>
         </p:txBody>
       </p:sp>
+      <p:cxnSp>
+        <p:nvCxnSpPr>
+          <p:cNvPr id="15" name="Straight Connector 14"/>
+          <p:cNvCxnSpPr/>
+          <p:nvPr/>
+        </p:nvCxnSpPr>
+        <p:spPr>
+          <a:xfrm>
+            <a:off x="1090679" y="2853739"/>
+            <a:ext cx="6472835" cy="0"/>
+          </a:xfrm>
+          <a:prstGeom prst="line">
+            <a:avLst/>
+          </a:prstGeom>
+          <a:ln w="31750"/>
+        </p:spPr>
+        <p:style>
+          <a:lnRef idx="3">
+            <a:schemeClr val="accent1"/>
+          </a:lnRef>
+          <a:fillRef idx="0">
+            <a:schemeClr val="accent1"/>
+          </a:fillRef>
+          <a:effectRef idx="2">
+            <a:schemeClr val="accent1"/>
+          </a:effectRef>
+          <a:fontRef idx="minor">
+            <a:schemeClr val="tx1"/>
+          </a:fontRef>
+        </p:style>
+      </p:cxnSp>
     </p:spTree>
     <p:extLst>
       <p:ext uri="{BB962C8B-B14F-4D97-AF65-F5344CB8AC3E}">
-        <p14:creationId xmlns:p14="http://schemas.microsoft.com/office/powerpoint/2010/main" val="1146192"/>
+        <p14:creationId xmlns:p14="http://schemas.microsoft.com/office/powerpoint/2010/main" val="3727220976"/>
       </p:ext>
     </p:extLst>
   </p:cSld>
@@ -7090,7 +4326,12 @@
             <p:ph type="title"/>
           </p:nvPr>
         </p:nvSpPr>
-        <p:spPr/>
+        <p:spPr>
+          <a:xfrm>
+            <a:off x="1086913" y="603667"/>
+            <a:ext cx="7204226" cy="794479"/>
+          </a:xfrm>
+        </p:spPr>
         <p:txBody>
           <a:bodyPr/>
           <a:lstStyle/>
@@ -7115,43 +4356,13 @@
         </p:nvSpPr>
         <p:spPr>
           <a:xfrm>
-            <a:off x="827485" y="1545432"/>
-            <a:ext cx="3297254" cy="3146822"/>
-          </a:xfrm>
-        </p:spPr>
-        <p:txBody>
-          <a:bodyPr>
-            <a:normAutofit/>
-          </a:bodyPr>
-          <a:lstStyle>
-            <a:lvl1pPr>
-              <a:defRPr sz="1350"/>
-            </a:lvl1pPr>
-            <a:lvl2pPr>
-              <a:defRPr sz="1200"/>
-            </a:lvl2pPr>
-            <a:lvl3pPr>
-              <a:defRPr sz="1050"/>
-            </a:lvl3pPr>
-            <a:lvl4pPr>
-              <a:defRPr sz="900"/>
-            </a:lvl4pPr>
-            <a:lvl5pPr>
-              <a:defRPr sz="900"/>
-            </a:lvl5pPr>
-            <a:lvl6pPr>
-              <a:defRPr sz="900"/>
-            </a:lvl6pPr>
-            <a:lvl7pPr>
-              <a:defRPr sz="900"/>
-            </a:lvl7pPr>
-            <a:lvl8pPr>
-              <a:defRPr sz="900"/>
-            </a:lvl8pPr>
-            <a:lvl9pPr>
-              <a:defRPr sz="900"/>
-            </a:lvl9pPr>
-          </a:lstStyle>
+            <a:off x="1085498" y="1508159"/>
+            <a:ext cx="3483864" cy="2586446"/>
+          </a:xfrm>
+        </p:spPr>
+        <p:txBody>
+          <a:bodyPr/>
+          <a:lstStyle/>
           <a:p>
             <a:pPr lvl="0"/>
             <a:r>
@@ -7202,43 +4413,13 @@
         </p:nvSpPr>
         <p:spPr>
           <a:xfrm>
-            <a:off x="4240870" y="1542069"/>
-            <a:ext cx="3297256" cy="3150184"/>
-          </a:xfrm>
-        </p:spPr>
-        <p:txBody>
-          <a:bodyPr>
-            <a:normAutofit/>
-          </a:bodyPr>
-          <a:lstStyle>
-            <a:lvl1pPr>
-              <a:defRPr sz="1350"/>
-            </a:lvl1pPr>
-            <a:lvl2pPr>
-              <a:defRPr sz="1200"/>
-            </a:lvl2pPr>
-            <a:lvl3pPr>
-              <a:defRPr sz="1050"/>
-            </a:lvl3pPr>
-            <a:lvl4pPr>
-              <a:defRPr sz="900"/>
-            </a:lvl4pPr>
-            <a:lvl5pPr>
-              <a:defRPr sz="900"/>
-            </a:lvl5pPr>
-            <a:lvl6pPr>
-              <a:defRPr sz="900"/>
-            </a:lvl6pPr>
-            <a:lvl7pPr>
-              <a:defRPr sz="900"/>
-            </a:lvl7pPr>
-            <a:lvl8pPr>
-              <a:defRPr sz="900"/>
-            </a:lvl8pPr>
-            <a:lvl9pPr>
-              <a:defRPr sz="900"/>
-            </a:lvl9pPr>
-          </a:lstStyle>
+            <a:off x="4810328" y="1513007"/>
+            <a:ext cx="3483864" cy="2581140"/>
+          </a:xfrm>
+        </p:spPr>
+        <p:txBody>
+          <a:bodyPr/>
+          <a:lstStyle/>
           <a:p>
             <a:pPr lvl="0"/>
             <a:r>
@@ -7294,7 +4475,7 @@
           <a:p>
             <a:fld id="{4AAD347D-5ACD-4C99-B74B-A9C85AD731AF}" type="datetimeFigureOut">
               <a:rPr lang="en-US" smtClean="0"/>
-              <a:t>6/13/2022</a:t>
+              <a:t>6/17/2022</a:t>
             </a:fld>
             <a:endParaRPr lang="en-US" dirty="0"/>
           </a:p>
@@ -7342,10 +4523,41 @@
           </a:p>
         </p:txBody>
       </p:sp>
+      <p:cxnSp>
+        <p:nvCxnSpPr>
+          <p:cNvPr id="35" name="Straight Connector 34"/>
+          <p:cNvCxnSpPr/>
+          <p:nvPr/>
+        </p:nvCxnSpPr>
+        <p:spPr>
+          <a:xfrm>
+            <a:off x="1090422" y="1385316"/>
+            <a:ext cx="7205642" cy="0"/>
+          </a:xfrm>
+          <a:prstGeom prst="line">
+            <a:avLst/>
+          </a:prstGeom>
+          <a:ln w="31750"/>
+        </p:spPr>
+        <p:style>
+          <a:lnRef idx="3">
+            <a:schemeClr val="accent1"/>
+          </a:lnRef>
+          <a:fillRef idx="0">
+            <a:schemeClr val="accent1"/>
+          </a:fillRef>
+          <a:effectRef idx="2">
+            <a:schemeClr val="accent1"/>
+          </a:effectRef>
+          <a:fontRef idx="minor">
+            <a:schemeClr val="tx1"/>
+          </a:fontRef>
+        </p:style>
+      </p:cxnSp>
     </p:spTree>
     <p:extLst>
       <p:ext uri="{BB962C8B-B14F-4D97-AF65-F5344CB8AC3E}">
-        <p14:creationId xmlns:p14="http://schemas.microsoft.com/office/powerpoint/2010/main" val="3310438399"/>
+        <p14:creationId xmlns:p14="http://schemas.microsoft.com/office/powerpoint/2010/main" val="2778196937"/>
       </p:ext>
     </p:extLst>
   </p:cSld>
@@ -7383,14 +4595,15 @@
             <p:ph type="title"/>
           </p:nvPr>
         </p:nvSpPr>
-        <p:spPr/>
+        <p:spPr>
+          <a:xfrm>
+            <a:off x="1085394" y="603123"/>
+            <a:ext cx="7205746" cy="792239"/>
+          </a:xfrm>
+        </p:spPr>
         <p:txBody>
           <a:bodyPr/>
-          <a:lstStyle>
-            <a:lvl1pPr>
-              <a:defRPr/>
-            </a:lvl1pPr>
-          </a:lstStyle>
+          <a:lstStyle/>
           <a:p>
             <a:r>
               <a:rPr lang="en-US"/>
@@ -7412,23 +4625,23 @@
         </p:nvSpPr>
         <p:spPr>
           <a:xfrm>
-            <a:off x="827485" y="1428750"/>
-            <a:ext cx="3297254" cy="432197"/>
+            <a:off x="1085393" y="1514662"/>
+            <a:ext cx="3483864" cy="601457"/>
           </a:xfrm>
         </p:spPr>
         <p:txBody>
           <a:bodyPr anchor="b">
-            <a:noAutofit/>
+            <a:normAutofit/>
           </a:bodyPr>
           <a:lstStyle>
             <a:lvl1pPr marL="0" indent="0">
-              <a:buNone/>
-              <a:defRPr sz="1800" b="0">
+              <a:lnSpc>
+                <a:spcPct val="100000"/>
+              </a:lnSpc>
+              <a:buNone/>
+              <a:defRPr sz="1650" b="0" cap="all" baseline="0">
                 <a:solidFill>
-                  <a:schemeClr val="bg2">
-                    <a:lumMod val="40000"/>
-                    <a:lumOff val="60000"/>
-                  </a:schemeClr>
+                  <a:schemeClr val="accent1"/>
                 </a:solidFill>
               </a:defRPr>
             </a:lvl1pPr>
@@ -7486,110 +4699,80 @@
         </p:nvSpPr>
         <p:spPr>
           <a:xfrm>
-            <a:off x="827485" y="1885950"/>
-            <a:ext cx="3297254" cy="2806304"/>
-          </a:xfrm>
-        </p:spPr>
-        <p:txBody>
-          <a:bodyPr>
+            <a:off x="1085393" y="2118202"/>
+            <a:ext cx="3483864" cy="1983343"/>
+          </a:xfrm>
+        </p:spPr>
+        <p:txBody>
+          <a:bodyPr/>
+          <a:lstStyle/>
+          <a:p>
+            <a:pPr lvl="0"/>
+            <a:r>
+              <a:rPr lang="en-US"/>
+              <a:t>Click to edit Master text styles</a:t>
+            </a:r>
+          </a:p>
+          <a:p>
+            <a:pPr lvl="1"/>
+            <a:r>
+              <a:rPr lang="en-US"/>
+              <a:t>Second level</a:t>
+            </a:r>
+          </a:p>
+          <a:p>
+            <a:pPr lvl="2"/>
+            <a:r>
+              <a:rPr lang="en-US"/>
+              <a:t>Third level</a:t>
+            </a:r>
+          </a:p>
+          <a:p>
+            <a:pPr lvl="3"/>
+            <a:r>
+              <a:rPr lang="en-US"/>
+              <a:t>Fourth level</a:t>
+            </a:r>
+          </a:p>
+          <a:p>
+            <a:pPr lvl="4"/>
+            <a:r>
+              <a:rPr lang="en-US"/>
+              <a:t>Fifth level</a:t>
+            </a:r>
+            <a:endParaRPr lang="en-US" dirty="0"/>
+          </a:p>
+        </p:txBody>
+      </p:sp>
+      <p:sp>
+        <p:nvSpPr>
+          <p:cNvPr id="5" name="Text Placeholder 4"/>
+          <p:cNvSpPr>
+            <a:spLocks noGrp="1"/>
+          </p:cNvSpPr>
+          <p:nvPr>
+            <p:ph type="body" sz="quarter" idx="3"/>
+          </p:nvPr>
+        </p:nvSpPr>
+        <p:spPr>
+          <a:xfrm>
+            <a:off x="4809272" y="1517253"/>
+            <a:ext cx="3483864" cy="601678"/>
+          </a:xfrm>
+        </p:spPr>
+        <p:txBody>
+          <a:bodyPr anchor="b">
             <a:normAutofit/>
           </a:bodyPr>
           <a:lstStyle>
-            <a:lvl1pPr>
-              <a:defRPr sz="1350"/>
-            </a:lvl1pPr>
-            <a:lvl2pPr>
-              <a:defRPr sz="1200"/>
-            </a:lvl2pPr>
-            <a:lvl3pPr>
-              <a:defRPr sz="1050"/>
-            </a:lvl3pPr>
-            <a:lvl4pPr>
-              <a:defRPr sz="900"/>
-            </a:lvl4pPr>
-            <a:lvl5pPr>
-              <a:defRPr sz="900"/>
-            </a:lvl5pPr>
-            <a:lvl6pPr>
-              <a:defRPr sz="900"/>
-            </a:lvl6pPr>
-            <a:lvl7pPr>
-              <a:defRPr sz="900"/>
-            </a:lvl7pPr>
-            <a:lvl8pPr>
-              <a:defRPr sz="900"/>
-            </a:lvl8pPr>
-            <a:lvl9pPr>
-              <a:defRPr sz="900"/>
-            </a:lvl9pPr>
-          </a:lstStyle>
-          <a:p>
-            <a:pPr lvl="0"/>
-            <a:r>
-              <a:rPr lang="en-US"/>
-              <a:t>Click to edit Master text styles</a:t>
-            </a:r>
-          </a:p>
-          <a:p>
-            <a:pPr lvl="1"/>
-            <a:r>
-              <a:rPr lang="en-US"/>
-              <a:t>Second level</a:t>
-            </a:r>
-          </a:p>
-          <a:p>
-            <a:pPr lvl="2"/>
-            <a:r>
-              <a:rPr lang="en-US"/>
-              <a:t>Third level</a:t>
-            </a:r>
-          </a:p>
-          <a:p>
-            <a:pPr lvl="3"/>
-            <a:r>
-              <a:rPr lang="en-US"/>
-              <a:t>Fourth level</a:t>
-            </a:r>
-          </a:p>
-          <a:p>
-            <a:pPr lvl="4"/>
-            <a:r>
-              <a:rPr lang="en-US"/>
-              <a:t>Fifth level</a:t>
-            </a:r>
-            <a:endParaRPr lang="en-US" dirty="0"/>
-          </a:p>
-        </p:txBody>
-      </p:sp>
-      <p:sp>
-        <p:nvSpPr>
-          <p:cNvPr id="5" name="Text Placeholder 4"/>
-          <p:cNvSpPr>
-            <a:spLocks noGrp="1"/>
-          </p:cNvSpPr>
-          <p:nvPr>
-            <p:ph type="body" sz="quarter" idx="3"/>
-          </p:nvPr>
-        </p:nvSpPr>
-        <p:spPr>
-          <a:xfrm>
-            <a:off x="4240872" y="1428750"/>
-            <a:ext cx="3297254" cy="432197"/>
-          </a:xfrm>
-        </p:spPr>
-        <p:txBody>
-          <a:bodyPr anchor="b">
-            <a:noAutofit/>
-          </a:bodyPr>
-          <a:lstStyle>
             <a:lvl1pPr marL="0" indent="0">
-              <a:buNone/>
-              <a:defRPr sz="1800" b="0">
+              <a:lnSpc>
+                <a:spcPct val="100000"/>
+              </a:lnSpc>
+              <a:buNone/>
+              <a:defRPr sz="1650" b="0" cap="all" baseline="0">
                 <a:solidFill>
-                  <a:schemeClr val="bg2">
-                    <a:lumMod val="40000"/>
-                    <a:lumOff val="60000"/>
-                  </a:schemeClr>
+                  <a:schemeClr val="accent1"/>
                 </a:solidFill>
               </a:defRPr>
             </a:lvl1pPr>
@@ -7647,43 +4830,13 @@
         </p:nvSpPr>
         <p:spPr>
           <a:xfrm>
-            <a:off x="4240872" y="1885950"/>
-            <a:ext cx="3297254" cy="2806304"/>
-          </a:xfrm>
-        </p:spPr>
-        <p:txBody>
-          <a:bodyPr>
-            <a:normAutofit/>
-          </a:bodyPr>
-          <a:lstStyle>
-            <a:lvl1pPr>
-              <a:defRPr sz="1350"/>
-            </a:lvl1pPr>
-            <a:lvl2pPr>
-              <a:defRPr sz="1200"/>
-            </a:lvl2pPr>
-            <a:lvl3pPr>
-              <a:defRPr sz="1050"/>
-            </a:lvl3pPr>
-            <a:lvl4pPr>
-              <a:defRPr sz="900"/>
-            </a:lvl4pPr>
-            <a:lvl5pPr>
-              <a:defRPr sz="900"/>
-            </a:lvl5pPr>
-            <a:lvl6pPr>
-              <a:defRPr sz="900"/>
-            </a:lvl6pPr>
-            <a:lvl7pPr>
-              <a:defRPr sz="900"/>
-            </a:lvl7pPr>
-            <a:lvl8pPr>
-              <a:defRPr sz="900"/>
-            </a:lvl8pPr>
-            <a:lvl9pPr>
-              <a:defRPr sz="900"/>
-            </a:lvl9pPr>
-          </a:lstStyle>
+            <a:off x="4809272" y="2116119"/>
+            <a:ext cx="3483864" cy="1978028"/>
+          </a:xfrm>
+        </p:spPr>
+        <p:txBody>
+          <a:bodyPr/>
+          <a:lstStyle/>
           <a:p>
             <a:pPr lvl="0"/>
             <a:r>
@@ -7739,7 +4892,7 @@
           <a:p>
             <a:fld id="{4AAD347D-5ACD-4C99-B74B-A9C85AD731AF}" type="datetimeFigureOut">
               <a:rPr lang="en-US" smtClean="0"/>
-              <a:t>6/13/2022</a:t>
+              <a:t>6/17/2022</a:t>
             </a:fld>
             <a:endParaRPr lang="en-US" dirty="0"/>
           </a:p>
@@ -7787,10 +4940,41 @@
           </a:p>
         </p:txBody>
       </p:sp>
+      <p:cxnSp>
+        <p:nvCxnSpPr>
+          <p:cNvPr id="29" name="Straight Connector 28"/>
+          <p:cNvCxnSpPr/>
+          <p:nvPr/>
+        </p:nvCxnSpPr>
+        <p:spPr>
+          <a:xfrm>
+            <a:off x="1090422" y="1385316"/>
+            <a:ext cx="7205642" cy="0"/>
+          </a:xfrm>
+          <a:prstGeom prst="line">
+            <a:avLst/>
+          </a:prstGeom>
+          <a:ln w="31750"/>
+        </p:spPr>
+        <p:style>
+          <a:lnRef idx="3">
+            <a:schemeClr val="accent1"/>
+          </a:lnRef>
+          <a:fillRef idx="0">
+            <a:schemeClr val="accent1"/>
+          </a:fillRef>
+          <a:effectRef idx="2">
+            <a:schemeClr val="accent1"/>
+          </a:effectRef>
+          <a:fontRef idx="minor">
+            <a:schemeClr val="tx1"/>
+          </a:fontRef>
+        </p:style>
+      </p:cxnSp>
     </p:spTree>
     <p:extLst>
       <p:ext uri="{BB962C8B-B14F-4D97-AF65-F5344CB8AC3E}">
-        <p14:creationId xmlns:p14="http://schemas.microsoft.com/office/powerpoint/2010/main" val="257780078"/>
+        <p14:creationId xmlns:p14="http://schemas.microsoft.com/office/powerpoint/2010/main" val="3233250992"/>
       </p:ext>
     </p:extLst>
   </p:cSld>
@@ -7843,7 +5027,7 @@
       </p:sp>
       <p:sp>
         <p:nvSpPr>
-          <p:cNvPr id="7" name="Date Placeholder 2"/>
+          <p:cNvPr id="3" name="Date Placeholder 2"/>
           <p:cNvSpPr>
             <a:spLocks noGrp="1"/>
           </p:cNvSpPr>
@@ -7858,7 +5042,7 @@
           <a:p>
             <a:fld id="{4509A250-FF31-4206-8172-F9D3106AACB1}" type="datetimeFigureOut">
               <a:rPr lang="en-US" smtClean="0"/>
-              <a:t>6/13/2022</a:t>
+              <a:t>6/17/2022</a:t>
             </a:fld>
             <a:endParaRPr lang="en-US" dirty="0"/>
           </a:p>
@@ -7866,7 +5050,7 @@
       </p:sp>
       <p:sp>
         <p:nvSpPr>
-          <p:cNvPr id="5" name="Footer Placeholder 3"/>
+          <p:cNvPr id="4" name="Footer Placeholder 3"/>
           <p:cNvSpPr>
             <a:spLocks noGrp="1"/>
           </p:cNvSpPr>
@@ -7885,7 +5069,7 @@
       </p:sp>
       <p:sp>
         <p:nvSpPr>
-          <p:cNvPr id="6" name="Slide Number Placeholder 4"/>
+          <p:cNvPr id="5" name="Slide Number Placeholder 4"/>
           <p:cNvSpPr>
             <a:spLocks noGrp="1"/>
           </p:cNvSpPr>
@@ -7906,10 +5090,41 @@
           </a:p>
         </p:txBody>
       </p:sp>
+      <p:cxnSp>
+        <p:nvCxnSpPr>
+          <p:cNvPr id="25" name="Straight Connector 24"/>
+          <p:cNvCxnSpPr/>
+          <p:nvPr/>
+        </p:nvCxnSpPr>
+        <p:spPr>
+          <a:xfrm>
+            <a:off x="1090422" y="1385316"/>
+            <a:ext cx="7205642" cy="0"/>
+          </a:xfrm>
+          <a:prstGeom prst="line">
+            <a:avLst/>
+          </a:prstGeom>
+          <a:ln w="31750"/>
+        </p:spPr>
+        <p:style>
+          <a:lnRef idx="3">
+            <a:schemeClr val="accent1"/>
+          </a:lnRef>
+          <a:fillRef idx="0">
+            <a:schemeClr val="accent1"/>
+          </a:fillRef>
+          <a:effectRef idx="2">
+            <a:schemeClr val="accent1"/>
+          </a:effectRef>
+          <a:fontRef idx="minor">
+            <a:schemeClr val="tx1"/>
+          </a:fontRef>
+        </p:style>
+      </p:cxnSp>
     </p:spTree>
     <p:extLst>
       <p:ext uri="{BB962C8B-B14F-4D97-AF65-F5344CB8AC3E}">
-        <p14:creationId xmlns:p14="http://schemas.microsoft.com/office/powerpoint/2010/main" val="1150917522"/>
+        <p14:creationId xmlns:p14="http://schemas.microsoft.com/office/powerpoint/2010/main" val="221513761"/>
       </p:ext>
     </p:extLst>
   </p:cSld>
@@ -7939,7 +5154,7 @@
       </p:grpSpPr>
       <p:sp>
         <p:nvSpPr>
-          <p:cNvPr id="7" name="Date Placeholder 1"/>
+          <p:cNvPr id="2" name="Date Placeholder 1"/>
           <p:cNvSpPr>
             <a:spLocks noGrp="1"/>
           </p:cNvSpPr>
@@ -7954,7 +5169,7 @@
           <a:p>
             <a:fld id="{4509A250-FF31-4206-8172-F9D3106AACB1}" type="datetimeFigureOut">
               <a:rPr lang="en-US" smtClean="0"/>
-              <a:t>6/13/2022</a:t>
+              <a:t>6/17/2022</a:t>
             </a:fld>
             <a:endParaRPr lang="en-US" dirty="0"/>
           </a:p>
@@ -7962,7 +5177,7 @@
       </p:sp>
       <p:sp>
         <p:nvSpPr>
-          <p:cNvPr id="5" name="Footer Placeholder 2"/>
+          <p:cNvPr id="3" name="Footer Placeholder 2"/>
           <p:cNvSpPr>
             <a:spLocks noGrp="1"/>
           </p:cNvSpPr>
@@ -7981,7 +5196,7 @@
       </p:sp>
       <p:sp>
         <p:nvSpPr>
-          <p:cNvPr id="6" name="Slide Number Placeholder 3"/>
+          <p:cNvPr id="4" name="Slide Number Placeholder 3"/>
           <p:cNvSpPr>
             <a:spLocks noGrp="1"/>
           </p:cNvSpPr>
@@ -8005,7 +5220,7 @@
     </p:spTree>
     <p:extLst>
       <p:ext uri="{BB962C8B-B14F-4D97-AF65-F5344CB8AC3E}">
-        <p14:creationId xmlns:p14="http://schemas.microsoft.com/office/powerpoint/2010/main" val="3146443612"/>
+        <p14:creationId xmlns:p14="http://schemas.microsoft.com/office/powerpoint/2010/main" val="1709322006"/>
       </p:ext>
     </p:extLst>
   </p:cSld>
@@ -8044,73 +5259,139 @@
         </p:nvSpPr>
         <p:spPr>
           <a:xfrm>
-            <a:off x="866215" y="1085850"/>
-            <a:ext cx="2550798" cy="1085850"/>
-          </a:xfrm>
-        </p:spPr>
-        <p:txBody>
-          <a:bodyPr anchor="b"/>
-          <a:lstStyle>
-            <a:lvl1pPr algn="l">
-              <a:defRPr sz="1800" b="0"/>
-            </a:lvl1pPr>
-          </a:lstStyle>
-          <a:p>
-            <a:r>
-              <a:rPr lang="en-US"/>
-              <a:t>Click to edit Master title style</a:t>
-            </a:r>
-            <a:endParaRPr lang="en-US" dirty="0"/>
-          </a:p>
-        </p:txBody>
-      </p:sp>
-      <p:sp>
-        <p:nvSpPr>
-          <p:cNvPr id="3" name="Content Placeholder 2"/>
-          <p:cNvSpPr>
-            <a:spLocks noGrp="1"/>
-          </p:cNvSpPr>
-          <p:nvPr>
-            <p:ph idx="1"/>
-          </p:nvPr>
-        </p:nvSpPr>
-        <p:spPr>
-          <a:xfrm>
-            <a:off x="3588462" y="1085850"/>
-            <a:ext cx="3896998" cy="3429000"/>
-          </a:xfrm>
-        </p:spPr>
-        <p:txBody>
-          <a:bodyPr anchor="ctr">
+            <a:off x="1083504" y="599230"/>
+            <a:ext cx="2454824" cy="1685338"/>
+          </a:xfrm>
+        </p:spPr>
+        <p:txBody>
+          <a:bodyPr anchor="b">
             <a:normAutofit/>
           </a:bodyPr>
           <a:lstStyle>
-            <a:lvl1pPr>
-              <a:defRPr sz="1500"/>
+            <a:lvl1pPr algn="l">
+              <a:defRPr sz="1800"/>
             </a:lvl1pPr>
-            <a:lvl2pPr>
-              <a:defRPr sz="1350"/>
+          </a:lstStyle>
+          <a:p>
+            <a:r>
+              <a:rPr lang="en-US"/>
+              <a:t>Click to edit Master title style</a:t>
+            </a:r>
+            <a:endParaRPr lang="en-US" dirty="0"/>
+          </a:p>
+        </p:txBody>
+      </p:sp>
+      <p:sp>
+        <p:nvSpPr>
+          <p:cNvPr id="3" name="Content Placeholder 2"/>
+          <p:cNvSpPr>
+            <a:spLocks noGrp="1"/>
+          </p:cNvSpPr>
+          <p:nvPr>
+            <p:ph idx="1"/>
+          </p:nvPr>
+        </p:nvSpPr>
+        <p:spPr>
+          <a:xfrm>
+            <a:off x="3782785" y="599230"/>
+            <a:ext cx="4509353" cy="3494120"/>
+          </a:xfrm>
+        </p:spPr>
+        <p:txBody>
+          <a:bodyPr anchor="ctr"/>
+          <a:lstStyle/>
+          <a:p>
+            <a:pPr lvl="0"/>
+            <a:r>
+              <a:rPr lang="en-US"/>
+              <a:t>Click to edit Master text styles</a:t>
+            </a:r>
+          </a:p>
+          <a:p>
+            <a:pPr lvl="1"/>
+            <a:r>
+              <a:rPr lang="en-US"/>
+              <a:t>Second level</a:t>
+            </a:r>
+          </a:p>
+          <a:p>
+            <a:pPr lvl="2"/>
+            <a:r>
+              <a:rPr lang="en-US"/>
+              <a:t>Third level</a:t>
+            </a:r>
+          </a:p>
+          <a:p>
+            <a:pPr lvl="3"/>
+            <a:r>
+              <a:rPr lang="en-US"/>
+              <a:t>Fourth level</a:t>
+            </a:r>
+          </a:p>
+          <a:p>
+            <a:pPr lvl="4"/>
+            <a:r>
+              <a:rPr lang="en-US"/>
+              <a:t>Fifth level</a:t>
+            </a:r>
+            <a:endParaRPr lang="en-US" dirty="0"/>
+          </a:p>
+        </p:txBody>
+      </p:sp>
+      <p:sp>
+        <p:nvSpPr>
+          <p:cNvPr id="4" name="Text Placeholder 3"/>
+          <p:cNvSpPr>
+            <a:spLocks noGrp="1"/>
+          </p:cNvSpPr>
+          <p:nvPr>
+            <p:ph type="body" sz="half" idx="2"/>
+          </p:nvPr>
+        </p:nvSpPr>
+        <p:spPr>
+          <a:xfrm>
+            <a:off x="1083504" y="2404119"/>
+            <a:ext cx="2456260" cy="1686136"/>
+          </a:xfrm>
+        </p:spPr>
+        <p:txBody>
+          <a:bodyPr/>
+          <a:lstStyle>
+            <a:lvl1pPr marL="0" indent="0" algn="l">
+              <a:buNone/>
+              <a:defRPr sz="1200"/>
+            </a:lvl1pPr>
+            <a:lvl2pPr marL="342900" indent="0">
+              <a:buNone/>
+              <a:defRPr sz="1050"/>
             </a:lvl2pPr>
-            <a:lvl3pPr>
-              <a:defRPr sz="1200"/>
+            <a:lvl3pPr marL="685800" indent="0">
+              <a:buNone/>
+              <a:defRPr sz="900"/>
             </a:lvl3pPr>
-            <a:lvl4pPr>
-              <a:defRPr sz="1050"/>
+            <a:lvl4pPr marL="1028700" indent="0">
+              <a:buNone/>
+              <a:defRPr sz="750"/>
             </a:lvl4pPr>
-            <a:lvl5pPr>
-              <a:defRPr sz="1050"/>
+            <a:lvl5pPr marL="1371600" indent="0">
+              <a:buNone/>
+              <a:defRPr sz="750"/>
             </a:lvl5pPr>
-            <a:lvl6pPr>
-              <a:defRPr sz="1050"/>
+            <a:lvl6pPr marL="1714500" indent="0">
+              <a:buNone/>
+              <a:defRPr sz="750"/>
             </a:lvl6pPr>
-            <a:lvl7pPr>
-              <a:defRPr sz="1050"/>
+            <a:lvl7pPr marL="2057400" indent="0">
+              <a:buNone/>
+              <a:defRPr sz="750"/>
             </a:lvl7pPr>
-            <a:lvl8pPr>
-              <a:defRPr sz="1050"/>
+            <a:lvl8pPr marL="2400300" indent="0">
+              <a:buNone/>
+              <a:defRPr sz="750"/>
             </a:lvl8pPr>
-            <a:lvl9pPr>
-              <a:defRPr sz="1050"/>
+            <a:lvl9pPr marL="2743200" indent="0">
+              <a:buNone/>
+              <a:defRPr sz="750"/>
             </a:lvl9pPr>
           </a:lstStyle>
           <a:p>
@@ -8120,105 +5401,11 @@
               <a:t>Click to edit Master text styles</a:t>
             </a:r>
           </a:p>
-          <a:p>
-            <a:pPr lvl="1"/>
-            <a:r>
-              <a:rPr lang="en-US"/>
-              <a:t>Second level</a:t>
-            </a:r>
-          </a:p>
-          <a:p>
-            <a:pPr lvl="2"/>
-            <a:r>
-              <a:rPr lang="en-US"/>
-              <a:t>Third level</a:t>
-            </a:r>
-          </a:p>
-          <a:p>
-            <a:pPr lvl="3"/>
-            <a:r>
-              <a:rPr lang="en-US"/>
-              <a:t>Fourth level</a:t>
-            </a:r>
-          </a:p>
-          <a:p>
-            <a:pPr lvl="4"/>
-            <a:r>
-              <a:rPr lang="en-US"/>
-              <a:t>Fifth level</a:t>
-            </a:r>
-            <a:endParaRPr lang="en-US" dirty="0"/>
-          </a:p>
-        </p:txBody>
-      </p:sp>
-      <p:sp>
-        <p:nvSpPr>
-          <p:cNvPr id="4" name="Text Placeholder 3"/>
-          <p:cNvSpPr>
-            <a:spLocks noGrp="1"/>
-          </p:cNvSpPr>
-          <p:nvPr>
-            <p:ph type="body" sz="half" idx="2"/>
-          </p:nvPr>
-        </p:nvSpPr>
-        <p:spPr>
-          <a:xfrm>
-            <a:off x="866215" y="2346961"/>
-            <a:ext cx="2550797" cy="2171699"/>
-          </a:xfrm>
-        </p:spPr>
-        <p:txBody>
-          <a:bodyPr/>
-          <a:lstStyle>
-            <a:lvl1pPr marL="0" indent="0">
-              <a:buNone/>
-              <a:defRPr sz="1050"/>
-            </a:lvl1pPr>
-            <a:lvl2pPr marL="342900" indent="0">
-              <a:buNone/>
-              <a:defRPr sz="900"/>
-            </a:lvl2pPr>
-            <a:lvl3pPr marL="685800" indent="0">
-              <a:buNone/>
-              <a:defRPr sz="750"/>
-            </a:lvl3pPr>
-            <a:lvl4pPr marL="1028700" indent="0">
-              <a:buNone/>
-              <a:defRPr sz="675"/>
-            </a:lvl4pPr>
-            <a:lvl5pPr marL="1371600" indent="0">
-              <a:buNone/>
-              <a:defRPr sz="675"/>
-            </a:lvl5pPr>
-            <a:lvl6pPr marL="1714500" indent="0">
-              <a:buNone/>
-              <a:defRPr sz="675"/>
-            </a:lvl6pPr>
-            <a:lvl7pPr marL="2057400" indent="0">
-              <a:buNone/>
-              <a:defRPr sz="675"/>
-            </a:lvl7pPr>
-            <a:lvl8pPr marL="2400300" indent="0">
-              <a:buNone/>
-              <a:defRPr sz="675"/>
-            </a:lvl8pPr>
-            <a:lvl9pPr marL="2743200" indent="0">
-              <a:buNone/>
-              <a:defRPr sz="675"/>
-            </a:lvl9pPr>
-          </a:lstStyle>
-          <a:p>
-            <a:pPr lvl="0"/>
-            <a:r>
-              <a:rPr lang="en-US"/>
-              <a:t>Click to edit Master text styles</a:t>
-            </a:r>
-          </a:p>
-        </p:txBody>
-      </p:sp>
-      <p:sp>
-        <p:nvSpPr>
-          <p:cNvPr id="7" name="Date Placeholder 4"/>
+        </p:txBody>
+      </p:sp>
+      <p:sp>
+        <p:nvSpPr>
+          <p:cNvPr id="5" name="Date Placeholder 4"/>
           <p:cNvSpPr>
             <a:spLocks noGrp="1"/>
           </p:cNvSpPr>
@@ -8233,7 +5420,7 @@
           <a:p>
             <a:fld id="{4AAD347D-5ACD-4C99-B74B-A9C85AD731AF}" type="datetimeFigureOut">
               <a:rPr lang="en-US" smtClean="0"/>
-              <a:t>6/13/2022</a:t>
+              <a:t>6/17/2022</a:t>
             </a:fld>
             <a:endParaRPr lang="en-US" dirty="0"/>
           </a:p>
@@ -8241,7 +5428,7 @@
       </p:sp>
       <p:sp>
         <p:nvSpPr>
-          <p:cNvPr id="5" name="Footer Placeholder 5"/>
+          <p:cNvPr id="6" name="Footer Placeholder 5"/>
           <p:cNvSpPr>
             <a:spLocks noGrp="1"/>
           </p:cNvSpPr>
@@ -8260,7 +5447,7 @@
       </p:sp>
       <p:sp>
         <p:nvSpPr>
-          <p:cNvPr id="6" name="Slide Number Placeholder 6"/>
+          <p:cNvPr id="7" name="Slide Number Placeholder 6"/>
           <p:cNvSpPr>
             <a:spLocks noGrp="1"/>
           </p:cNvSpPr>
@@ -8281,10 +5468,41 @@
           </a:p>
         </p:txBody>
       </p:sp>
+      <p:cxnSp>
+        <p:nvCxnSpPr>
+          <p:cNvPr id="17" name="Straight Connector 16"/>
+          <p:cNvCxnSpPr/>
+          <p:nvPr/>
+        </p:nvCxnSpPr>
+        <p:spPr>
+          <a:xfrm>
+            <a:off x="1086210" y="2404118"/>
+            <a:ext cx="2452118" cy="0"/>
+          </a:xfrm>
+          <a:prstGeom prst="line">
+            <a:avLst/>
+          </a:prstGeom>
+          <a:ln w="31750"/>
+        </p:spPr>
+        <p:style>
+          <a:lnRef idx="3">
+            <a:schemeClr val="accent1"/>
+          </a:lnRef>
+          <a:fillRef idx="0">
+            <a:schemeClr val="accent1"/>
+          </a:fillRef>
+          <a:effectRef idx="2">
+            <a:schemeClr val="accent1"/>
+          </a:effectRef>
+          <a:fontRef idx="minor">
+            <a:schemeClr val="tx1"/>
+          </a:fontRef>
+        </p:style>
+      </p:cxnSp>
     </p:spTree>
     <p:extLst>
       <p:ext uri="{BB962C8B-B14F-4D97-AF65-F5344CB8AC3E}">
-        <p14:creationId xmlns:p14="http://schemas.microsoft.com/office/powerpoint/2010/main" val="3048599768"/>
+        <p14:creationId xmlns:p14="http://schemas.microsoft.com/office/powerpoint/2010/main" val="3229219576"/>
       </p:ext>
     </p:extLst>
   </p:cSld>
@@ -8312,6 +5530,140 @@
           <a:chExt cx="0" cy="0"/>
         </a:xfrm>
       </p:grpSpPr>
+      <p:grpSp>
+        <p:nvGrpSpPr>
+          <p:cNvPr id="8" name="Group 7"/>
+          <p:cNvGrpSpPr/>
+          <p:nvPr/>
+        </p:nvGrpSpPr>
+        <p:grpSpPr>
+          <a:xfrm>
+            <a:off x="5608041" y="361628"/>
+            <a:ext cx="3055900" cy="3861826"/>
+            <a:chOff x="7477387" y="482170"/>
+            <a:chExt cx="4074533" cy="5149101"/>
+          </a:xfrm>
+        </p:grpSpPr>
+        <p:sp>
+          <p:nvSpPr>
+            <p:cNvPr id="18" name="Rectangle 17"/>
+            <p:cNvSpPr/>
+            <p:nvPr/>
+          </p:nvSpPr>
+          <p:spPr bwMode="black">
+            <a:xfrm>
+              <a:off x="7477387" y="482170"/>
+              <a:ext cx="4074533" cy="5149101"/>
+            </a:xfrm>
+            <a:prstGeom prst="rect">
+              <a:avLst/>
+            </a:prstGeom>
+            <a:gradFill>
+              <a:gsLst>
+                <a:gs pos="0">
+                  <a:srgbClr val="000001"/>
+                </a:gs>
+                <a:gs pos="100000">
+                  <a:srgbClr val="191919"/>
+                </a:gs>
+              </a:gsLst>
+            </a:gradFill>
+            <a:ln w="76200" cmpd="sng">
+              <a:noFill/>
+              <a:miter lim="800000"/>
+            </a:ln>
+            <a:effectLst>
+              <a:outerShdw blurRad="127000" dist="228600" dir="4740000" sx="98000" sy="98000" algn="tl" rotWithShape="0">
+                <a:srgbClr val="000000">
+                  <a:alpha val="34000"/>
+                </a:srgbClr>
+              </a:outerShdw>
+            </a:effectLst>
+            <a:scene3d>
+              <a:camera prst="orthographicFront"/>
+              <a:lightRig rig="threePt" dir="t"/>
+            </a:scene3d>
+            <a:sp3d>
+              <a:bevelT w="152400" h="50800" prst="softRound"/>
+            </a:sp3d>
+          </p:spPr>
+          <p:style>
+            <a:lnRef idx="1">
+              <a:schemeClr val="accent1"/>
+            </a:lnRef>
+            <a:fillRef idx="3">
+              <a:schemeClr val="accent1"/>
+            </a:fillRef>
+            <a:effectRef idx="2">
+              <a:schemeClr val="accent1"/>
+            </a:effectRef>
+            <a:fontRef idx="minor">
+              <a:schemeClr val="lt1"/>
+            </a:fontRef>
+          </p:style>
+        </p:sp>
+        <p:sp>
+          <p:nvSpPr>
+            <p:cNvPr id="19" name="Rectangle 18"/>
+            <p:cNvSpPr/>
+            <p:nvPr/>
+          </p:nvSpPr>
+          <p:spPr bwMode="blackWhite">
+            <a:xfrm>
+              <a:off x="7790446" y="812506"/>
+              <a:ext cx="3450289" cy="4466452"/>
+            </a:xfrm>
+            <a:prstGeom prst="rect">
+              <a:avLst/>
+            </a:prstGeom>
+            <a:gradFill>
+              <a:gsLst>
+                <a:gs pos="0">
+                  <a:srgbClr val="DADADA"/>
+                </a:gs>
+                <a:gs pos="100000">
+                  <a:srgbClr val="FFFFFE"/>
+                </a:gs>
+              </a:gsLst>
+              <a:lin ang="16200000" scaled="0"/>
+            </a:gradFill>
+            <a:ln w="50800" cmpd="sng">
+              <a:solidFill>
+                <a:srgbClr val="191919"/>
+              </a:solidFill>
+              <a:miter lim="800000"/>
+            </a:ln>
+            <a:effectLst>
+              <a:innerShdw blurRad="63500" dist="88900" dir="14100000">
+                <a:srgbClr val="000000">
+                  <a:alpha val="30000"/>
+                </a:srgbClr>
+              </a:innerShdw>
+            </a:effectLst>
+            <a:scene3d>
+              <a:camera prst="orthographicFront"/>
+              <a:lightRig rig="threePt" dir="t"/>
+            </a:scene3d>
+            <a:sp3d>
+              <a:bevelT prst="relaxedInset"/>
+            </a:sp3d>
+          </p:spPr>
+          <p:style>
+            <a:lnRef idx="1">
+              <a:schemeClr val="accent1"/>
+            </a:lnRef>
+            <a:fillRef idx="3">
+              <a:schemeClr val="accent1"/>
+            </a:fillRef>
+            <a:effectRef idx="2">
+              <a:schemeClr val="accent1"/>
+            </a:effectRef>
+            <a:fontRef idx="minor">
+              <a:schemeClr val="lt1"/>
+            </a:fontRef>
+          </p:style>
+        </p:sp>
+      </p:grpSp>
       <p:sp>
         <p:nvSpPr>
           <p:cNvPr id="2" name="Title 1"/>
@@ -8324,8 +5676,8 @@
         </p:nvSpPr>
         <p:spPr>
           <a:xfrm>
-            <a:off x="865430" y="1390644"/>
-            <a:ext cx="3819680" cy="1181106"/>
+            <a:off x="1088405" y="847135"/>
+            <a:ext cx="4149246" cy="1372938"/>
           </a:xfrm>
         </p:spPr>
         <p:txBody>
@@ -8333,8 +5685,8 @@
             <a:normAutofit/>
           </a:bodyPr>
           <a:lstStyle>
-            <a:lvl1pPr algn="l">
-              <a:defRPr sz="2700" b="0"/>
+            <a:lvl1pPr>
+              <a:defRPr sz="2400"/>
             </a:lvl1pPr>
           </a:lstStyle>
           <a:p>
@@ -8358,62 +5710,58 @@
         </p:nvSpPr>
         <p:spPr>
           <a:xfrm>
-            <a:off x="5212160" y="857250"/>
-            <a:ext cx="2400300" cy="3429000"/>
-          </a:xfrm>
-          <a:prstGeom prst="roundRect">
-            <a:avLst>
-              <a:gd name="adj" fmla="val 1858"/>
-            </a:avLst>
-          </a:prstGeom>
-          <a:effectLst>
-            <a:outerShdw blurRad="50800" dist="50800" dir="5400000" algn="tl" rotWithShape="0">
-              <a:srgbClr val="000000">
-                <a:alpha val="43000"/>
-              </a:srgbClr>
-            </a:outerShdw>
-          </a:effectLst>
-        </p:spPr>
-        <p:txBody>
-          <a:bodyPr anchor="t">
-            <a:normAutofit/>
-          </a:bodyPr>
+            <a:off x="6093292" y="841907"/>
+            <a:ext cx="2093378" cy="2899745"/>
+          </a:xfrm>
+          <a:solidFill>
+            <a:schemeClr val="bg1">
+              <a:lumMod val="85000"/>
+            </a:schemeClr>
+          </a:solidFill>
+          <a:ln w="9525" cap="sq">
+            <a:noFill/>
+            <a:miter lim="800000"/>
+          </a:ln>
+          <a:effectLst/>
+        </p:spPr>
+        <p:txBody>
+          <a:bodyPr anchor="t"/>
           <a:lstStyle>
             <a:lvl1pPr marL="0" indent="0" algn="ctr">
               <a:buNone/>
-              <a:defRPr sz="1200"/>
+              <a:defRPr sz="2400"/>
             </a:lvl1pPr>
             <a:lvl2pPr marL="342900" indent="0">
               <a:buNone/>
-              <a:defRPr sz="1200"/>
+              <a:defRPr sz="2100"/>
             </a:lvl2pPr>
             <a:lvl3pPr marL="685800" indent="0">
               <a:buNone/>
-              <a:defRPr sz="1200"/>
+              <a:defRPr sz="1800"/>
             </a:lvl3pPr>
             <a:lvl4pPr marL="1028700" indent="0">
               <a:buNone/>
-              <a:defRPr sz="1200"/>
+              <a:defRPr sz="1500"/>
             </a:lvl4pPr>
             <a:lvl5pPr marL="1371600" indent="0">
               <a:buNone/>
-              <a:defRPr sz="1200"/>
+              <a:defRPr sz="1500"/>
             </a:lvl5pPr>
             <a:lvl6pPr marL="1714500" indent="0">
               <a:buNone/>
-              <a:defRPr sz="1200"/>
+              <a:defRPr sz="1500"/>
             </a:lvl6pPr>
             <a:lvl7pPr marL="2057400" indent="0">
               <a:buNone/>
-              <a:defRPr sz="1200"/>
+              <a:defRPr sz="1500"/>
             </a:lvl7pPr>
             <a:lvl8pPr marL="2400300" indent="0">
               <a:buNone/>
-              <a:defRPr sz="1200"/>
+              <a:defRPr sz="1500"/>
             </a:lvl8pPr>
             <a:lvl9pPr marL="2743200" indent="0">
               <a:buNone/>
-              <a:defRPr sz="1200"/>
+              <a:defRPr sz="1500"/>
             </a:lvl9pPr>
           </a:lstStyle>
           <a:p>
@@ -8437,8 +5785,8 @@
         </p:nvSpPr>
         <p:spPr>
           <a:xfrm>
-            <a:off x="866216" y="2743200"/>
-            <a:ext cx="3813734" cy="1028700"/>
+            <a:off x="1087747" y="2359494"/>
+            <a:ext cx="4143303" cy="1502807"/>
           </a:xfrm>
         </p:spPr>
         <p:txBody>
@@ -8446,41 +5794,41 @@
             <a:normAutofit/>
           </a:bodyPr>
           <a:lstStyle>
-            <a:lvl1pPr marL="0" indent="0">
-              <a:buNone/>
-              <a:defRPr sz="1050"/>
+            <a:lvl1pPr marL="0" indent="0" algn="l">
+              <a:buNone/>
+              <a:defRPr sz="1350"/>
             </a:lvl1pPr>
             <a:lvl2pPr marL="342900" indent="0">
               <a:buNone/>
-              <a:defRPr sz="900"/>
+              <a:defRPr sz="1050"/>
             </a:lvl2pPr>
             <a:lvl3pPr marL="685800" indent="0">
               <a:buNone/>
-              <a:defRPr sz="750"/>
+              <a:defRPr sz="900"/>
             </a:lvl3pPr>
             <a:lvl4pPr marL="1028700" indent="0">
               <a:buNone/>
-              <a:defRPr sz="675"/>
+              <a:defRPr sz="750"/>
             </a:lvl4pPr>
             <a:lvl5pPr marL="1371600" indent="0">
               <a:buNone/>
-              <a:defRPr sz="675"/>
+              <a:defRPr sz="750"/>
             </a:lvl5pPr>
             <a:lvl6pPr marL="1714500" indent="0">
               <a:buNone/>
-              <a:defRPr sz="675"/>
+              <a:defRPr sz="750"/>
             </a:lvl6pPr>
             <a:lvl7pPr marL="2057400" indent="0">
               <a:buNone/>
-              <a:defRPr sz="675"/>
+              <a:defRPr sz="750"/>
             </a:lvl7pPr>
             <a:lvl8pPr marL="2400300" indent="0">
               <a:buNone/>
-              <a:defRPr sz="675"/>
+              <a:defRPr sz="750"/>
             </a:lvl8pPr>
             <a:lvl9pPr marL="2743200" indent="0">
               <a:buNone/>
-              <a:defRPr sz="675"/>
+              <a:defRPr sz="750"/>
             </a:lvl9pPr>
           </a:lstStyle>
           <a:p>
@@ -8502,14 +5850,23 @@
             <p:ph type="dt" sz="half" idx="10"/>
           </p:nvPr>
         </p:nvSpPr>
-        <p:spPr/>
+        <p:spPr>
+          <a:xfrm>
+            <a:off x="1085537" y="4102393"/>
+            <a:ext cx="4145513" cy="240092"/>
+          </a:xfrm>
+        </p:spPr>
         <p:txBody>
           <a:bodyPr/>
-          <a:lstStyle/>
+          <a:lstStyle>
+            <a:lvl1pPr algn="l">
+              <a:defRPr/>
+            </a:lvl1pPr>
+          </a:lstStyle>
           <a:p>
             <a:fld id="{4AAD347D-5ACD-4C99-B74B-A9C85AD731AF}" type="datetimeFigureOut">
               <a:rPr lang="en-US" smtClean="0"/>
-              <a:t>6/13/2022</a:t>
+              <a:t>6/17/2022</a:t>
             </a:fld>
             <a:endParaRPr lang="en-US" dirty="0"/>
           </a:p>
@@ -8525,7 +5882,12 @@
             <p:ph type="ftr" sz="quarter" idx="11"/>
           </p:nvPr>
         </p:nvSpPr>
-        <p:spPr/>
+        <p:spPr>
+          <a:xfrm>
+            <a:off x="1085537" y="238981"/>
+            <a:ext cx="4155753" cy="240698"/>
+          </a:xfrm>
+        </p:spPr>
         <p:txBody>
           <a:bodyPr/>
           <a:lstStyle/>
@@ -8557,10 +5919,41 @@
           </a:p>
         </p:txBody>
       </p:sp>
+      <p:cxnSp>
+        <p:nvCxnSpPr>
+          <p:cNvPr id="31" name="Straight Connector 30"/>
+          <p:cNvCxnSpPr/>
+          <p:nvPr/>
+        </p:nvCxnSpPr>
+        <p:spPr>
+          <a:xfrm>
+            <a:off x="1085537" y="2357704"/>
+            <a:ext cx="4145513" cy="0"/>
+          </a:xfrm>
+          <a:prstGeom prst="line">
+            <a:avLst/>
+          </a:prstGeom>
+          <a:ln w="31750"/>
+        </p:spPr>
+        <p:style>
+          <a:lnRef idx="3">
+            <a:schemeClr val="accent1"/>
+          </a:lnRef>
+          <a:fillRef idx="0">
+            <a:schemeClr val="accent1"/>
+          </a:fillRef>
+          <a:effectRef idx="2">
+            <a:schemeClr val="accent1"/>
+          </a:effectRef>
+          <a:fontRef idx="minor">
+            <a:schemeClr val="tx1"/>
+          </a:fontRef>
+        </p:style>
+      </p:cxnSp>
     </p:spTree>
     <p:extLst>
       <p:ext uri="{BB962C8B-B14F-4D97-AF65-F5344CB8AC3E}">
-        <p14:creationId xmlns:p14="http://schemas.microsoft.com/office/powerpoint/2010/main" val="1079163088"/>
+        <p14:creationId xmlns:p14="http://schemas.microsoft.com/office/powerpoint/2010/main" val="1734406632"/>
       </p:ext>
     </p:extLst>
   </p:cSld>
@@ -8593,35 +5986,55 @@
           <a:chExt cx="0" cy="0"/>
         </a:xfrm>
       </p:grpSpPr>
-      <p:pic>
-        <p:nvPicPr>
-          <p:cNvPr id="8" name="Picture 7"/>
-          <p:cNvPicPr>
-            <a:picLocks noChangeAspect="1"/>
-          </p:cNvPicPr>
+      <p:sp>
+        <p:nvSpPr>
+          <p:cNvPr id="8" name="Rectangle 7"/>
+          <p:cNvSpPr/>
           <p:nvPr/>
-        </p:nvPicPr>
-        <p:blipFill rotWithShape="1">
-          <a:blip r:embed="rId23">
-            <a:extLst>
-              <a:ext uri="{28A0092B-C50C-407E-A947-70E740481C1C}">
-                <a14:useLocalDpi xmlns:a14="http://schemas.microsoft.com/office/drawing/2010/main" val="0"/>
-              </a:ext>
-            </a:extLst>
-          </a:blip>
-          <a:srcRect l="3613"/>
-          <a:stretch/>
-        </p:blipFill>
-        <p:spPr>
-          <a:xfrm>
-            <a:off x="0" y="2002264"/>
-            <a:ext cx="3027759" cy="3141236"/>
+        </p:nvSpPr>
+        <p:spPr>
+          <a:xfrm>
+            <a:off x="0" y="1514607"/>
+            <a:ext cx="9144000" cy="3079456"/>
           </a:xfrm>
           <a:prstGeom prst="rect">
             <a:avLst/>
           </a:prstGeom>
-        </p:spPr>
-      </p:pic>
+          <a:gradFill flip="none" rotWithShape="1">
+            <a:gsLst>
+              <a:gs pos="0">
+                <a:schemeClr val="bg2">
+                  <a:alpha val="0"/>
+                </a:schemeClr>
+              </a:gs>
+              <a:gs pos="100000">
+                <a:schemeClr val="bg2"/>
+              </a:gs>
+            </a:gsLst>
+            <a:lin ang="5400000" scaled="0"/>
+            <a:tileRect/>
+          </a:gradFill>
+          <a:ln>
+            <a:noFill/>
+          </a:ln>
+        </p:spPr>
+        <p:style>
+          <a:lnRef idx="2">
+            <a:schemeClr val="accent1">
+              <a:shade val="50000"/>
+            </a:schemeClr>
+          </a:lnRef>
+          <a:fillRef idx="1">
+            <a:schemeClr val="accent1"/>
+          </a:fillRef>
+          <a:effectRef idx="0">
+            <a:schemeClr val="accent1"/>
+          </a:effectRef>
+          <a:fontRef idx="minor">
+            <a:schemeClr val="lt1"/>
+          </a:fontRef>
+        </p:style>
+      </p:sp>
       <p:pic>
         <p:nvPicPr>
           <p:cNvPr id="7" name="Picture 6"/>
@@ -8631,20 +6044,20 @@
           <p:nvPr/>
         </p:nvPicPr>
         <p:blipFill rotWithShape="1">
-          <a:blip r:embed="rId24">
+          <a:blip r:embed="rId16">
             <a:extLst>
               <a:ext uri="{28A0092B-C50C-407E-A947-70E740481C1C}">
                 <a14:useLocalDpi xmlns:a14="http://schemas.microsoft.com/office/drawing/2010/main" val="0"/>
               </a:ext>
             </a:extLst>
           </a:blip>
-          <a:srcRect l="35640"/>
+          <a:srcRect t="1538" b="-1538"/>
           <a:stretch/>
         </p:blipFill>
-        <p:spPr>
-          <a:xfrm>
-            <a:off x="0" y="2169261"/>
-            <a:ext cx="1141809" cy="1774090"/>
+        <p:spPr bwMode="black">
+          <a:xfrm>
+            <a:off x="0" y="4594860"/>
+            <a:ext cx="9144000" cy="557213"/>
           </a:xfrm>
           <a:prstGeom prst="rect">
             <a:avLst/>
@@ -8653,183 +6066,26 @@
       </p:pic>
       <p:sp>
         <p:nvSpPr>
-          <p:cNvPr id="16" name="Oval 15"/>
-          <p:cNvSpPr/>
-          <p:nvPr/>
-        </p:nvSpPr>
-        <p:spPr>
-          <a:xfrm>
-            <a:off x="6456759" y="1257300"/>
-            <a:ext cx="2114550" cy="2114550"/>
-          </a:xfrm>
-          <a:prstGeom prst="ellipse">
-            <a:avLst/>
-          </a:prstGeom>
-          <a:gradFill flip="none" rotWithShape="1">
-            <a:gsLst>
-              <a:gs pos="0">
-                <a:schemeClr val="bg2">
-                  <a:lumMod val="60000"/>
-                  <a:lumOff val="40000"/>
-                  <a:alpha val="7000"/>
-                </a:schemeClr>
-              </a:gs>
-              <a:gs pos="69000">
-                <a:schemeClr val="bg2">
-                  <a:lumMod val="60000"/>
-                  <a:lumOff val="40000"/>
-                  <a:alpha val="0"/>
-                </a:schemeClr>
-              </a:gs>
-              <a:gs pos="36000">
-                <a:schemeClr val="bg2">
-                  <a:lumMod val="60000"/>
-                  <a:lumOff val="40000"/>
-                  <a:alpha val="6000"/>
-                </a:schemeClr>
-              </a:gs>
-            </a:gsLst>
-            <a:path path="circle">
-              <a:fillToRect l="50000" t="50000" r="50000" b="50000"/>
-            </a:path>
-            <a:tileRect/>
-          </a:gradFill>
-          <a:ln>
-            <a:noFill/>
-          </a:ln>
-          <a:effectLst/>
-        </p:spPr>
-        <p:style>
-          <a:lnRef idx="1">
-            <a:schemeClr val="accent1"/>
-          </a:lnRef>
-          <a:fillRef idx="3">
-            <a:schemeClr val="accent1"/>
-          </a:fillRef>
-          <a:effectRef idx="2">
-            <a:schemeClr val="accent1"/>
-          </a:effectRef>
-          <a:fontRef idx="minor">
-            <a:schemeClr val="lt1"/>
-          </a:fontRef>
-        </p:style>
-      </p:sp>
-      <p:pic>
-        <p:nvPicPr>
-          <p:cNvPr id="9" name="Picture 8"/>
-          <p:cNvPicPr>
-            <a:picLocks noChangeAspect="1"/>
-          </p:cNvPicPr>
-          <p:nvPr/>
-        </p:nvPicPr>
-        <p:blipFill rotWithShape="1">
-          <a:blip r:embed="rId25">
-            <a:extLst>
-              <a:ext uri="{28A0092B-C50C-407E-A947-70E740481C1C}">
-                <a14:useLocalDpi xmlns:a14="http://schemas.microsoft.com/office/drawing/2010/main" val="0"/>
-              </a:ext>
-            </a:extLst>
-          </a:blip>
-          <a:srcRect t="28813"/>
-          <a:stretch/>
-        </p:blipFill>
-        <p:spPr>
-          <a:xfrm>
-            <a:off x="5999560" y="1"/>
-            <a:ext cx="1202540" cy="856055"/>
+          <p:cNvPr id="2" name="Title Placeholder 1"/>
+          <p:cNvSpPr>
+            <a:spLocks noGrp="1"/>
+          </p:cNvSpPr>
+          <p:nvPr>
+            <p:ph type="title"/>
+          </p:nvPr>
+        </p:nvSpPr>
+        <p:spPr>
+          <a:xfrm>
+            <a:off x="1088685" y="603390"/>
+            <a:ext cx="7202456" cy="786926"/>
           </a:xfrm>
           <a:prstGeom prst="rect">
             <a:avLst/>
           </a:prstGeom>
         </p:spPr>
-      </p:pic>
-      <p:pic>
-        <p:nvPicPr>
-          <p:cNvPr id="10" name="Picture 9"/>
-          <p:cNvPicPr>
-            <a:picLocks noChangeAspect="1"/>
-          </p:cNvPicPr>
-          <p:nvPr/>
-        </p:nvPicPr>
-        <p:blipFill rotWithShape="1">
-          <a:blip r:embed="rId26">
-            <a:extLst>
-              <a:ext uri="{28A0092B-C50C-407E-A947-70E740481C1C}">
-                <a14:useLocalDpi xmlns:a14="http://schemas.microsoft.com/office/drawing/2010/main" val="0"/>
-              </a:ext>
-            </a:extLst>
-          </a:blip>
-          <a:srcRect b="23320"/>
-          <a:stretch/>
-        </p:blipFill>
-        <p:spPr>
-          <a:xfrm>
-            <a:off x="6454408" y="4572000"/>
-            <a:ext cx="745301" cy="571500"/>
-          </a:xfrm>
-          <a:prstGeom prst="rect">
-            <a:avLst/>
-          </a:prstGeom>
-        </p:spPr>
-      </p:pic>
-      <p:sp>
-        <p:nvSpPr>
-          <p:cNvPr id="14" name="Rectangle 13"/>
-          <p:cNvSpPr/>
-          <p:nvPr/>
-        </p:nvSpPr>
-        <p:spPr>
-          <a:xfrm>
-            <a:off x="7828359" y="0"/>
-            <a:ext cx="514350" cy="857250"/>
-          </a:xfrm>
-          <a:prstGeom prst="rect">
-            <a:avLst/>
-          </a:prstGeom>
-          <a:solidFill>
-            <a:schemeClr val="accent1"/>
-          </a:solidFill>
-          <a:ln>
-            <a:noFill/>
-          </a:ln>
-        </p:spPr>
-        <p:style>
-          <a:lnRef idx="1">
-            <a:schemeClr val="accent1"/>
-          </a:lnRef>
-          <a:fillRef idx="3">
-            <a:schemeClr val="accent1"/>
-          </a:fillRef>
-          <a:effectRef idx="2">
-            <a:schemeClr val="accent1"/>
-          </a:effectRef>
-          <a:fontRef idx="minor">
-            <a:schemeClr val="lt1"/>
-          </a:fontRef>
-        </p:style>
-      </p:sp>
-      <p:sp>
-        <p:nvSpPr>
-          <p:cNvPr id="2" name="Title Placeholder 1"/>
-          <p:cNvSpPr>
-            <a:spLocks noGrp="1"/>
-          </p:cNvSpPr>
-          <p:nvPr>
-            <p:ph type="title"/>
-          </p:nvPr>
-        </p:nvSpPr>
-        <p:spPr>
-          <a:xfrm>
-            <a:off x="484584" y="339538"/>
-            <a:ext cx="7053542" cy="1050398"/>
-          </a:xfrm>
-          <a:prstGeom prst="rect">
-            <a:avLst/>
-          </a:prstGeom>
-        </p:spPr>
         <p:txBody>
           <a:bodyPr vert="horz" lIns="91440" tIns="45720" rIns="91440" bIns="45720" rtlCol="0" anchor="t">
-            <a:noAutofit/>
+            <a:normAutofit/>
           </a:bodyPr>
           <a:lstStyle/>
           <a:p>
@@ -8853,8 +6109,8 @@
         </p:nvSpPr>
         <p:spPr>
           <a:xfrm>
-            <a:off x="827484" y="1539689"/>
-            <a:ext cx="6709906" cy="3146611"/>
+            <a:off x="1088685" y="1511799"/>
+            <a:ext cx="7202456" cy="2587960"/>
           </a:xfrm>
           <a:prstGeom prst="rect">
             <a:avLst/>
@@ -8914,99 +6170,19 @@
           </p:nvPr>
         </p:nvSpPr>
         <p:spPr>
-          <a:xfrm rot="5400000">
-            <a:off x="7616730" y="1343026"/>
-            <a:ext cx="742949" cy="228599"/>
+          <a:xfrm>
+            <a:off x="5665604" y="247778"/>
+            <a:ext cx="2625536" cy="231901"/>
           </a:xfrm>
           <a:prstGeom prst="rect">
             <a:avLst/>
           </a:prstGeom>
         </p:spPr>
         <p:txBody>
-          <a:bodyPr vert="horz" lIns="91440" tIns="45720" rIns="91440" bIns="45720" rtlCol="0" anchor="t"/>
+          <a:bodyPr vert="horz" lIns="91440" tIns="45720" rIns="91440" bIns="45720" rtlCol="0" anchor="ctr"/>
           <a:lstStyle>
-            <a:lvl1pPr algn="l">
-              <a:defRPr sz="825" b="0" i="0">
-                <a:solidFill>
-                  <a:schemeClr val="tx1">
-                    <a:tint val="75000"/>
-                    <a:alpha val="60000"/>
-                  </a:schemeClr>
-                </a:solidFill>
-              </a:defRPr>
-            </a:lvl1pPr>
-          </a:lstStyle>
-          <a:p>
-            <a:fld id="{4AAD347D-5ACD-4C99-B74B-A9C85AD731AF}" type="datetimeFigureOut">
-              <a:rPr lang="en-US" smtClean="0"/>
-              <a:t>6/13/2022</a:t>
-            </a:fld>
-            <a:endParaRPr lang="en-US" dirty="0"/>
-          </a:p>
-        </p:txBody>
-      </p:sp>
-      <p:sp>
-        <p:nvSpPr>
-          <p:cNvPr id="5" name="Footer Placeholder 4"/>
-          <p:cNvSpPr>
-            <a:spLocks noGrp="1"/>
-          </p:cNvSpPr>
-          <p:nvPr>
-            <p:ph type="ftr" sz="quarter" idx="3"/>
-          </p:nvPr>
-        </p:nvSpPr>
-        <p:spPr>
-          <a:xfrm rot="5400000">
-            <a:off x="6713680" y="2418973"/>
-            <a:ext cx="2894846" cy="228601"/>
-          </a:xfrm>
-          <a:prstGeom prst="rect">
-            <a:avLst/>
-          </a:prstGeom>
-        </p:spPr>
-        <p:txBody>
-          <a:bodyPr vert="horz" lIns="91440" tIns="45720" rIns="91440" bIns="45720" rtlCol="0" anchor="b"/>
-          <a:lstStyle>
-            <a:lvl1pPr algn="l">
-              <a:defRPr sz="825" b="0" i="0">
-                <a:solidFill>
-                  <a:schemeClr val="tx1">
-                    <a:tint val="75000"/>
-                    <a:alpha val="60000"/>
-                  </a:schemeClr>
-                </a:solidFill>
-              </a:defRPr>
-            </a:lvl1pPr>
-          </a:lstStyle>
-          <a:p>
-            <a:endParaRPr lang="en-US" dirty="0"/>
-          </a:p>
-        </p:txBody>
-      </p:sp>
-      <p:sp>
-        <p:nvSpPr>
-          <p:cNvPr id="6" name="Slide Number Placeholder 5"/>
-          <p:cNvSpPr>
-            <a:spLocks noGrp="1"/>
-          </p:cNvSpPr>
-          <p:nvPr>
-            <p:ph type="sldNum" sz="quarter" idx="4"/>
-          </p:nvPr>
-        </p:nvSpPr>
-        <p:spPr bwMode="gray">
-          <a:xfrm>
-            <a:off x="7764406" y="221797"/>
-            <a:ext cx="628649" cy="575765"/>
-          </a:xfrm>
-          <a:prstGeom prst="rect">
-            <a:avLst/>
-          </a:prstGeom>
-        </p:spPr>
-        <p:txBody>
-          <a:bodyPr vert="horz" lIns="91440" tIns="45720" rIns="91440" bIns="45720" rtlCol="0" anchor="b"/>
-          <a:lstStyle>
-            <a:lvl1pPr algn="ctr">
-              <a:defRPr sz="2100" b="0" i="0">
+            <a:lvl1pPr algn="r">
+              <a:defRPr sz="750">
                 <a:solidFill>
                   <a:schemeClr val="tx1">
                     <a:tint val="75000"/>
@@ -9016,6 +6192,82 @@
             </a:lvl1pPr>
           </a:lstStyle>
           <a:p>
+            <a:fld id="{4AAD347D-5ACD-4C99-B74B-A9C85AD731AF}" type="datetimeFigureOut">
+              <a:rPr lang="en-US" smtClean="0"/>
+              <a:t>6/17/2022</a:t>
+            </a:fld>
+            <a:endParaRPr lang="en-US" dirty="0"/>
+          </a:p>
+        </p:txBody>
+      </p:sp>
+      <p:sp>
+        <p:nvSpPr>
+          <p:cNvPr id="5" name="Footer Placeholder 4"/>
+          <p:cNvSpPr>
+            <a:spLocks noGrp="1"/>
+          </p:cNvSpPr>
+          <p:nvPr>
+            <p:ph type="ftr" sz="quarter" idx="3"/>
+          </p:nvPr>
+        </p:nvSpPr>
+        <p:spPr>
+          <a:xfrm>
+            <a:off x="1088684" y="246981"/>
+            <a:ext cx="4454127" cy="231901"/>
+          </a:xfrm>
+          <a:prstGeom prst="rect">
+            <a:avLst/>
+          </a:prstGeom>
+        </p:spPr>
+        <p:txBody>
+          <a:bodyPr vert="horz" lIns="91440" tIns="45720" rIns="91440" bIns="45720" rtlCol="0" anchor="ctr"/>
+          <a:lstStyle>
+            <a:lvl1pPr algn="l">
+              <a:defRPr sz="750">
+                <a:solidFill>
+                  <a:schemeClr val="tx1">
+                    <a:tint val="75000"/>
+                  </a:schemeClr>
+                </a:solidFill>
+              </a:defRPr>
+            </a:lvl1pPr>
+          </a:lstStyle>
+          <a:p>
+            <a:endParaRPr lang="en-US" dirty="0"/>
+          </a:p>
+        </p:txBody>
+      </p:sp>
+      <p:sp>
+        <p:nvSpPr>
+          <p:cNvPr id="6" name="Slide Number Placeholder 5"/>
+          <p:cNvSpPr>
+            <a:spLocks noGrp="1"/>
+          </p:cNvSpPr>
+          <p:nvPr>
+            <p:ph type="sldNum" sz="quarter" idx="4"/>
+          </p:nvPr>
+        </p:nvSpPr>
+        <p:spPr>
+          <a:xfrm>
+            <a:off x="360046" y="599230"/>
+            <a:ext cx="608264" cy="377684"/>
+          </a:xfrm>
+          <a:prstGeom prst="rect">
+            <a:avLst/>
+          </a:prstGeom>
+        </p:spPr>
+        <p:txBody>
+          <a:bodyPr vert="horz" lIns="91440" tIns="45720" rIns="91440" bIns="45720" rtlCol="0" anchor="t"/>
+          <a:lstStyle>
+            <a:lvl1pPr algn="r">
+              <a:defRPr sz="2100">
+                <a:solidFill>
+                  <a:schemeClr val="accent1"/>
+                </a:solidFill>
+              </a:defRPr>
+            </a:lvl1pPr>
+          </a:lstStyle>
+          <a:p>
             <a:fld id="{D57F1E4F-1CFF-5643-939E-02111984F565}" type="slidenum">
               <a:rPr lang="en-US" smtClean="0"/>
               <a:t>‹#›</a:t>
@@ -9024,335 +6276,295 @@
           </a:p>
         </p:txBody>
       </p:sp>
+      <p:cxnSp>
+        <p:nvCxnSpPr>
+          <p:cNvPr id="10" name="Straight Connector 9"/>
+          <p:cNvCxnSpPr/>
+          <p:nvPr/>
+        </p:nvCxnSpPr>
+        <p:spPr>
+          <a:xfrm>
+            <a:off x="0" y="4596310"/>
+            <a:ext cx="9144000" cy="0"/>
+          </a:xfrm>
+          <a:prstGeom prst="line">
+            <a:avLst/>
+          </a:prstGeom>
+          <a:ln w="12700">
+            <a:solidFill>
+              <a:srgbClr val="000001">
+                <a:alpha val="20000"/>
+              </a:srgbClr>
+            </a:solidFill>
+          </a:ln>
+        </p:spPr>
+        <p:style>
+          <a:lnRef idx="1">
+            <a:schemeClr val="accent1"/>
+          </a:lnRef>
+          <a:fillRef idx="0">
+            <a:schemeClr val="accent1"/>
+          </a:fillRef>
+          <a:effectRef idx="0">
+            <a:schemeClr val="accent1"/>
+          </a:effectRef>
+          <a:fontRef idx="minor">
+            <a:schemeClr val="tx1"/>
+          </a:fontRef>
+        </p:style>
+      </p:cxnSp>
     </p:spTree>
     <p:extLst>
       <p:ext uri="{BB962C8B-B14F-4D97-AF65-F5344CB8AC3E}">
-        <p14:creationId xmlns:p14="http://schemas.microsoft.com/office/powerpoint/2010/main" val="2478807375"/>
+        <p14:creationId xmlns:p14="http://schemas.microsoft.com/office/powerpoint/2010/main" val="1587907493"/>
       </p:ext>
     </p:extLst>
   </p:cSld>
-  <p:clrMap bg1="dk1" tx1="lt1" bg2="dk2" tx2="lt2" accent1="accent1" accent2="accent2" accent3="accent3" accent4="accent4" accent5="accent5" accent6="accent6" hlink="hlink" folHlink="folHlink"/>
+  <p:clrMap bg1="lt1" tx1="dk1" bg2="lt2" tx2="dk2" accent1="accent1" accent2="accent2" accent3="accent3" accent4="accent4" accent5="accent5" accent6="accent6" hlink="hlink" folHlink="folHlink"/>
   <p:sldLayoutIdLst>
-    <p:sldLayoutId id="2147484103" r:id="rId1"/>
-    <p:sldLayoutId id="2147484104" r:id="rId2"/>
-    <p:sldLayoutId id="2147484105" r:id="rId3"/>
-    <p:sldLayoutId id="2147484106" r:id="rId4"/>
-    <p:sldLayoutId id="2147484107" r:id="rId5"/>
-    <p:sldLayoutId id="2147484108" r:id="rId6"/>
-    <p:sldLayoutId id="2147484109" r:id="rId7"/>
-    <p:sldLayoutId id="2147484110" r:id="rId8"/>
-    <p:sldLayoutId id="2147484111" r:id="rId9"/>
-    <p:sldLayoutId id="2147484112" r:id="rId10"/>
-    <p:sldLayoutId id="2147484113" r:id="rId11"/>
-    <p:sldLayoutId id="2147484114" r:id="rId12"/>
-    <p:sldLayoutId id="2147484115" r:id="rId13"/>
-    <p:sldLayoutId id="2147484116" r:id="rId14"/>
-    <p:sldLayoutId id="2147484117" r:id="rId15"/>
-    <p:sldLayoutId id="2147484118" r:id="rId16"/>
-    <p:sldLayoutId id="2147484119" r:id="rId17"/>
-    <p:sldLayoutId id="2147484120" r:id="rId18"/>
-    <p:sldLayoutId id="2147484121" r:id="rId19"/>
-    <p:sldLayoutId id="2147484122" r:id="rId20"/>
-    <p:sldLayoutId id="2147484123" r:id="rId21"/>
+    <p:sldLayoutId id="2147484125" r:id="rId1"/>
+    <p:sldLayoutId id="2147484126" r:id="rId2"/>
+    <p:sldLayoutId id="2147484127" r:id="rId3"/>
+    <p:sldLayoutId id="2147484128" r:id="rId4"/>
+    <p:sldLayoutId id="2147484129" r:id="rId5"/>
+    <p:sldLayoutId id="2147484130" r:id="rId6"/>
+    <p:sldLayoutId id="2147484131" r:id="rId7"/>
+    <p:sldLayoutId id="2147484132" r:id="rId8"/>
+    <p:sldLayoutId id="2147484133" r:id="rId9"/>
+    <p:sldLayoutId id="2147484134" r:id="rId10"/>
+    <p:sldLayoutId id="2147484135" r:id="rId11"/>
+    <p:sldLayoutId id="2147484136" r:id="rId12"/>
+    <p:sldLayoutId id="2147484138" r:id="rId13"/>
+    <p:sldLayoutId id="2147484139" r:id="rId14"/>
   </p:sldLayoutIdLst>
   <p:hf sldNum="0" hdr="0" ftr="0" dt="0"/>
   <p:txStyles>
     <p:titleStyle>
-      <a:lvl1pPr algn="l" defTabSz="342900" rtl="0" eaLnBrk="1" latinLnBrk="0" hangingPunct="1">
+      <a:lvl1pPr algn="l" defTabSz="685800" rtl="0" eaLnBrk="1" latinLnBrk="0" hangingPunct="1">
+        <a:lnSpc>
+          <a:spcPct val="90000"/>
+        </a:lnSpc>
         <a:spcBef>
           <a:spcPct val="0"/>
         </a:spcBef>
         <a:buNone/>
-        <a:defRPr sz="3150" b="0" i="0" kern="1200">
+        <a:defRPr sz="2400" b="0" i="0" kern="1200" cap="all">
           <a:solidFill>
-            <a:schemeClr val="tx2"/>
+            <a:schemeClr val="tx1"/>
           </a:solidFill>
+          <a:effectLst/>
           <a:latin typeface="+mj-lt"/>
           <a:ea typeface="+mj-ea"/>
           <a:cs typeface="+mj-cs"/>
         </a:defRPr>
       </a:lvl1pPr>
-      <a:lvl2pPr eaLnBrk="1" hangingPunct="1">
-        <a:defRPr>
-          <a:solidFill>
-            <a:schemeClr val="tx2"/>
-          </a:solidFill>
-        </a:defRPr>
-      </a:lvl2pPr>
-      <a:lvl3pPr eaLnBrk="1" hangingPunct="1">
-        <a:defRPr>
-          <a:solidFill>
-            <a:schemeClr val="tx2"/>
-          </a:solidFill>
-        </a:defRPr>
-      </a:lvl3pPr>
-      <a:lvl4pPr eaLnBrk="1" hangingPunct="1">
-        <a:defRPr>
-          <a:solidFill>
-            <a:schemeClr val="tx2"/>
-          </a:solidFill>
-        </a:defRPr>
-      </a:lvl4pPr>
-      <a:lvl5pPr eaLnBrk="1" hangingPunct="1">
-        <a:defRPr>
-          <a:solidFill>
-            <a:schemeClr val="tx2"/>
-          </a:solidFill>
-        </a:defRPr>
-      </a:lvl5pPr>
-      <a:lvl6pPr eaLnBrk="1" hangingPunct="1">
-        <a:defRPr>
-          <a:solidFill>
-            <a:schemeClr val="tx2"/>
-          </a:solidFill>
-        </a:defRPr>
-      </a:lvl6pPr>
-      <a:lvl7pPr eaLnBrk="1" hangingPunct="1">
-        <a:defRPr>
-          <a:solidFill>
-            <a:schemeClr val="tx2"/>
-          </a:solidFill>
-        </a:defRPr>
-      </a:lvl7pPr>
-      <a:lvl8pPr eaLnBrk="1" hangingPunct="1">
-        <a:defRPr>
-          <a:solidFill>
-            <a:schemeClr val="tx2"/>
-          </a:solidFill>
-        </a:defRPr>
-      </a:lvl8pPr>
-      <a:lvl9pPr eaLnBrk="1" hangingPunct="1">
-        <a:defRPr>
-          <a:solidFill>
-            <a:schemeClr val="tx2"/>
-          </a:solidFill>
-        </a:defRPr>
-      </a:lvl9pPr>
     </p:titleStyle>
     <p:bodyStyle>
-      <a:lvl1pPr marL="257175" indent="-257175" algn="l" defTabSz="342900" rtl="0" eaLnBrk="1" latinLnBrk="0" hangingPunct="1">
+      <a:lvl1pPr marL="171450" indent="-171450" algn="l" defTabSz="685800" rtl="0" eaLnBrk="1" latinLnBrk="0" hangingPunct="1">
+        <a:lnSpc>
+          <a:spcPct val="120000"/>
+        </a:lnSpc>
         <a:spcBef>
           <a:spcPts val="750"/>
         </a:spcBef>
-        <a:spcAft>
-          <a:spcPts val="0"/>
-        </a:spcAft>
         <a:buClr>
-          <a:schemeClr val="bg2">
-            <a:lumMod val="40000"/>
-            <a:lumOff val="60000"/>
-          </a:schemeClr>
+          <a:schemeClr val="accent1"/>
         </a:buClr>
-        <a:buSzPct val="80000"/>
-        <a:buFont typeface="Wingdings 3" charset="2"/>
-        <a:buChar char=""/>
-        <a:defRPr sz="1500" b="0" i="0" kern="1200">
+        <a:buSzPct val="100000"/>
+        <a:buFont typeface="Arial" panose="020B0604020202020204" pitchFamily="34" charset="0"/>
+        <a:buChar char="•"/>
+        <a:defRPr sz="1500" kern="1200">
           <a:solidFill>
             <a:schemeClr val="tx1"/>
           </a:solidFill>
-          <a:latin typeface="+mj-lt"/>
-          <a:ea typeface="+mj-ea"/>
-          <a:cs typeface="+mj-cs"/>
+          <a:effectLst/>
+          <a:latin typeface="+mn-lt"/>
+          <a:ea typeface="+mn-ea"/>
+          <a:cs typeface="+mn-cs"/>
         </a:defRPr>
       </a:lvl1pPr>
-      <a:lvl2pPr marL="557213" indent="-214313" algn="l" defTabSz="342900" rtl="0" eaLnBrk="1" latinLnBrk="0" hangingPunct="1">
+      <a:lvl2pPr marL="514350" indent="-171450" algn="l" defTabSz="685800" rtl="0" eaLnBrk="1" latinLnBrk="0" hangingPunct="1">
+        <a:lnSpc>
+          <a:spcPct val="120000"/>
+        </a:lnSpc>
         <a:spcBef>
-          <a:spcPts val="750"/>
+          <a:spcPts val="375"/>
         </a:spcBef>
-        <a:spcAft>
-          <a:spcPts val="0"/>
-        </a:spcAft>
         <a:buClr>
-          <a:schemeClr val="bg2">
-            <a:lumMod val="40000"/>
-            <a:lumOff val="60000"/>
-          </a:schemeClr>
+          <a:schemeClr val="accent1"/>
         </a:buClr>
-        <a:buSzPct val="80000"/>
-        <a:buFont typeface="Wingdings 3" charset="2"/>
-        <a:buChar char=""/>
-        <a:defRPr sz="1350" b="0" i="0" kern="1200">
+        <a:buSzPct val="100000"/>
+        <a:buFont typeface="Arial" panose="020B0604020202020204" pitchFamily="34" charset="0"/>
+        <a:buChar char="•"/>
+        <a:defRPr sz="1350" kern="1200" cap="none" baseline="0">
           <a:solidFill>
             <a:schemeClr val="tx1"/>
           </a:solidFill>
-          <a:latin typeface="+mj-lt"/>
-          <a:ea typeface="+mj-ea"/>
-          <a:cs typeface="+mj-cs"/>
+          <a:effectLst/>
+          <a:latin typeface="+mn-lt"/>
+          <a:ea typeface="+mn-ea"/>
+          <a:cs typeface="+mn-cs"/>
         </a:defRPr>
       </a:lvl2pPr>
-      <a:lvl3pPr marL="857250" indent="-171450" algn="l" defTabSz="342900" rtl="0" eaLnBrk="1" latinLnBrk="0" hangingPunct="1">
+      <a:lvl3pPr marL="857250" indent="-171450" algn="l" defTabSz="685800" rtl="0" eaLnBrk="1" latinLnBrk="0" hangingPunct="1">
+        <a:lnSpc>
+          <a:spcPct val="120000"/>
+        </a:lnSpc>
         <a:spcBef>
-          <a:spcPts val="750"/>
+          <a:spcPts val="375"/>
         </a:spcBef>
-        <a:spcAft>
-          <a:spcPts val="0"/>
-        </a:spcAft>
         <a:buClr>
-          <a:schemeClr val="bg2">
-            <a:lumMod val="40000"/>
-            <a:lumOff val="60000"/>
-          </a:schemeClr>
+          <a:schemeClr val="accent1"/>
         </a:buClr>
-        <a:buSzPct val="80000"/>
-        <a:buFont typeface="Wingdings 3" charset="2"/>
-        <a:buChar char=""/>
-        <a:defRPr sz="1200" b="0" i="0" kern="1200">
+        <a:buSzPct val="100000"/>
+        <a:buFont typeface="Arial" panose="020B0604020202020204" pitchFamily="34" charset="0"/>
+        <a:buChar char="•"/>
+        <a:defRPr sz="1200" kern="1200">
           <a:solidFill>
             <a:schemeClr val="tx1"/>
           </a:solidFill>
-          <a:latin typeface="+mj-lt"/>
-          <a:ea typeface="+mj-ea"/>
-          <a:cs typeface="+mj-cs"/>
+          <a:effectLst/>
+          <a:latin typeface="+mn-lt"/>
+          <a:ea typeface="+mn-ea"/>
+          <a:cs typeface="+mn-cs"/>
         </a:defRPr>
       </a:lvl3pPr>
-      <a:lvl4pPr marL="1200150" indent="-171450" algn="l" defTabSz="342900" rtl="0" eaLnBrk="1" latinLnBrk="0" hangingPunct="1">
+      <a:lvl4pPr marL="1200150" indent="-171450" algn="l" defTabSz="685800" rtl="0" eaLnBrk="1" latinLnBrk="0" hangingPunct="1">
+        <a:lnSpc>
+          <a:spcPct val="120000"/>
+        </a:lnSpc>
         <a:spcBef>
-          <a:spcPts val="750"/>
+          <a:spcPts val="375"/>
         </a:spcBef>
-        <a:spcAft>
-          <a:spcPts val="0"/>
-        </a:spcAft>
         <a:buClr>
-          <a:schemeClr val="bg2">
-            <a:lumMod val="40000"/>
-            <a:lumOff val="60000"/>
-          </a:schemeClr>
+          <a:schemeClr val="accent1"/>
         </a:buClr>
-        <a:buSzPct val="80000"/>
-        <a:buFont typeface="Wingdings 3" charset="2"/>
-        <a:buChar char=""/>
-        <a:defRPr sz="1050" b="0" i="0" kern="1200">
+        <a:buSzPct val="100000"/>
+        <a:buFont typeface="Arial" panose="020B0604020202020204" pitchFamily="34" charset="0"/>
+        <a:buChar char="•"/>
+        <a:defRPr sz="1050" kern="1200" cap="none" baseline="0">
           <a:solidFill>
             <a:schemeClr val="tx1"/>
           </a:solidFill>
-          <a:latin typeface="+mj-lt"/>
-          <a:ea typeface="+mj-ea"/>
-          <a:cs typeface="+mj-cs"/>
+          <a:effectLst/>
+          <a:latin typeface="+mn-lt"/>
+          <a:ea typeface="+mn-ea"/>
+          <a:cs typeface="+mn-cs"/>
         </a:defRPr>
       </a:lvl4pPr>
-      <a:lvl5pPr marL="1543050" indent="-171450" algn="l" defTabSz="342900" rtl="0" eaLnBrk="1" latinLnBrk="0" hangingPunct="1">
+      <a:lvl5pPr marL="1543050" indent="-171450" algn="l" defTabSz="685800" rtl="0" eaLnBrk="1" latinLnBrk="0" hangingPunct="1">
+        <a:lnSpc>
+          <a:spcPct val="120000"/>
+        </a:lnSpc>
         <a:spcBef>
-          <a:spcPts val="750"/>
+          <a:spcPts val="375"/>
         </a:spcBef>
-        <a:spcAft>
-          <a:spcPts val="0"/>
-        </a:spcAft>
         <a:buClr>
-          <a:schemeClr val="bg2">
-            <a:lumMod val="40000"/>
-            <a:lumOff val="60000"/>
-          </a:schemeClr>
+          <a:schemeClr val="accent1"/>
         </a:buClr>
-        <a:buSzPct val="80000"/>
-        <a:buFont typeface="Wingdings 3" charset="2"/>
-        <a:buChar char=""/>
-        <a:defRPr sz="1050" b="0" i="0" kern="1200">
+        <a:buSzPct val="100000"/>
+        <a:buFont typeface="Arial" panose="020B0604020202020204" pitchFamily="34" charset="0"/>
+        <a:buChar char="•"/>
+        <a:defRPr sz="900" kern="1200">
           <a:solidFill>
             <a:schemeClr val="tx1"/>
           </a:solidFill>
-          <a:latin typeface="+mj-lt"/>
-          <a:ea typeface="+mj-ea"/>
-          <a:cs typeface="+mj-cs"/>
+          <a:effectLst/>
+          <a:latin typeface="+mn-lt"/>
+          <a:ea typeface="+mn-ea"/>
+          <a:cs typeface="+mn-cs"/>
         </a:defRPr>
       </a:lvl5pPr>
-      <a:lvl6pPr marL="1879500" indent="-171450" algn="l" defTabSz="342900" rtl="0" eaLnBrk="1" latinLnBrk="0" hangingPunct="1">
+      <a:lvl6pPr marL="1885950" indent="-171450" algn="l" defTabSz="685800" rtl="0" eaLnBrk="1" latinLnBrk="0" hangingPunct="1">
+        <a:lnSpc>
+          <a:spcPct val="120000"/>
+        </a:lnSpc>
         <a:spcBef>
-          <a:spcPts val="750"/>
+          <a:spcPts val="375"/>
         </a:spcBef>
-        <a:spcAft>
-          <a:spcPts val="0"/>
-        </a:spcAft>
         <a:buClr>
-          <a:schemeClr val="bg2">
-            <a:lumMod val="40000"/>
-            <a:lumOff val="60000"/>
-          </a:schemeClr>
+          <a:schemeClr val="accent1"/>
         </a:buClr>
-        <a:buSzPct val="80000"/>
-        <a:buFont typeface="Wingdings 3" charset="2"/>
-        <a:buChar char=""/>
-        <a:defRPr sz="1050" b="0" i="0" kern="1200">
+        <a:buSzPct val="100000"/>
+        <a:buFont typeface="Arial" panose="020B0604020202020204" pitchFamily="34" charset="0"/>
+        <a:buChar char="•"/>
+        <a:defRPr sz="900" kern="1200">
           <a:solidFill>
             <a:schemeClr val="tx1"/>
           </a:solidFill>
-          <a:latin typeface="+mj-lt"/>
-          <a:ea typeface="+mj-ea"/>
-          <a:cs typeface="+mj-cs"/>
+          <a:effectLst/>
+          <a:latin typeface="+mn-lt"/>
+          <a:ea typeface="+mn-ea"/>
+          <a:cs typeface="+mn-cs"/>
         </a:defRPr>
       </a:lvl6pPr>
-      <a:lvl7pPr marL="2228850" indent="-171450" algn="l" defTabSz="342900" rtl="0" eaLnBrk="1" latinLnBrk="0" hangingPunct="1">
+      <a:lvl7pPr marL="2228850" indent="-171450" algn="l" defTabSz="685800" rtl="0" eaLnBrk="1" latinLnBrk="0" hangingPunct="1">
+        <a:lnSpc>
+          <a:spcPct val="120000"/>
+        </a:lnSpc>
         <a:spcBef>
-          <a:spcPts val="750"/>
+          <a:spcPts val="375"/>
         </a:spcBef>
-        <a:spcAft>
-          <a:spcPts val="0"/>
-        </a:spcAft>
         <a:buClr>
-          <a:schemeClr val="bg2">
-            <a:lumMod val="40000"/>
-            <a:lumOff val="60000"/>
-          </a:schemeClr>
+          <a:schemeClr val="accent1"/>
         </a:buClr>
-        <a:buSzPct val="80000"/>
-        <a:buFont typeface="Wingdings 3" charset="2"/>
-        <a:buChar char=""/>
-        <a:defRPr sz="1050" b="0" i="0" kern="1200">
+        <a:buSzPct val="100000"/>
+        <a:buFont typeface="Arial" panose="020B0604020202020204" pitchFamily="34" charset="0"/>
+        <a:buChar char="•"/>
+        <a:defRPr sz="900" kern="1200">
           <a:solidFill>
             <a:schemeClr val="tx1"/>
           </a:solidFill>
-          <a:latin typeface="+mj-lt"/>
-          <a:ea typeface="+mj-ea"/>
-          <a:cs typeface="+mj-cs"/>
+          <a:effectLst/>
+          <a:latin typeface="+mn-lt"/>
+          <a:ea typeface="+mn-ea"/>
+          <a:cs typeface="+mn-cs"/>
         </a:defRPr>
       </a:lvl7pPr>
-      <a:lvl8pPr marL="2571750" indent="-171450" algn="l" defTabSz="342900" rtl="0" eaLnBrk="1" latinLnBrk="0" hangingPunct="1">
+      <a:lvl8pPr marL="2571750" indent="-171450" algn="l" defTabSz="685800" rtl="0" eaLnBrk="1" latinLnBrk="0" hangingPunct="1">
+        <a:lnSpc>
+          <a:spcPct val="120000"/>
+        </a:lnSpc>
         <a:spcBef>
-          <a:spcPts val="750"/>
+          <a:spcPts val="375"/>
         </a:spcBef>
-        <a:spcAft>
-          <a:spcPts val="0"/>
-        </a:spcAft>
         <a:buClr>
-          <a:schemeClr val="bg2">
-            <a:lumMod val="40000"/>
-            <a:lumOff val="60000"/>
-          </a:schemeClr>
+          <a:schemeClr val="accent1"/>
         </a:buClr>
-        <a:buSzPct val="80000"/>
-        <a:buFont typeface="Wingdings 3" charset="2"/>
-        <a:buChar char=""/>
-        <a:defRPr sz="1050" b="0" i="0" kern="1200">
+        <a:buSzPct val="100000"/>
+        <a:buFont typeface="Arial" panose="020B0604020202020204" pitchFamily="34" charset="0"/>
+        <a:buChar char="•"/>
+        <a:defRPr sz="900" kern="1200" baseline="0">
           <a:solidFill>
             <a:schemeClr val="tx1"/>
           </a:solidFill>
-          <a:latin typeface="+mj-lt"/>
-          <a:ea typeface="+mj-ea"/>
-          <a:cs typeface="+mj-cs"/>
+          <a:effectLst/>
+          <a:latin typeface="+mn-lt"/>
+          <a:ea typeface="+mn-ea"/>
+          <a:cs typeface="+mn-cs"/>
         </a:defRPr>
       </a:lvl8pPr>
-      <a:lvl9pPr marL="2914650" indent="-171450" algn="l" defTabSz="342900" rtl="0" eaLnBrk="1" latinLnBrk="0" hangingPunct="1">
+      <a:lvl9pPr marL="2914650" indent="-171450" algn="l" defTabSz="685800" rtl="0" eaLnBrk="1" latinLnBrk="0" hangingPunct="1">
+        <a:lnSpc>
+          <a:spcPct val="120000"/>
+        </a:lnSpc>
         <a:spcBef>
-          <a:spcPts val="750"/>
+          <a:spcPts val="375"/>
         </a:spcBef>
-        <a:spcAft>
-          <a:spcPts val="0"/>
-        </a:spcAft>
         <a:buClr>
-          <a:schemeClr val="bg2">
-            <a:lumMod val="40000"/>
-            <a:lumOff val="60000"/>
-          </a:schemeClr>
+          <a:schemeClr val="accent1"/>
         </a:buClr>
-        <a:buSzPct val="80000"/>
-        <a:buFont typeface="Wingdings 3" charset="2"/>
-        <a:buChar char=""/>
-        <a:defRPr sz="1050" b="0" i="0" kern="1200">
+        <a:buSzPct val="100000"/>
+        <a:buFont typeface="Arial" panose="020B0604020202020204" pitchFamily="34" charset="0"/>
+        <a:buChar char="•"/>
+        <a:defRPr sz="900" kern="1200" baseline="0">
           <a:solidFill>
             <a:schemeClr val="tx1"/>
           </a:solidFill>
-          <a:latin typeface="+mj-lt"/>
-          <a:ea typeface="+mj-ea"/>
-          <a:cs typeface="+mj-cs"/>
+          <a:effectLst/>
+          <a:latin typeface="+mn-lt"/>
+          <a:ea typeface="+mn-ea"/>
+          <a:cs typeface="+mn-cs"/>
         </a:defRPr>
       </a:lvl9pPr>
     </p:bodyStyle>
@@ -9360,7 +6572,7 @@
       <a:defPPr>
         <a:defRPr lang="en-US"/>
       </a:defPPr>
-      <a:lvl1pPr marL="0" algn="l" defTabSz="342900" rtl="0" eaLnBrk="1" latinLnBrk="0" hangingPunct="1">
+      <a:lvl1pPr marL="0" algn="l" defTabSz="685800" rtl="0" eaLnBrk="1" latinLnBrk="0" hangingPunct="1">
         <a:defRPr sz="1350" kern="1200">
           <a:solidFill>
             <a:schemeClr val="tx1"/>
@@ -9370,7 +6582,7 @@
           <a:cs typeface="+mn-cs"/>
         </a:defRPr>
       </a:lvl1pPr>
-      <a:lvl2pPr marL="342900" algn="l" defTabSz="342900" rtl="0" eaLnBrk="1" latinLnBrk="0" hangingPunct="1">
+      <a:lvl2pPr marL="342900" algn="l" defTabSz="685800" rtl="0" eaLnBrk="1" latinLnBrk="0" hangingPunct="1">
         <a:defRPr sz="1350" kern="1200">
           <a:solidFill>
             <a:schemeClr val="tx1"/>
@@ -9380,7 +6592,7 @@
           <a:cs typeface="+mn-cs"/>
         </a:defRPr>
       </a:lvl2pPr>
-      <a:lvl3pPr marL="685800" algn="l" defTabSz="342900" rtl="0" eaLnBrk="1" latinLnBrk="0" hangingPunct="1">
+      <a:lvl3pPr marL="685800" algn="l" defTabSz="685800" rtl="0" eaLnBrk="1" latinLnBrk="0" hangingPunct="1">
         <a:defRPr sz="1350" kern="1200">
           <a:solidFill>
             <a:schemeClr val="tx1"/>
@@ -9390,7 +6602,7 @@
           <a:cs typeface="+mn-cs"/>
         </a:defRPr>
       </a:lvl3pPr>
-      <a:lvl4pPr marL="1028700" algn="l" defTabSz="342900" rtl="0" eaLnBrk="1" latinLnBrk="0" hangingPunct="1">
+      <a:lvl4pPr marL="1028700" algn="l" defTabSz="685800" rtl="0" eaLnBrk="1" latinLnBrk="0" hangingPunct="1">
         <a:defRPr sz="1350" kern="1200">
           <a:solidFill>
             <a:schemeClr val="tx1"/>
@@ -9400,7 +6612,7 @@
           <a:cs typeface="+mn-cs"/>
         </a:defRPr>
       </a:lvl4pPr>
-      <a:lvl5pPr marL="1371600" algn="l" defTabSz="342900" rtl="0" eaLnBrk="1" latinLnBrk="0" hangingPunct="1">
+      <a:lvl5pPr marL="1371600" algn="l" defTabSz="685800" rtl="0" eaLnBrk="1" latinLnBrk="0" hangingPunct="1">
         <a:defRPr sz="1350" kern="1200">
           <a:solidFill>
             <a:schemeClr val="tx1"/>
@@ -9410,7 +6622,7 @@
           <a:cs typeface="+mn-cs"/>
         </a:defRPr>
       </a:lvl5pPr>
-      <a:lvl6pPr marL="1714500" algn="l" defTabSz="342900" rtl="0" eaLnBrk="1" latinLnBrk="0" hangingPunct="1">
+      <a:lvl6pPr marL="1714500" algn="l" defTabSz="685800" rtl="0" eaLnBrk="1" latinLnBrk="0" hangingPunct="1">
         <a:defRPr sz="1350" kern="1200">
           <a:solidFill>
             <a:schemeClr val="tx1"/>
@@ -9420,7 +6632,7 @@
           <a:cs typeface="+mn-cs"/>
         </a:defRPr>
       </a:lvl6pPr>
-      <a:lvl7pPr marL="2057400" algn="l" defTabSz="342900" rtl="0" eaLnBrk="1" latinLnBrk="0" hangingPunct="1">
+      <a:lvl7pPr marL="2057400" algn="l" defTabSz="685800" rtl="0" eaLnBrk="1" latinLnBrk="0" hangingPunct="1">
         <a:defRPr sz="1350" kern="1200">
           <a:solidFill>
             <a:schemeClr val="tx1"/>
@@ -9430,7 +6642,7 @@
           <a:cs typeface="+mn-cs"/>
         </a:defRPr>
       </a:lvl7pPr>
-      <a:lvl8pPr marL="2400300" algn="l" defTabSz="342900" rtl="0" eaLnBrk="1" latinLnBrk="0" hangingPunct="1">
+      <a:lvl8pPr marL="2400300" algn="l" defTabSz="685800" rtl="0" eaLnBrk="1" latinLnBrk="0" hangingPunct="1">
         <a:defRPr sz="1350" kern="1200">
           <a:solidFill>
             <a:schemeClr val="tx1"/>
@@ -9440,7 +6652,7 @@
           <a:cs typeface="+mn-cs"/>
         </a:defRPr>
       </a:lvl8pPr>
-      <a:lvl9pPr marL="2743200" algn="l" defTabSz="342900" rtl="0" eaLnBrk="1" latinLnBrk="0" hangingPunct="1">
+      <a:lvl9pPr marL="2743200" algn="l" defTabSz="685800" rtl="0" eaLnBrk="1" latinLnBrk="0" hangingPunct="1">
         <a:defRPr sz="1350" kern="1200">
           <a:solidFill>
             <a:schemeClr val="tx1"/>
@@ -9503,8 +6715,15 @@
               <a:buNone/>
             </a:pPr>
             <a:r>
-              <a:rPr lang="en" dirty="0"/>
-              <a:t>“fil rouge” presentation</a:t>
+              <a:rPr lang="fr" dirty="0"/>
+              <a:t>présentation </a:t>
+            </a:r>
+            <a:br>
+              <a:rPr lang="fr" dirty="0"/>
+            </a:br>
+            <a:r>
+              <a:rPr lang="fr" dirty="0"/>
+              <a:t>kleider 1933</a:t>
             </a:r>
             <a:endParaRPr dirty="0"/>
           </a:p>
@@ -9541,8 +6760,8 @@
               <a:buNone/>
             </a:pPr>
             <a:r>
-              <a:rPr lang="en" dirty="0"/>
-              <a:t>By Kamal Rhrabla</a:t>
+              <a:rPr lang="fr" dirty="0"/>
+              <a:t>Par Kamal Rhrabla</a:t>
             </a:r>
             <a:endParaRPr dirty="0"/>
           </a:p>
@@ -9557,161 +6776,6 @@
 </file>
 
 <file path=ppt/slides/slide10.xml><?xml version="1.0" encoding="utf-8"?>
-<p:sld xmlns:a="http://schemas.openxmlformats.org/drawingml/2006/main" xmlns:r="http://schemas.openxmlformats.org/officeDocument/2006/relationships" xmlns:p="http://schemas.openxmlformats.org/presentationml/2006/main">
-  <p:cSld>
-    <p:spTree>
-      <p:nvGrpSpPr>
-        <p:cNvPr id="1" name="Shape 1578"/>
-        <p:cNvGrpSpPr/>
-        <p:nvPr/>
-      </p:nvGrpSpPr>
-      <p:grpSpPr>
-        <a:xfrm>
-          <a:off x="0" y="0"/>
-          <a:ext cx="0" cy="0"/>
-          <a:chOff x="0" y="0"/>
-          <a:chExt cx="0" cy="0"/>
-        </a:xfrm>
-      </p:grpSpPr>
-      <p:sp>
-        <p:nvSpPr>
-          <p:cNvPr id="1579" name="Google Shape;1579;p50"/>
-          <p:cNvSpPr txBox="1">
-            <a:spLocks noGrp="1"/>
-          </p:cNvSpPr>
-          <p:nvPr>
-            <p:ph type="body" idx="1"/>
-          </p:nvPr>
-        </p:nvSpPr>
-        <p:spPr>
-          <a:xfrm>
-            <a:off x="720000" y="1327400"/>
-            <a:ext cx="5699100" cy="3166200"/>
-          </a:xfrm>
-          <a:prstGeom prst="rect">
-            <a:avLst/>
-          </a:prstGeom>
-        </p:spPr>
-        <p:txBody>
-          <a:bodyPr spcFirstLastPara="1" wrap="square" lIns="91425" tIns="91425" rIns="91425" bIns="91425" anchor="t" anchorCtr="0">
-            <a:normAutofit/>
-          </a:bodyPr>
-          <a:lstStyle/>
-          <a:p>
-            <a:pPr marL="457200" lvl="0" indent="-317500" algn="l" rtl="0">
-              <a:spcBef>
-                <a:spcPts val="0"/>
-              </a:spcBef>
-              <a:spcAft>
-                <a:spcPts val="0"/>
-              </a:spcAft>
-              <a:buSzPts val="1400"/>
-              <a:buAutoNum type="arabicPeriod"/>
-            </a:pPr>
-            <a:r>
-              <a:rPr lang="fr-MA" dirty="0"/>
-              <a:t>U</a:t>
-            </a:r>
-            <a:r>
-              <a:rPr lang="en" dirty="0"/>
-              <a:t>se case diagram</a:t>
-            </a:r>
-            <a:endParaRPr dirty="0"/>
-          </a:p>
-          <a:p>
-            <a:pPr marL="457200" lvl="0" indent="-317500" algn="l" rtl="0">
-              <a:spcBef>
-                <a:spcPts val="0"/>
-              </a:spcBef>
-              <a:spcAft>
-                <a:spcPts val="0"/>
-              </a:spcAft>
-              <a:buSzPts val="1400"/>
-              <a:buAutoNum type="arabicPeriod"/>
-            </a:pPr>
-            <a:r>
-              <a:rPr lang="fr-MA" dirty="0"/>
-              <a:t>C</a:t>
-            </a:r>
-            <a:r>
-              <a:rPr lang="en" dirty="0"/>
-              <a:t>lasses diagram</a:t>
-            </a:r>
-          </a:p>
-          <a:p>
-            <a:pPr marL="457200" lvl="0" indent="-317500" algn="l" rtl="0">
-              <a:spcBef>
-                <a:spcPts val="0"/>
-              </a:spcBef>
-              <a:spcAft>
-                <a:spcPts val="0"/>
-              </a:spcAft>
-              <a:buSzPts val="1400"/>
-              <a:buAutoNum type="arabicPeriod"/>
-            </a:pPr>
-            <a:r>
-              <a:rPr lang="fr-MA" dirty="0" err="1"/>
-              <a:t>Sequence</a:t>
-            </a:r>
-            <a:r>
-              <a:rPr lang="en" dirty="0"/>
-              <a:t> diagram</a:t>
-            </a:r>
-            <a:endParaRPr dirty="0"/>
-          </a:p>
-        </p:txBody>
-      </p:sp>
-      <p:sp>
-        <p:nvSpPr>
-          <p:cNvPr id="1580" name="Google Shape;1580;p50"/>
-          <p:cNvSpPr txBox="1">
-            <a:spLocks noGrp="1"/>
-          </p:cNvSpPr>
-          <p:nvPr>
-            <p:ph type="title"/>
-          </p:nvPr>
-        </p:nvSpPr>
-        <p:spPr>
-          <a:prstGeom prst="rect">
-            <a:avLst/>
-          </a:prstGeom>
-        </p:spPr>
-        <p:txBody>
-          <a:bodyPr spcFirstLastPara="1" wrap="square" lIns="91425" tIns="91425" rIns="91425" bIns="91425" anchor="ctr" anchorCtr="0">
-            <a:normAutofit fontScale="90000"/>
-          </a:bodyPr>
-          <a:lstStyle/>
-          <a:p>
-            <a:pPr marL="0" lvl="0" indent="0" algn="l" rtl="0">
-              <a:spcBef>
-                <a:spcPts val="0"/>
-              </a:spcBef>
-              <a:spcAft>
-                <a:spcPts val="0"/>
-              </a:spcAft>
-              <a:buNone/>
-            </a:pPr>
-            <a:r>
-              <a:rPr lang="fr-MA" dirty="0"/>
-              <a:t>Design and Modeling (</a:t>
-            </a:r>
-            <a:r>
-              <a:rPr lang="en" dirty="0"/>
-              <a:t>UML) : </a:t>
-            </a:r>
-            <a:endParaRPr dirty="0"/>
-          </a:p>
-        </p:txBody>
-      </p:sp>
-    </p:spTree>
-  </p:cSld>
-  <p:clrMapOvr>
-    <a:masterClrMapping/>
-  </p:clrMapOvr>
-</p:sld>
-</file>
-
-<file path=ppt/slides/slide11.xml><?xml version="1.0" encoding="utf-8"?>
 <p:sld xmlns:a="http://schemas.openxmlformats.org/drawingml/2006/main" xmlns:r="http://schemas.openxmlformats.org/officeDocument/2006/relationships" xmlns:p="http://schemas.openxmlformats.org/presentationml/2006/main">
   <p:cSld>
     <p:spTree>
@@ -9750,8 +6814,12 @@
           <a:lstStyle/>
           <a:p>
             <a:r>
-              <a:rPr lang="fr-MA" dirty="0" err="1"/>
-              <a:t>Ingredients</a:t>
+              <a:rPr lang="fr-MA" dirty="0"/>
+              <a:t>L</a:t>
+            </a:r>
+            <a:r>
+              <a:rPr lang="fr" dirty="0"/>
+              <a:t>es interfaces</a:t>
             </a:r>
             <a:br>
               <a:rPr lang="fr-MA" dirty="0"/>
@@ -9768,7 +6836,7 @@
 </p:sld>
 </file>
 
-<file path=ppt/slides/slide12.xml><?xml version="1.0" encoding="utf-8"?>
+<file path=ppt/slides/slide11.xml><?xml version="1.0" encoding="utf-8"?>
 <p:sld xmlns:a="http://schemas.openxmlformats.org/drawingml/2006/main" xmlns:r="http://schemas.openxmlformats.org/officeDocument/2006/relationships" xmlns:p="http://schemas.openxmlformats.org/presentationml/2006/main">
   <p:cSld>
     <p:spTree>
@@ -9821,16 +6889,16 @@
               <a:buNone/>
             </a:pPr>
             <a:r>
-              <a:rPr lang="fr-FR" dirty="0"/>
-              <a:t>HOME,PRODUCTS(</a:t>
-            </a:r>
-            <a:r>
-              <a:rPr lang="fr-FR" dirty="0" err="1"/>
-              <a:t>men,women,kid</a:t>
-            </a:r>
-            <a:r>
-              <a:rPr lang="fr-FR" dirty="0"/>
-              <a:t>),DETAIS,LOGIN,REGISTER</a:t>
+              <a:rPr lang="fr" dirty="0"/>
+              <a:t>ACCUEIL, PRODUITS ( </a:t>
+            </a:r>
+            <a:r>
+              <a:rPr lang="fr" dirty="0" err="1"/>
+              <a:t>hommes, femmes, enfants </a:t>
+            </a:r>
+            <a:r>
+              <a:rPr lang="fr" dirty="0"/>
+              <a:t>), DÉTAILS, CONNEXION, ENREGISTREMENT</a:t>
             </a:r>
             <a:endParaRPr dirty="0"/>
           </a:p>
@@ -9853,7 +6921,7 @@
         </p:spPr>
         <p:txBody>
           <a:bodyPr spcFirstLastPara="1" wrap="square" lIns="91425" tIns="91425" rIns="91425" bIns="91425" anchor="ctr" anchorCtr="0">
-            <a:normAutofit fontScale="90000"/>
+            <a:normAutofit/>
           </a:bodyPr>
           <a:lstStyle/>
           <a:p>
@@ -9867,8 +6935,8 @@
               <a:buNone/>
             </a:pPr>
             <a:r>
-              <a:rPr lang="fr-FR" dirty="0"/>
-              <a:t>User interfaces</a:t>
+              <a:rPr lang="fr" dirty="0"/>
+              <a:t>Les interfaces des utilisateurs</a:t>
             </a:r>
             <a:endParaRPr lang="fr-MA" dirty="0"/>
           </a:p>
@@ -9882,7 +6950,7 @@
 </p:sld>
 </file>
 
-<file path=ppt/slides/slide13.xml><?xml version="1.0" encoding="utf-8"?>
+<file path=ppt/slides/slide12.xml><?xml version="1.0" encoding="utf-8"?>
 <p:sld xmlns:a="http://schemas.openxmlformats.org/drawingml/2006/main" xmlns:r="http://schemas.openxmlformats.org/officeDocument/2006/relationships" xmlns:p="http://schemas.openxmlformats.org/presentationml/2006/main">
   <p:cSld>
     <p:spTree>
@@ -9934,8 +7002,8 @@
               <a:buNone/>
             </a:pPr>
             <a:r>
-              <a:rPr lang="fr-FR" dirty="0"/>
-              <a:t>PRODUCTS DASHBOARD, ORDERS DASHBOARD, USERS LISTS </a:t>
+              <a:rPr lang="fr" dirty="0"/>
+              <a:t>TABLEAU PRODUITS, TABLEAU DE COMMANDES, LISTES UTILISATEURS</a:t>
             </a:r>
             <a:endParaRPr dirty="0"/>
           </a:p>
@@ -9958,7 +7026,7 @@
         </p:spPr>
         <p:txBody>
           <a:bodyPr spcFirstLastPara="1" wrap="square" lIns="91425" tIns="91425" rIns="91425" bIns="91425" anchor="ctr" anchorCtr="0">
-            <a:normAutofit fontScale="90000"/>
+            <a:normAutofit/>
           </a:bodyPr>
           <a:lstStyle/>
           <a:p>
@@ -9972,8 +7040,8 @@
               <a:buNone/>
             </a:pPr>
             <a:r>
-              <a:rPr lang="en" dirty="0"/>
-              <a:t>Admin interfaces</a:t>
+              <a:rPr lang="fr" dirty="0"/>
+              <a:t>Interfaces d'administration</a:t>
             </a:r>
             <a:endParaRPr dirty="0"/>
           </a:p>
@@ -9987,7 +7055,7 @@
 </p:sld>
 </file>
 
-<file path=ppt/slides/slide14.xml><?xml version="1.0" encoding="utf-8"?>
+<file path=ppt/slides/slide13.xml><?xml version="1.0" encoding="utf-8"?>
 <p:sld xmlns:a="http://schemas.openxmlformats.org/drawingml/2006/main" xmlns:r="http://schemas.openxmlformats.org/officeDocument/2006/relationships" xmlns:p="http://schemas.openxmlformats.org/presentationml/2006/main">
   <p:cSld>
     <p:spTree>
@@ -10039,33 +7107,199 @@
               <a:buNone/>
             </a:pPr>
             <a:r>
-              <a:rPr lang="fr-FR" dirty="0"/>
-              <a:t>Tech </a:t>
-            </a:r>
-            <a:r>
-              <a:rPr lang="fr-FR" dirty="0" err="1"/>
-              <a:t>used</a:t>
-            </a:r>
-            <a:r>
-              <a:rPr lang="fr-FR" dirty="0"/>
-              <a:t> for </a:t>
-            </a:r>
-            <a:r>
-              <a:rPr lang="fr-FR" dirty="0" err="1"/>
-              <a:t>make</a:t>
-            </a:r>
-            <a:r>
-              <a:rPr lang="fr-FR" dirty="0"/>
-              <a:t> the </a:t>
-            </a:r>
-            <a:r>
-              <a:rPr lang="fr-FR" dirty="0" err="1"/>
-              <a:t>website</a:t>
+              <a:rPr lang="fr" dirty="0"/>
+              <a:t>Technologie </a:t>
+            </a:r>
+            <a:r>
+              <a:rPr lang="fr" dirty="0" err="1"/>
+              <a:t>utilisée </a:t>
+            </a:r>
+            <a:r>
+              <a:rPr lang="fr" dirty="0"/>
+              <a:t>pour </a:t>
+            </a:r>
+            <a:r>
+              <a:rPr lang="fr" dirty="0" err="1"/>
+              <a:t>créer </a:t>
+            </a:r>
+            <a:r>
+              <a:rPr lang="fr" dirty="0"/>
+              <a:t>le </a:t>
+            </a:r>
+            <a:r>
+              <a:rPr lang="fr" dirty="0" err="1"/>
+              <a:t>site Web</a:t>
             </a:r>
             <a:endParaRPr dirty="0"/>
           </a:p>
         </p:txBody>
       </p:sp>
+    </p:spTree>
+  </p:cSld>
+  <p:clrMapOvr>
+    <a:masterClrMapping/>
+  </p:clrMapOvr>
+</p:sld>
+</file>
+
+<file path=ppt/slides/slide14.xml><?xml version="1.0" encoding="utf-8"?>
+<p:sld xmlns:a="http://schemas.openxmlformats.org/drawingml/2006/main" xmlns:r="http://schemas.openxmlformats.org/officeDocument/2006/relationships" xmlns:p="http://schemas.openxmlformats.org/presentationml/2006/main">
+  <p:cSld>
+    <p:spTree>
+      <p:nvGrpSpPr>
+        <p:cNvPr id="1" name="Shape 1618"/>
+        <p:cNvGrpSpPr/>
+        <p:nvPr/>
+      </p:nvGrpSpPr>
+      <p:grpSpPr>
+        <a:xfrm>
+          <a:off x="0" y="0"/>
+          <a:ext cx="0" cy="0"/>
+          <a:chOff x="0" y="0"/>
+          <a:chExt cx="0" cy="0"/>
+        </a:xfrm>
+      </p:grpSpPr>
+      <p:sp>
+        <p:nvSpPr>
+          <p:cNvPr id="1619" name="Google Shape;1619;p57"/>
+          <p:cNvSpPr txBox="1">
+            <a:spLocks noGrp="1"/>
+          </p:cNvSpPr>
+          <p:nvPr>
+            <p:ph type="body" idx="1"/>
+          </p:nvPr>
+        </p:nvSpPr>
+        <p:spPr>
+          <a:xfrm>
+            <a:off x="720000" y="1327400"/>
+            <a:ext cx="5699100" cy="3166200"/>
+          </a:xfrm>
+          <a:prstGeom prst="rect">
+            <a:avLst/>
+          </a:prstGeom>
+        </p:spPr>
+        <p:txBody>
+          <a:bodyPr spcFirstLastPara="1" wrap="square" lIns="91425" tIns="91425" rIns="91425" bIns="91425" anchor="t" anchorCtr="0">
+            <a:normAutofit/>
+          </a:bodyPr>
+          <a:lstStyle/>
+          <a:p>
+            <a:pPr marL="139700" lvl="0" indent="0" algn="l" rtl="0">
+              <a:spcBef>
+                <a:spcPts val="0"/>
+              </a:spcBef>
+              <a:spcAft>
+                <a:spcPts val="0"/>
+              </a:spcAft>
+              <a:buSzPts val="1400"/>
+              <a:buNone/>
+            </a:pPr>
+            <a:r>
+              <a:rPr lang="fr" dirty="0"/>
+              <a:t>HTML,  CSS,  VUE JS</a:t>
+            </a:r>
+            <a:endParaRPr dirty="0"/>
+          </a:p>
+        </p:txBody>
+      </p:sp>
+      <p:sp>
+        <p:nvSpPr>
+          <p:cNvPr id="1620" name="Google Shape;1620;p57"/>
+          <p:cNvSpPr txBox="1">
+            <a:spLocks noGrp="1"/>
+          </p:cNvSpPr>
+          <p:nvPr>
+            <p:ph type="title"/>
+          </p:nvPr>
+        </p:nvSpPr>
+        <p:spPr>
+          <a:prstGeom prst="rect">
+            <a:avLst/>
+          </a:prstGeom>
+        </p:spPr>
+        <p:txBody>
+          <a:bodyPr spcFirstLastPara="1" wrap="square" lIns="91425" tIns="91425" rIns="91425" bIns="91425" anchor="ctr" anchorCtr="0">
+            <a:normAutofit/>
+          </a:bodyPr>
+          <a:lstStyle/>
+          <a:p>
+            <a:pPr marL="0" lvl="0" indent="0" algn="l" rtl="0">
+              <a:spcBef>
+                <a:spcPts val="0"/>
+              </a:spcBef>
+              <a:spcAft>
+                <a:spcPts val="0"/>
+              </a:spcAft>
+              <a:buNone/>
+            </a:pPr>
+            <a:r>
+              <a:rPr lang="fr" dirty="0"/>
+              <a:t>1- Frontend :</a:t>
+            </a:r>
+            <a:endParaRPr dirty="0"/>
+          </a:p>
+        </p:txBody>
+      </p:sp>
+      <p:pic>
+        <p:nvPicPr>
+          <p:cNvPr id="3" name="Picture 2" descr="A picture containing logo&#10;&#10;Description automatically generated">
+            <a:extLst>
+              <a:ext uri="{FF2B5EF4-FFF2-40B4-BE49-F238E27FC236}">
+                <a16:creationId xmlns:a16="http://schemas.microsoft.com/office/drawing/2014/main" id="{3A2FA865-C97F-3FBC-7DFA-BE59CDBD524C}"/>
+              </a:ext>
+            </a:extLst>
+          </p:cNvPr>
+          <p:cNvPicPr>
+            <a:picLocks noChangeAspect="1"/>
+          </p:cNvPicPr>
+          <p:nvPr/>
+        </p:nvPicPr>
+        <p:blipFill>
+          <a:blip r:embed="rId3"/>
+          <a:stretch>
+            <a:fillRect/>
+          </a:stretch>
+        </p:blipFill>
+        <p:spPr>
+          <a:xfrm>
+            <a:off x="8024249" y="2817803"/>
+            <a:ext cx="1356125" cy="904083"/>
+          </a:xfrm>
+          <a:prstGeom prst="rect">
+            <a:avLst/>
+          </a:prstGeom>
+        </p:spPr>
+      </p:pic>
+      <p:pic>
+        <p:nvPicPr>
+          <p:cNvPr id="5" name="Picture 4" descr="Logo, icon&#10;&#10;Description automatically generated">
+            <a:extLst>
+              <a:ext uri="{FF2B5EF4-FFF2-40B4-BE49-F238E27FC236}">
+                <a16:creationId xmlns:a16="http://schemas.microsoft.com/office/drawing/2014/main" id="{70A4DEE7-2D32-9954-A493-79681B8075C2}"/>
+              </a:ext>
+            </a:extLst>
+          </p:cNvPr>
+          <p:cNvPicPr>
+            <a:picLocks noChangeAspect="1"/>
+          </p:cNvPicPr>
+          <p:nvPr/>
+        </p:nvPicPr>
+        <p:blipFill>
+          <a:blip r:embed="rId4"/>
+          <a:stretch>
+            <a:fillRect/>
+          </a:stretch>
+        </p:blipFill>
+        <p:spPr>
+          <a:xfrm>
+            <a:off x="7084480" y="2817803"/>
+            <a:ext cx="1504816" cy="1575739"/>
+          </a:xfrm>
+          <a:prstGeom prst="rect">
+            <a:avLst/>
+          </a:prstGeom>
+        </p:spPr>
+      </p:pic>
     </p:spTree>
   </p:cSld>
   <p:clrMapOvr>
@@ -10127,8 +7361,8 @@
               <a:buNone/>
             </a:pPr>
             <a:r>
-              <a:rPr lang="fr-FR" dirty="0"/>
-              <a:t>HTML, CSS , VUE JS , SWEETALERTS</a:t>
+              <a:rPr lang="fr" dirty="0"/>
+              <a:t>PHP(MVC) , MYSQL , POSTMAN</a:t>
             </a:r>
             <a:endParaRPr dirty="0"/>
           </a:p>
@@ -10151,7 +7385,7 @@
         </p:spPr>
         <p:txBody>
           <a:bodyPr spcFirstLastPara="1" wrap="square" lIns="91425" tIns="91425" rIns="91425" bIns="91425" anchor="ctr" anchorCtr="0">
-            <a:normAutofit fontScale="90000"/>
+            <a:normAutofit/>
           </a:bodyPr>
           <a:lstStyle/>
           <a:p>
@@ -10165,119 +7399,103 @@
               <a:buNone/>
             </a:pPr>
             <a:r>
-              <a:rPr lang="en" dirty="0"/>
-              <a:t>1- Frontend  :</a:t>
+              <a:rPr lang="fr" dirty="0"/>
+              <a:t>2- Backtend :</a:t>
             </a:r>
             <a:endParaRPr dirty="0"/>
           </a:p>
         </p:txBody>
       </p:sp>
-    </p:spTree>
-  </p:cSld>
-  <p:clrMapOvr>
-    <a:masterClrMapping/>
-  </p:clrMapOvr>
-</p:sld>
-</file>
-
-<file path=ppt/slides/slide16.xml><?xml version="1.0" encoding="utf-8"?>
-<p:sld xmlns:a="http://schemas.openxmlformats.org/drawingml/2006/main" xmlns:r="http://schemas.openxmlformats.org/officeDocument/2006/relationships" xmlns:p="http://schemas.openxmlformats.org/presentationml/2006/main">
-  <p:cSld>
-    <p:spTree>
-      <p:nvGrpSpPr>
-        <p:cNvPr id="1" name="Shape 1618"/>
-        <p:cNvGrpSpPr/>
-        <p:nvPr/>
-      </p:nvGrpSpPr>
-      <p:grpSpPr>
-        <a:xfrm>
-          <a:off x="0" y="0"/>
-          <a:ext cx="0" cy="0"/>
-          <a:chOff x="0" y="0"/>
-          <a:chExt cx="0" cy="0"/>
-        </a:xfrm>
-      </p:grpSpPr>
-      <p:sp>
-        <p:nvSpPr>
-          <p:cNvPr id="1619" name="Google Shape;1619;p57"/>
-          <p:cNvSpPr txBox="1">
-            <a:spLocks noGrp="1"/>
-          </p:cNvSpPr>
-          <p:nvPr>
-            <p:ph type="body" idx="1"/>
-          </p:nvPr>
-        </p:nvSpPr>
-        <p:spPr>
-          <a:xfrm>
-            <a:off x="720000" y="1327400"/>
-            <a:ext cx="5699100" cy="3166200"/>
+      <p:pic>
+        <p:nvPicPr>
+          <p:cNvPr id="9" name="Picture 8" descr="Logo&#10;&#10;Description automatically generated">
+            <a:extLst>
+              <a:ext uri="{FF2B5EF4-FFF2-40B4-BE49-F238E27FC236}">
+                <a16:creationId xmlns:a16="http://schemas.microsoft.com/office/drawing/2014/main" id="{2F9B8374-65EC-8D7A-F2D2-E84EC08D355E}"/>
+              </a:ext>
+            </a:extLst>
+          </p:cNvPr>
+          <p:cNvPicPr>
+            <a:picLocks noChangeAspect="1"/>
+          </p:cNvPicPr>
+          <p:nvPr/>
+        </p:nvPicPr>
+        <p:blipFill>
+          <a:blip r:embed="rId3"/>
+          <a:stretch>
+            <a:fillRect/>
+          </a:stretch>
+        </p:blipFill>
+        <p:spPr>
+          <a:xfrm>
+            <a:off x="490529" y="3920900"/>
+            <a:ext cx="1060096" cy="572700"/>
           </a:xfrm>
           <a:prstGeom prst="rect">
             <a:avLst/>
           </a:prstGeom>
         </p:spPr>
-        <p:txBody>
-          <a:bodyPr spcFirstLastPara="1" wrap="square" lIns="91425" tIns="91425" rIns="91425" bIns="91425" anchor="t" anchorCtr="0">
-            <a:normAutofit/>
-          </a:bodyPr>
-          <a:lstStyle/>
-          <a:p>
-            <a:pPr marL="139700" lvl="0" indent="0" algn="l" rtl="0">
-              <a:spcBef>
-                <a:spcPts val="0"/>
-              </a:spcBef>
-              <a:spcAft>
-                <a:spcPts val="0"/>
-              </a:spcAft>
-              <a:buSzPts val="1400"/>
-              <a:buNone/>
-            </a:pPr>
-            <a:r>
-              <a:rPr lang="fr-FR" dirty="0"/>
-              <a:t>PHP(MVC) , MYSQL , PHPMYADMIN</a:t>
-            </a:r>
-            <a:endParaRPr dirty="0"/>
-          </a:p>
-        </p:txBody>
-      </p:sp>
-      <p:sp>
-        <p:nvSpPr>
-          <p:cNvPr id="1620" name="Google Shape;1620;p57"/>
-          <p:cNvSpPr txBox="1">
-            <a:spLocks noGrp="1"/>
-          </p:cNvSpPr>
-          <p:nvPr>
-            <p:ph type="title"/>
-          </p:nvPr>
-        </p:nvSpPr>
-        <p:spPr>
+      </p:pic>
+      <p:pic>
+        <p:nvPicPr>
+          <p:cNvPr id="11" name="Picture 10" descr="Logo&#10;&#10;Description automatically generated">
+            <a:extLst>
+              <a:ext uri="{FF2B5EF4-FFF2-40B4-BE49-F238E27FC236}">
+                <a16:creationId xmlns:a16="http://schemas.microsoft.com/office/drawing/2014/main" id="{C5CFCC4D-8F98-1A17-AB80-FF9A6A521774}"/>
+              </a:ext>
+            </a:extLst>
+          </p:cNvPr>
+          <p:cNvPicPr>
+            <a:picLocks noChangeAspect="1"/>
+          </p:cNvPicPr>
+          <p:nvPr/>
+        </p:nvPicPr>
+        <p:blipFill>
+          <a:blip r:embed="rId4"/>
+          <a:stretch>
+            <a:fillRect/>
+          </a:stretch>
+        </p:blipFill>
+        <p:spPr>
+          <a:xfrm>
+            <a:off x="6582077" y="3493278"/>
+            <a:ext cx="1995119" cy="1107738"/>
+          </a:xfrm>
           <a:prstGeom prst="rect">
             <a:avLst/>
           </a:prstGeom>
         </p:spPr>
-        <p:txBody>
-          <a:bodyPr spcFirstLastPara="1" wrap="square" lIns="91425" tIns="91425" rIns="91425" bIns="91425" anchor="ctr" anchorCtr="0">
-            <a:normAutofit fontScale="90000"/>
-          </a:bodyPr>
-          <a:lstStyle/>
-          <a:p>
-            <a:pPr marL="0" lvl="0" indent="0" algn="l" rtl="0">
-              <a:spcBef>
-                <a:spcPts val="0"/>
-              </a:spcBef>
-              <a:spcAft>
-                <a:spcPts val="0"/>
-              </a:spcAft>
-              <a:buNone/>
-            </a:pPr>
-            <a:r>
-              <a:rPr lang="en" dirty="0"/>
-              <a:t>2- Backtend  :</a:t>
-            </a:r>
-            <a:endParaRPr dirty="0"/>
-          </a:p>
-        </p:txBody>
-      </p:sp>
+      </p:pic>
+      <p:pic>
+        <p:nvPicPr>
+          <p:cNvPr id="13" name="Picture 12" descr="Graphical user interface, application&#10;&#10;Description automatically generated">
+            <a:extLst>
+              <a:ext uri="{FF2B5EF4-FFF2-40B4-BE49-F238E27FC236}">
+                <a16:creationId xmlns:a16="http://schemas.microsoft.com/office/drawing/2014/main" id="{F7C80CE4-197F-3453-D350-AF8180211901}"/>
+              </a:ext>
+            </a:extLst>
+          </p:cNvPr>
+          <p:cNvPicPr>
+            <a:picLocks noChangeAspect="1"/>
+          </p:cNvPicPr>
+          <p:nvPr/>
+        </p:nvPicPr>
+        <p:blipFill>
+          <a:blip r:embed="rId5"/>
+          <a:stretch>
+            <a:fillRect/>
+          </a:stretch>
+        </p:blipFill>
+        <p:spPr>
+          <a:xfrm>
+            <a:off x="3708721" y="3813484"/>
+            <a:ext cx="1941589" cy="787532"/>
+          </a:xfrm>
+          <a:prstGeom prst="rect">
+            <a:avLst/>
+          </a:prstGeom>
+        </p:spPr>
+      </p:pic>
     </p:spTree>
     <p:extLst>
       <p:ext uri="{BB962C8B-B14F-4D97-AF65-F5344CB8AC3E}">
@@ -10291,7 +7509,7 @@
 </p:sld>
 </file>
 
-<file path=ppt/slides/slide17.xml><?xml version="1.0" encoding="utf-8"?>
+<file path=ppt/slides/slide16.xml><?xml version="1.0" encoding="utf-8"?>
 <p:sld xmlns:a="http://schemas.openxmlformats.org/drawingml/2006/main" xmlns:r="http://schemas.openxmlformats.org/officeDocument/2006/relationships" xmlns:p="http://schemas.openxmlformats.org/presentationml/2006/main">
   <p:cSld>
     <p:spTree>
@@ -10339,10 +7557,10 @@
               <a:buNone/>
             </a:pPr>
             <a:r>
-              <a:rPr lang="en" sz="6000"/>
-              <a:t>Questions?</a:t>
-            </a:r>
-            <a:endParaRPr sz="6000"/>
+              <a:rPr lang="fr" sz="6000" dirty="0"/>
+              <a:t>Des questions?</a:t>
+            </a:r>
+            <a:endParaRPr sz="6000" dirty="0"/>
           </a:p>
         </p:txBody>
       </p:sp>
@@ -10388,248 +7606,236 @@
         </p:spPr>
         <p:txBody>
           <a:bodyPr spcFirstLastPara="1" wrap="square" lIns="91425" tIns="91425" rIns="91425" bIns="91425" anchor="t" anchorCtr="0">
+            <a:normAutofit fontScale="92500" lnSpcReduction="10000"/>
+          </a:bodyPr>
+          <a:lstStyle/>
+          <a:p>
+            <a:pPr marL="457200" lvl="0" indent="-317500" algn="l" rtl="0">
+              <a:spcBef>
+                <a:spcPts val="0"/>
+              </a:spcBef>
+              <a:spcAft>
+                <a:spcPts val="0"/>
+              </a:spcAft>
+              <a:buSzPts val="1400"/>
+              <a:buChar char="●"/>
+            </a:pPr>
+            <a:r>
+              <a:rPr lang="fr" dirty="0"/>
+              <a:t>Qu'est-ce que le site Web de kleider 1933 et les étapes pour le publier :</a:t>
+            </a:r>
+          </a:p>
+          <a:p>
+            <a:pPr marL="139700" lvl="0" indent="0" algn="l" rtl="0">
+              <a:spcBef>
+                <a:spcPts val="0"/>
+              </a:spcBef>
+              <a:spcAft>
+                <a:spcPts val="0"/>
+              </a:spcAft>
+              <a:buSzPts val="1400"/>
+              <a:buNone/>
+            </a:pPr>
+            <a:endParaRPr lang="en-US" dirty="0"/>
+          </a:p>
+          <a:p>
+            <a:pPr marL="914400" lvl="1" indent="-317500" algn="l" rtl="0">
+              <a:spcBef>
+                <a:spcPts val="0"/>
+              </a:spcBef>
+              <a:spcAft>
+                <a:spcPts val="0"/>
+              </a:spcAft>
+              <a:buSzPts val="1400"/>
+              <a:buChar char="○"/>
+            </a:pPr>
+            <a:r>
+              <a:rPr lang="fr" dirty="0"/>
+              <a:t>Contexte du projet</a:t>
+            </a:r>
+          </a:p>
+          <a:p>
+            <a:pPr marL="596900" lvl="1" indent="0" algn="l" rtl="0">
+              <a:spcBef>
+                <a:spcPts val="0"/>
+              </a:spcBef>
+              <a:spcAft>
+                <a:spcPts val="0"/>
+              </a:spcAft>
+              <a:buSzPts val="1400"/>
+              <a:buNone/>
+            </a:pPr>
+            <a:endParaRPr lang="en-US" dirty="0"/>
+          </a:p>
+          <a:p>
+            <a:pPr marL="914400" lvl="1" indent="-317500" algn="l" rtl="0">
+              <a:spcBef>
+                <a:spcPts val="0"/>
+              </a:spcBef>
+              <a:spcAft>
+                <a:spcPts val="0"/>
+              </a:spcAft>
+              <a:buSzPts val="1400"/>
+              <a:buChar char="○"/>
+            </a:pPr>
+            <a:r>
+              <a:rPr lang="fr" dirty="0"/>
+              <a:t>Graphique</a:t>
+            </a:r>
+          </a:p>
+          <a:p>
+            <a:pPr marL="596900" lvl="1" indent="0" algn="l" rtl="0">
+              <a:spcBef>
+                <a:spcPts val="0"/>
+              </a:spcBef>
+              <a:spcAft>
+                <a:spcPts val="0"/>
+              </a:spcAft>
+              <a:buSzPts val="1400"/>
+              <a:buNone/>
+            </a:pPr>
+            <a:endParaRPr lang="fr-MA" dirty="0"/>
+          </a:p>
+          <a:p>
+            <a:pPr marL="914400" lvl="1" indent="-317500" algn="l" rtl="0">
+              <a:spcBef>
+                <a:spcPts val="0"/>
+              </a:spcBef>
+              <a:spcAft>
+                <a:spcPts val="0"/>
+              </a:spcAft>
+              <a:buSzPts val="1400"/>
+              <a:buChar char="○"/>
+            </a:pPr>
+            <a:r>
+              <a:rPr lang="fr" dirty="0"/>
+              <a:t>La planification</a:t>
+            </a:r>
+          </a:p>
+          <a:p>
+            <a:pPr marL="596900" lvl="1" indent="0" algn="l" rtl="0">
+              <a:spcBef>
+                <a:spcPts val="0"/>
+              </a:spcBef>
+              <a:spcAft>
+                <a:spcPts val="0"/>
+              </a:spcAft>
+              <a:buSzPts val="1400"/>
+              <a:buNone/>
+            </a:pPr>
+            <a:endParaRPr lang="fr-MA" dirty="0"/>
+          </a:p>
+          <a:p>
+            <a:pPr marL="914400" lvl="1" indent="-317500" algn="l" rtl="0">
+              <a:spcBef>
+                <a:spcPts val="0"/>
+              </a:spcBef>
+              <a:spcAft>
+                <a:spcPts val="0"/>
+              </a:spcAft>
+              <a:buSzPts val="1400"/>
+              <a:buChar char="○"/>
+            </a:pPr>
+            <a:r>
+              <a:rPr lang="fr-MA" dirty="0"/>
+              <a:t>L</a:t>
+            </a:r>
+            <a:r>
+              <a:rPr lang="fr" dirty="0"/>
+              <a:t>es interfaces</a:t>
+            </a:r>
+            <a:endParaRPr lang="fr-MA" dirty="0"/>
+          </a:p>
+          <a:p>
+            <a:pPr marL="596900" lvl="1" indent="0" algn="l" rtl="0">
+              <a:spcBef>
+                <a:spcPts val="0"/>
+              </a:spcBef>
+              <a:spcAft>
+                <a:spcPts val="0"/>
+              </a:spcAft>
+              <a:buSzPts val="1400"/>
+              <a:buNone/>
+            </a:pPr>
+            <a:endParaRPr lang="fr-MA" dirty="0"/>
+          </a:p>
+          <a:p>
+            <a:pPr marL="914400" lvl="1" indent="-317500" algn="l" rtl="0">
+              <a:spcBef>
+                <a:spcPts val="0"/>
+              </a:spcBef>
+              <a:spcAft>
+                <a:spcPts val="0"/>
+              </a:spcAft>
+              <a:buSzPts val="1400"/>
+              <a:buChar char="○"/>
+            </a:pPr>
+            <a:r>
+              <a:rPr lang="fr" dirty="0"/>
+              <a:t>Technologie utilisé pour la création de site web</a:t>
+            </a:r>
+            <a:endParaRPr lang="fr-MA" dirty="0"/>
+          </a:p>
+          <a:p>
+            <a:pPr marL="596900" lvl="1" indent="0" algn="l" rtl="0">
+              <a:spcBef>
+                <a:spcPts val="0"/>
+              </a:spcBef>
+              <a:spcAft>
+                <a:spcPts val="0"/>
+              </a:spcAft>
+              <a:buSzPts val="1400"/>
+              <a:buNone/>
+            </a:pPr>
+            <a:endParaRPr lang="fr-MA" dirty="0"/>
+          </a:p>
+          <a:p>
+            <a:pPr marL="0" lvl="0" indent="0" algn="l" rtl="0">
+              <a:spcBef>
+                <a:spcPts val="1200"/>
+              </a:spcBef>
+              <a:spcAft>
+                <a:spcPts val="1200"/>
+              </a:spcAft>
+              <a:buNone/>
+            </a:pPr>
+            <a:endParaRPr dirty="0"/>
+          </a:p>
+        </p:txBody>
+      </p:sp>
+      <p:sp>
+        <p:nvSpPr>
+          <p:cNvPr id="1529" name="Google Shape;1529;p41"/>
+          <p:cNvSpPr txBox="1">
+            <a:spLocks noGrp="1"/>
+          </p:cNvSpPr>
+          <p:nvPr>
+            <p:ph type="title"/>
+          </p:nvPr>
+        </p:nvSpPr>
+        <p:spPr>
+          <a:prstGeom prst="rect">
+            <a:avLst/>
+          </a:prstGeom>
+        </p:spPr>
+        <p:txBody>
+          <a:bodyPr spcFirstLastPara="1" wrap="square" lIns="91425" tIns="91425" rIns="91425" bIns="91425" anchor="ctr" anchorCtr="0">
             <a:normAutofit/>
           </a:bodyPr>
           <a:lstStyle/>
           <a:p>
-            <a:pPr marL="457200" lvl="0" indent="-317500" algn="l" rtl="0">
-              <a:spcBef>
-                <a:spcPts val="0"/>
-              </a:spcBef>
-              <a:spcAft>
-                <a:spcPts val="0"/>
-              </a:spcAft>
-              <a:buSzPts val="1400"/>
-              <a:buChar char="●"/>
+            <a:pPr marL="0" lvl="0" indent="0" algn="l" rtl="0">
+              <a:spcBef>
+                <a:spcPts val="0"/>
+              </a:spcBef>
+              <a:spcAft>
+                <a:spcPts val="0"/>
+              </a:spcAft>
+              <a:buNone/>
             </a:pPr>
             <a:r>
-              <a:rPr lang="en" dirty="0"/>
-              <a:t>What is kleider 1933 website &amp; steps to released it:</a:t>
-            </a:r>
-          </a:p>
-          <a:p>
-            <a:pPr marL="139700" lvl="0" indent="0" algn="l" rtl="0">
-              <a:spcBef>
-                <a:spcPts val="0"/>
-              </a:spcBef>
-              <a:spcAft>
-                <a:spcPts val="0"/>
-              </a:spcAft>
-              <a:buSzPts val="1400"/>
-              <a:buNone/>
-            </a:pPr>
-            <a:endParaRPr lang="en-US" dirty="0"/>
-          </a:p>
-          <a:p>
-            <a:pPr marL="914400" lvl="1" indent="-317500" algn="l" rtl="0">
-              <a:spcBef>
-                <a:spcPts val="0"/>
-              </a:spcBef>
-              <a:spcAft>
-                <a:spcPts val="0"/>
-              </a:spcAft>
-              <a:buSzPts val="1400"/>
-              <a:buChar char="○"/>
-            </a:pPr>
-            <a:r>
-              <a:rPr lang="en-US" dirty="0"/>
-              <a:t>Context of the project</a:t>
-            </a:r>
-          </a:p>
-          <a:p>
-            <a:pPr marL="596900" lvl="1" indent="0" algn="l" rtl="0">
-              <a:spcBef>
-                <a:spcPts val="0"/>
-              </a:spcBef>
-              <a:spcAft>
-                <a:spcPts val="0"/>
-              </a:spcAft>
-              <a:buSzPts val="1400"/>
-              <a:buNone/>
-            </a:pPr>
-            <a:endParaRPr lang="en-US" dirty="0"/>
-          </a:p>
-          <a:p>
-            <a:pPr marL="914400" lvl="1" indent="-317500" algn="l" rtl="0">
-              <a:spcBef>
-                <a:spcPts val="0"/>
-              </a:spcBef>
-              <a:spcAft>
-                <a:spcPts val="0"/>
-              </a:spcAft>
-              <a:buSzPts val="1400"/>
-              <a:buChar char="○"/>
-            </a:pPr>
-            <a:r>
-              <a:rPr lang="fr-MA" dirty="0"/>
-              <a:t>Graphics</a:t>
-            </a:r>
-          </a:p>
-          <a:p>
-            <a:pPr marL="596900" lvl="1" indent="0" algn="l" rtl="0">
-              <a:spcBef>
-                <a:spcPts val="0"/>
-              </a:spcBef>
-              <a:spcAft>
-                <a:spcPts val="0"/>
-              </a:spcAft>
-              <a:buSzPts val="1400"/>
-              <a:buNone/>
-            </a:pPr>
-            <a:endParaRPr lang="fr-MA" dirty="0"/>
-          </a:p>
-          <a:p>
-            <a:pPr marL="914400" lvl="1" indent="-317500" algn="l" rtl="0">
-              <a:spcBef>
-                <a:spcPts val="0"/>
-              </a:spcBef>
-              <a:spcAft>
-                <a:spcPts val="0"/>
-              </a:spcAft>
-              <a:buSzPts val="1400"/>
-              <a:buChar char="○"/>
-            </a:pPr>
-            <a:r>
-              <a:rPr lang="fr-MA" dirty="0"/>
-              <a:t>The planning</a:t>
-            </a:r>
-          </a:p>
-          <a:p>
-            <a:pPr marL="596900" lvl="1" indent="0" algn="l" rtl="0">
-              <a:spcBef>
-                <a:spcPts val="0"/>
-              </a:spcBef>
-              <a:spcAft>
-                <a:spcPts val="0"/>
-              </a:spcAft>
-              <a:buSzPts val="1400"/>
-              <a:buNone/>
-            </a:pPr>
-            <a:endParaRPr lang="fr-MA" dirty="0"/>
-          </a:p>
-          <a:p>
-            <a:pPr marL="914400" lvl="1" indent="-317500" algn="l" rtl="0">
-              <a:spcBef>
-                <a:spcPts val="0"/>
-              </a:spcBef>
-              <a:spcAft>
-                <a:spcPts val="0"/>
-              </a:spcAft>
-              <a:buSzPts val="1400"/>
-              <a:buChar char="○"/>
-            </a:pPr>
-            <a:r>
-              <a:rPr lang="fr-MA" dirty="0" err="1"/>
-              <a:t>Ingredients</a:t>
-            </a:r>
-            <a:endParaRPr lang="fr-MA" dirty="0"/>
-          </a:p>
-          <a:p>
-            <a:pPr marL="596900" lvl="1" indent="0" algn="l" rtl="0">
-              <a:spcBef>
-                <a:spcPts val="0"/>
-              </a:spcBef>
-              <a:spcAft>
-                <a:spcPts val="0"/>
-              </a:spcAft>
-              <a:buSzPts val="1400"/>
-              <a:buNone/>
-            </a:pPr>
-            <a:endParaRPr lang="fr-MA" dirty="0"/>
-          </a:p>
-          <a:p>
-            <a:pPr marL="914400" lvl="1" indent="-317500" algn="l" rtl="0">
-              <a:spcBef>
-                <a:spcPts val="0"/>
-              </a:spcBef>
-              <a:spcAft>
-                <a:spcPts val="0"/>
-              </a:spcAft>
-              <a:buSzPts val="1400"/>
-              <a:buChar char="○"/>
-            </a:pPr>
-            <a:r>
-              <a:rPr lang="fr-MA" dirty="0"/>
-              <a:t>Tech</a:t>
-            </a:r>
-            <a:r>
-              <a:rPr lang="fr-FR" dirty="0"/>
-              <a:t> </a:t>
-            </a:r>
-            <a:r>
-              <a:rPr lang="fr-FR" dirty="0" err="1"/>
-              <a:t>used</a:t>
-            </a:r>
-            <a:r>
-              <a:rPr lang="fr-FR" dirty="0"/>
-              <a:t> for code </a:t>
-            </a:r>
-            <a:r>
-              <a:rPr lang="fr-FR" dirty="0" err="1"/>
-              <a:t>it</a:t>
-            </a:r>
-            <a:endParaRPr lang="fr-MA" dirty="0"/>
-          </a:p>
-          <a:p>
-            <a:pPr marL="596900" lvl="1" indent="0" algn="l" rtl="0">
-              <a:spcBef>
-                <a:spcPts val="0"/>
-              </a:spcBef>
-              <a:spcAft>
-                <a:spcPts val="0"/>
-              </a:spcAft>
-              <a:buSzPts val="1400"/>
-              <a:buNone/>
-            </a:pPr>
-            <a:endParaRPr lang="fr-MA" dirty="0"/>
-          </a:p>
-          <a:p>
-            <a:pPr marL="0" lvl="0" indent="0" algn="l" rtl="0">
-              <a:spcBef>
-                <a:spcPts val="1200"/>
-              </a:spcBef>
-              <a:spcAft>
-                <a:spcPts val="1200"/>
-              </a:spcAft>
-              <a:buNone/>
-            </a:pPr>
-            <a:endParaRPr dirty="0"/>
-          </a:p>
-        </p:txBody>
-      </p:sp>
-      <p:sp>
-        <p:nvSpPr>
-          <p:cNvPr id="1529" name="Google Shape;1529;p41"/>
-          <p:cNvSpPr txBox="1">
-            <a:spLocks noGrp="1"/>
-          </p:cNvSpPr>
-          <p:nvPr>
-            <p:ph type="title"/>
-          </p:nvPr>
-        </p:nvSpPr>
-        <p:spPr>
-          <a:prstGeom prst="rect">
-            <a:avLst/>
-          </a:prstGeom>
-        </p:spPr>
-        <p:txBody>
-          <a:bodyPr spcFirstLastPara="1" wrap="square" lIns="91425" tIns="91425" rIns="91425" bIns="91425" anchor="ctr" anchorCtr="0">
-            <a:normAutofit fontScale="90000"/>
-          </a:bodyPr>
-          <a:lstStyle/>
-          <a:p>
-            <a:pPr marL="0" lvl="0" indent="0" algn="l" rtl="0">
-              <a:spcBef>
-                <a:spcPts val="0"/>
-              </a:spcBef>
-              <a:spcAft>
-                <a:spcPts val="0"/>
-              </a:spcAft>
-              <a:buNone/>
-            </a:pPr>
-            <a:r>
-              <a:rPr lang="en"/>
-              <a:t>Content</a:t>
+              <a:rPr lang="fr"/>
+              <a:t>Contenu</a:t>
             </a:r>
             <a:endParaRPr/>
           </a:p>
@@ -10644,148 +7850,6 @@
 </file>
 
 <file path=ppt/slides/slide3.xml><?xml version="1.0" encoding="utf-8"?>
-<p:sld xmlns:a="http://schemas.openxmlformats.org/drawingml/2006/main" xmlns:r="http://schemas.openxmlformats.org/officeDocument/2006/relationships" xmlns:p="http://schemas.openxmlformats.org/presentationml/2006/main">
-  <p:cSld>
-    <p:spTree>
-      <p:nvGrpSpPr>
-        <p:cNvPr id="1" name="Shape 1533"/>
-        <p:cNvGrpSpPr/>
-        <p:nvPr/>
-      </p:nvGrpSpPr>
-      <p:grpSpPr>
-        <a:xfrm>
-          <a:off x="0" y="0"/>
-          <a:ext cx="0" cy="0"/>
-          <a:chOff x="0" y="0"/>
-          <a:chExt cx="0" cy="0"/>
-        </a:xfrm>
-      </p:grpSpPr>
-      <p:sp>
-        <p:nvSpPr>
-          <p:cNvPr id="1534" name="Google Shape;1534;p42"/>
-          <p:cNvSpPr txBox="1">
-            <a:spLocks noGrp="1"/>
-          </p:cNvSpPr>
-          <p:nvPr>
-            <p:ph type="title"/>
-          </p:nvPr>
-        </p:nvSpPr>
-        <p:spPr>
-          <a:prstGeom prst="rect">
-            <a:avLst/>
-          </a:prstGeom>
-        </p:spPr>
-        <p:txBody>
-          <a:bodyPr spcFirstLastPara="1" wrap="square" lIns="91425" tIns="91425" rIns="91425" bIns="91425" anchor="ctr" anchorCtr="0">
-            <a:normAutofit fontScale="90000"/>
-          </a:bodyPr>
-          <a:lstStyle/>
-          <a:p>
-            <a:pPr marL="0" lvl="0" indent="0" algn="ctr" rtl="0">
-              <a:spcBef>
-                <a:spcPts val="0"/>
-              </a:spcBef>
-              <a:spcAft>
-                <a:spcPts val="0"/>
-              </a:spcAft>
-              <a:buNone/>
-            </a:pPr>
-            <a:r>
-              <a:rPr lang="en" dirty="0"/>
-              <a:t>THANKS</a:t>
-            </a:r>
-            <a:endParaRPr dirty="0"/>
-          </a:p>
-        </p:txBody>
-      </p:sp>
-      <p:sp>
-        <p:nvSpPr>
-          <p:cNvPr id="1535" name="Google Shape;1535;p42"/>
-          <p:cNvSpPr txBox="1"/>
-          <p:nvPr/>
-        </p:nvSpPr>
-        <p:spPr>
-          <a:xfrm>
-            <a:off x="1625125" y="1438225"/>
-            <a:ext cx="5834100" cy="1846629"/>
-          </a:xfrm>
-          <a:prstGeom prst="rect">
-            <a:avLst/>
-          </a:prstGeom>
-          <a:noFill/>
-          <a:ln>
-            <a:noFill/>
-          </a:ln>
-        </p:spPr>
-        <p:txBody>
-          <a:bodyPr spcFirstLastPara="1" wrap="square" lIns="91425" tIns="91425" rIns="91425" bIns="91425" anchor="t" anchorCtr="0">
-            <a:spAutoFit/>
-          </a:bodyPr>
-          <a:lstStyle/>
-          <a:p>
-            <a:pPr marL="139700" lvl="0" algn="l" rtl="0">
-              <a:spcBef>
-                <a:spcPts val="0"/>
-              </a:spcBef>
-              <a:spcAft>
-                <a:spcPts val="0"/>
-              </a:spcAft>
-              <a:buSzPts val="1400"/>
-            </a:pPr>
-            <a:r>
-              <a:rPr lang="en-US" dirty="0">
-                <a:latin typeface="Lato"/>
-                <a:ea typeface="Lato"/>
-                <a:cs typeface="Lato"/>
-                <a:sym typeface="Lato"/>
-              </a:rPr>
-              <a:t>appreciation to the training master of our department, Mrs. </a:t>
-            </a:r>
-            <a:r>
-              <a:rPr lang="en-US" b="1" dirty="0">
-                <a:latin typeface="Lato"/>
-                <a:ea typeface="Lato"/>
-                <a:cs typeface="Lato"/>
-                <a:sym typeface="Lato"/>
-              </a:rPr>
-              <a:t>Fatima Zahra Al-</a:t>
-            </a:r>
-            <a:r>
-              <a:rPr lang="en-US" b="1" dirty="0" err="1">
-                <a:latin typeface="Lato"/>
-                <a:ea typeface="Lato"/>
-                <a:cs typeface="Lato"/>
-                <a:sym typeface="Lato"/>
-              </a:rPr>
-              <a:t>Sedraoui</a:t>
-            </a:r>
-            <a:r>
-              <a:rPr lang="en-US" dirty="0">
-                <a:latin typeface="Lato"/>
-                <a:ea typeface="Lato"/>
-                <a:cs typeface="Lato"/>
-                <a:sym typeface="Lato"/>
-              </a:rPr>
-              <a:t>, for the precious time she devoted to us, for her benevolent and unreserved presence, for her advice and help throughout the period. of training. To be honest, madam, as a sign of my great respect and my great gratitude.</a:t>
-            </a:r>
-            <a:endParaRPr dirty="0">
-              <a:latin typeface="Lato"/>
-              <a:ea typeface="Lato"/>
-              <a:cs typeface="Lato"/>
-              <a:sym typeface="Lato"/>
-            </a:endParaRPr>
-          </a:p>
-        </p:txBody>
-      </p:sp>
-    </p:spTree>
-  </p:cSld>
-  <p:clrMapOvr>
-    <a:masterClrMapping/>
-  </p:clrMapOvr>
-</p:sld>
-</file>
-
-<file path=ppt/slides/slide4.xml><?xml version="1.0" encoding="utf-8"?>
 <p:sld xmlns:a="http://schemas.openxmlformats.org/drawingml/2006/main" xmlns:r="http://schemas.openxmlformats.org/officeDocument/2006/relationships" xmlns:p="http://schemas.openxmlformats.org/presentationml/2006/main">
   <p:cSld>
     <p:spTree>
@@ -10837,16 +7901,16 @@
               <a:buNone/>
             </a:pPr>
             <a:r>
-              <a:rPr lang="fr-MA" dirty="0" err="1"/>
-              <a:t>Context</a:t>
-            </a:r>
-            <a:r>
-              <a:rPr lang="fr-MA" dirty="0"/>
-              <a:t> of the </a:t>
-            </a:r>
-            <a:r>
-              <a:rPr lang="fr-MA" dirty="0" err="1"/>
-              <a:t>project</a:t>
+              <a:rPr lang="fr" dirty="0" err="1"/>
+              <a:t>Contexte </a:t>
+            </a:r>
+            <a:r>
+              <a:rPr lang="fr" dirty="0"/>
+              <a:t>du </a:t>
+            </a:r>
+            <a:r>
+              <a:rPr lang="fr" dirty="0" err="1"/>
+              <a:t>projet</a:t>
             </a:r>
             <a:endParaRPr dirty="0"/>
           </a:p>
@@ -10860,7 +7924,7 @@
 </p:sld>
 </file>
 
-<file path=ppt/slides/slide5.xml><?xml version="1.0" encoding="utf-8"?>
+<file path=ppt/slides/slide4.xml><?xml version="1.0" encoding="utf-8"?>
 <p:sld xmlns:a="http://schemas.openxmlformats.org/drawingml/2006/main" xmlns:r="http://schemas.openxmlformats.org/officeDocument/2006/relationships" xmlns:p="http://schemas.openxmlformats.org/presentationml/2006/main">
   <p:cSld>
     <p:spTree>
@@ -10909,8 +7973,8 @@
               <a:buChar char="●"/>
             </a:pPr>
             <a:r>
-              <a:rPr lang="en-US" dirty="0"/>
-              <a:t>Due to increasing demand, store management becomes a big problem. An obstacle to the productivity of traders.</a:t>
+              <a:rPr lang="fr" dirty="0"/>
+              <a:t>En raison de la demande croissante, la gestion des magasins devient un gros problème. Un obstacle à la productivité des commerçants.</a:t>
             </a:r>
             <a:endParaRPr dirty="0"/>
           </a:p>
@@ -10933,7 +7997,7 @@
         </p:spPr>
         <p:txBody>
           <a:bodyPr spcFirstLastPara="1" wrap="square" lIns="91425" tIns="91425" rIns="91425" bIns="91425" anchor="ctr" anchorCtr="0">
-            <a:normAutofit fontScale="90000"/>
+            <a:normAutofit/>
           </a:bodyPr>
           <a:lstStyle/>
           <a:p>
@@ -10947,12 +8011,12 @@
               <a:buNone/>
             </a:pPr>
             <a:r>
-              <a:rPr lang="fr-MA" dirty="0" err="1"/>
-              <a:t>Problem</a:t>
-            </a:r>
-            <a:r>
-              <a:rPr lang="fr-MA" dirty="0"/>
-              <a:t> :</a:t>
+              <a:rPr lang="fr" dirty="0" err="1"/>
+              <a:t>Problème </a:t>
+            </a:r>
+            <a:r>
+              <a:rPr lang="fr" dirty="0"/>
+              <a:t>:</a:t>
             </a:r>
             <a:endParaRPr dirty="0"/>
           </a:p>
@@ -10966,7 +8030,7 @@
 </p:sld>
 </file>
 
-<file path=ppt/slides/slide6.xml><?xml version="1.0" encoding="utf-8"?>
+<file path=ppt/slides/slide5.xml><?xml version="1.0" encoding="utf-8"?>
 <p:sld xmlns:a="http://schemas.openxmlformats.org/drawingml/2006/main" xmlns:r="http://schemas.openxmlformats.org/officeDocument/2006/relationships" xmlns:p="http://schemas.openxmlformats.org/presentationml/2006/main">
   <p:cSld>
     <p:spTree>
@@ -11015,8 +8079,8 @@
               <a:buNone/>
             </a:pPr>
             <a:r>
-              <a:rPr lang="en-US" dirty="0"/>
-              <a:t>● An e-commerce site specializing in the trade of clothing of most types and for all genders and most sizes, whether men's, children's or women's, with the possibility of delivering orders and returning the product within a period not exceeding one week.</a:t>
+              <a:rPr lang="fr" dirty="0"/>
+              <a:t>● Un site e-commerce spécialisé dans le commerce de vêtements de la plupart des types et pour tous les genres et la plupart des tailles, qu'ils soient hommes, enfants ou femmes, avec la possibilité de livrer les commandes et de retourner le produit dans un délai n'excédant pas une semaine.</a:t>
             </a:r>
             <a:endParaRPr i="1" dirty="0"/>
           </a:p>
@@ -11039,7 +8103,7 @@
         </p:spPr>
         <p:txBody>
           <a:bodyPr spcFirstLastPara="1" wrap="square" lIns="91425" tIns="91425" rIns="91425" bIns="91425" anchor="ctr" anchorCtr="0">
-            <a:normAutofit fontScale="90000"/>
+            <a:normAutofit/>
           </a:bodyPr>
           <a:lstStyle/>
           <a:p>
@@ -11053,8 +8117,8 @@
               <a:buNone/>
             </a:pPr>
             <a:r>
-              <a:rPr lang="en" dirty="0"/>
-              <a:t>Solution :</a:t>
+              <a:rPr lang="fr" dirty="0"/>
+              <a:t>La solution :</a:t>
             </a:r>
             <a:endParaRPr dirty="0"/>
           </a:p>
@@ -11068,7 +8132,7 @@
 </p:sld>
 </file>
 
-<file path=ppt/slides/slide7.xml><?xml version="1.0" encoding="utf-8"?>
+<file path=ppt/slides/slide6.xml><?xml version="1.0" encoding="utf-8"?>
 <p:sld xmlns:a="http://schemas.openxmlformats.org/drawingml/2006/main" xmlns:r="http://schemas.openxmlformats.org/officeDocument/2006/relationships" xmlns:p="http://schemas.openxmlformats.org/presentationml/2006/main">
   <p:cSld>
     <p:spTree>
@@ -11120,8 +8184,8 @@
               <a:buNone/>
             </a:pPr>
             <a:r>
-              <a:rPr lang="en" dirty="0"/>
-              <a:t>Graphics</a:t>
+              <a:rPr lang="fr" dirty="0"/>
+              <a:t>Graphique</a:t>
             </a:r>
             <a:endParaRPr dirty="0"/>
           </a:p>
@@ -11135,7 +8199,7 @@
 </p:sld>
 </file>
 
-<file path=ppt/slides/slide8.xml><?xml version="1.0" encoding="utf-8"?>
+<file path=ppt/slides/slide7.xml><?xml version="1.0" encoding="utf-8"?>
 <p:sld xmlns:a="http://schemas.openxmlformats.org/drawingml/2006/main" xmlns:r="http://schemas.openxmlformats.org/officeDocument/2006/relationships" xmlns:p="http://schemas.openxmlformats.org/presentationml/2006/main">
   <p:cSld>
     <p:spTree>
@@ -11173,7 +8237,7 @@
         </p:spPr>
         <p:txBody>
           <a:bodyPr spcFirstLastPara="1" wrap="square" lIns="91425" tIns="91425" rIns="91425" bIns="91425" anchor="t" anchorCtr="0">
-            <a:normAutofit/>
+            <a:normAutofit lnSpcReduction="10000"/>
           </a:bodyPr>
           <a:lstStyle/>
           <a:p>
@@ -11188,8 +8252,8 @@
               <a:buAutoNum type="arabicPeriod"/>
             </a:pPr>
             <a:r>
-              <a:rPr lang="en-US" b="1" dirty="0"/>
-              <a:t>The graphic chart:</a:t>
+              <a:rPr lang="fr" b="1" dirty="0"/>
+              <a:t>La charte graphique :</a:t>
             </a:r>
           </a:p>
           <a:p>
@@ -11204,12 +8268,12 @@
               <a:buNone/>
             </a:pPr>
             <a:r>
-              <a:rPr lang="en-US" b="1" dirty="0"/>
+              <a:rPr lang="fr" b="1" dirty="0"/>
               <a:t>      </a:t>
             </a:r>
             <a:r>
-              <a:rPr lang="en-US" dirty="0"/>
-              <a:t>  I created the graphic chart for make text sizes and      website colors ,logo ,font-family, font-weight …</a:t>
+              <a:rPr lang="fr" dirty="0"/>
+              <a:t>J'ai créé la charte graphique pour faire les tailles de texte et les couleurs du site Web, le logo, la famille de polices, l'épaisseur de la police…</a:t>
             </a:r>
           </a:p>
           <a:p>
@@ -11224,12 +8288,8 @@
               <a:buAutoNum type="arabicPeriod"/>
             </a:pPr>
             <a:r>
-              <a:rPr lang="fr-MA" b="1" dirty="0"/>
-              <a:t>W</a:t>
-            </a:r>
-            <a:r>
-              <a:rPr lang="en" b="1" dirty="0"/>
-              <a:t>ebsite design (modeling) :</a:t>
+              <a:rPr lang="fr" b="1" dirty="0"/>
+              <a:t>Conception de site Web (modélisation) :</a:t>
             </a:r>
           </a:p>
           <a:p>
@@ -11244,16 +8304,12 @@
               <a:buNone/>
             </a:pPr>
             <a:r>
-              <a:rPr lang="en" b="1" dirty="0"/>
+              <a:rPr lang="fr" b="1" dirty="0"/>
               <a:t>     </a:t>
             </a:r>
             <a:r>
-              <a:rPr lang="en-US" dirty="0"/>
-              <a:t>In order to provide an overview of how the pages of the site will be and make front-end programming easier</a:t>
-            </a:r>
-            <a:r>
-              <a:rPr lang="en" dirty="0"/>
-              <a:t>.</a:t>
+              <a:rPr lang="fr" dirty="0"/>
+              <a:t>Afin de donner une vue d'ensemble de ce que seront les pages du site et de faciliter la programmation front-end .</a:t>
             </a:r>
             <a:endParaRPr dirty="0"/>
           </a:p>
@@ -11278,7 +8334,7 @@
         <p:spPr/>
         <p:txBody>
           <a:bodyPr>
-            <a:normAutofit fontScale="90000"/>
+            <a:normAutofit/>
           </a:bodyPr>
           <a:lstStyle/>
           <a:p>
@@ -11294,7 +8350,7 @@
 </p:sld>
 </file>
 
-<file path=ppt/slides/slide9.xml><?xml version="1.0" encoding="utf-8"?>
+<file path=ppt/slides/slide8.xml><?xml version="1.0" encoding="utf-8"?>
 <p:sld xmlns:a="http://schemas.openxmlformats.org/drawingml/2006/main" xmlns:r="http://schemas.openxmlformats.org/officeDocument/2006/relationships" xmlns:p="http://schemas.openxmlformats.org/presentationml/2006/main">
   <p:cSld>
     <p:spTree>
@@ -11322,6 +8378,149 @@
           </p:nvPr>
         </p:nvSpPr>
         <p:spPr>
+          <a:xfrm>
+            <a:off x="3270142" y="1313323"/>
+            <a:ext cx="4535880" cy="858900"/>
+          </a:xfrm>
+          <a:prstGeom prst="rect">
+            <a:avLst/>
+          </a:prstGeom>
+        </p:spPr>
+        <p:txBody>
+          <a:bodyPr spcFirstLastPara="1" wrap="square" lIns="91425" tIns="91425" rIns="91425" bIns="91425" anchor="ctr" anchorCtr="0">
+            <a:normAutofit fontScale="90000"/>
+          </a:bodyPr>
+          <a:lstStyle/>
+          <a:p>
+            <a:pPr marL="0" lvl="0" indent="0" algn="r" rtl="0">
+              <a:spcBef>
+                <a:spcPts val="0"/>
+              </a:spcBef>
+              <a:spcAft>
+                <a:spcPts val="0"/>
+              </a:spcAft>
+              <a:buNone/>
+            </a:pPr>
+            <a:r>
+              <a:rPr lang="fr" dirty="0"/>
+              <a:t>La planification</a:t>
+            </a:r>
+            <a:endParaRPr dirty="0"/>
+          </a:p>
+        </p:txBody>
+      </p:sp>
+    </p:spTree>
+  </p:cSld>
+  <p:clrMapOvr>
+    <a:masterClrMapping/>
+  </p:clrMapOvr>
+</p:sld>
+</file>
+
+<file path=ppt/slides/slide9.xml><?xml version="1.0" encoding="utf-8"?>
+<p:sld xmlns:a="http://schemas.openxmlformats.org/drawingml/2006/main" xmlns:r="http://schemas.openxmlformats.org/officeDocument/2006/relationships" xmlns:p="http://schemas.openxmlformats.org/presentationml/2006/main">
+  <p:cSld>
+    <p:spTree>
+      <p:nvGrpSpPr>
+        <p:cNvPr id="1" name="Shape 1578"/>
+        <p:cNvGrpSpPr/>
+        <p:nvPr/>
+      </p:nvGrpSpPr>
+      <p:grpSpPr>
+        <a:xfrm>
+          <a:off x="0" y="0"/>
+          <a:ext cx="0" cy="0"/>
+          <a:chOff x="0" y="0"/>
+          <a:chExt cx="0" cy="0"/>
+        </a:xfrm>
+      </p:grpSpPr>
+      <p:sp>
+        <p:nvSpPr>
+          <p:cNvPr id="1579" name="Google Shape;1579;p50"/>
+          <p:cNvSpPr txBox="1">
+            <a:spLocks noGrp="1"/>
+          </p:cNvSpPr>
+          <p:nvPr>
+            <p:ph type="body" idx="1"/>
+          </p:nvPr>
+        </p:nvSpPr>
+        <p:spPr>
+          <a:xfrm>
+            <a:off x="720000" y="1327400"/>
+            <a:ext cx="5699100" cy="3166200"/>
+          </a:xfrm>
+          <a:prstGeom prst="rect">
+            <a:avLst/>
+          </a:prstGeom>
+        </p:spPr>
+        <p:txBody>
+          <a:bodyPr spcFirstLastPara="1" wrap="square" lIns="91425" tIns="91425" rIns="91425" bIns="91425" anchor="t" anchorCtr="0">
+            <a:normAutofit/>
+          </a:bodyPr>
+          <a:lstStyle/>
+          <a:p>
+            <a:pPr marL="457200" lvl="0" indent="-317500" algn="l" rtl="0">
+              <a:spcBef>
+                <a:spcPts val="0"/>
+              </a:spcBef>
+              <a:spcAft>
+                <a:spcPts val="0"/>
+              </a:spcAft>
+              <a:buSzPts val="1400"/>
+              <a:buAutoNum type="arabicPeriod"/>
+            </a:pPr>
+            <a:r>
+              <a:rPr lang="fr" dirty="0"/>
+              <a:t>Diagramme de cas d'utilisation</a:t>
+            </a:r>
+            <a:endParaRPr dirty="0"/>
+          </a:p>
+          <a:p>
+            <a:pPr marL="457200" lvl="0" indent="-317500" algn="l" rtl="0">
+              <a:spcBef>
+                <a:spcPts val="0"/>
+              </a:spcBef>
+              <a:spcAft>
+                <a:spcPts val="0"/>
+              </a:spcAft>
+              <a:buSzPts val="1400"/>
+              <a:buAutoNum type="arabicPeriod"/>
+            </a:pPr>
+            <a:r>
+              <a:rPr lang="fr" dirty="0"/>
+              <a:t>Diagramme de classes</a:t>
+            </a:r>
+          </a:p>
+          <a:p>
+            <a:pPr marL="457200" lvl="0" indent="-317500" algn="l" rtl="0">
+              <a:spcBef>
+                <a:spcPts val="0"/>
+              </a:spcBef>
+              <a:spcAft>
+                <a:spcPts val="0"/>
+              </a:spcAft>
+              <a:buSzPts val="1400"/>
+              <a:buAutoNum type="arabicPeriod"/>
+            </a:pPr>
+            <a:r>
+              <a:rPr lang="fr" dirty="0"/>
+              <a:t>Diagramme de séquence</a:t>
+            </a:r>
+            <a:endParaRPr dirty="0"/>
+          </a:p>
+        </p:txBody>
+      </p:sp>
+      <p:sp>
+        <p:nvSpPr>
+          <p:cNvPr id="1580" name="Google Shape;1580;p50"/>
+          <p:cNvSpPr txBox="1">
+            <a:spLocks noGrp="1"/>
+          </p:cNvSpPr>
+          <p:nvPr>
+            <p:ph type="title"/>
+          </p:nvPr>
+        </p:nvSpPr>
+        <p:spPr>
           <a:prstGeom prst="rect">
             <a:avLst/>
           </a:prstGeom>
@@ -11332,7 +8531,7 @@
           </a:bodyPr>
           <a:lstStyle/>
           <a:p>
-            <a:pPr marL="0" lvl="0" indent="0" algn="r" rtl="0">
+            <a:pPr marL="0" lvl="0" indent="0" algn="l" rtl="0">
               <a:spcBef>
                 <a:spcPts val="0"/>
               </a:spcBef>
@@ -11342,8 +8541,8 @@
               <a:buNone/>
             </a:pPr>
             <a:r>
-              <a:rPr lang="fr-FR" dirty="0"/>
-              <a:t>The planning </a:t>
+              <a:rPr lang="fr" dirty="0"/>
+              <a:t>Conception et Modélisation ( UML) :</a:t>
             </a:r>
             <a:endParaRPr dirty="0"/>
           </a:p>
@@ -11358,9 +8557,9 @@
 </file>
 
 <file path=ppt/theme/theme1.xml><?xml version="1.0" encoding="utf-8"?>
-<a:theme xmlns:a="http://schemas.openxmlformats.org/drawingml/2006/main" name="Ion">
+<a:theme xmlns:a="http://schemas.openxmlformats.org/drawingml/2006/main" name="Gallery">
   <a:themeElements>
-    <a:clrScheme name="Blue II">
+    <a:clrScheme name="Gallery">
       <a:dk1>
         <a:sysClr val="windowText" lastClr="000000"/>
       </a:dk1>
@@ -11368,44 +8567,44 @@
         <a:sysClr val="window" lastClr="FFFFFF"/>
       </a:lt1>
       <a:dk2>
-        <a:srgbClr val="335B74"/>
+        <a:srgbClr val="454545"/>
       </a:dk2>
       <a:lt2>
-        <a:srgbClr val="DFE3E5"/>
+        <a:srgbClr val="DFDBD5"/>
       </a:lt2>
       <a:accent1>
-        <a:srgbClr val="1CADE4"/>
+        <a:srgbClr val="B71E42"/>
       </a:accent1>
       <a:accent2>
-        <a:srgbClr val="2683C6"/>
+        <a:srgbClr val="DE478E"/>
       </a:accent2>
       <a:accent3>
-        <a:srgbClr val="27CED7"/>
+        <a:srgbClr val="BC72F0"/>
       </a:accent3>
       <a:accent4>
-        <a:srgbClr val="42BA97"/>
+        <a:srgbClr val="795FAF"/>
       </a:accent4>
       <a:accent5>
-        <a:srgbClr val="3E8853"/>
+        <a:srgbClr val="586EA6"/>
       </a:accent5>
       <a:accent6>
-        <a:srgbClr val="62A39F"/>
+        <a:srgbClr val="6892A0"/>
       </a:accent6>
       <a:hlink>
-        <a:srgbClr val="6EAC1C"/>
+        <a:srgbClr val="FA2B5C"/>
       </a:hlink>
       <a:folHlink>
-        <a:srgbClr val="B26B02"/>
+        <a:srgbClr val="BC658E"/>
       </a:folHlink>
     </a:clrScheme>
-    <a:fontScheme name="Ion">
+    <a:fontScheme name="Gallery">
       <a:majorFont>
-        <a:latin typeface="Century Gothic" panose="020B0502020202020204"/>
+        <a:latin typeface="Gill Sans MT" panose="020B0502020104020203"/>
         <a:ea typeface=""/>
         <a:cs typeface=""/>
-        <a:font script="Jpan" typeface="メイリオ"/>
+        <a:font script="Jpan" typeface="游ゴシック Light"/>
         <a:font script="Hang" typeface="맑은 고딕"/>
-        <a:font script="Hans" typeface="宋体"/>
+        <a:font script="Hans" typeface="等线 Light"/>
         <a:font script="Hant" typeface="新細明體"/>
         <a:font script="Arab" typeface="Times New Roman"/>
         <a:font script="Hebr" typeface="Times New Roman"/>
@@ -11435,12 +8634,12 @@
         <a:font script="Geor" typeface="Sylfaen"/>
       </a:majorFont>
       <a:minorFont>
-        <a:latin typeface="Century Gothic" panose="020B0502020202020204"/>
+        <a:latin typeface="Gill Sans MT" panose="020B0502020104020203"/>
         <a:ea typeface=""/>
         <a:cs typeface=""/>
-        <a:font script="Jpan" typeface="メイリオ"/>
+        <a:font script="Jpan" typeface="游ゴシック"/>
         <a:font script="Hang" typeface="맑은 고딕"/>
-        <a:font script="Hans" typeface="宋体"/>
+        <a:font script="Hans" typeface="等线"/>
         <a:font script="Hant" typeface="新細明體"/>
         <a:font script="Arab" typeface="Arial"/>
         <a:font script="Hebr" typeface="Arial"/>
@@ -11470,7 +8669,7 @@
         <a:font script="Geor" typeface="Sylfaen"/>
       </a:minorFont>
     </a:fontScheme>
-    <a:fmtScheme name="Ion">
+    <a:fmtScheme name="Gallery">
       <a:fillStyleLst>
         <a:solidFill>
           <a:schemeClr val="phClr"/>
@@ -11479,15 +8678,18 @@
           <a:gsLst>
             <a:gs pos="0">
               <a:schemeClr val="phClr">
-                <a:tint val="64000"/>
-                <a:lumMod val="118000"/>
+                <a:tint val="54000"/>
+                <a:alpha val="100000"/>
+                <a:satMod val="105000"/>
+                <a:lumMod val="110000"/>
               </a:schemeClr>
             </a:gs>
             <a:gs pos="100000">
               <a:schemeClr val="phClr">
-                <a:tint val="92000"/>
-                <a:alpha val="100000"/>
-                <a:lumMod val="110000"/>
+                <a:tint val="78000"/>
+                <a:alpha val="92000"/>
+                <a:satMod val="109000"/>
+                <a:lumMod val="100000"/>
               </a:schemeClr>
             </a:gs>
           </a:gsLst>
@@ -11498,13 +8700,22 @@
             <a:gs pos="0">
               <a:schemeClr val="phClr">
                 <a:tint val="98000"/>
-                <a:lumMod val="114000"/>
+                <a:satMod val="110000"/>
+                <a:lumMod val="104000"/>
+              </a:schemeClr>
+            </a:gs>
+            <a:gs pos="69000">
+              <a:schemeClr val="phClr">
+                <a:shade val="88000"/>
+                <a:satMod val="130000"/>
+                <a:lumMod val="92000"/>
               </a:schemeClr>
             </a:gs>
             <a:gs pos="100000">
               <a:schemeClr val="phClr">
-                <a:shade val="90000"/>
-                <a:lumMod val="84000"/>
+                <a:shade val="78000"/>
+                <a:satMod val="130000"/>
+                <a:lumMod val="92000"/>
               </a:schemeClr>
             </a:gs>
           </a:gsLst>
@@ -11512,19 +8723,19 @@
         </a:gradFill>
       </a:fillStyleLst>
       <a:lnStyleLst>
-        <a:ln w="9525" cap="rnd" cmpd="sng" algn="ctr">
+        <a:ln w="9525" cap="flat" cmpd="sng" algn="ctr">
           <a:solidFill>
             <a:schemeClr val="phClr"/>
           </a:solidFill>
           <a:prstDash val="solid"/>
         </a:ln>
-        <a:ln w="19050" cap="rnd" cmpd="sng" algn="ctr">
+        <a:ln w="15875" cap="flat" cmpd="sng" algn="ctr">
           <a:solidFill>
             <a:schemeClr val="phClr"/>
           </a:solidFill>
           <a:prstDash val="solid"/>
         </a:ln>
-        <a:ln w="28575" cap="rnd" cmpd="sng" algn="ctr">
+        <a:ln w="22225" cap="flat" cmpd="sng" algn="ctr">
           <a:solidFill>
             <a:schemeClr val="phClr"/>
           </a:solidFill>
@@ -11536,19 +8747,13 @@
           <a:effectLst/>
         </a:effectStyle>
         <a:effectStyle>
-          <a:effectLst>
-            <a:outerShdw blurRad="38100" dist="25400" dir="5400000" rotWithShape="0">
-              <a:srgbClr val="000000">
-                <a:alpha val="45000"/>
-              </a:srgbClr>
-            </a:outerShdw>
-          </a:effectLst>
+          <a:effectLst/>
         </a:effectStyle>
         <a:effectStyle>
           <a:effectLst>
-            <a:outerShdw blurRad="63500" dist="38100" dir="5400000" rotWithShape="0">
+            <a:outerShdw blurRad="50800" dist="50800" dir="5400000" sx="96000" sy="96000" rotWithShape="0">
               <a:srgbClr val="000000">
-                <a:alpha val="60000"/>
+                <a:alpha val="48000"/>
               </a:srgbClr>
             </a:outerShdw>
           </a:effectLst>
@@ -11556,10 +8761,12 @@
             <a:camera prst="orthographicFront">
               <a:rot lat="0" lon="0" rev="0"/>
             </a:camera>
-            <a:lightRig rig="threePt" dir="tl"/>
+            <a:lightRig rig="balanced" dir="t">
+              <a:rot lat="0" lon="0" rev="1080000"/>
+            </a:lightRig>
           </a:scene3d>
-          <a:sp3d prstMaterial="plastic">
-            <a:bevelT w="0" h="0"/>
+          <a:sp3d>
+            <a:bevelT w="38100" h="12700" prst="softRound"/>
           </a:sp3d>
         </a:effectStyle>
       </a:effectStyleLst>
@@ -11567,49 +8774,28 @@
         <a:solidFill>
           <a:schemeClr val="phClr"/>
         </a:solidFill>
+        <a:solidFill>
+          <a:schemeClr val="phClr"/>
+        </a:solidFill>
         <a:gradFill rotWithShape="1">
           <a:gsLst>
             <a:gs pos="0">
               <a:schemeClr val="phClr">
-                <a:tint val="97000"/>
-                <a:hueMod val="88000"/>
-                <a:satMod val="130000"/>
-                <a:lumMod val="124000"/>
+                <a:tint val="94000"/>
+                <a:satMod val="80000"/>
+                <a:lumMod val="106000"/>
               </a:schemeClr>
             </a:gs>
             <a:gs pos="100000">
               <a:schemeClr val="phClr">
-                <a:tint val="96000"/>
-                <a:shade val="88000"/>
-                <a:hueMod val="108000"/>
-                <a:satMod val="164000"/>
-                <a:lumMod val="76000"/>
+                <a:shade val="80000"/>
               </a:schemeClr>
             </a:gs>
           </a:gsLst>
           <a:path path="circle">
-            <a:fillToRect l="45000" t="65000" r="125000" b="100000"/>
+            <a:fillToRect l="43000" r="43000" b="100000"/>
           </a:path>
         </a:gradFill>
-        <a:blipFill rotWithShape="1">
-          <a:blip xmlns:r="http://schemas.openxmlformats.org/officeDocument/2006/relationships" r:embed="rId1">
-            <a:duotone>
-              <a:schemeClr val="phClr">
-                <a:shade val="69000"/>
-                <a:hueMod val="108000"/>
-                <a:satMod val="164000"/>
-                <a:lumMod val="74000"/>
-              </a:schemeClr>
-              <a:schemeClr val="phClr">
-                <a:tint val="96000"/>
-                <a:hueMod val="88000"/>
-                <a:satMod val="140000"/>
-                <a:lumMod val="132000"/>
-              </a:schemeClr>
-            </a:duotone>
-          </a:blip>
-          <a:stretch/>
-        </a:blipFill>
       </a:bgFillStyleLst>
     </a:fmtScheme>
   </a:themeElements>
@@ -11617,7 +8803,7 @@
   <a:extraClrSchemeLst/>
   <a:extLst>
     <a:ext uri="{05A4C25C-085E-4340-85A3-A5531E510DB2}">
-      <thm15:themeFamily xmlns:thm15="http://schemas.microsoft.com/office/thememl/2012/main" name="Ion" id="{B8441ADB-2E43-4AF7-B97A-BD870242C6A8}" vid="{292E63A9-BB86-4E3D-B92A-7223C6510D2E}"/>
+      <thm15:themeFamily xmlns:thm15="http://schemas.microsoft.com/office/thememl/2012/main" name="Gallery" id="{BBFCD31E-59A1-489D-B089-A3EAD7CAE12E}" vid="{F5E91637-A7B6-4E27-B710-77DA7014EE1E}"/>
     </a:ext>
   </a:extLst>
 </a:theme>

--- a/UML/presentationfilrouge.pptx
+++ b/UML/presentationfilrouge.pptx
@@ -5,7 +5,7 @@
     <p:sldMasterId id="2147484124" r:id="rId1"/>
   </p:sldMasterIdLst>
   <p:notesMasterIdLst>
-    <p:notesMasterId r:id="rId18"/>
+    <p:notesMasterId r:id="rId19"/>
   </p:notesMasterIdLst>
   <p:sldIdLst>
     <p:sldId id="256" r:id="rId2"/>
@@ -24,23 +24,24 @@
     <p:sldId id="273" r:id="rId15"/>
     <p:sldId id="275" r:id="rId16"/>
     <p:sldId id="274" r:id="rId17"/>
+    <p:sldId id="276" r:id="rId18"/>
   </p:sldIdLst>
   <p:sldSz cx="9144000" cy="5143500" type="screen16x9"/>
   <p:notesSz cx="6858000" cy="9144000"/>
   <p:embeddedFontLst>
     <p:embeddedFont>
       <p:font typeface="Gill Sans MT" panose="020B0502020104020203" pitchFamily="34" charset="0"/>
-      <p:regular r:id="rId19"/>
-      <p:bold r:id="rId20"/>
-      <p:italic r:id="rId21"/>
-      <p:boldItalic r:id="rId22"/>
+      <p:regular r:id="rId20"/>
+      <p:bold r:id="rId21"/>
+      <p:italic r:id="rId22"/>
+      <p:boldItalic r:id="rId23"/>
     </p:embeddedFont>
     <p:embeddedFont>
       <p:font typeface="Lato" panose="020F0502020204030203" pitchFamily="34" charset="0"/>
-      <p:regular r:id="rId23"/>
-      <p:bold r:id="rId24"/>
-      <p:italic r:id="rId25"/>
-      <p:boldItalic r:id="rId26"/>
+      <p:regular r:id="rId24"/>
+      <p:bold r:id="rId25"/>
+      <p:italic r:id="rId26"/>
+      <p:boldItalic r:id="rId27"/>
     </p:embeddedFont>
   </p:embeddedFontLst>
   <p:defaultTextStyle>
@@ -2395,7 +2396,7 @@
           <a:p>
             <a:fld id="{4AAD347D-5ACD-4C99-B74B-A9C85AD731AF}" type="datetimeFigureOut">
               <a:rPr lang="en-US" smtClean="0"/>
-              <a:t>6/17/2022</a:t>
+              <a:t>6/19/2022</a:t>
             </a:fld>
             <a:endParaRPr lang="en-US" dirty="0"/>
           </a:p>
@@ -2607,7 +2608,7 @@
           <a:p>
             <a:fld id="{4AAD347D-5ACD-4C99-B74B-A9C85AD731AF}" type="datetimeFigureOut">
               <a:rPr lang="en-US" smtClean="0"/>
-              <a:t>6/17/2022</a:t>
+              <a:t>6/19/2022</a:t>
             </a:fld>
             <a:endParaRPr lang="en-US" dirty="0"/>
           </a:p>
@@ -2823,7 +2824,7 @@
           <a:p>
             <a:fld id="{4AAD347D-5ACD-4C99-B74B-A9C85AD731AF}" type="datetimeFigureOut">
               <a:rPr lang="en-US" smtClean="0"/>
-              <a:t>6/17/2022</a:t>
+              <a:t>6/19/2022</a:t>
             </a:fld>
             <a:endParaRPr lang="en-US" dirty="0"/>
           </a:p>
@@ -3926,7 +3927,7 @@
           <a:p>
             <a:fld id="{4AAD347D-5ACD-4C99-B74B-A9C85AD731AF}" type="datetimeFigureOut">
               <a:rPr lang="en-US" smtClean="0"/>
-              <a:t>6/17/2022</a:t>
+              <a:t>6/19/2022</a:t>
             </a:fld>
             <a:endParaRPr lang="en-US" dirty="0"/>
           </a:p>
@@ -4206,7 +4207,7 @@
           <a:p>
             <a:fld id="{9796027F-7875-4030-9381-8BD8C4F21935}" type="datetimeFigureOut">
               <a:rPr lang="en-US" smtClean="0"/>
-              <a:t>6/17/2022</a:t>
+              <a:t>6/19/2022</a:t>
             </a:fld>
             <a:endParaRPr lang="en-US" dirty="0"/>
           </a:p>
@@ -4475,7 +4476,7 @@
           <a:p>
             <a:fld id="{4AAD347D-5ACD-4C99-B74B-A9C85AD731AF}" type="datetimeFigureOut">
               <a:rPr lang="en-US" smtClean="0"/>
-              <a:t>6/17/2022</a:t>
+              <a:t>6/19/2022</a:t>
             </a:fld>
             <a:endParaRPr lang="en-US" dirty="0"/>
           </a:p>
@@ -4892,7 +4893,7 @@
           <a:p>
             <a:fld id="{4AAD347D-5ACD-4C99-B74B-A9C85AD731AF}" type="datetimeFigureOut">
               <a:rPr lang="en-US" smtClean="0"/>
-              <a:t>6/17/2022</a:t>
+              <a:t>6/19/2022</a:t>
             </a:fld>
             <a:endParaRPr lang="en-US" dirty="0"/>
           </a:p>
@@ -5042,7 +5043,7 @@
           <a:p>
             <a:fld id="{4509A250-FF31-4206-8172-F9D3106AACB1}" type="datetimeFigureOut">
               <a:rPr lang="en-US" smtClean="0"/>
-              <a:t>6/17/2022</a:t>
+              <a:t>6/19/2022</a:t>
             </a:fld>
             <a:endParaRPr lang="en-US" dirty="0"/>
           </a:p>
@@ -5169,7 +5170,7 @@
           <a:p>
             <a:fld id="{4509A250-FF31-4206-8172-F9D3106AACB1}" type="datetimeFigureOut">
               <a:rPr lang="en-US" smtClean="0"/>
-              <a:t>6/17/2022</a:t>
+              <a:t>6/19/2022</a:t>
             </a:fld>
             <a:endParaRPr lang="en-US" dirty="0"/>
           </a:p>
@@ -5420,7 +5421,7 @@
           <a:p>
             <a:fld id="{4AAD347D-5ACD-4C99-B74B-A9C85AD731AF}" type="datetimeFigureOut">
               <a:rPr lang="en-US" smtClean="0"/>
-              <a:t>6/17/2022</a:t>
+              <a:t>6/19/2022</a:t>
             </a:fld>
             <a:endParaRPr lang="en-US" dirty="0"/>
           </a:p>
@@ -5866,7 +5867,7 @@
           <a:p>
             <a:fld id="{4AAD347D-5ACD-4C99-B74B-A9C85AD731AF}" type="datetimeFigureOut">
               <a:rPr lang="en-US" smtClean="0"/>
-              <a:t>6/17/2022</a:t>
+              <a:t>6/19/2022</a:t>
             </a:fld>
             <a:endParaRPr lang="en-US" dirty="0"/>
           </a:p>
@@ -6194,7 +6195,7 @@
           <a:p>
             <a:fld id="{4AAD347D-5ACD-4C99-B74B-A9C85AD731AF}" type="datetimeFigureOut">
               <a:rPr lang="en-US" smtClean="0"/>
-              <a:t>6/17/2022</a:t>
+              <a:t>6/19/2022</a:t>
             </a:fld>
             <a:endParaRPr lang="en-US" dirty="0"/>
           </a:p>
@@ -6936,7 +6937,7 @@
             </a:pPr>
             <a:r>
               <a:rPr lang="fr" dirty="0"/>
-              <a:t>Les interfaces des utilisateurs</a:t>
+              <a:t>Les interfaces des utilisateurs :</a:t>
             </a:r>
             <a:endParaRPr lang="fr-MA" dirty="0"/>
           </a:p>
@@ -7041,7 +7042,7 @@
             </a:pPr>
             <a:r>
               <a:rPr lang="fr" dirty="0"/>
-              <a:t>Interfaces d'administration</a:t>
+              <a:t>Interfaces d'administration :</a:t>
             </a:r>
             <a:endParaRPr dirty="0"/>
           </a:p>
@@ -7171,7 +7172,7 @@
         </p:nvSpPr>
         <p:spPr>
           <a:xfrm>
-            <a:off x="720000" y="1327400"/>
+            <a:off x="695850" y="988650"/>
             <a:ext cx="5699100" cy="3166200"/>
           </a:xfrm>
           <a:prstGeom prst="rect">
@@ -7180,7 +7181,7 @@
         </p:spPr>
         <p:txBody>
           <a:bodyPr spcFirstLastPara="1" wrap="square" lIns="91425" tIns="91425" rIns="91425" bIns="91425" anchor="t" anchorCtr="0">
-            <a:normAutofit/>
+            <a:normAutofit fontScale="92500" lnSpcReduction="20000"/>
           </a:bodyPr>
           <a:lstStyle/>
           <a:p>
@@ -7195,8 +7196,93 @@
               <a:buNone/>
             </a:pPr>
             <a:r>
+              <a:rPr lang="fr" b="1" dirty="0"/>
+              <a:t>HTML :</a:t>
+            </a:r>
+          </a:p>
+          <a:p>
+            <a:pPr marL="139700" lvl="0" indent="0" algn="l" rtl="0">
+              <a:spcBef>
+                <a:spcPts val="0"/>
+              </a:spcBef>
+              <a:spcAft>
+                <a:spcPts val="0"/>
+              </a:spcAft>
+              <a:buSzPts val="1400"/>
+              <a:buNone/>
+            </a:pPr>
+            <a:r>
+              <a:rPr lang="fr-FR" dirty="0"/>
+              <a:t>est le langage de description de la structure des pages Web.</a:t>
+            </a:r>
+            <a:r>
               <a:rPr lang="fr" dirty="0"/>
-              <a:t>HTML,  CSS,  VUE JS</a:t>
+              <a:t> </a:t>
+            </a:r>
+          </a:p>
+          <a:p>
+            <a:pPr marL="139700" lvl="0" indent="0" algn="l" rtl="0">
+              <a:spcBef>
+                <a:spcPts val="0"/>
+              </a:spcBef>
+              <a:spcAft>
+                <a:spcPts val="0"/>
+              </a:spcAft>
+              <a:buSzPts val="1400"/>
+              <a:buNone/>
+            </a:pPr>
+            <a:r>
+              <a:rPr lang="fr" b="1" dirty="0"/>
+              <a:t>CSS : </a:t>
+            </a:r>
+          </a:p>
+          <a:p>
+            <a:pPr marL="139700" lvl="0" indent="0" algn="l" rtl="0">
+              <a:spcBef>
+                <a:spcPts val="0"/>
+              </a:spcBef>
+              <a:spcAft>
+                <a:spcPts val="0"/>
+              </a:spcAft>
+              <a:buSzPts val="1400"/>
+              <a:buNone/>
+            </a:pPr>
+            <a:r>
+              <a:rPr lang="fr-FR" dirty="0"/>
+              <a:t>est le langage utilisé pour décrire la présentation des pages Web, y compris les couleurs, la mise en page et les polices.</a:t>
+            </a:r>
+            <a:endParaRPr lang="fr" dirty="0"/>
+          </a:p>
+          <a:p>
+            <a:pPr marL="139700" lvl="0" indent="0" algn="l" rtl="0">
+              <a:spcBef>
+                <a:spcPts val="0"/>
+              </a:spcBef>
+              <a:spcAft>
+                <a:spcPts val="0"/>
+              </a:spcAft>
+              <a:buSzPts val="1400"/>
+              <a:buNone/>
+            </a:pPr>
+            <a:r>
+              <a:rPr lang="fr" b="1" dirty="0"/>
+              <a:t>VUE JS :</a:t>
+            </a:r>
+          </a:p>
+          <a:p>
+            <a:pPr marL="139700" lvl="0" indent="0" algn="l" rtl="0">
+              <a:spcBef>
+                <a:spcPts val="0"/>
+              </a:spcBef>
+              <a:spcAft>
+                <a:spcPts val="0"/>
+              </a:spcAft>
+              <a:buSzPts val="1400"/>
+              <a:buNone/>
+            </a:pPr>
+            <a:r>
+              <a:rPr lang="fr-FR" dirty="0"/>
+              <a:t>est un cadre progressif pour JavaScript utilisé pour créer des interfaces Web et des applications d'une page.</a:t>
             </a:r>
             <a:endParaRPr dirty="0"/>
           </a:p>
@@ -7213,6 +7299,10 @@
           </p:nvPr>
         </p:nvSpPr>
         <p:spPr>
+          <a:xfrm>
+            <a:off x="695850" y="336179"/>
+            <a:ext cx="7752300" cy="572700"/>
+          </a:xfrm>
           <a:prstGeom prst="rect">
             <a:avLst/>
           </a:prstGeom>
@@ -7262,7 +7352,7 @@
         </p:blipFill>
         <p:spPr>
           <a:xfrm>
-            <a:off x="8024249" y="2817803"/>
+            <a:off x="6815381" y="3250767"/>
             <a:ext cx="1356125" cy="904083"/>
           </a:xfrm>
           <a:prstGeom prst="rect">
@@ -7292,8 +7382,8 @@
         </p:blipFill>
         <p:spPr>
           <a:xfrm>
-            <a:off x="7084480" y="2817803"/>
-            <a:ext cx="1504816" cy="1575739"/>
+            <a:off x="6046093" y="988650"/>
+            <a:ext cx="1757303" cy="1840126"/>
           </a:xfrm>
           <a:prstGeom prst="rect">
             <a:avLst/>
@@ -7346,7 +7436,7 @@
         </p:spPr>
         <p:txBody>
           <a:bodyPr spcFirstLastPara="1" wrap="square" lIns="91425" tIns="91425" rIns="91425" bIns="91425" anchor="t" anchorCtr="0">
-            <a:normAutofit/>
+            <a:normAutofit fontScale="85000" lnSpcReduction="20000"/>
           </a:bodyPr>
           <a:lstStyle/>
           <a:p>
@@ -7361,8 +7451,114 @@
               <a:buNone/>
             </a:pPr>
             <a:r>
-              <a:rPr lang="fr" dirty="0"/>
-              <a:t>PHP(MVC) , MYSQL , POSTMAN</a:t>
+              <a:rPr lang="fr" b="1" dirty="0"/>
+              <a:t>PHP(MVC) :</a:t>
+            </a:r>
+          </a:p>
+          <a:p>
+            <a:pPr marL="139700" lvl="0" indent="0" algn="l" rtl="0">
+              <a:spcBef>
+                <a:spcPts val="0"/>
+              </a:spcBef>
+              <a:spcAft>
+                <a:spcPts val="0"/>
+              </a:spcAft>
+              <a:buSzPts val="1400"/>
+              <a:buNone/>
+            </a:pPr>
+            <a:r>
+              <a:rPr lang="fr-FR" dirty="0"/>
+              <a:t>est connu comme un langage de script à usage général qui peut être utilisé pour développer des sites Web dynamiques et interactifs.</a:t>
+            </a:r>
+            <a:endParaRPr lang="fr" dirty="0"/>
+          </a:p>
+          <a:p>
+            <a:pPr marL="139700" lvl="0" indent="0" algn="l" rtl="0">
+              <a:spcBef>
+                <a:spcPts val="0"/>
+              </a:spcBef>
+              <a:spcAft>
+                <a:spcPts val="0"/>
+              </a:spcAft>
+              <a:buSzPts val="1400"/>
+              <a:buNone/>
+            </a:pPr>
+            <a:r>
+              <a:rPr lang="fr" b="1" dirty="0"/>
+              <a:t>MYSQL :</a:t>
+            </a:r>
+          </a:p>
+          <a:p>
+            <a:pPr marL="139700" lvl="0" indent="0" algn="l" rtl="0">
+              <a:spcBef>
+                <a:spcPts val="0"/>
+              </a:spcBef>
+              <a:spcAft>
+                <a:spcPts val="0"/>
+              </a:spcAft>
+              <a:buSzPts val="1400"/>
+              <a:buNone/>
+            </a:pPr>
+            <a:r>
+              <a:rPr lang="fr-FR" dirty="0"/>
+              <a:t>est un système de gestion de bases de données relationnelles basé sur SQL – </a:t>
+            </a:r>
+            <a:r>
+              <a:rPr lang="fr-FR" dirty="0" err="1"/>
+              <a:t>Structured</a:t>
+            </a:r>
+            <a:r>
+              <a:rPr lang="fr-FR" dirty="0"/>
+              <a:t> </a:t>
+            </a:r>
+            <a:r>
+              <a:rPr lang="fr-FR" dirty="0" err="1"/>
+              <a:t>Query</a:t>
+            </a:r>
+            <a:r>
+              <a:rPr lang="fr-FR" dirty="0"/>
+              <a:t> </a:t>
+            </a:r>
+            <a:r>
+              <a:rPr lang="fr-FR" dirty="0" err="1"/>
+              <a:t>Language</a:t>
+            </a:r>
+            <a:r>
+              <a:rPr lang="fr-FR" dirty="0"/>
+              <a:t>.</a:t>
+            </a:r>
+            <a:endParaRPr lang="fr" dirty="0"/>
+          </a:p>
+          <a:p>
+            <a:pPr marL="139700" lvl="0" indent="0" algn="l" rtl="0">
+              <a:spcBef>
+                <a:spcPts val="0"/>
+              </a:spcBef>
+              <a:spcAft>
+                <a:spcPts val="0"/>
+              </a:spcAft>
+              <a:buSzPts val="1400"/>
+              <a:buNone/>
+            </a:pPr>
+            <a:r>
+              <a:rPr lang="fr" b="1" dirty="0"/>
+              <a:t>POSTMAN :</a:t>
+            </a:r>
+          </a:p>
+          <a:p>
+            <a:pPr marL="139700" lvl="0" indent="0" algn="l" rtl="0">
+              <a:spcBef>
+                <a:spcPts val="0"/>
+              </a:spcBef>
+              <a:spcAft>
+                <a:spcPts val="0"/>
+              </a:spcAft>
+              <a:buSzPts val="1400"/>
+              <a:buNone/>
+            </a:pPr>
+            <a:r>
+              <a:rPr lang="fr-FR" dirty="0"/>
+              <a:t>est un client API qui permet aux développeurs de créer, partager, tester et documenter facilement des API.</a:t>
             </a:r>
             <a:endParaRPr dirty="0"/>
           </a:p>
@@ -7428,7 +7624,7 @@
         </p:blipFill>
         <p:spPr>
           <a:xfrm>
-            <a:off x="490529" y="3920900"/>
+            <a:off x="6481530" y="1545472"/>
             <a:ext cx="1060096" cy="572700"/>
           </a:xfrm>
           <a:prstGeom prst="rect">
@@ -7458,8 +7654,8 @@
         </p:blipFill>
         <p:spPr>
           <a:xfrm>
-            <a:off x="6582077" y="3493278"/>
-            <a:ext cx="1995119" cy="1107738"/>
+            <a:off x="6238067" y="2416799"/>
+            <a:ext cx="1778383" cy="987401"/>
           </a:xfrm>
           <a:prstGeom prst="rect">
             <a:avLst/>
@@ -7488,8 +7684,8 @@
         </p:blipFill>
         <p:spPr>
           <a:xfrm>
-            <a:off x="3708721" y="3813484"/>
-            <a:ext cx="1941589" cy="787532"/>
+            <a:off x="6481530" y="3696344"/>
+            <a:ext cx="1648508" cy="668655"/>
           </a:xfrm>
           <a:prstGeom prst="rect">
             <a:avLst/>
@@ -7537,6 +7733,10 @@
           </p:nvPr>
         </p:nvSpPr>
         <p:spPr>
+          <a:xfrm>
+            <a:off x="3613549" y="-72297"/>
+            <a:ext cx="5605500" cy="2498400"/>
+          </a:xfrm>
           <a:prstGeom prst="rect">
             <a:avLst/>
           </a:prstGeom>
@@ -7557,14 +7757,104 @@
               <a:buNone/>
             </a:pPr>
             <a:r>
-              <a:rPr lang="fr" sz="6000" dirty="0"/>
-              <a:t>Des questions?</a:t>
-            </a:r>
-            <a:endParaRPr sz="6000" dirty="0"/>
+              <a:rPr lang="fr-MA" sz="4400" dirty="0"/>
+              <a:t>C</a:t>
+            </a:r>
+            <a:r>
+              <a:rPr lang="fr" sz="4400" dirty="0"/>
+              <a:t>onclusion general</a:t>
+            </a:r>
+            <a:endParaRPr sz="4400" dirty="0"/>
           </a:p>
         </p:txBody>
       </p:sp>
     </p:spTree>
+  </p:cSld>
+  <p:clrMapOvr>
+    <a:masterClrMapping/>
+  </p:clrMapOvr>
+</p:sld>
+</file>
+
+<file path=ppt/slides/slide17.xml><?xml version="1.0" encoding="utf-8"?>
+<p:sld xmlns:a="http://schemas.openxmlformats.org/drawingml/2006/main" xmlns:r="http://schemas.openxmlformats.org/officeDocument/2006/relationships" xmlns:p="http://schemas.openxmlformats.org/presentationml/2006/main">
+  <p:cSld>
+    <p:spTree>
+      <p:nvGrpSpPr>
+        <p:cNvPr id="1" name=""/>
+        <p:cNvGrpSpPr/>
+        <p:nvPr/>
+      </p:nvGrpSpPr>
+      <p:grpSpPr>
+        <a:xfrm>
+          <a:off x="0" y="0"/>
+          <a:ext cx="0" cy="0"/>
+          <a:chOff x="0" y="0"/>
+          <a:chExt cx="0" cy="0"/>
+        </a:xfrm>
+      </p:grpSpPr>
+      <p:sp>
+        <p:nvSpPr>
+          <p:cNvPr id="2" name="Title 1">
+            <a:extLst>
+              <a:ext uri="{FF2B5EF4-FFF2-40B4-BE49-F238E27FC236}">
+                <a16:creationId xmlns:a16="http://schemas.microsoft.com/office/drawing/2014/main" id="{01019058-1CDB-CCDF-5EA1-1FD55B9ABBA2}"/>
+              </a:ext>
+            </a:extLst>
+          </p:cNvPr>
+          <p:cNvSpPr>
+            <a:spLocks noGrp="1"/>
+          </p:cNvSpPr>
+          <p:nvPr>
+            <p:ph type="title"/>
+          </p:nvPr>
+        </p:nvSpPr>
+        <p:spPr>
+          <a:xfrm>
+            <a:off x="1769250" y="689674"/>
+            <a:ext cx="5605500" cy="3131275"/>
+          </a:xfrm>
+        </p:spPr>
+        <p:txBody>
+          <a:bodyPr>
+            <a:normAutofit/>
+          </a:bodyPr>
+          <a:lstStyle/>
+          <a:p>
+            <a:pPr>
+              <a:lnSpc>
+                <a:spcPct val="200000"/>
+              </a:lnSpc>
+            </a:pPr>
+            <a:r>
+              <a:rPr lang="fr-FR" sz="1600" dirty="0"/>
+              <a:t>Ce n'est que la première version de site, il</a:t>
+            </a:r>
+            <a:br>
+              <a:rPr lang="ar-SA" sz="1600" dirty="0"/>
+            </a:br>
+            <a:r>
+              <a:rPr lang="fr-FR" sz="1600" dirty="0"/>
+              <a:t>y a beaucoup de choses sur lesquelles je travaille pour les versions à venir, que ce soit au niveau de </a:t>
+            </a:r>
+            <a:r>
+              <a:rPr lang="fr-FR" sz="1400" dirty="0"/>
+              <a:t>l'expérience</a:t>
+            </a:r>
+            <a:r>
+              <a:rPr lang="fr-FR" sz="1600" dirty="0"/>
+              <a:t> utilisateur ou au niveau du design, c'est-à-dire rendre le site plus agréable à utiliser et plus attractif.</a:t>
+            </a:r>
+            <a:endParaRPr lang="fr-MA" sz="1600" dirty="0"/>
+          </a:p>
+        </p:txBody>
+      </p:sp>
+    </p:spTree>
+    <p:extLst>
+      <p:ext uri="{BB962C8B-B14F-4D97-AF65-F5344CB8AC3E}">
+        <p14:creationId xmlns:p14="http://schemas.microsoft.com/office/powerpoint/2010/main" val="2277972730"/>
+      </p:ext>
+    </p:extLst>
   </p:cSld>
   <p:clrMapOvr>
     <a:masterClrMapping/>
@@ -7834,10 +8124,10 @@
               <a:buNone/>
             </a:pPr>
             <a:r>
-              <a:rPr lang="fr"/>
-              <a:t>Contenu</a:t>
-            </a:r>
-            <a:endParaRPr/>
+              <a:rPr lang="fr" dirty="0"/>
+              <a:t>Contenu :</a:t>
+            </a:r>
+            <a:endParaRPr dirty="0"/>
           </a:p>
         </p:txBody>
       </p:sp>
@@ -7973,8 +8263,8 @@
               <a:buChar char="●"/>
             </a:pPr>
             <a:r>
-              <a:rPr lang="fr" dirty="0"/>
-              <a:t>En raison de la demande croissante, la gestion des magasins devient un gros problème. Un obstacle à la productivité des commerçants.</a:t>
+              <a:rPr lang="fr-FR" dirty="0"/>
+              <a:t>Dans la ville de Safi, il y a un magasin de vêtements très connu qui a beaucoup de clients, mais ce magasin n'a pas de site internet pour vendre ses produits, et cela l'a amené à faire face au problème de ne pas vendre ces produits pendant la période Covid , en plus du fait qu'il y a beaucoup d'habitants de la ville qui n'ont pas le temps de Afin d'acheter des vêtements pour eux et leurs familles</a:t>
             </a:r>
             <a:endParaRPr dirty="0"/>
           </a:p>
@@ -8338,6 +8628,10 @@
           </a:bodyPr>
           <a:lstStyle/>
           <a:p>
+            <a:r>
+              <a:rPr lang="fr-FR" dirty="0"/>
+              <a:t>Les parties :</a:t>
+            </a:r>
             <a:endParaRPr lang="fr-MA" dirty="0"/>
           </a:p>
         </p:txBody>
@@ -8446,8 +8740,8 @@
         </p:nvSpPr>
         <p:spPr>
           <a:xfrm>
-            <a:off x="720000" y="1327400"/>
-            <a:ext cx="5699100" cy="3166200"/>
+            <a:off x="720000" y="891153"/>
+            <a:ext cx="7067898" cy="3602447"/>
           </a:xfrm>
           <a:prstGeom prst="rect">
             <a:avLst/>
@@ -8455,11 +8749,11 @@
         </p:spPr>
         <p:txBody>
           <a:bodyPr spcFirstLastPara="1" wrap="square" lIns="91425" tIns="91425" rIns="91425" bIns="91425" anchor="t" anchorCtr="0">
-            <a:normAutofit/>
+            <a:normAutofit fontScale="92500"/>
           </a:bodyPr>
           <a:lstStyle/>
           <a:p>
-            <a:pPr marL="457200" lvl="0" indent="-317500" algn="l" rtl="0">
+            <a:pPr marL="139700" lvl="0" indent="0" algn="l" rtl="0">
               <a:spcBef>
                 <a:spcPts val="0"/>
               </a:spcBef>
@@ -8467,16 +8761,32 @@
                 <a:spcPts val="0"/>
               </a:spcAft>
               <a:buSzPts val="1400"/>
-              <a:buAutoNum type="arabicPeriod"/>
+              <a:buNone/>
             </a:pPr>
             <a:r>
-              <a:rPr lang="fr" dirty="0"/>
-              <a:t>Diagramme de cas d'utilisation</a:t>
+              <a:rPr lang="fr" b="1" dirty="0"/>
+              <a:t>Diagramme de cas d'utilisation :</a:t>
+            </a:r>
+          </a:p>
+          <a:p>
+            <a:pPr marL="139700" lvl="0" indent="0" algn="l" rtl="0">
+              <a:spcBef>
+                <a:spcPts val="0"/>
+              </a:spcBef>
+              <a:spcAft>
+                <a:spcPts val="0"/>
+              </a:spcAft>
+              <a:buSzPts val="1400"/>
+              <a:buNone/>
+            </a:pPr>
+            <a:r>
+              <a:rPr lang="fr-FR" dirty="0"/>
+              <a:t>décrire les fonctions de haut niveau et la portée d'un système. Ces diagrammes identifient également les interactions entre le système et ses acteurs.</a:t>
             </a:r>
             <a:endParaRPr dirty="0"/>
           </a:p>
           <a:p>
-            <a:pPr marL="457200" lvl="0" indent="-317500" algn="l" rtl="0">
+            <a:pPr marL="139700" lvl="0" indent="0" algn="l" rtl="0">
               <a:spcBef>
                 <a:spcPts val="0"/>
               </a:spcBef>
@@ -8484,15 +8794,15 @@
                 <a:spcPts val="0"/>
               </a:spcAft>
               <a:buSzPts val="1400"/>
-              <a:buAutoNum type="arabicPeriod"/>
+              <a:buNone/>
             </a:pPr>
             <a:r>
-              <a:rPr lang="fr" dirty="0"/>
-              <a:t>Diagramme de classes</a:t>
-            </a:r>
-          </a:p>
-          <a:p>
-            <a:pPr marL="457200" lvl="0" indent="-317500" algn="l" rtl="0">
+              <a:rPr lang="fr" b="1" dirty="0"/>
+              <a:t>Diagramme de classes :</a:t>
+            </a:r>
+          </a:p>
+          <a:p>
+            <a:pPr marL="139700" lvl="0" indent="0" algn="l" rtl="0">
               <a:spcBef>
                 <a:spcPts val="0"/>
               </a:spcBef>
@@ -8500,11 +8810,44 @@
                 <a:spcPts val="0"/>
               </a:spcAft>
               <a:buSzPts val="1400"/>
-              <a:buAutoNum type="arabicPeriod"/>
+              <a:buNone/>
             </a:pPr>
             <a:r>
-              <a:rPr lang="fr" dirty="0"/>
-              <a:t>Diagramme de séquence</a:t>
+              <a:rPr lang="fr-FR" dirty="0"/>
+              <a:t>pour modéliser les objets qui composent le système, pour afficher les relations entre les objets</a:t>
+            </a:r>
+            <a:endParaRPr lang="fr" dirty="0"/>
+          </a:p>
+          <a:p>
+            <a:pPr marL="139700" lvl="0" indent="0" algn="l" rtl="0">
+              <a:spcBef>
+                <a:spcPts val="0"/>
+              </a:spcBef>
+              <a:spcAft>
+                <a:spcPts val="0"/>
+              </a:spcAft>
+              <a:buSzPts val="1400"/>
+              <a:buNone/>
+            </a:pPr>
+            <a:r>
+              <a:rPr lang="fr" b="1" dirty="0"/>
+              <a:t>Diagramme de séquence :</a:t>
+            </a:r>
+          </a:p>
+          <a:p>
+            <a:pPr marL="139700" lvl="0" indent="0" algn="l" rtl="0">
+              <a:spcBef>
+                <a:spcPts val="0"/>
+              </a:spcBef>
+              <a:spcAft>
+                <a:spcPts val="0"/>
+              </a:spcAft>
+              <a:buSzPts val="1400"/>
+              <a:buNone/>
+            </a:pPr>
+            <a:r>
+              <a:rPr lang="fr-FR" dirty="0"/>
+              <a:t>montre la séquence de messages transmis entre les objets. Les diagrammes de séquence peuvent également montrer les structures de contrôle entre les objets.</a:t>
             </a:r>
             <a:endParaRPr dirty="0"/>
           </a:p>
@@ -8521,6 +8864,10 @@
           </p:nvPr>
         </p:nvSpPr>
         <p:spPr>
+          <a:xfrm>
+            <a:off x="720000" y="137044"/>
+            <a:ext cx="7752300" cy="572700"/>
+          </a:xfrm>
           <a:prstGeom prst="rect">
             <a:avLst/>
           </a:prstGeom>
